--- a/jsp/project_201644008_3.pptx
+++ b/jsp/project_201644008_3.pptx
@@ -6,33 +6,34 @@
   </p:sldMasterIdLst>
   <p:sldIdLst>
     <p:sldId id="265" r:id="rId2"/>
-    <p:sldId id="267" r:id="rId3"/>
-    <p:sldId id="268" r:id="rId4"/>
-    <p:sldId id="280" r:id="rId5"/>
-    <p:sldId id="281" r:id="rId6"/>
-    <p:sldId id="270" r:id="rId7"/>
-    <p:sldId id="271" r:id="rId8"/>
+    <p:sldId id="268" r:id="rId3"/>
+    <p:sldId id="280" r:id="rId4"/>
+    <p:sldId id="281" r:id="rId5"/>
+    <p:sldId id="270" r:id="rId6"/>
+    <p:sldId id="271" r:id="rId7"/>
+    <p:sldId id="284" r:id="rId8"/>
     <p:sldId id="269" r:id="rId9"/>
     <p:sldId id="272" r:id="rId10"/>
     <p:sldId id="274" r:id="rId11"/>
     <p:sldId id="275" r:id="rId12"/>
     <p:sldId id="279" r:id="rId13"/>
     <p:sldId id="276" r:id="rId14"/>
-    <p:sldId id="277" r:id="rId15"/>
-    <p:sldId id="278" r:id="rId16"/>
-    <p:sldId id="266" r:id="rId17"/>
+    <p:sldId id="282" r:id="rId15"/>
+    <p:sldId id="277" r:id="rId16"/>
+    <p:sldId id="278" r:id="rId17"/>
+    <p:sldId id="266" r:id="rId18"/>
   </p:sldIdLst>
   <p:sldSz cx="12192000" cy="6858000"/>
   <p:notesSz cx="6858000" cy="9144000"/>
   <p:embeddedFontLst>
     <p:embeddedFont>
-      <p:font typeface="맑은 고딕" panose="020B0503020000020004" pitchFamily="50" charset="-127"/>
-      <p:regular r:id="rId18"/>
-      <p:bold r:id="rId19"/>
+      <p:font typeface="Malgun Gothic Semilight" panose="020B0502040204020203" pitchFamily="50" charset="-127"/>
+      <p:regular r:id="rId19"/>
     </p:embeddedFont>
     <p:embeddedFont>
-      <p:font typeface="Malgun Gothic Semilight" panose="020B0502040204020203" pitchFamily="50" charset="-127"/>
+      <p:font typeface="맑은 고딕" panose="020B0503020000020004" pitchFamily="50" charset="-127"/>
       <p:regular r:id="rId20"/>
+      <p:bold r:id="rId21"/>
     </p:embeddedFont>
   </p:embeddedFontLst>
   <p:defaultTextStyle>
@@ -3481,7 +3482,7 @@
                 <a:ea typeface="Malgun Gothic Semilight" panose="020B0502040204020203" pitchFamily="50" charset="-127"/>
                 <a:cs typeface="Malgun Gothic Semilight" panose="020B0502040204020203" pitchFamily="50" charset="-127"/>
               </a:rPr>
-              <a:t>Screen Design – “Login”</a:t>
+              <a:t>View – “Login”</a:t>
             </a:r>
           </a:p>
         </p:txBody>
@@ -3751,17 +3752,17 @@
                 <a:ea typeface="Malgun Gothic Semilight" panose="020B0502040204020203" pitchFamily="50" charset="-127"/>
                 <a:cs typeface="Malgun Gothic Semilight" panose="020B0502040204020203" pitchFamily="50" charset="-127"/>
               </a:rPr>
-              <a:t>Screen Design – “Journey”</a:t>
+              <a:t>View – “Journey”</a:t>
             </a:r>
           </a:p>
         </p:txBody>
       </p:sp>
       <p:pic>
         <p:nvPicPr>
-          <p:cNvPr id="4" name="그림 3">
+          <p:cNvPr id="2" name="그림 1">
             <a:extLst>
               <a:ext uri="{FF2B5EF4-FFF2-40B4-BE49-F238E27FC236}">
-                <a16:creationId xmlns:a16="http://schemas.microsoft.com/office/drawing/2014/main" id="{137E32C2-F0ED-4389-B6C5-825D617170D1}"/>
+                <a16:creationId xmlns:a16="http://schemas.microsoft.com/office/drawing/2014/main" id="{49FBA912-ECFE-456D-803F-3A01821B8AF0}"/>
               </a:ext>
             </a:extLst>
           </p:cNvPr>
@@ -3778,8 +3779,8 @@
         </p:blipFill>
         <p:spPr>
           <a:xfrm>
-            <a:off x="1328894" y="2196975"/>
-            <a:ext cx="9534211" cy="2926408"/>
+            <a:off x="1472185" y="1292632"/>
+            <a:ext cx="9247629" cy="5204631"/>
           </a:xfrm>
           <a:prstGeom prst="rect">
             <a:avLst/>
@@ -3991,17 +3992,17 @@
                 <a:ea typeface="Malgun Gothic Semilight" panose="020B0502040204020203" pitchFamily="50" charset="-127"/>
                 <a:cs typeface="Malgun Gothic Semilight" panose="020B0502040204020203" pitchFamily="50" charset="-127"/>
               </a:rPr>
-              <a:t>Screen Design – “Portfolio”</a:t>
+              <a:t>View – “Portfolio”</a:t>
             </a:r>
           </a:p>
         </p:txBody>
       </p:sp>
       <p:pic>
         <p:nvPicPr>
-          <p:cNvPr id="2" name="그림 1">
+          <p:cNvPr id="3" name="그림 2">
             <a:extLst>
               <a:ext uri="{FF2B5EF4-FFF2-40B4-BE49-F238E27FC236}">
-                <a16:creationId xmlns:a16="http://schemas.microsoft.com/office/drawing/2014/main" id="{DC978BB3-1DB2-43F8-9BB1-00EDE561431B}"/>
+                <a16:creationId xmlns:a16="http://schemas.microsoft.com/office/drawing/2014/main" id="{6B112AC8-9419-46A6-9450-92843F6A7D9C}"/>
               </a:ext>
             </a:extLst>
           </p:cNvPr>
@@ -4018,8 +4019,8 @@
         </p:blipFill>
         <p:spPr>
           <a:xfrm>
-            <a:off x="1491237" y="1117659"/>
-            <a:ext cx="9209526" cy="5623344"/>
+            <a:off x="1929471" y="1180432"/>
+            <a:ext cx="8333055" cy="5236392"/>
           </a:xfrm>
           <a:prstGeom prst="rect">
             <a:avLst/>
@@ -4231,7 +4232,7 @@
                 <a:ea typeface="Malgun Gothic Semilight" panose="020B0502040204020203" pitchFamily="50" charset="-127"/>
                 <a:cs typeface="Malgun Gothic Semilight" panose="020B0502040204020203" pitchFamily="50" charset="-127"/>
               </a:rPr>
-              <a:t>Screen Design – “</a:t>
+              <a:t>View – “</a:t>
             </a:r>
             <a:r>
               <a:rPr lang="en-US" altLang="ko-KR" sz="2000" spc="-150" dirty="0" err="1">
@@ -4286,36 +4287,6 @@
           </a:p>
         </p:txBody>
       </p:sp>
-      <p:pic>
-        <p:nvPicPr>
-          <p:cNvPr id="2" name="그림 1">
-            <a:extLst>
-              <a:ext uri="{FF2B5EF4-FFF2-40B4-BE49-F238E27FC236}">
-                <a16:creationId xmlns:a16="http://schemas.microsoft.com/office/drawing/2014/main" id="{30C461FA-8D28-45BD-A7E4-9E6B5713B12D}"/>
-              </a:ext>
-            </a:extLst>
-          </p:cNvPr>
-          <p:cNvPicPr>
-            <a:picLocks noChangeAspect="1"/>
-          </p:cNvPicPr>
-          <p:nvPr/>
-        </p:nvPicPr>
-        <p:blipFill>
-          <a:blip r:embed="rId2"/>
-          <a:stretch>
-            <a:fillRect/>
-          </a:stretch>
-        </p:blipFill>
-        <p:spPr>
-          <a:xfrm>
-            <a:off x="1112087" y="1596715"/>
-            <a:ext cx="9967824" cy="3962743"/>
-          </a:xfrm>
-          <a:prstGeom prst="rect">
-            <a:avLst/>
-          </a:prstGeom>
-        </p:spPr>
-      </p:pic>
       <p:pic>
         <p:nvPicPr>
           <p:cNvPr id="3" name="그림 2">
@@ -4331,6 +4302,36 @@
           <p:nvPr/>
         </p:nvPicPr>
         <p:blipFill>
+          <a:blip r:embed="rId2"/>
+          <a:stretch>
+            <a:fillRect/>
+          </a:stretch>
+        </p:blipFill>
+        <p:spPr>
+          <a:xfrm>
+            <a:off x="1112087" y="5812375"/>
+            <a:ext cx="3360711" cy="655377"/>
+          </a:xfrm>
+          <a:prstGeom prst="rect">
+            <a:avLst/>
+          </a:prstGeom>
+        </p:spPr>
+      </p:pic>
+      <p:pic>
+        <p:nvPicPr>
+          <p:cNvPr id="4" name="그림 3">
+            <a:extLst>
+              <a:ext uri="{FF2B5EF4-FFF2-40B4-BE49-F238E27FC236}">
+                <a16:creationId xmlns:a16="http://schemas.microsoft.com/office/drawing/2014/main" id="{ABA96DF8-D387-4648-BD14-B6B25D5B38F0}"/>
+              </a:ext>
+            </a:extLst>
+          </p:cNvPr>
+          <p:cNvPicPr>
+            <a:picLocks noChangeAspect="1"/>
+          </p:cNvPicPr>
+          <p:nvPr/>
+        </p:nvPicPr>
+        <p:blipFill>
           <a:blip r:embed="rId3"/>
           <a:stretch>
             <a:fillRect/>
@@ -4338,8 +4339,8 @@
         </p:blipFill>
         <p:spPr>
           <a:xfrm>
-            <a:off x="1112087" y="5812375"/>
-            <a:ext cx="3360711" cy="655377"/>
+            <a:off x="654848" y="1226629"/>
+            <a:ext cx="10882303" cy="4404742"/>
           </a:xfrm>
           <a:prstGeom prst="rect">
             <a:avLst/>
@@ -4509,8 +4510,8 @@
         </p:nvSpPr>
         <p:spPr>
           <a:xfrm>
-            <a:off x="3255988" y="441176"/>
-            <a:ext cx="5680021" cy="494494"/>
+            <a:off x="3931118" y="441176"/>
+            <a:ext cx="4329763" cy="494494"/>
           </a:xfrm>
           <a:prstGeom prst="rect">
             <a:avLst/>
@@ -4551,7 +4552,7 @@
                 <a:ea typeface="Malgun Gothic Semilight" panose="020B0502040204020203" pitchFamily="50" charset="-127"/>
                 <a:cs typeface="Malgun Gothic Semilight" panose="020B0502040204020203" pitchFamily="50" charset="-127"/>
               </a:rPr>
-              <a:t>Screen Design – “</a:t>
+              <a:t>View – “</a:t>
             </a:r>
             <a:r>
               <a:rPr lang="en-US" altLang="ko-KR" sz="2000" spc="-150" dirty="0" err="1">
@@ -4576,57 +4577,7 @@
                 <a:ea typeface="Malgun Gothic Semilight" panose="020B0502040204020203" pitchFamily="50" charset="-127"/>
                 <a:cs typeface="Malgun Gothic Semilight" panose="020B0502040204020203" pitchFamily="50" charset="-127"/>
               </a:rPr>
-              <a:t>JourneyInsert</a:t>
-            </a:r>
-            <a:r>
-              <a:rPr lang="en-US" altLang="ko-KR" sz="2000" spc="-150" dirty="0">
-                <a:gradFill>
-                  <a:gsLst>
-                    <a:gs pos="83000">
-                      <a:schemeClr val="tx1">
-                        <a:lumMod val="75000"/>
-                        <a:lumOff val="25000"/>
-                      </a:schemeClr>
-                    </a:gs>
-                    <a:gs pos="100000">
-                      <a:schemeClr val="tx1">
-                        <a:lumMod val="75000"/>
-                        <a:lumOff val="25000"/>
-                      </a:schemeClr>
-                    </a:gs>
-                  </a:gsLst>
-                  <a:lin ang="5400000" scaled="1"/>
-                </a:gradFill>
-                <a:latin typeface="Malgun Gothic Semilight" panose="020B0502040204020203" pitchFamily="50" charset="-127"/>
-                <a:ea typeface="Malgun Gothic Semilight" panose="020B0502040204020203" pitchFamily="50" charset="-127"/>
-                <a:cs typeface="Malgun Gothic Semilight" panose="020B0502040204020203" pitchFamily="50" charset="-127"/>
-              </a:rPr>
-              <a:t>”, “</a:t>
-            </a:r>
-            <a:r>
-              <a:rPr lang="en-US" altLang="ko-KR" sz="2000" spc="-150" dirty="0" err="1">
-                <a:gradFill>
-                  <a:gsLst>
-                    <a:gs pos="83000">
-                      <a:schemeClr val="tx1">
-                        <a:lumMod val="75000"/>
-                        <a:lumOff val="25000"/>
-                      </a:schemeClr>
-                    </a:gs>
-                    <a:gs pos="100000">
-                      <a:schemeClr val="tx1">
-                        <a:lumMod val="75000"/>
-                        <a:lumOff val="25000"/>
-                      </a:schemeClr>
-                    </a:gs>
-                  </a:gsLst>
-                  <a:lin ang="5400000" scaled="1"/>
-                </a:gradFill>
-                <a:latin typeface="Malgun Gothic Semilight" panose="020B0502040204020203" pitchFamily="50" charset="-127"/>
-                <a:ea typeface="Malgun Gothic Semilight" panose="020B0502040204020203" pitchFamily="50" charset="-127"/>
-                <a:cs typeface="Malgun Gothic Semilight" panose="020B0502040204020203" pitchFamily="50" charset="-127"/>
-              </a:rPr>
-              <a:t>JourneyUpdate</a:t>
+              <a:t>PortfolioDetail</a:t>
             </a:r>
             <a:r>
               <a:rPr lang="en-US" altLang="ko-KR" sz="2000" spc="-150" dirty="0">
@@ -4658,10 +4609,10 @@
       </p:sp>
       <p:pic>
         <p:nvPicPr>
-          <p:cNvPr id="4" name="그림 3">
+          <p:cNvPr id="2" name="그림 1">
             <a:extLst>
               <a:ext uri="{FF2B5EF4-FFF2-40B4-BE49-F238E27FC236}">
-                <a16:creationId xmlns:a16="http://schemas.microsoft.com/office/drawing/2014/main" id="{F6731A41-0194-4ECE-867A-91C778A5B2B0}"/>
+                <a16:creationId xmlns:a16="http://schemas.microsoft.com/office/drawing/2014/main" id="{1F41640F-79D5-43DC-84E0-AB98D69466A2}"/>
               </a:ext>
             </a:extLst>
           </p:cNvPr>
@@ -4678,8 +4629,8 @@
         </p:blipFill>
         <p:spPr>
           <a:xfrm>
-            <a:off x="1361840" y="1401295"/>
-            <a:ext cx="9468320" cy="4870371"/>
+            <a:off x="1796668" y="1129984"/>
+            <a:ext cx="8598663" cy="5367279"/>
           </a:xfrm>
           <a:prstGeom prst="rect">
             <a:avLst/>
@@ -4689,7 +4640,7 @@
     </p:spTree>
     <p:extLst>
       <p:ext uri="{BB962C8B-B14F-4D97-AF65-F5344CB8AC3E}">
-        <p14:creationId xmlns:p14="http://schemas.microsoft.com/office/powerpoint/2010/main" val="1545506008"/>
+        <p14:creationId xmlns:p14="http://schemas.microsoft.com/office/powerpoint/2010/main" val="2380495118"/>
       </p:ext>
     </p:extLst>
   </p:cSld>
@@ -4891,7 +4842,347 @@
                 <a:ea typeface="Malgun Gothic Semilight" panose="020B0502040204020203" pitchFamily="50" charset="-127"/>
                 <a:cs typeface="Malgun Gothic Semilight" panose="020B0502040204020203" pitchFamily="50" charset="-127"/>
               </a:rPr>
-              <a:t>Screen Design – “</a:t>
+              <a:t>View – “</a:t>
+            </a:r>
+            <a:r>
+              <a:rPr lang="en-US" altLang="ko-KR" sz="2000" spc="-150" dirty="0" err="1">
+                <a:gradFill>
+                  <a:gsLst>
+                    <a:gs pos="83000">
+                      <a:schemeClr val="tx1">
+                        <a:lumMod val="75000"/>
+                        <a:lumOff val="25000"/>
+                      </a:schemeClr>
+                    </a:gs>
+                    <a:gs pos="100000">
+                      <a:schemeClr val="tx1">
+                        <a:lumMod val="75000"/>
+                        <a:lumOff val="25000"/>
+                      </a:schemeClr>
+                    </a:gs>
+                  </a:gsLst>
+                  <a:lin ang="5400000" scaled="1"/>
+                </a:gradFill>
+                <a:latin typeface="Malgun Gothic Semilight" panose="020B0502040204020203" pitchFamily="50" charset="-127"/>
+                <a:ea typeface="Malgun Gothic Semilight" panose="020B0502040204020203" pitchFamily="50" charset="-127"/>
+                <a:cs typeface="Malgun Gothic Semilight" panose="020B0502040204020203" pitchFamily="50" charset="-127"/>
+              </a:rPr>
+              <a:t>JourneyInsert</a:t>
+            </a:r>
+            <a:r>
+              <a:rPr lang="en-US" altLang="ko-KR" sz="2000" spc="-150" dirty="0">
+                <a:gradFill>
+                  <a:gsLst>
+                    <a:gs pos="83000">
+                      <a:schemeClr val="tx1">
+                        <a:lumMod val="75000"/>
+                        <a:lumOff val="25000"/>
+                      </a:schemeClr>
+                    </a:gs>
+                    <a:gs pos="100000">
+                      <a:schemeClr val="tx1">
+                        <a:lumMod val="75000"/>
+                        <a:lumOff val="25000"/>
+                      </a:schemeClr>
+                    </a:gs>
+                  </a:gsLst>
+                  <a:lin ang="5400000" scaled="1"/>
+                </a:gradFill>
+                <a:latin typeface="Malgun Gothic Semilight" panose="020B0502040204020203" pitchFamily="50" charset="-127"/>
+                <a:ea typeface="Malgun Gothic Semilight" panose="020B0502040204020203" pitchFamily="50" charset="-127"/>
+                <a:cs typeface="Malgun Gothic Semilight" panose="020B0502040204020203" pitchFamily="50" charset="-127"/>
+              </a:rPr>
+              <a:t>”, “</a:t>
+            </a:r>
+            <a:r>
+              <a:rPr lang="en-US" altLang="ko-KR" sz="2000" spc="-150" dirty="0" err="1">
+                <a:gradFill>
+                  <a:gsLst>
+                    <a:gs pos="83000">
+                      <a:schemeClr val="tx1">
+                        <a:lumMod val="75000"/>
+                        <a:lumOff val="25000"/>
+                      </a:schemeClr>
+                    </a:gs>
+                    <a:gs pos="100000">
+                      <a:schemeClr val="tx1">
+                        <a:lumMod val="75000"/>
+                        <a:lumOff val="25000"/>
+                      </a:schemeClr>
+                    </a:gs>
+                  </a:gsLst>
+                  <a:lin ang="5400000" scaled="1"/>
+                </a:gradFill>
+                <a:latin typeface="Malgun Gothic Semilight" panose="020B0502040204020203" pitchFamily="50" charset="-127"/>
+                <a:ea typeface="Malgun Gothic Semilight" panose="020B0502040204020203" pitchFamily="50" charset="-127"/>
+                <a:cs typeface="Malgun Gothic Semilight" panose="020B0502040204020203" pitchFamily="50" charset="-127"/>
+              </a:rPr>
+              <a:t>JourneyUpdate</a:t>
+            </a:r>
+            <a:r>
+              <a:rPr lang="en-US" altLang="ko-KR" sz="2000" spc="-150" dirty="0">
+                <a:gradFill>
+                  <a:gsLst>
+                    <a:gs pos="83000">
+                      <a:schemeClr val="tx1">
+                        <a:lumMod val="75000"/>
+                        <a:lumOff val="25000"/>
+                      </a:schemeClr>
+                    </a:gs>
+                    <a:gs pos="100000">
+                      <a:schemeClr val="tx1">
+                        <a:lumMod val="75000"/>
+                        <a:lumOff val="25000"/>
+                      </a:schemeClr>
+                    </a:gs>
+                  </a:gsLst>
+                  <a:lin ang="5400000" scaled="1"/>
+                </a:gradFill>
+                <a:latin typeface="Malgun Gothic Semilight" panose="020B0502040204020203" pitchFamily="50" charset="-127"/>
+                <a:ea typeface="Malgun Gothic Semilight" panose="020B0502040204020203" pitchFamily="50" charset="-127"/>
+                <a:cs typeface="Malgun Gothic Semilight" panose="020B0502040204020203" pitchFamily="50" charset="-127"/>
+              </a:rPr>
+              <a:t>”</a:t>
+            </a:r>
+          </a:p>
+        </p:txBody>
+      </p:sp>
+      <p:pic>
+        <p:nvPicPr>
+          <p:cNvPr id="4" name="그림 3">
+            <a:extLst>
+              <a:ext uri="{FF2B5EF4-FFF2-40B4-BE49-F238E27FC236}">
+                <a16:creationId xmlns:a16="http://schemas.microsoft.com/office/drawing/2014/main" id="{F6731A41-0194-4ECE-867A-91C778A5B2B0}"/>
+              </a:ext>
+            </a:extLst>
+          </p:cNvPr>
+          <p:cNvPicPr>
+            <a:picLocks noChangeAspect="1"/>
+          </p:cNvPicPr>
+          <p:nvPr/>
+        </p:nvPicPr>
+        <p:blipFill>
+          <a:blip r:embed="rId2"/>
+          <a:stretch>
+            <a:fillRect/>
+          </a:stretch>
+        </p:blipFill>
+        <p:spPr>
+          <a:xfrm>
+            <a:off x="1361840" y="1401295"/>
+            <a:ext cx="9468320" cy="4870371"/>
+          </a:xfrm>
+          <a:prstGeom prst="rect">
+            <a:avLst/>
+          </a:prstGeom>
+        </p:spPr>
+      </p:pic>
+    </p:spTree>
+    <p:extLst>
+      <p:ext uri="{BB962C8B-B14F-4D97-AF65-F5344CB8AC3E}">
+        <p14:creationId xmlns:p14="http://schemas.microsoft.com/office/powerpoint/2010/main" val="1545506008"/>
+      </p:ext>
+    </p:extLst>
+  </p:cSld>
+  <p:clrMapOvr>
+    <a:masterClrMapping/>
+  </p:clrMapOvr>
+</p:sld>
+</file>
+
+<file path=ppt/slides/slide16.xml><?xml version="1.0" encoding="utf-8"?>
+<p:sld xmlns:a="http://schemas.openxmlformats.org/drawingml/2006/main" xmlns:r="http://schemas.openxmlformats.org/officeDocument/2006/relationships" xmlns:p="http://schemas.openxmlformats.org/presentationml/2006/main">
+  <p:cSld>
+    <p:bg>
+      <p:bgPr>
+        <a:solidFill>
+          <a:schemeClr val="bg1"/>
+        </a:solidFill>
+        <a:effectLst/>
+      </p:bgPr>
+    </p:bg>
+    <p:spTree>
+      <p:nvGrpSpPr>
+        <p:cNvPr id="1" name=""/>
+        <p:cNvGrpSpPr/>
+        <p:nvPr/>
+      </p:nvGrpSpPr>
+      <p:grpSpPr>
+        <a:xfrm>
+          <a:off x="0" y="0"/>
+          <a:ext cx="0" cy="0"/>
+          <a:chOff x="0" y="0"/>
+          <a:chExt cx="0" cy="0"/>
+        </a:xfrm>
+      </p:grpSpPr>
+      <p:sp>
+        <p:nvSpPr>
+          <p:cNvPr id="12" name="TextBox 11">
+            <a:extLst>
+              <a:ext uri="{FF2B5EF4-FFF2-40B4-BE49-F238E27FC236}">
+                <a16:creationId xmlns:a16="http://schemas.microsoft.com/office/drawing/2014/main" id="{72C1CBAC-EF92-40FE-A9AB-F06B1C7F436D}"/>
+              </a:ext>
+            </a:extLst>
+          </p:cNvPr>
+          <p:cNvSpPr txBox="1"/>
+          <p:nvPr/>
+        </p:nvSpPr>
+        <p:spPr>
+          <a:xfrm>
+            <a:off x="435427" y="360737"/>
+            <a:ext cx="1842664" cy="655372"/>
+          </a:xfrm>
+          <a:prstGeom prst="rect">
+            <a:avLst/>
+          </a:prstGeom>
+          <a:noFill/>
+        </p:spPr>
+        <p:txBody>
+          <a:bodyPr wrap="square" rtlCol="0">
+            <a:spAutoFit/>
+          </a:bodyPr>
+          <a:lstStyle/>
+          <a:p>
+            <a:pPr algn="ctr">
+              <a:lnSpc>
+                <a:spcPct val="150000"/>
+              </a:lnSpc>
+            </a:pPr>
+            <a:r>
+              <a:rPr lang="en-US" altLang="ko-KR" sz="2800" b="1" spc="-150" dirty="0">
+                <a:gradFill>
+                  <a:gsLst>
+                    <a:gs pos="83000">
+                      <a:schemeClr val="tx1">
+                        <a:lumMod val="75000"/>
+                        <a:lumOff val="25000"/>
+                      </a:schemeClr>
+                    </a:gs>
+                    <a:gs pos="100000">
+                      <a:schemeClr val="tx1">
+                        <a:lumMod val="75000"/>
+                        <a:lumOff val="25000"/>
+                      </a:schemeClr>
+                    </a:gs>
+                  </a:gsLst>
+                  <a:lin ang="5400000" scaled="1"/>
+                </a:gradFill>
+                <a:latin typeface="Malgun Gothic Semilight" panose="020B0502040204020203" pitchFamily="50" charset="-127"/>
+                <a:ea typeface="Malgun Gothic Semilight" panose="020B0502040204020203" pitchFamily="50" charset="-127"/>
+                <a:cs typeface="Malgun Gothic Semilight" panose="020B0502040204020203" pitchFamily="50" charset="-127"/>
+              </a:rPr>
+              <a:t>JSP</a:t>
+            </a:r>
+            <a:r>
+              <a:rPr lang="ko-KR" altLang="en-US" sz="2800" b="1" spc="-150" dirty="0">
+                <a:gradFill>
+                  <a:gsLst>
+                    <a:gs pos="83000">
+                      <a:schemeClr val="tx1">
+                        <a:lumMod val="75000"/>
+                        <a:lumOff val="25000"/>
+                      </a:schemeClr>
+                    </a:gs>
+                    <a:gs pos="100000">
+                      <a:schemeClr val="tx1">
+                        <a:lumMod val="75000"/>
+                        <a:lumOff val="25000"/>
+                      </a:schemeClr>
+                    </a:gs>
+                  </a:gsLst>
+                  <a:lin ang="5400000" scaled="1"/>
+                </a:gradFill>
+                <a:latin typeface="Malgun Gothic Semilight" panose="020B0502040204020203" pitchFamily="50" charset="-127"/>
+                <a:ea typeface="Malgun Gothic Semilight" panose="020B0502040204020203" pitchFamily="50" charset="-127"/>
+                <a:cs typeface="Malgun Gothic Semilight" panose="020B0502040204020203" pitchFamily="50" charset="-127"/>
+              </a:rPr>
+              <a:t> </a:t>
+            </a:r>
+            <a:r>
+              <a:rPr lang="en-US" altLang="ko-KR" sz="2800" b="1" spc="-150" dirty="0">
+                <a:gradFill>
+                  <a:gsLst>
+                    <a:gs pos="83000">
+                      <a:schemeClr val="tx1">
+                        <a:lumMod val="75000"/>
+                        <a:lumOff val="25000"/>
+                      </a:schemeClr>
+                    </a:gs>
+                    <a:gs pos="100000">
+                      <a:schemeClr val="tx1">
+                        <a:lumMod val="75000"/>
+                        <a:lumOff val="25000"/>
+                      </a:schemeClr>
+                    </a:gs>
+                  </a:gsLst>
+                  <a:lin ang="5400000" scaled="1"/>
+                </a:gradFill>
+                <a:latin typeface="Malgun Gothic Semilight" panose="020B0502040204020203" pitchFamily="50" charset="-127"/>
+                <a:ea typeface="Malgun Gothic Semilight" panose="020B0502040204020203" pitchFamily="50" charset="-127"/>
+                <a:cs typeface="Malgun Gothic Semilight" panose="020B0502040204020203" pitchFamily="50" charset="-127"/>
+              </a:rPr>
+              <a:t>Project</a:t>
+            </a:r>
+          </a:p>
+        </p:txBody>
+      </p:sp>
+      <p:sp>
+        <p:nvSpPr>
+          <p:cNvPr id="13" name="TextBox 12">
+            <a:extLst>
+              <a:ext uri="{FF2B5EF4-FFF2-40B4-BE49-F238E27FC236}">
+                <a16:creationId xmlns:a16="http://schemas.microsoft.com/office/drawing/2014/main" id="{4EC86F03-8472-4595-A2F7-14C357D690FD}"/>
+              </a:ext>
+            </a:extLst>
+          </p:cNvPr>
+          <p:cNvSpPr txBox="1"/>
+          <p:nvPr/>
+        </p:nvSpPr>
+        <p:spPr>
+          <a:xfrm>
+            <a:off x="3255988" y="452062"/>
+            <a:ext cx="5680021" cy="494494"/>
+          </a:xfrm>
+          <a:prstGeom prst="rect">
+            <a:avLst/>
+          </a:prstGeom>
+          <a:noFill/>
+        </p:spPr>
+        <p:txBody>
+          <a:bodyPr wrap="square" rtlCol="0">
+            <a:spAutoFit/>
+          </a:bodyPr>
+          <a:lstStyle/>
+          <a:p>
+            <a:pPr algn="ctr">
+              <a:lnSpc>
+                <a:spcPct val="150000"/>
+              </a:lnSpc>
+            </a:pPr>
+            <a:r>
+              <a:rPr lang="en-US" altLang="ko-KR" sz="2000" spc="-150" dirty="0">
+                <a:gradFill>
+                  <a:gsLst>
+                    <a:gs pos="83000">
+                      <a:schemeClr val="tx1">
+                        <a:lumMod val="75000"/>
+                        <a:lumOff val="25000"/>
+                      </a:schemeClr>
+                    </a:gs>
+                    <a:gs pos="100000">
+                      <a:schemeClr val="tx1">
+                        <a:lumMod val="75000"/>
+                        <a:lumOff val="25000"/>
+                      </a:schemeClr>
+                    </a:gs>
+                  </a:gsLst>
+                  <a:lin ang="5400000" scaled="1"/>
+                </a:gradFill>
+                <a:latin typeface="Malgun Gothic Semilight" panose="020B0502040204020203" pitchFamily="50" charset="-127"/>
+                <a:ea typeface="Malgun Gothic Semilight" panose="020B0502040204020203" pitchFamily="50" charset="-127"/>
+                <a:cs typeface="Malgun Gothic Semilight" panose="020B0502040204020203" pitchFamily="50" charset="-127"/>
+              </a:rPr>
+              <a:t>View – “</a:t>
             </a:r>
             <a:r>
               <a:rPr lang="en-US" altLang="ko-KR" sz="2000" spc="-150" dirty="0" err="1">
@@ -4989,7 +5280,7 @@
 </p:sld>
 </file>
 
-<file path=ppt/slides/slide16.xml><?xml version="1.0" encoding="utf-8"?>
+<file path=ppt/slides/slide17.xml><?xml version="1.0" encoding="utf-8"?>
 <p:sld xmlns:a="http://schemas.openxmlformats.org/drawingml/2006/main" xmlns:r="http://schemas.openxmlformats.org/officeDocument/2006/relationships" xmlns:p="http://schemas.openxmlformats.org/presentationml/2006/main">
   <p:cSld>
     <p:spTree>
@@ -5250,7 +5541,7 @@
         </p:nvSpPr>
         <p:spPr>
           <a:xfrm>
-            <a:off x="4294284" y="521615"/>
+            <a:off x="4357037" y="521615"/>
             <a:ext cx="3477924" cy="494494"/>
           </a:xfrm>
           <a:prstGeom prst="rect">
@@ -5310,7 +5601,7 @@
                 <a:ea typeface="Malgun Gothic Semilight" panose="020B0502040204020203" pitchFamily="50" charset="-127"/>
                 <a:cs typeface="Malgun Gothic Semilight" panose="020B0502040204020203" pitchFamily="50" charset="-127"/>
               </a:rPr>
-              <a:t>선정 이유</a:t>
+              <a:t>개발 환경</a:t>
             </a:r>
             <a:endParaRPr kumimoji="0" lang="en-US" altLang="ko-KR" sz="2000" b="0" i="0" u="none" strike="noStrike" kern="1200" cap="none" spc="-150" normalizeH="0" baseline="0" noProof="0" dirty="0">
               <a:ln>
@@ -5343,639 +5634,6 @@
           </a:p>
         </p:txBody>
       </p:sp>
-      <p:sp>
-        <p:nvSpPr>
-          <p:cNvPr id="14" name="TextBox 13">
-            <a:extLst>
-              <a:ext uri="{FF2B5EF4-FFF2-40B4-BE49-F238E27FC236}">
-                <a16:creationId xmlns:a16="http://schemas.microsoft.com/office/drawing/2014/main" id="{21B9D5D6-849F-4195-B8D6-2932DE5477F7}"/>
-              </a:ext>
-            </a:extLst>
-          </p:cNvPr>
-          <p:cNvSpPr txBox="1"/>
-          <p:nvPr/>
-        </p:nvSpPr>
-        <p:spPr>
-          <a:xfrm>
-            <a:off x="1492030" y="3429000"/>
-            <a:ext cx="9207939" cy="1879489"/>
-          </a:xfrm>
-          <a:prstGeom prst="rect">
-            <a:avLst/>
-          </a:prstGeom>
-          <a:noFill/>
-        </p:spPr>
-        <p:txBody>
-          <a:bodyPr wrap="square" rtlCol="0">
-            <a:spAutoFit/>
-          </a:bodyPr>
-          <a:lstStyle/>
-          <a:p>
-            <a:pPr marL="0" marR="0" lvl="0" indent="0" algn="ctr" defTabSz="914400" rtl="0" eaLnBrk="1" fontAlgn="auto" latinLnBrk="1" hangingPunct="1">
-              <a:lnSpc>
-                <a:spcPct val="150000"/>
-              </a:lnSpc>
-              <a:spcBef>
-                <a:spcPts val="0"/>
-              </a:spcBef>
-              <a:spcAft>
-                <a:spcPts val="0"/>
-              </a:spcAft>
-              <a:buClrTx/>
-              <a:buSzTx/>
-              <a:buFontTx/>
-              <a:buNone/>
-              <a:tabLst/>
-              <a:defRPr/>
-            </a:pPr>
-            <a:r>
-              <a:rPr kumimoji="0" lang="ko-KR" altLang="en-US" sz="2000" b="0" i="0" u="none" strike="noStrike" kern="1200" cap="none" spc="-150" normalizeH="0" baseline="0" noProof="0" dirty="0">
-                <a:ln>
-                  <a:noFill/>
-                </a:ln>
-                <a:gradFill>
-                  <a:gsLst>
-                    <a:gs pos="83000">
-                      <a:prstClr val="black">
-                        <a:lumMod val="75000"/>
-                        <a:lumOff val="25000"/>
-                      </a:prstClr>
-                    </a:gs>
-                    <a:gs pos="100000">
-                      <a:prstClr val="black">
-                        <a:lumMod val="75000"/>
-                        <a:lumOff val="25000"/>
-                      </a:prstClr>
-                    </a:gs>
-                  </a:gsLst>
-                  <a:lin ang="5400000" scaled="1"/>
-                </a:gradFill>
-                <a:effectLst/>
-                <a:uLnTx/>
-                <a:uFillTx/>
-                <a:latin typeface="Malgun Gothic Semilight" panose="020B0502040204020203" pitchFamily="50" charset="-127"/>
-                <a:ea typeface="Malgun Gothic Semilight" panose="020B0502040204020203" pitchFamily="50" charset="-127"/>
-                <a:cs typeface="Malgun Gothic Semilight" panose="020B0502040204020203" pitchFamily="50" charset="-127"/>
-              </a:rPr>
-              <a:t>근로 장학생 신청을 하게 되면서</a:t>
-            </a:r>
-            <a:endParaRPr kumimoji="0" lang="en-US" altLang="ko-KR" sz="2000" b="0" i="0" u="none" strike="noStrike" kern="1200" cap="none" spc="-150" normalizeH="0" baseline="0" noProof="0" dirty="0">
-              <a:ln>
-                <a:noFill/>
-              </a:ln>
-              <a:gradFill>
-                <a:gsLst>
-                  <a:gs pos="83000">
-                    <a:prstClr val="black">
-                      <a:lumMod val="75000"/>
-                      <a:lumOff val="25000"/>
-                    </a:prstClr>
-                  </a:gs>
-                  <a:gs pos="100000">
-                    <a:prstClr val="black">
-                      <a:lumMod val="75000"/>
-                      <a:lumOff val="25000"/>
-                    </a:prstClr>
-                  </a:gs>
-                </a:gsLst>
-                <a:lin ang="5400000" scaled="1"/>
-              </a:gradFill>
-              <a:effectLst/>
-              <a:uLnTx/>
-              <a:uFillTx/>
-              <a:latin typeface="Malgun Gothic Semilight" panose="020B0502040204020203" pitchFamily="50" charset="-127"/>
-              <a:ea typeface="Malgun Gothic Semilight" panose="020B0502040204020203" pitchFamily="50" charset="-127"/>
-              <a:cs typeface="Malgun Gothic Semilight" panose="020B0502040204020203" pitchFamily="50" charset="-127"/>
-            </a:endParaRPr>
-          </a:p>
-          <a:p>
-            <a:pPr marL="0" marR="0" lvl="0" indent="0" algn="ctr" defTabSz="914400" rtl="0" eaLnBrk="1" fontAlgn="auto" latinLnBrk="1" hangingPunct="1">
-              <a:lnSpc>
-                <a:spcPct val="150000"/>
-              </a:lnSpc>
-              <a:spcBef>
-                <a:spcPts val="0"/>
-              </a:spcBef>
-              <a:spcAft>
-                <a:spcPts val="0"/>
-              </a:spcAft>
-              <a:buClrTx/>
-              <a:buSzTx/>
-              <a:buFontTx/>
-              <a:buNone/>
-              <a:tabLst/>
-              <a:defRPr/>
-            </a:pPr>
-            <a:r>
-              <a:rPr kumimoji="0" lang="ko-KR" altLang="en-US" sz="2000" b="0" i="0" u="none" strike="noStrike" kern="1200" cap="none" spc="-150" normalizeH="0" baseline="0" noProof="0" dirty="0">
-                <a:ln>
-                  <a:noFill/>
-                </a:ln>
-                <a:gradFill>
-                  <a:gsLst>
-                    <a:gs pos="83000">
-                      <a:prstClr val="black">
-                        <a:lumMod val="75000"/>
-                        <a:lumOff val="25000"/>
-                      </a:prstClr>
-                    </a:gs>
-                    <a:gs pos="100000">
-                      <a:prstClr val="black">
-                        <a:lumMod val="75000"/>
-                        <a:lumOff val="25000"/>
-                      </a:prstClr>
-                    </a:gs>
-                  </a:gsLst>
-                  <a:lin ang="5400000" scaled="1"/>
-                </a:gradFill>
-                <a:effectLst/>
-                <a:uLnTx/>
-                <a:uFillTx/>
-                <a:latin typeface="Malgun Gothic Semilight" panose="020B0502040204020203" pitchFamily="50" charset="-127"/>
-                <a:ea typeface="Malgun Gothic Semilight" panose="020B0502040204020203" pitchFamily="50" charset="-127"/>
-                <a:cs typeface="Malgun Gothic Semilight" panose="020B0502040204020203" pitchFamily="50" charset="-127"/>
-              </a:rPr>
-              <a:t>이력서를 작성 때에 힘들었던 기억이 있습니다</a:t>
-            </a:r>
-            <a:r>
-              <a:rPr kumimoji="0" lang="en-US" altLang="ko-KR" sz="2000" b="0" i="0" u="none" strike="noStrike" kern="1200" cap="none" spc="-150" normalizeH="0" baseline="0" noProof="0" dirty="0">
-                <a:ln>
-                  <a:noFill/>
-                </a:ln>
-                <a:gradFill>
-                  <a:gsLst>
-                    <a:gs pos="83000">
-                      <a:prstClr val="black">
-                        <a:lumMod val="75000"/>
-                        <a:lumOff val="25000"/>
-                      </a:prstClr>
-                    </a:gs>
-                    <a:gs pos="100000">
-                      <a:prstClr val="black">
-                        <a:lumMod val="75000"/>
-                        <a:lumOff val="25000"/>
-                      </a:prstClr>
-                    </a:gs>
-                  </a:gsLst>
-                  <a:lin ang="5400000" scaled="1"/>
-                </a:gradFill>
-                <a:effectLst/>
-                <a:uLnTx/>
-                <a:uFillTx/>
-                <a:latin typeface="Malgun Gothic Semilight" panose="020B0502040204020203" pitchFamily="50" charset="-127"/>
-                <a:ea typeface="Malgun Gothic Semilight" panose="020B0502040204020203" pitchFamily="50" charset="-127"/>
-                <a:cs typeface="Malgun Gothic Semilight" panose="020B0502040204020203" pitchFamily="50" charset="-127"/>
-              </a:rPr>
-              <a:t>.</a:t>
-            </a:r>
-          </a:p>
-          <a:p>
-            <a:pPr marL="0" marR="0" lvl="0" indent="0" algn="ctr" defTabSz="914400" rtl="0" eaLnBrk="1" fontAlgn="auto" latinLnBrk="1" hangingPunct="1">
-              <a:lnSpc>
-                <a:spcPct val="150000"/>
-              </a:lnSpc>
-              <a:spcBef>
-                <a:spcPts val="0"/>
-              </a:spcBef>
-              <a:spcAft>
-                <a:spcPts val="0"/>
-              </a:spcAft>
-              <a:buClrTx/>
-              <a:buSzTx/>
-              <a:buFontTx/>
-              <a:buNone/>
-              <a:tabLst/>
-              <a:defRPr/>
-            </a:pPr>
-            <a:r>
-              <a:rPr kumimoji="0" lang="ko-KR" altLang="en-US" sz="2000" b="0" i="0" u="none" strike="noStrike" kern="1200" cap="none" spc="-150" normalizeH="0" baseline="0" noProof="0" dirty="0">
-                <a:ln>
-                  <a:noFill/>
-                </a:ln>
-                <a:gradFill>
-                  <a:gsLst>
-                    <a:gs pos="83000">
-                      <a:prstClr val="black">
-                        <a:lumMod val="75000"/>
-                        <a:lumOff val="25000"/>
-                      </a:prstClr>
-                    </a:gs>
-                    <a:gs pos="100000">
-                      <a:prstClr val="black">
-                        <a:lumMod val="75000"/>
-                        <a:lumOff val="25000"/>
-                      </a:prstClr>
-                    </a:gs>
-                  </a:gsLst>
-                  <a:lin ang="5400000" scaled="1"/>
-                </a:gradFill>
-                <a:effectLst/>
-                <a:uLnTx/>
-                <a:uFillTx/>
-                <a:latin typeface="Malgun Gothic Semilight" panose="020B0502040204020203" pitchFamily="50" charset="-127"/>
-                <a:ea typeface="Malgun Gothic Semilight" panose="020B0502040204020203" pitchFamily="50" charset="-127"/>
-                <a:cs typeface="Malgun Gothic Semilight" panose="020B0502040204020203" pitchFamily="50" charset="-127"/>
-              </a:rPr>
-              <a:t>이제 저만의 포트폴리오를 만들어</a:t>
-            </a:r>
-            <a:endParaRPr kumimoji="0" lang="en-US" altLang="ko-KR" sz="2000" b="0" i="0" u="none" strike="noStrike" kern="1200" cap="none" spc="-150" normalizeH="0" baseline="0" noProof="0" dirty="0">
-              <a:ln>
-                <a:noFill/>
-              </a:ln>
-              <a:gradFill>
-                <a:gsLst>
-                  <a:gs pos="83000">
-                    <a:prstClr val="black">
-                      <a:lumMod val="75000"/>
-                      <a:lumOff val="25000"/>
-                    </a:prstClr>
-                  </a:gs>
-                  <a:gs pos="100000">
-                    <a:prstClr val="black">
-                      <a:lumMod val="75000"/>
-                      <a:lumOff val="25000"/>
-                    </a:prstClr>
-                  </a:gs>
-                </a:gsLst>
-                <a:lin ang="5400000" scaled="1"/>
-              </a:gradFill>
-              <a:effectLst/>
-              <a:uLnTx/>
-              <a:uFillTx/>
-              <a:latin typeface="Malgun Gothic Semilight" panose="020B0502040204020203" pitchFamily="50" charset="-127"/>
-              <a:ea typeface="Malgun Gothic Semilight" panose="020B0502040204020203" pitchFamily="50" charset="-127"/>
-              <a:cs typeface="Malgun Gothic Semilight" panose="020B0502040204020203" pitchFamily="50" charset="-127"/>
-            </a:endParaRPr>
-          </a:p>
-          <a:p>
-            <a:pPr marL="0" marR="0" lvl="0" indent="0" algn="ctr" defTabSz="914400" rtl="0" eaLnBrk="1" fontAlgn="auto" latinLnBrk="1" hangingPunct="1">
-              <a:lnSpc>
-                <a:spcPct val="150000"/>
-              </a:lnSpc>
-              <a:spcBef>
-                <a:spcPts val="0"/>
-              </a:spcBef>
-              <a:spcAft>
-                <a:spcPts val="0"/>
-              </a:spcAft>
-              <a:buClrTx/>
-              <a:buSzTx/>
-              <a:buFontTx/>
-              <a:buNone/>
-              <a:tabLst/>
-              <a:defRPr/>
-            </a:pPr>
-            <a:r>
-              <a:rPr kumimoji="0" lang="ko-KR" altLang="en-US" sz="2000" b="0" i="0" u="none" strike="noStrike" kern="1200" cap="none" spc="-150" normalizeH="0" baseline="0" noProof="0" dirty="0">
-                <a:ln>
-                  <a:noFill/>
-                </a:ln>
-                <a:gradFill>
-                  <a:gsLst>
-                    <a:gs pos="83000">
-                      <a:prstClr val="black">
-                        <a:lumMod val="75000"/>
-                        <a:lumOff val="25000"/>
-                      </a:prstClr>
-                    </a:gs>
-                    <a:gs pos="100000">
-                      <a:prstClr val="black">
-                        <a:lumMod val="75000"/>
-                        <a:lumOff val="25000"/>
-                      </a:prstClr>
-                    </a:gs>
-                  </a:gsLst>
-                  <a:lin ang="5400000" scaled="1"/>
-                </a:gradFill>
-                <a:effectLst/>
-                <a:uLnTx/>
-                <a:uFillTx/>
-                <a:latin typeface="Malgun Gothic Semilight" panose="020B0502040204020203" pitchFamily="50" charset="-127"/>
-                <a:ea typeface="Malgun Gothic Semilight" panose="020B0502040204020203" pitchFamily="50" charset="-127"/>
-                <a:cs typeface="Malgun Gothic Semilight" panose="020B0502040204020203" pitchFamily="50" charset="-127"/>
-              </a:rPr>
-              <a:t>다음에 쓸 이력서를 위해 하나하나 채워갈 수 있는 페이지를 제작해보고 싶었습니다</a:t>
-            </a:r>
-            <a:r>
-              <a:rPr kumimoji="0" lang="en-US" altLang="ko-KR" sz="2000" b="0" i="0" u="none" strike="noStrike" kern="1200" cap="none" spc="-150" normalizeH="0" baseline="0" noProof="0" dirty="0">
-                <a:ln>
-                  <a:noFill/>
-                </a:ln>
-                <a:gradFill>
-                  <a:gsLst>
-                    <a:gs pos="83000">
-                      <a:prstClr val="black">
-                        <a:lumMod val="75000"/>
-                        <a:lumOff val="25000"/>
-                      </a:prstClr>
-                    </a:gs>
-                    <a:gs pos="100000">
-                      <a:prstClr val="black">
-                        <a:lumMod val="75000"/>
-                        <a:lumOff val="25000"/>
-                      </a:prstClr>
-                    </a:gs>
-                  </a:gsLst>
-                  <a:lin ang="5400000" scaled="1"/>
-                </a:gradFill>
-                <a:effectLst/>
-                <a:uLnTx/>
-                <a:uFillTx/>
-                <a:latin typeface="Malgun Gothic Semilight" panose="020B0502040204020203" pitchFamily="50" charset="-127"/>
-                <a:ea typeface="Malgun Gothic Semilight" panose="020B0502040204020203" pitchFamily="50" charset="-127"/>
-                <a:cs typeface="Malgun Gothic Semilight" panose="020B0502040204020203" pitchFamily="50" charset="-127"/>
-              </a:rPr>
-              <a:t>.</a:t>
-            </a:r>
-          </a:p>
-        </p:txBody>
-      </p:sp>
-    </p:spTree>
-    <p:extLst>
-      <p:ext uri="{BB962C8B-B14F-4D97-AF65-F5344CB8AC3E}">
-        <p14:creationId xmlns:p14="http://schemas.microsoft.com/office/powerpoint/2010/main" val="2509610217"/>
-      </p:ext>
-    </p:extLst>
-  </p:cSld>
-  <p:clrMapOvr>
-    <a:masterClrMapping/>
-  </p:clrMapOvr>
-</p:sld>
-</file>
-
-<file path=ppt/slides/slide3.xml><?xml version="1.0" encoding="utf-8"?>
-<p:sld xmlns:a="http://schemas.openxmlformats.org/drawingml/2006/main" xmlns:r="http://schemas.openxmlformats.org/officeDocument/2006/relationships" xmlns:p="http://schemas.openxmlformats.org/presentationml/2006/main">
-  <p:cSld>
-    <p:bg>
-      <p:bgPr>
-        <a:solidFill>
-          <a:schemeClr val="bg1"/>
-        </a:solidFill>
-        <a:effectLst/>
-      </p:bgPr>
-    </p:bg>
-    <p:spTree>
-      <p:nvGrpSpPr>
-        <p:cNvPr id="1" name=""/>
-        <p:cNvGrpSpPr/>
-        <p:nvPr/>
-      </p:nvGrpSpPr>
-      <p:grpSpPr>
-        <a:xfrm>
-          <a:off x="0" y="0"/>
-          <a:ext cx="0" cy="0"/>
-          <a:chOff x="0" y="0"/>
-          <a:chExt cx="0" cy="0"/>
-        </a:xfrm>
-      </p:grpSpPr>
-      <p:sp>
-        <p:nvSpPr>
-          <p:cNvPr id="12" name="TextBox 11">
-            <a:extLst>
-              <a:ext uri="{FF2B5EF4-FFF2-40B4-BE49-F238E27FC236}">
-                <a16:creationId xmlns:a16="http://schemas.microsoft.com/office/drawing/2014/main" id="{72C1CBAC-EF92-40FE-A9AB-F06B1C7F436D}"/>
-              </a:ext>
-            </a:extLst>
-          </p:cNvPr>
-          <p:cNvSpPr txBox="1"/>
-          <p:nvPr/>
-        </p:nvSpPr>
-        <p:spPr>
-          <a:xfrm>
-            <a:off x="435427" y="360737"/>
-            <a:ext cx="1842664" cy="655372"/>
-          </a:xfrm>
-          <a:prstGeom prst="rect">
-            <a:avLst/>
-          </a:prstGeom>
-          <a:noFill/>
-        </p:spPr>
-        <p:txBody>
-          <a:bodyPr wrap="square" rtlCol="0">
-            <a:spAutoFit/>
-          </a:bodyPr>
-          <a:lstStyle/>
-          <a:p>
-            <a:pPr marL="0" marR="0" lvl="0" indent="0" algn="ctr" defTabSz="914400" rtl="0" eaLnBrk="1" fontAlgn="auto" latinLnBrk="1" hangingPunct="1">
-              <a:lnSpc>
-                <a:spcPct val="150000"/>
-              </a:lnSpc>
-              <a:spcBef>
-                <a:spcPts val="0"/>
-              </a:spcBef>
-              <a:spcAft>
-                <a:spcPts val="0"/>
-              </a:spcAft>
-              <a:buClrTx/>
-              <a:buSzTx/>
-              <a:buFontTx/>
-              <a:buNone/>
-              <a:tabLst/>
-              <a:defRPr/>
-            </a:pPr>
-            <a:r>
-              <a:rPr kumimoji="0" lang="en-US" altLang="ko-KR" sz="2800" b="1" i="0" u="none" strike="noStrike" kern="1200" cap="none" spc="-150" normalizeH="0" baseline="0" noProof="0" dirty="0">
-                <a:ln>
-                  <a:noFill/>
-                </a:ln>
-                <a:gradFill>
-                  <a:gsLst>
-                    <a:gs pos="83000">
-                      <a:prstClr val="black">
-                        <a:lumMod val="75000"/>
-                        <a:lumOff val="25000"/>
-                      </a:prstClr>
-                    </a:gs>
-                    <a:gs pos="100000">
-                      <a:prstClr val="black">
-                        <a:lumMod val="75000"/>
-                        <a:lumOff val="25000"/>
-                      </a:prstClr>
-                    </a:gs>
-                  </a:gsLst>
-                  <a:lin ang="5400000" scaled="1"/>
-                </a:gradFill>
-                <a:effectLst/>
-                <a:uLnTx/>
-                <a:uFillTx/>
-                <a:latin typeface="Malgun Gothic Semilight" panose="020B0502040204020203" pitchFamily="50" charset="-127"/>
-                <a:ea typeface="Malgun Gothic Semilight" panose="020B0502040204020203" pitchFamily="50" charset="-127"/>
-                <a:cs typeface="Malgun Gothic Semilight" panose="020B0502040204020203" pitchFamily="50" charset="-127"/>
-              </a:rPr>
-              <a:t>JSP</a:t>
-            </a:r>
-            <a:r>
-              <a:rPr kumimoji="0" lang="ko-KR" altLang="en-US" sz="2800" b="1" i="0" u="none" strike="noStrike" kern="1200" cap="none" spc="-150" normalizeH="0" baseline="0" noProof="0" dirty="0">
-                <a:ln>
-                  <a:noFill/>
-                </a:ln>
-                <a:gradFill>
-                  <a:gsLst>
-                    <a:gs pos="83000">
-                      <a:prstClr val="black">
-                        <a:lumMod val="75000"/>
-                        <a:lumOff val="25000"/>
-                      </a:prstClr>
-                    </a:gs>
-                    <a:gs pos="100000">
-                      <a:prstClr val="black">
-                        <a:lumMod val="75000"/>
-                        <a:lumOff val="25000"/>
-                      </a:prstClr>
-                    </a:gs>
-                  </a:gsLst>
-                  <a:lin ang="5400000" scaled="1"/>
-                </a:gradFill>
-                <a:effectLst/>
-                <a:uLnTx/>
-                <a:uFillTx/>
-                <a:latin typeface="Malgun Gothic Semilight" panose="020B0502040204020203" pitchFamily="50" charset="-127"/>
-                <a:ea typeface="Malgun Gothic Semilight" panose="020B0502040204020203" pitchFamily="50" charset="-127"/>
-                <a:cs typeface="Malgun Gothic Semilight" panose="020B0502040204020203" pitchFamily="50" charset="-127"/>
-              </a:rPr>
-              <a:t> </a:t>
-            </a:r>
-            <a:r>
-              <a:rPr kumimoji="0" lang="en-US" altLang="ko-KR" sz="2800" b="1" i="0" u="none" strike="noStrike" kern="1200" cap="none" spc="-150" normalizeH="0" baseline="0" noProof="0" dirty="0">
-                <a:ln>
-                  <a:noFill/>
-                </a:ln>
-                <a:gradFill>
-                  <a:gsLst>
-                    <a:gs pos="83000">
-                      <a:prstClr val="black">
-                        <a:lumMod val="75000"/>
-                        <a:lumOff val="25000"/>
-                      </a:prstClr>
-                    </a:gs>
-                    <a:gs pos="100000">
-                      <a:prstClr val="black">
-                        <a:lumMod val="75000"/>
-                        <a:lumOff val="25000"/>
-                      </a:prstClr>
-                    </a:gs>
-                  </a:gsLst>
-                  <a:lin ang="5400000" scaled="1"/>
-                </a:gradFill>
-                <a:effectLst/>
-                <a:uLnTx/>
-                <a:uFillTx/>
-                <a:latin typeface="Malgun Gothic Semilight" panose="020B0502040204020203" pitchFamily="50" charset="-127"/>
-                <a:ea typeface="Malgun Gothic Semilight" panose="020B0502040204020203" pitchFamily="50" charset="-127"/>
-                <a:cs typeface="Malgun Gothic Semilight" panose="020B0502040204020203" pitchFamily="50" charset="-127"/>
-              </a:rPr>
-              <a:t>Project</a:t>
-            </a:r>
-          </a:p>
-        </p:txBody>
-      </p:sp>
-      <p:sp>
-        <p:nvSpPr>
-          <p:cNvPr id="13" name="TextBox 12">
-            <a:extLst>
-              <a:ext uri="{FF2B5EF4-FFF2-40B4-BE49-F238E27FC236}">
-                <a16:creationId xmlns:a16="http://schemas.microsoft.com/office/drawing/2014/main" id="{4EC86F03-8472-4595-A2F7-14C357D690FD}"/>
-              </a:ext>
-            </a:extLst>
-          </p:cNvPr>
-          <p:cNvSpPr txBox="1"/>
-          <p:nvPr/>
-        </p:nvSpPr>
-        <p:spPr>
-          <a:xfrm>
-            <a:off x="4357037" y="521615"/>
-            <a:ext cx="3477924" cy="494494"/>
-          </a:xfrm>
-          <a:prstGeom prst="rect">
-            <a:avLst/>
-          </a:prstGeom>
-          <a:noFill/>
-        </p:spPr>
-        <p:txBody>
-          <a:bodyPr wrap="square" rtlCol="0">
-            <a:spAutoFit/>
-          </a:bodyPr>
-          <a:lstStyle/>
-          <a:p>
-            <a:pPr marL="0" marR="0" lvl="0" indent="0" algn="ctr" defTabSz="914400" rtl="0" eaLnBrk="1" fontAlgn="auto" latinLnBrk="1" hangingPunct="1">
-              <a:lnSpc>
-                <a:spcPct val="150000"/>
-              </a:lnSpc>
-              <a:spcBef>
-                <a:spcPts val="0"/>
-              </a:spcBef>
-              <a:spcAft>
-                <a:spcPts val="0"/>
-              </a:spcAft>
-              <a:buClrTx/>
-              <a:buSzTx/>
-              <a:buFontTx/>
-              <a:buNone/>
-              <a:tabLst/>
-              <a:defRPr/>
-            </a:pPr>
-            <a:r>
-              <a:rPr kumimoji="0" lang="ko-KR" altLang="en-US" sz="2000" b="0" i="0" u="none" strike="noStrike" kern="1200" cap="none" spc="-150" normalizeH="0" baseline="0" noProof="0" dirty="0">
-                <a:ln>
-                  <a:noFill/>
-                </a:ln>
-                <a:gradFill>
-                  <a:gsLst>
-                    <a:gs pos="83000">
-                      <a:prstClr val="black">
-                        <a:lumMod val="75000"/>
-                        <a:lumOff val="25000"/>
-                      </a:prstClr>
-                    </a:gs>
-                    <a:gs pos="100000">
-                      <a:prstClr val="black">
-                        <a:lumMod val="75000"/>
-                        <a:lumOff val="25000"/>
-                      </a:prstClr>
-                    </a:gs>
-                  </a:gsLst>
-                  <a:lin ang="5400000" scaled="1"/>
-                </a:gradFill>
-                <a:effectLst/>
-                <a:uLnTx/>
-                <a:uFillTx/>
-                <a:latin typeface="Malgun Gothic Semilight" panose="020B0502040204020203" pitchFamily="50" charset="-127"/>
-                <a:ea typeface="Malgun Gothic Semilight" panose="020B0502040204020203" pitchFamily="50" charset="-127"/>
-                <a:cs typeface="Malgun Gothic Semilight" panose="020B0502040204020203" pitchFamily="50" charset="-127"/>
-              </a:rPr>
-              <a:t>개발 환경</a:t>
-            </a:r>
-            <a:endParaRPr kumimoji="0" lang="en-US" altLang="ko-KR" sz="2000" b="0" i="0" u="none" strike="noStrike" kern="1200" cap="none" spc="-150" normalizeH="0" baseline="0" noProof="0" dirty="0">
-              <a:ln>
-                <a:noFill/>
-              </a:ln>
-              <a:gradFill>
-                <a:gsLst>
-                  <a:gs pos="83000">
-                    <a:prstClr val="black">
-                      <a:lumMod val="75000"/>
-                      <a:lumOff val="25000"/>
-                    </a:prstClr>
-                  </a:gs>
-                  <a:gs pos="100000">
-                    <a:prstClr val="black">
-                      <a:lumMod val="75000"/>
-                      <a:lumOff val="25000"/>
-                    </a:prstClr>
-                  </a:gs>
-                </a:gsLst>
-                <a:lin ang="5400000" scaled="1"/>
-              </a:gradFill>
-              <a:effectLst/>
-              <a:uLnTx/>
-              <a:uFillTx/>
-              <a:latin typeface="Malgun Gothic Semilight" panose="020B0502040204020203" pitchFamily="50" charset="-127"/>
-              <a:ea typeface="Malgun Gothic Semilight" panose="020B0502040204020203" pitchFamily="50" charset="-127"/>
-              <a:cs typeface="Malgun Gothic Semilight" panose="020B0502040204020203" pitchFamily="50" charset="-127"/>
-            </a:endParaRPr>
-          </a:p>
-        </p:txBody>
-      </p:sp>
       <p:graphicFrame>
         <p:nvGraphicFramePr>
           <p:cNvPr id="3" name="표 3">
@@ -5991,7 +5649,7 @@
           <p:nvPr>
             <p:extLst>
               <p:ext uri="{D42A27DB-BD31-4B8C-83A1-F6EECF244321}">
-                <p14:modId xmlns:p14="http://schemas.microsoft.com/office/powerpoint/2010/main" val="1332132876"/>
+                <p14:modId xmlns:p14="http://schemas.microsoft.com/office/powerpoint/2010/main" val="2862929817"/>
               </p:ext>
             </p:extLst>
           </p:nvPr>
@@ -6117,12 +5775,15 @@
                     <a:p>
                       <a:pPr algn="ctr" latinLnBrk="1"/>
                       <a:r>
-                        <a:rPr lang="en-US" altLang="ko-KR" b="0" dirty="0">
+                        <a:rPr lang="en-US" altLang="ko-KR" sz="1800" kern="1200" dirty="0">
                           <a:solidFill>
-                            <a:schemeClr val="tx1"/>
+                            <a:schemeClr val="dk1"/>
                           </a:solidFill>
+                          <a:latin typeface="+mn-lt"/>
+                          <a:ea typeface="+mn-ea"/>
+                          <a:cs typeface="+mn-cs"/>
                         </a:rPr>
-                        <a:t>Eclipse</a:t>
+                        <a:t>Eclipse IDE for Enterprise Java Developers</a:t>
                       </a:r>
                       <a:endParaRPr lang="ko-KR" altLang="en-US" b="0" dirty="0">
                         <a:solidFill>
@@ -6412,12 +6073,12 @@
                     <a:p>
                       <a:pPr algn="ctr" latinLnBrk="1"/>
                       <a:r>
-                        <a:rPr lang="en-US" altLang="ko-KR" b="0" dirty="0" err="1">
+                        <a:rPr lang="en-US" altLang="ko-KR" b="0" dirty="0">
                           <a:solidFill>
                             <a:schemeClr val="tx1"/>
                           </a:solidFill>
                         </a:rPr>
-                        <a:t>Github</a:t>
+                        <a:t>Git(https://github.com/Mareef/College</a:t>
                       </a:r>
                       <a:endParaRPr lang="ko-KR" altLang="en-US" b="0" dirty="0">
                         <a:solidFill>
@@ -6442,6 +6103,1374 @@
     <p:extLst>
       <p:ext uri="{BB962C8B-B14F-4D97-AF65-F5344CB8AC3E}">
         <p14:creationId xmlns:p14="http://schemas.microsoft.com/office/powerpoint/2010/main" val="2885946346"/>
+      </p:ext>
+    </p:extLst>
+  </p:cSld>
+  <p:clrMapOvr>
+    <a:masterClrMapping/>
+  </p:clrMapOvr>
+</p:sld>
+</file>
+
+<file path=ppt/slides/slide3.xml><?xml version="1.0" encoding="utf-8"?>
+<p:sld xmlns:a="http://schemas.openxmlformats.org/drawingml/2006/main" xmlns:r="http://schemas.openxmlformats.org/officeDocument/2006/relationships" xmlns:p="http://schemas.openxmlformats.org/presentationml/2006/main">
+  <p:cSld>
+    <p:bg>
+      <p:bgPr>
+        <a:solidFill>
+          <a:schemeClr val="bg1"/>
+        </a:solidFill>
+        <a:effectLst/>
+      </p:bgPr>
+    </p:bg>
+    <p:spTree>
+      <p:nvGrpSpPr>
+        <p:cNvPr id="1" name=""/>
+        <p:cNvGrpSpPr/>
+        <p:nvPr/>
+      </p:nvGrpSpPr>
+      <p:grpSpPr>
+        <a:xfrm>
+          <a:off x="0" y="0"/>
+          <a:ext cx="0" cy="0"/>
+          <a:chOff x="0" y="0"/>
+          <a:chExt cx="0" cy="0"/>
+        </a:xfrm>
+      </p:grpSpPr>
+      <p:sp>
+        <p:nvSpPr>
+          <p:cNvPr id="12" name="TextBox 11">
+            <a:extLst>
+              <a:ext uri="{FF2B5EF4-FFF2-40B4-BE49-F238E27FC236}">
+                <a16:creationId xmlns:a16="http://schemas.microsoft.com/office/drawing/2014/main" id="{72C1CBAC-EF92-40FE-A9AB-F06B1C7F436D}"/>
+              </a:ext>
+            </a:extLst>
+          </p:cNvPr>
+          <p:cNvSpPr txBox="1"/>
+          <p:nvPr/>
+        </p:nvSpPr>
+        <p:spPr>
+          <a:xfrm>
+            <a:off x="435427" y="360737"/>
+            <a:ext cx="1842664" cy="655372"/>
+          </a:xfrm>
+          <a:prstGeom prst="rect">
+            <a:avLst/>
+          </a:prstGeom>
+          <a:noFill/>
+        </p:spPr>
+        <p:txBody>
+          <a:bodyPr wrap="square" rtlCol="0">
+            <a:spAutoFit/>
+          </a:bodyPr>
+          <a:lstStyle/>
+          <a:p>
+            <a:pPr marL="0" marR="0" lvl="0" indent="0" algn="ctr" defTabSz="914400" rtl="0" eaLnBrk="1" fontAlgn="auto" latinLnBrk="1" hangingPunct="1">
+              <a:lnSpc>
+                <a:spcPct val="150000"/>
+              </a:lnSpc>
+              <a:spcBef>
+                <a:spcPts val="0"/>
+              </a:spcBef>
+              <a:spcAft>
+                <a:spcPts val="0"/>
+              </a:spcAft>
+              <a:buClrTx/>
+              <a:buSzTx/>
+              <a:buFontTx/>
+              <a:buNone/>
+              <a:tabLst/>
+              <a:defRPr/>
+            </a:pPr>
+            <a:r>
+              <a:rPr kumimoji="0" lang="en-US" altLang="ko-KR" sz="2800" b="1" i="0" u="none" strike="noStrike" kern="1200" cap="none" spc="-150" normalizeH="0" baseline="0" noProof="0" dirty="0">
+                <a:ln>
+                  <a:noFill/>
+                </a:ln>
+                <a:gradFill>
+                  <a:gsLst>
+                    <a:gs pos="83000">
+                      <a:prstClr val="black">
+                        <a:lumMod val="75000"/>
+                        <a:lumOff val="25000"/>
+                      </a:prstClr>
+                    </a:gs>
+                    <a:gs pos="100000">
+                      <a:prstClr val="black">
+                        <a:lumMod val="75000"/>
+                        <a:lumOff val="25000"/>
+                      </a:prstClr>
+                    </a:gs>
+                  </a:gsLst>
+                  <a:lin ang="5400000" scaled="1"/>
+                </a:gradFill>
+                <a:effectLst/>
+                <a:uLnTx/>
+                <a:uFillTx/>
+                <a:latin typeface="Malgun Gothic Semilight" panose="020B0502040204020203" pitchFamily="50" charset="-127"/>
+                <a:ea typeface="Malgun Gothic Semilight" panose="020B0502040204020203" pitchFamily="50" charset="-127"/>
+                <a:cs typeface="Malgun Gothic Semilight" panose="020B0502040204020203" pitchFamily="50" charset="-127"/>
+              </a:rPr>
+              <a:t>JSP</a:t>
+            </a:r>
+            <a:r>
+              <a:rPr kumimoji="0" lang="ko-KR" altLang="en-US" sz="2800" b="1" i="0" u="none" strike="noStrike" kern="1200" cap="none" spc="-150" normalizeH="0" baseline="0" noProof="0" dirty="0">
+                <a:ln>
+                  <a:noFill/>
+                </a:ln>
+                <a:gradFill>
+                  <a:gsLst>
+                    <a:gs pos="83000">
+                      <a:prstClr val="black">
+                        <a:lumMod val="75000"/>
+                        <a:lumOff val="25000"/>
+                      </a:prstClr>
+                    </a:gs>
+                    <a:gs pos="100000">
+                      <a:prstClr val="black">
+                        <a:lumMod val="75000"/>
+                        <a:lumOff val="25000"/>
+                      </a:prstClr>
+                    </a:gs>
+                  </a:gsLst>
+                  <a:lin ang="5400000" scaled="1"/>
+                </a:gradFill>
+                <a:effectLst/>
+                <a:uLnTx/>
+                <a:uFillTx/>
+                <a:latin typeface="Malgun Gothic Semilight" panose="020B0502040204020203" pitchFamily="50" charset="-127"/>
+                <a:ea typeface="Malgun Gothic Semilight" panose="020B0502040204020203" pitchFamily="50" charset="-127"/>
+                <a:cs typeface="Malgun Gothic Semilight" panose="020B0502040204020203" pitchFamily="50" charset="-127"/>
+              </a:rPr>
+              <a:t> </a:t>
+            </a:r>
+            <a:r>
+              <a:rPr kumimoji="0" lang="en-US" altLang="ko-KR" sz="2800" b="1" i="0" u="none" strike="noStrike" kern="1200" cap="none" spc="-150" normalizeH="0" baseline="0" noProof="0" dirty="0">
+                <a:ln>
+                  <a:noFill/>
+                </a:ln>
+                <a:gradFill>
+                  <a:gsLst>
+                    <a:gs pos="83000">
+                      <a:prstClr val="black">
+                        <a:lumMod val="75000"/>
+                        <a:lumOff val="25000"/>
+                      </a:prstClr>
+                    </a:gs>
+                    <a:gs pos="100000">
+                      <a:prstClr val="black">
+                        <a:lumMod val="75000"/>
+                        <a:lumOff val="25000"/>
+                      </a:prstClr>
+                    </a:gs>
+                  </a:gsLst>
+                  <a:lin ang="5400000" scaled="1"/>
+                </a:gradFill>
+                <a:effectLst/>
+                <a:uLnTx/>
+                <a:uFillTx/>
+                <a:latin typeface="Malgun Gothic Semilight" panose="020B0502040204020203" pitchFamily="50" charset="-127"/>
+                <a:ea typeface="Malgun Gothic Semilight" panose="020B0502040204020203" pitchFamily="50" charset="-127"/>
+                <a:cs typeface="Malgun Gothic Semilight" panose="020B0502040204020203" pitchFamily="50" charset="-127"/>
+              </a:rPr>
+              <a:t>Project</a:t>
+            </a:r>
+          </a:p>
+        </p:txBody>
+      </p:sp>
+      <p:sp>
+        <p:nvSpPr>
+          <p:cNvPr id="13" name="TextBox 12">
+            <a:extLst>
+              <a:ext uri="{FF2B5EF4-FFF2-40B4-BE49-F238E27FC236}">
+                <a16:creationId xmlns:a16="http://schemas.microsoft.com/office/drawing/2014/main" id="{4EC86F03-8472-4595-A2F7-14C357D690FD}"/>
+              </a:ext>
+            </a:extLst>
+          </p:cNvPr>
+          <p:cNvSpPr txBox="1"/>
+          <p:nvPr/>
+        </p:nvSpPr>
+        <p:spPr>
+          <a:xfrm>
+            <a:off x="4357037" y="441176"/>
+            <a:ext cx="3477924" cy="494494"/>
+          </a:xfrm>
+          <a:prstGeom prst="rect">
+            <a:avLst/>
+          </a:prstGeom>
+          <a:noFill/>
+        </p:spPr>
+        <p:txBody>
+          <a:bodyPr wrap="square" rtlCol="0">
+            <a:spAutoFit/>
+          </a:bodyPr>
+          <a:lstStyle/>
+          <a:p>
+            <a:pPr marL="0" marR="0" lvl="0" indent="0" algn="ctr" defTabSz="914400" rtl="0" eaLnBrk="1" fontAlgn="auto" latinLnBrk="1" hangingPunct="1">
+              <a:lnSpc>
+                <a:spcPct val="150000"/>
+              </a:lnSpc>
+              <a:spcBef>
+                <a:spcPts val="0"/>
+              </a:spcBef>
+              <a:spcAft>
+                <a:spcPts val="0"/>
+              </a:spcAft>
+              <a:buClrTx/>
+              <a:buSzTx/>
+              <a:buFontTx/>
+              <a:buNone/>
+              <a:tabLst/>
+              <a:defRPr/>
+            </a:pPr>
+            <a:r>
+              <a:rPr kumimoji="0" lang="en-US" altLang="ko-KR" sz="2000" b="0" i="0" u="none" strike="noStrike" kern="1200" cap="none" spc="-150" normalizeH="0" baseline="0" noProof="0" dirty="0">
+                <a:ln>
+                  <a:noFill/>
+                </a:ln>
+                <a:gradFill>
+                  <a:gsLst>
+                    <a:gs pos="83000">
+                      <a:prstClr val="black">
+                        <a:lumMod val="75000"/>
+                        <a:lumOff val="25000"/>
+                      </a:prstClr>
+                    </a:gs>
+                    <a:gs pos="100000">
+                      <a:prstClr val="black">
+                        <a:lumMod val="75000"/>
+                        <a:lumOff val="25000"/>
+                      </a:prstClr>
+                    </a:gs>
+                  </a:gsLst>
+                  <a:lin ang="5400000" scaled="1"/>
+                </a:gradFill>
+                <a:effectLst/>
+                <a:uLnTx/>
+                <a:uFillTx/>
+                <a:latin typeface="Malgun Gothic Semilight" panose="020B0502040204020203" pitchFamily="50" charset="-127"/>
+                <a:ea typeface="Malgun Gothic Semilight" panose="020B0502040204020203" pitchFamily="50" charset="-127"/>
+                <a:cs typeface="Malgun Gothic Semilight" panose="020B0502040204020203" pitchFamily="50" charset="-127"/>
+              </a:rPr>
+              <a:t>ERD</a:t>
+            </a:r>
+          </a:p>
+        </p:txBody>
+      </p:sp>
+      <p:pic>
+        <p:nvPicPr>
+          <p:cNvPr id="2" name="그림 1">
+            <a:extLst>
+              <a:ext uri="{FF2B5EF4-FFF2-40B4-BE49-F238E27FC236}">
+                <a16:creationId xmlns:a16="http://schemas.microsoft.com/office/drawing/2014/main" id="{09827627-BE65-4694-810C-5B2810550869}"/>
+              </a:ext>
+            </a:extLst>
+          </p:cNvPr>
+          <p:cNvPicPr>
+            <a:picLocks noChangeAspect="1"/>
+          </p:cNvPicPr>
+          <p:nvPr/>
+        </p:nvPicPr>
+        <p:blipFill>
+          <a:blip r:embed="rId2"/>
+          <a:stretch>
+            <a:fillRect/>
+          </a:stretch>
+        </p:blipFill>
+        <p:spPr>
+          <a:xfrm>
+            <a:off x="2911968" y="1016109"/>
+            <a:ext cx="6368062" cy="3609334"/>
+          </a:xfrm>
+          <a:prstGeom prst="rect">
+            <a:avLst/>
+          </a:prstGeom>
+        </p:spPr>
+      </p:pic>
+      <p:sp>
+        <p:nvSpPr>
+          <p:cNvPr id="5" name="TextBox 4">
+            <a:extLst>
+              <a:ext uri="{FF2B5EF4-FFF2-40B4-BE49-F238E27FC236}">
+                <a16:creationId xmlns:a16="http://schemas.microsoft.com/office/drawing/2014/main" id="{E8579C58-F85E-427E-8A52-3B2AA4899DF7}"/>
+              </a:ext>
+            </a:extLst>
+          </p:cNvPr>
+          <p:cNvSpPr txBox="1"/>
+          <p:nvPr/>
+        </p:nvSpPr>
+        <p:spPr>
+          <a:xfrm>
+            <a:off x="1951520" y="4537335"/>
+            <a:ext cx="3477924" cy="1879489"/>
+          </a:xfrm>
+          <a:prstGeom prst="rect">
+            <a:avLst/>
+          </a:prstGeom>
+          <a:solidFill>
+            <a:schemeClr val="tx2">
+              <a:lumMod val="20000"/>
+              <a:lumOff val="80000"/>
+            </a:schemeClr>
+          </a:solidFill>
+        </p:spPr>
+        <p:txBody>
+          <a:bodyPr wrap="square" rtlCol="0">
+            <a:spAutoFit/>
+          </a:bodyPr>
+          <a:lstStyle/>
+          <a:p>
+            <a:pPr marL="0" marR="0" lvl="0" indent="0" algn="ctr" defTabSz="914400" rtl="0" eaLnBrk="1" fontAlgn="auto" latinLnBrk="1" hangingPunct="1">
+              <a:lnSpc>
+                <a:spcPct val="150000"/>
+              </a:lnSpc>
+              <a:spcBef>
+                <a:spcPts val="0"/>
+              </a:spcBef>
+              <a:spcAft>
+                <a:spcPts val="0"/>
+              </a:spcAft>
+              <a:buClrTx/>
+              <a:buSzTx/>
+              <a:buFontTx/>
+              <a:buNone/>
+              <a:tabLst/>
+              <a:defRPr/>
+            </a:pPr>
+            <a:r>
+              <a:rPr kumimoji="0" lang="en-US" altLang="ko-KR" sz="2000" b="0" i="0" u="none" strike="noStrike" kern="1200" cap="none" spc="-150" normalizeH="0" baseline="0" noProof="0" dirty="0">
+                <a:ln>
+                  <a:noFill/>
+                </a:ln>
+                <a:gradFill>
+                  <a:gsLst>
+                    <a:gs pos="83000">
+                      <a:prstClr val="black">
+                        <a:lumMod val="75000"/>
+                        <a:lumOff val="25000"/>
+                      </a:prstClr>
+                    </a:gs>
+                    <a:gs pos="100000">
+                      <a:prstClr val="black">
+                        <a:lumMod val="75000"/>
+                        <a:lumOff val="25000"/>
+                      </a:prstClr>
+                    </a:gs>
+                  </a:gsLst>
+                  <a:lin ang="5400000" scaled="1"/>
+                </a:gradFill>
+                <a:effectLst/>
+                <a:uLnTx/>
+                <a:uFillTx/>
+                <a:latin typeface="Malgun Gothic Semilight" panose="020B0502040204020203" pitchFamily="50" charset="-127"/>
+                <a:ea typeface="Malgun Gothic Semilight" panose="020B0502040204020203" pitchFamily="50" charset="-127"/>
+                <a:cs typeface="Malgun Gothic Semilight" panose="020B0502040204020203" pitchFamily="50" charset="-127"/>
+              </a:rPr>
+              <a:t>Id = </a:t>
+            </a:r>
+            <a:r>
+              <a:rPr kumimoji="0" lang="ko-KR" altLang="en-US" sz="2000" b="0" i="0" u="none" strike="noStrike" kern="1200" cap="none" spc="-150" normalizeH="0" baseline="0" noProof="0" dirty="0">
+                <a:ln>
+                  <a:noFill/>
+                </a:ln>
+                <a:gradFill>
+                  <a:gsLst>
+                    <a:gs pos="83000">
+                      <a:prstClr val="black">
+                        <a:lumMod val="75000"/>
+                        <a:lumOff val="25000"/>
+                      </a:prstClr>
+                    </a:gs>
+                    <a:gs pos="100000">
+                      <a:prstClr val="black">
+                        <a:lumMod val="75000"/>
+                        <a:lumOff val="25000"/>
+                      </a:prstClr>
+                    </a:gs>
+                  </a:gsLst>
+                  <a:lin ang="5400000" scaled="1"/>
+                </a:gradFill>
+                <a:effectLst/>
+                <a:uLnTx/>
+                <a:uFillTx/>
+                <a:latin typeface="Malgun Gothic Semilight" panose="020B0502040204020203" pitchFamily="50" charset="-127"/>
+                <a:ea typeface="Malgun Gothic Semilight" panose="020B0502040204020203" pitchFamily="50" charset="-127"/>
+                <a:cs typeface="Malgun Gothic Semilight" panose="020B0502040204020203" pitchFamily="50" charset="-127"/>
+              </a:rPr>
+              <a:t>활동번호</a:t>
+            </a:r>
+            <a:endParaRPr kumimoji="0" lang="en-US" altLang="ko-KR" sz="2000" b="0" i="0" u="none" strike="noStrike" kern="1200" cap="none" spc="-150" normalizeH="0" baseline="0" noProof="0" dirty="0">
+              <a:ln>
+                <a:noFill/>
+              </a:ln>
+              <a:gradFill>
+                <a:gsLst>
+                  <a:gs pos="83000">
+                    <a:prstClr val="black">
+                      <a:lumMod val="75000"/>
+                      <a:lumOff val="25000"/>
+                    </a:prstClr>
+                  </a:gs>
+                  <a:gs pos="100000">
+                    <a:prstClr val="black">
+                      <a:lumMod val="75000"/>
+                      <a:lumOff val="25000"/>
+                    </a:prstClr>
+                  </a:gs>
+                </a:gsLst>
+                <a:lin ang="5400000" scaled="1"/>
+              </a:gradFill>
+              <a:effectLst/>
+              <a:uLnTx/>
+              <a:uFillTx/>
+              <a:latin typeface="Malgun Gothic Semilight" panose="020B0502040204020203" pitchFamily="50" charset="-127"/>
+              <a:ea typeface="Malgun Gothic Semilight" panose="020B0502040204020203" pitchFamily="50" charset="-127"/>
+              <a:cs typeface="Malgun Gothic Semilight" panose="020B0502040204020203" pitchFamily="50" charset="-127"/>
+            </a:endParaRPr>
+          </a:p>
+          <a:p>
+            <a:pPr marL="0" marR="0" lvl="0" indent="0" algn="ctr" defTabSz="914400" rtl="0" eaLnBrk="1" fontAlgn="auto" latinLnBrk="1" hangingPunct="1">
+              <a:lnSpc>
+                <a:spcPct val="150000"/>
+              </a:lnSpc>
+              <a:spcBef>
+                <a:spcPts val="0"/>
+              </a:spcBef>
+              <a:spcAft>
+                <a:spcPts val="0"/>
+              </a:spcAft>
+              <a:buClrTx/>
+              <a:buSzTx/>
+              <a:buFontTx/>
+              <a:buNone/>
+              <a:tabLst/>
+              <a:defRPr/>
+            </a:pPr>
+            <a:r>
+              <a:rPr kumimoji="0" lang="en-US" altLang="ko-KR" sz="2000" b="0" i="0" u="none" strike="noStrike" kern="1200" cap="none" spc="-150" normalizeH="0" baseline="0" noProof="0" dirty="0">
+                <a:ln>
+                  <a:noFill/>
+                </a:ln>
+                <a:gradFill>
+                  <a:gsLst>
+                    <a:gs pos="83000">
+                      <a:prstClr val="black">
+                        <a:lumMod val="75000"/>
+                        <a:lumOff val="25000"/>
+                      </a:prstClr>
+                    </a:gs>
+                    <a:gs pos="100000">
+                      <a:prstClr val="black">
+                        <a:lumMod val="75000"/>
+                        <a:lumOff val="25000"/>
+                      </a:prstClr>
+                    </a:gs>
+                  </a:gsLst>
+                  <a:lin ang="5400000" scaled="1"/>
+                </a:gradFill>
+                <a:effectLst/>
+                <a:uLnTx/>
+                <a:uFillTx/>
+                <a:latin typeface="Malgun Gothic Semilight" panose="020B0502040204020203" pitchFamily="50" charset="-127"/>
+                <a:ea typeface="Malgun Gothic Semilight" panose="020B0502040204020203" pitchFamily="50" charset="-127"/>
+                <a:cs typeface="Malgun Gothic Semilight" panose="020B0502040204020203" pitchFamily="50" charset="-127"/>
+              </a:rPr>
+              <a:t>Date = </a:t>
+            </a:r>
+            <a:r>
+              <a:rPr kumimoji="0" lang="ko-KR" altLang="en-US" sz="2000" b="0" i="0" u="none" strike="noStrike" kern="1200" cap="none" spc="-150" normalizeH="0" baseline="0" noProof="0" dirty="0">
+                <a:ln>
+                  <a:noFill/>
+                </a:ln>
+                <a:gradFill>
+                  <a:gsLst>
+                    <a:gs pos="83000">
+                      <a:prstClr val="black">
+                        <a:lumMod val="75000"/>
+                        <a:lumOff val="25000"/>
+                      </a:prstClr>
+                    </a:gs>
+                    <a:gs pos="100000">
+                      <a:prstClr val="black">
+                        <a:lumMod val="75000"/>
+                        <a:lumOff val="25000"/>
+                      </a:prstClr>
+                    </a:gs>
+                  </a:gsLst>
+                  <a:lin ang="5400000" scaled="1"/>
+                </a:gradFill>
+                <a:effectLst/>
+                <a:uLnTx/>
+                <a:uFillTx/>
+                <a:latin typeface="Malgun Gothic Semilight" panose="020B0502040204020203" pitchFamily="50" charset="-127"/>
+                <a:ea typeface="Malgun Gothic Semilight" panose="020B0502040204020203" pitchFamily="50" charset="-127"/>
+                <a:cs typeface="Malgun Gothic Semilight" panose="020B0502040204020203" pitchFamily="50" charset="-127"/>
+              </a:rPr>
+              <a:t>활동일</a:t>
+            </a:r>
+            <a:endParaRPr kumimoji="0" lang="en-US" altLang="ko-KR" sz="2000" b="0" i="0" u="none" strike="noStrike" kern="1200" cap="none" spc="-150" normalizeH="0" baseline="0" noProof="0" dirty="0">
+              <a:ln>
+                <a:noFill/>
+              </a:ln>
+              <a:gradFill>
+                <a:gsLst>
+                  <a:gs pos="83000">
+                    <a:prstClr val="black">
+                      <a:lumMod val="75000"/>
+                      <a:lumOff val="25000"/>
+                    </a:prstClr>
+                  </a:gs>
+                  <a:gs pos="100000">
+                    <a:prstClr val="black">
+                      <a:lumMod val="75000"/>
+                      <a:lumOff val="25000"/>
+                    </a:prstClr>
+                  </a:gs>
+                </a:gsLst>
+                <a:lin ang="5400000" scaled="1"/>
+              </a:gradFill>
+              <a:effectLst/>
+              <a:uLnTx/>
+              <a:uFillTx/>
+              <a:latin typeface="Malgun Gothic Semilight" panose="020B0502040204020203" pitchFamily="50" charset="-127"/>
+              <a:ea typeface="Malgun Gothic Semilight" panose="020B0502040204020203" pitchFamily="50" charset="-127"/>
+              <a:cs typeface="Malgun Gothic Semilight" panose="020B0502040204020203" pitchFamily="50" charset="-127"/>
+            </a:endParaRPr>
+          </a:p>
+          <a:p>
+            <a:pPr marL="0" marR="0" lvl="0" indent="0" algn="ctr" defTabSz="914400" rtl="0" eaLnBrk="1" fontAlgn="auto" latinLnBrk="1" hangingPunct="1">
+              <a:lnSpc>
+                <a:spcPct val="150000"/>
+              </a:lnSpc>
+              <a:spcBef>
+                <a:spcPts val="0"/>
+              </a:spcBef>
+              <a:spcAft>
+                <a:spcPts val="0"/>
+              </a:spcAft>
+              <a:buClrTx/>
+              <a:buSzTx/>
+              <a:buFontTx/>
+              <a:buNone/>
+              <a:tabLst/>
+              <a:defRPr/>
+            </a:pPr>
+            <a:r>
+              <a:rPr kumimoji="0" lang="en-US" altLang="ko-KR" sz="2000" b="0" i="0" u="none" strike="noStrike" kern="1200" cap="none" spc="-150" normalizeH="0" baseline="0" noProof="0" dirty="0">
+                <a:ln>
+                  <a:noFill/>
+                </a:ln>
+                <a:gradFill>
+                  <a:gsLst>
+                    <a:gs pos="83000">
+                      <a:prstClr val="black">
+                        <a:lumMod val="75000"/>
+                        <a:lumOff val="25000"/>
+                      </a:prstClr>
+                    </a:gs>
+                    <a:gs pos="100000">
+                      <a:prstClr val="black">
+                        <a:lumMod val="75000"/>
+                        <a:lumOff val="25000"/>
+                      </a:prstClr>
+                    </a:gs>
+                  </a:gsLst>
+                  <a:lin ang="5400000" scaled="1"/>
+                </a:gradFill>
+                <a:effectLst/>
+                <a:uLnTx/>
+                <a:uFillTx/>
+                <a:latin typeface="Malgun Gothic Semilight" panose="020B0502040204020203" pitchFamily="50" charset="-127"/>
+                <a:ea typeface="Malgun Gothic Semilight" panose="020B0502040204020203" pitchFamily="50" charset="-127"/>
+                <a:cs typeface="Malgun Gothic Semilight" panose="020B0502040204020203" pitchFamily="50" charset="-127"/>
+              </a:rPr>
+              <a:t>Title = </a:t>
+            </a:r>
+            <a:r>
+              <a:rPr kumimoji="0" lang="ko-KR" altLang="en-US" sz="2000" b="0" i="0" u="none" strike="noStrike" kern="1200" cap="none" spc="-150" normalizeH="0" baseline="0" noProof="0" dirty="0">
+                <a:ln>
+                  <a:noFill/>
+                </a:ln>
+                <a:gradFill>
+                  <a:gsLst>
+                    <a:gs pos="83000">
+                      <a:prstClr val="black">
+                        <a:lumMod val="75000"/>
+                        <a:lumOff val="25000"/>
+                      </a:prstClr>
+                    </a:gs>
+                    <a:gs pos="100000">
+                      <a:prstClr val="black">
+                        <a:lumMod val="75000"/>
+                        <a:lumOff val="25000"/>
+                      </a:prstClr>
+                    </a:gs>
+                  </a:gsLst>
+                  <a:lin ang="5400000" scaled="1"/>
+                </a:gradFill>
+                <a:effectLst/>
+                <a:uLnTx/>
+                <a:uFillTx/>
+                <a:latin typeface="Malgun Gothic Semilight" panose="020B0502040204020203" pitchFamily="50" charset="-127"/>
+                <a:ea typeface="Malgun Gothic Semilight" panose="020B0502040204020203" pitchFamily="50" charset="-127"/>
+                <a:cs typeface="Malgun Gothic Semilight" panose="020B0502040204020203" pitchFamily="50" charset="-127"/>
+              </a:rPr>
+              <a:t>활동</a:t>
+            </a:r>
+            <a:endParaRPr kumimoji="0" lang="en-US" altLang="ko-KR" sz="2000" b="0" i="0" u="none" strike="noStrike" kern="1200" cap="none" spc="-150" normalizeH="0" baseline="0" noProof="0" dirty="0">
+              <a:ln>
+                <a:noFill/>
+              </a:ln>
+              <a:gradFill>
+                <a:gsLst>
+                  <a:gs pos="83000">
+                    <a:prstClr val="black">
+                      <a:lumMod val="75000"/>
+                      <a:lumOff val="25000"/>
+                    </a:prstClr>
+                  </a:gs>
+                  <a:gs pos="100000">
+                    <a:prstClr val="black">
+                      <a:lumMod val="75000"/>
+                      <a:lumOff val="25000"/>
+                    </a:prstClr>
+                  </a:gs>
+                </a:gsLst>
+                <a:lin ang="5400000" scaled="1"/>
+              </a:gradFill>
+              <a:effectLst/>
+              <a:uLnTx/>
+              <a:uFillTx/>
+              <a:latin typeface="Malgun Gothic Semilight" panose="020B0502040204020203" pitchFamily="50" charset="-127"/>
+              <a:ea typeface="Malgun Gothic Semilight" panose="020B0502040204020203" pitchFamily="50" charset="-127"/>
+              <a:cs typeface="Malgun Gothic Semilight" panose="020B0502040204020203" pitchFamily="50" charset="-127"/>
+            </a:endParaRPr>
+          </a:p>
+          <a:p>
+            <a:pPr marL="0" marR="0" lvl="0" indent="0" algn="ctr" defTabSz="914400" rtl="0" eaLnBrk="1" fontAlgn="auto" latinLnBrk="1" hangingPunct="1">
+              <a:lnSpc>
+                <a:spcPct val="150000"/>
+              </a:lnSpc>
+              <a:spcBef>
+                <a:spcPts val="0"/>
+              </a:spcBef>
+              <a:spcAft>
+                <a:spcPts val="0"/>
+              </a:spcAft>
+              <a:buClrTx/>
+              <a:buSzTx/>
+              <a:buFontTx/>
+              <a:buNone/>
+              <a:tabLst/>
+              <a:defRPr/>
+            </a:pPr>
+            <a:r>
+              <a:rPr kumimoji="0" lang="en-US" altLang="ko-KR" sz="2000" b="0" i="0" u="none" strike="noStrike" kern="1200" cap="none" spc="-150" normalizeH="0" baseline="0" noProof="0" dirty="0">
+                <a:ln>
+                  <a:noFill/>
+                </a:ln>
+                <a:gradFill>
+                  <a:gsLst>
+                    <a:gs pos="83000">
+                      <a:prstClr val="black">
+                        <a:lumMod val="75000"/>
+                        <a:lumOff val="25000"/>
+                      </a:prstClr>
+                    </a:gs>
+                    <a:gs pos="100000">
+                      <a:prstClr val="black">
+                        <a:lumMod val="75000"/>
+                        <a:lumOff val="25000"/>
+                      </a:prstClr>
+                    </a:gs>
+                  </a:gsLst>
+                  <a:lin ang="5400000" scaled="1"/>
+                </a:gradFill>
+                <a:effectLst/>
+                <a:uLnTx/>
+                <a:uFillTx/>
+                <a:latin typeface="Malgun Gothic Semilight" panose="020B0502040204020203" pitchFamily="50" charset="-127"/>
+                <a:ea typeface="Malgun Gothic Semilight" panose="020B0502040204020203" pitchFamily="50" charset="-127"/>
+                <a:cs typeface="Malgun Gothic Semilight" panose="020B0502040204020203" pitchFamily="50" charset="-127"/>
+              </a:rPr>
+              <a:t>Description = </a:t>
+            </a:r>
+            <a:r>
+              <a:rPr kumimoji="0" lang="ko-KR" altLang="en-US" sz="2000" b="0" i="0" u="none" strike="noStrike" kern="1200" cap="none" spc="-150" normalizeH="0" baseline="0" noProof="0" dirty="0">
+                <a:ln>
+                  <a:noFill/>
+                </a:ln>
+                <a:gradFill>
+                  <a:gsLst>
+                    <a:gs pos="83000">
+                      <a:prstClr val="black">
+                        <a:lumMod val="75000"/>
+                        <a:lumOff val="25000"/>
+                      </a:prstClr>
+                    </a:gs>
+                    <a:gs pos="100000">
+                      <a:prstClr val="black">
+                        <a:lumMod val="75000"/>
+                        <a:lumOff val="25000"/>
+                      </a:prstClr>
+                    </a:gs>
+                  </a:gsLst>
+                  <a:lin ang="5400000" scaled="1"/>
+                </a:gradFill>
+                <a:effectLst/>
+                <a:uLnTx/>
+                <a:uFillTx/>
+                <a:latin typeface="Malgun Gothic Semilight" panose="020B0502040204020203" pitchFamily="50" charset="-127"/>
+                <a:ea typeface="Malgun Gothic Semilight" panose="020B0502040204020203" pitchFamily="50" charset="-127"/>
+                <a:cs typeface="Malgun Gothic Semilight" panose="020B0502040204020203" pitchFamily="50" charset="-127"/>
+              </a:rPr>
+              <a:t>설명</a:t>
+            </a:r>
+            <a:endParaRPr kumimoji="0" lang="en-US" altLang="ko-KR" sz="2000" b="0" i="0" u="none" strike="noStrike" kern="1200" cap="none" spc="-150" normalizeH="0" baseline="0" noProof="0" dirty="0">
+              <a:ln>
+                <a:noFill/>
+              </a:ln>
+              <a:gradFill>
+                <a:gsLst>
+                  <a:gs pos="83000">
+                    <a:prstClr val="black">
+                      <a:lumMod val="75000"/>
+                      <a:lumOff val="25000"/>
+                    </a:prstClr>
+                  </a:gs>
+                  <a:gs pos="100000">
+                    <a:prstClr val="black">
+                      <a:lumMod val="75000"/>
+                      <a:lumOff val="25000"/>
+                    </a:prstClr>
+                  </a:gs>
+                </a:gsLst>
+                <a:lin ang="5400000" scaled="1"/>
+              </a:gradFill>
+              <a:effectLst/>
+              <a:uLnTx/>
+              <a:uFillTx/>
+              <a:latin typeface="Malgun Gothic Semilight" panose="020B0502040204020203" pitchFamily="50" charset="-127"/>
+              <a:ea typeface="Malgun Gothic Semilight" panose="020B0502040204020203" pitchFamily="50" charset="-127"/>
+              <a:cs typeface="Malgun Gothic Semilight" panose="020B0502040204020203" pitchFamily="50" charset="-127"/>
+            </a:endParaRPr>
+          </a:p>
+        </p:txBody>
+      </p:sp>
+      <p:sp>
+        <p:nvSpPr>
+          <p:cNvPr id="6" name="TextBox 5">
+            <a:extLst>
+              <a:ext uri="{FF2B5EF4-FFF2-40B4-BE49-F238E27FC236}">
+                <a16:creationId xmlns:a16="http://schemas.microsoft.com/office/drawing/2014/main" id="{F728572D-2C17-40CC-9469-62BEE60BE33C}"/>
+              </a:ext>
+            </a:extLst>
+          </p:cNvPr>
+          <p:cNvSpPr txBox="1"/>
+          <p:nvPr/>
+        </p:nvSpPr>
+        <p:spPr>
+          <a:xfrm>
+            <a:off x="6762558" y="4537334"/>
+            <a:ext cx="3477924" cy="1891352"/>
+          </a:xfrm>
+          <a:prstGeom prst="rect">
+            <a:avLst/>
+          </a:prstGeom>
+          <a:solidFill>
+            <a:schemeClr val="tx2">
+              <a:lumMod val="20000"/>
+              <a:lumOff val="80000"/>
+            </a:schemeClr>
+          </a:solidFill>
+        </p:spPr>
+        <p:txBody>
+          <a:bodyPr wrap="square" rtlCol="0">
+            <a:spAutoFit/>
+          </a:bodyPr>
+          <a:lstStyle/>
+          <a:p>
+            <a:pPr marL="0" marR="0" lvl="0" indent="0" algn="ctr" defTabSz="914400" rtl="0" eaLnBrk="1" fontAlgn="auto" latinLnBrk="1" hangingPunct="1">
+              <a:lnSpc>
+                <a:spcPct val="150000"/>
+              </a:lnSpc>
+              <a:spcBef>
+                <a:spcPts val="0"/>
+              </a:spcBef>
+              <a:spcAft>
+                <a:spcPts val="0"/>
+              </a:spcAft>
+              <a:buClrTx/>
+              <a:buSzTx/>
+              <a:buFontTx/>
+              <a:buNone/>
+              <a:tabLst/>
+              <a:defRPr/>
+            </a:pPr>
+            <a:r>
+              <a:rPr kumimoji="0" lang="en-US" altLang="ko-KR" sz="1600" b="0" i="0" u="none" strike="noStrike" kern="1200" cap="none" spc="-150" normalizeH="0" baseline="0" noProof="0" dirty="0" err="1">
+                <a:ln>
+                  <a:noFill/>
+                </a:ln>
+                <a:gradFill>
+                  <a:gsLst>
+                    <a:gs pos="83000">
+                      <a:prstClr val="black">
+                        <a:lumMod val="75000"/>
+                        <a:lumOff val="25000"/>
+                      </a:prstClr>
+                    </a:gs>
+                    <a:gs pos="100000">
+                      <a:prstClr val="black">
+                        <a:lumMod val="75000"/>
+                        <a:lumOff val="25000"/>
+                      </a:prstClr>
+                    </a:gs>
+                  </a:gsLst>
+                  <a:lin ang="5400000" scaled="1"/>
+                </a:gradFill>
+                <a:effectLst/>
+                <a:uLnTx/>
+                <a:uFillTx/>
+                <a:latin typeface="Malgun Gothic Semilight" panose="020B0502040204020203" pitchFamily="50" charset="-127"/>
+                <a:ea typeface="Malgun Gothic Semilight" panose="020B0502040204020203" pitchFamily="50" charset="-127"/>
+                <a:cs typeface="Malgun Gothic Semilight" panose="020B0502040204020203" pitchFamily="50" charset="-127"/>
+              </a:rPr>
+              <a:t>Fno</a:t>
+            </a:r>
+            <a:r>
+              <a:rPr kumimoji="0" lang="en-US" altLang="ko-KR" sz="1600" b="0" i="0" u="none" strike="noStrike" kern="1200" cap="none" spc="-150" normalizeH="0" baseline="0" noProof="0" dirty="0">
+                <a:ln>
+                  <a:noFill/>
+                </a:ln>
+                <a:gradFill>
+                  <a:gsLst>
+                    <a:gs pos="83000">
+                      <a:prstClr val="black">
+                        <a:lumMod val="75000"/>
+                        <a:lumOff val="25000"/>
+                      </a:prstClr>
+                    </a:gs>
+                    <a:gs pos="100000">
+                      <a:prstClr val="black">
+                        <a:lumMod val="75000"/>
+                        <a:lumOff val="25000"/>
+                      </a:prstClr>
+                    </a:gs>
+                  </a:gsLst>
+                  <a:lin ang="5400000" scaled="1"/>
+                </a:gradFill>
+                <a:effectLst/>
+                <a:uLnTx/>
+                <a:uFillTx/>
+                <a:latin typeface="Malgun Gothic Semilight" panose="020B0502040204020203" pitchFamily="50" charset="-127"/>
+                <a:ea typeface="Malgun Gothic Semilight" panose="020B0502040204020203" pitchFamily="50" charset="-127"/>
+                <a:cs typeface="Malgun Gothic Semilight" panose="020B0502040204020203" pitchFamily="50" charset="-127"/>
+              </a:rPr>
+              <a:t> = </a:t>
+            </a:r>
+            <a:r>
+              <a:rPr kumimoji="0" lang="ko-KR" altLang="en-US" sz="1600" b="0" i="0" u="none" strike="noStrike" kern="1200" cap="none" spc="-150" normalizeH="0" baseline="0" noProof="0" dirty="0">
+                <a:ln>
+                  <a:noFill/>
+                </a:ln>
+                <a:gradFill>
+                  <a:gsLst>
+                    <a:gs pos="83000">
+                      <a:prstClr val="black">
+                        <a:lumMod val="75000"/>
+                        <a:lumOff val="25000"/>
+                      </a:prstClr>
+                    </a:gs>
+                    <a:gs pos="100000">
+                      <a:prstClr val="black">
+                        <a:lumMod val="75000"/>
+                        <a:lumOff val="25000"/>
+                      </a:prstClr>
+                    </a:gs>
+                  </a:gsLst>
+                  <a:lin ang="5400000" scaled="1"/>
+                </a:gradFill>
+                <a:effectLst/>
+                <a:uLnTx/>
+                <a:uFillTx/>
+                <a:latin typeface="Malgun Gothic Semilight" panose="020B0502040204020203" pitchFamily="50" charset="-127"/>
+                <a:ea typeface="Malgun Gothic Semilight" panose="020B0502040204020203" pitchFamily="50" charset="-127"/>
+                <a:cs typeface="Malgun Gothic Semilight" panose="020B0502040204020203" pitchFamily="50" charset="-127"/>
+              </a:rPr>
+              <a:t>파일번호</a:t>
+            </a:r>
+            <a:endParaRPr kumimoji="0" lang="en-US" altLang="ko-KR" sz="1600" b="0" i="0" u="none" strike="noStrike" kern="1200" cap="none" spc="-150" normalizeH="0" baseline="0" noProof="0" dirty="0">
+              <a:ln>
+                <a:noFill/>
+              </a:ln>
+              <a:gradFill>
+                <a:gsLst>
+                  <a:gs pos="83000">
+                    <a:prstClr val="black">
+                      <a:lumMod val="75000"/>
+                      <a:lumOff val="25000"/>
+                    </a:prstClr>
+                  </a:gs>
+                  <a:gs pos="100000">
+                    <a:prstClr val="black">
+                      <a:lumMod val="75000"/>
+                      <a:lumOff val="25000"/>
+                    </a:prstClr>
+                  </a:gs>
+                </a:gsLst>
+                <a:lin ang="5400000" scaled="1"/>
+              </a:gradFill>
+              <a:effectLst/>
+              <a:uLnTx/>
+              <a:uFillTx/>
+              <a:latin typeface="Malgun Gothic Semilight" panose="020B0502040204020203" pitchFamily="50" charset="-127"/>
+              <a:ea typeface="Malgun Gothic Semilight" panose="020B0502040204020203" pitchFamily="50" charset="-127"/>
+              <a:cs typeface="Malgun Gothic Semilight" panose="020B0502040204020203" pitchFamily="50" charset="-127"/>
+            </a:endParaRPr>
+          </a:p>
+          <a:p>
+            <a:pPr marL="0" marR="0" lvl="0" indent="0" algn="ctr" defTabSz="914400" rtl="0" eaLnBrk="1" fontAlgn="auto" latinLnBrk="1" hangingPunct="1">
+              <a:lnSpc>
+                <a:spcPct val="150000"/>
+              </a:lnSpc>
+              <a:spcBef>
+                <a:spcPts val="0"/>
+              </a:spcBef>
+              <a:spcAft>
+                <a:spcPts val="0"/>
+              </a:spcAft>
+              <a:buClrTx/>
+              <a:buSzTx/>
+              <a:buFontTx/>
+              <a:buNone/>
+              <a:tabLst/>
+              <a:defRPr/>
+            </a:pPr>
+            <a:r>
+              <a:rPr kumimoji="0" lang="en-US" altLang="ko-KR" sz="1600" b="0" i="0" u="none" strike="noStrike" kern="1200" cap="none" spc="-150" normalizeH="0" baseline="0" noProof="0" dirty="0">
+                <a:ln>
+                  <a:noFill/>
+                </a:ln>
+                <a:gradFill>
+                  <a:gsLst>
+                    <a:gs pos="83000">
+                      <a:prstClr val="black">
+                        <a:lumMod val="75000"/>
+                        <a:lumOff val="25000"/>
+                      </a:prstClr>
+                    </a:gs>
+                    <a:gs pos="100000">
+                      <a:prstClr val="black">
+                        <a:lumMod val="75000"/>
+                        <a:lumOff val="25000"/>
+                      </a:prstClr>
+                    </a:gs>
+                  </a:gsLst>
+                  <a:lin ang="5400000" scaled="1"/>
+                </a:gradFill>
+                <a:effectLst/>
+                <a:uLnTx/>
+                <a:uFillTx/>
+                <a:latin typeface="Malgun Gothic Semilight" panose="020B0502040204020203" pitchFamily="50" charset="-127"/>
+                <a:ea typeface="Malgun Gothic Semilight" panose="020B0502040204020203" pitchFamily="50" charset="-127"/>
+                <a:cs typeface="Malgun Gothic Semilight" panose="020B0502040204020203" pitchFamily="50" charset="-127"/>
+              </a:rPr>
+              <a:t>Id = </a:t>
+            </a:r>
+            <a:r>
+              <a:rPr kumimoji="0" lang="ko-KR" altLang="en-US" sz="1600" b="0" i="0" u="none" strike="noStrike" kern="1200" cap="none" spc="-150" normalizeH="0" baseline="0" noProof="0" dirty="0">
+                <a:ln>
+                  <a:noFill/>
+                </a:ln>
+                <a:gradFill>
+                  <a:gsLst>
+                    <a:gs pos="83000">
+                      <a:prstClr val="black">
+                        <a:lumMod val="75000"/>
+                        <a:lumOff val="25000"/>
+                      </a:prstClr>
+                    </a:gs>
+                    <a:gs pos="100000">
+                      <a:prstClr val="black">
+                        <a:lumMod val="75000"/>
+                        <a:lumOff val="25000"/>
+                      </a:prstClr>
+                    </a:gs>
+                  </a:gsLst>
+                  <a:lin ang="5400000" scaled="1"/>
+                </a:gradFill>
+                <a:effectLst/>
+                <a:uLnTx/>
+                <a:uFillTx/>
+                <a:latin typeface="Malgun Gothic Semilight" panose="020B0502040204020203" pitchFamily="50" charset="-127"/>
+                <a:ea typeface="Malgun Gothic Semilight" panose="020B0502040204020203" pitchFamily="50" charset="-127"/>
+                <a:cs typeface="Malgun Gothic Semilight" panose="020B0502040204020203" pitchFamily="50" charset="-127"/>
+              </a:rPr>
+              <a:t>활동번호</a:t>
+            </a:r>
+            <a:endParaRPr kumimoji="0" lang="en-US" altLang="ko-KR" sz="1600" b="0" i="0" u="none" strike="noStrike" kern="1200" cap="none" spc="-150" normalizeH="0" baseline="0" noProof="0" dirty="0">
+              <a:ln>
+                <a:noFill/>
+              </a:ln>
+              <a:gradFill>
+                <a:gsLst>
+                  <a:gs pos="83000">
+                    <a:prstClr val="black">
+                      <a:lumMod val="75000"/>
+                      <a:lumOff val="25000"/>
+                    </a:prstClr>
+                  </a:gs>
+                  <a:gs pos="100000">
+                    <a:prstClr val="black">
+                      <a:lumMod val="75000"/>
+                      <a:lumOff val="25000"/>
+                    </a:prstClr>
+                  </a:gs>
+                </a:gsLst>
+                <a:lin ang="5400000" scaled="1"/>
+              </a:gradFill>
+              <a:effectLst/>
+              <a:uLnTx/>
+              <a:uFillTx/>
+              <a:latin typeface="Malgun Gothic Semilight" panose="020B0502040204020203" pitchFamily="50" charset="-127"/>
+              <a:ea typeface="Malgun Gothic Semilight" panose="020B0502040204020203" pitchFamily="50" charset="-127"/>
+              <a:cs typeface="Malgun Gothic Semilight" panose="020B0502040204020203" pitchFamily="50" charset="-127"/>
+            </a:endParaRPr>
+          </a:p>
+          <a:p>
+            <a:pPr marL="0" marR="0" lvl="0" indent="0" algn="ctr" defTabSz="914400" rtl="0" eaLnBrk="1" fontAlgn="auto" latinLnBrk="1" hangingPunct="1">
+              <a:lnSpc>
+                <a:spcPct val="150000"/>
+              </a:lnSpc>
+              <a:spcBef>
+                <a:spcPts val="0"/>
+              </a:spcBef>
+              <a:spcAft>
+                <a:spcPts val="0"/>
+              </a:spcAft>
+              <a:buClrTx/>
+              <a:buSzTx/>
+              <a:buFontTx/>
+              <a:buNone/>
+              <a:tabLst/>
+              <a:defRPr/>
+            </a:pPr>
+            <a:r>
+              <a:rPr kumimoji="0" lang="en-US" altLang="ko-KR" sz="1600" b="0" i="0" u="none" strike="noStrike" kern="1200" cap="none" spc="-150" normalizeH="0" baseline="0" noProof="0" dirty="0">
+                <a:ln>
+                  <a:noFill/>
+                </a:ln>
+                <a:gradFill>
+                  <a:gsLst>
+                    <a:gs pos="83000">
+                      <a:prstClr val="black">
+                        <a:lumMod val="75000"/>
+                        <a:lumOff val="25000"/>
+                      </a:prstClr>
+                    </a:gs>
+                    <a:gs pos="100000">
+                      <a:prstClr val="black">
+                        <a:lumMod val="75000"/>
+                        <a:lumOff val="25000"/>
+                      </a:prstClr>
+                    </a:gs>
+                  </a:gsLst>
+                  <a:lin ang="5400000" scaled="1"/>
+                </a:gradFill>
+                <a:effectLst/>
+                <a:uLnTx/>
+                <a:uFillTx/>
+                <a:latin typeface="Malgun Gothic Semilight" panose="020B0502040204020203" pitchFamily="50" charset="-127"/>
+                <a:ea typeface="Malgun Gothic Semilight" panose="020B0502040204020203" pitchFamily="50" charset="-127"/>
+                <a:cs typeface="Malgun Gothic Semilight" panose="020B0502040204020203" pitchFamily="50" charset="-127"/>
+              </a:rPr>
+              <a:t>Date = </a:t>
+            </a:r>
+            <a:r>
+              <a:rPr kumimoji="0" lang="ko-KR" altLang="en-US" sz="1600" b="0" i="0" u="none" strike="noStrike" kern="1200" cap="none" spc="-150" normalizeH="0" baseline="0" noProof="0" dirty="0">
+                <a:ln>
+                  <a:noFill/>
+                </a:ln>
+                <a:gradFill>
+                  <a:gsLst>
+                    <a:gs pos="83000">
+                      <a:prstClr val="black">
+                        <a:lumMod val="75000"/>
+                        <a:lumOff val="25000"/>
+                      </a:prstClr>
+                    </a:gs>
+                    <a:gs pos="100000">
+                      <a:prstClr val="black">
+                        <a:lumMod val="75000"/>
+                        <a:lumOff val="25000"/>
+                      </a:prstClr>
+                    </a:gs>
+                  </a:gsLst>
+                  <a:lin ang="5400000" scaled="1"/>
+                </a:gradFill>
+                <a:effectLst/>
+                <a:uLnTx/>
+                <a:uFillTx/>
+                <a:latin typeface="Malgun Gothic Semilight" panose="020B0502040204020203" pitchFamily="50" charset="-127"/>
+                <a:ea typeface="Malgun Gothic Semilight" panose="020B0502040204020203" pitchFamily="50" charset="-127"/>
+                <a:cs typeface="Malgun Gothic Semilight" panose="020B0502040204020203" pitchFamily="50" charset="-127"/>
+              </a:rPr>
+              <a:t>활동일</a:t>
+            </a:r>
+            <a:endParaRPr kumimoji="0" lang="en-US" altLang="ko-KR" sz="1600" b="0" i="0" u="none" strike="noStrike" kern="1200" cap="none" spc="-150" normalizeH="0" baseline="0" noProof="0" dirty="0">
+              <a:ln>
+                <a:noFill/>
+              </a:ln>
+              <a:gradFill>
+                <a:gsLst>
+                  <a:gs pos="83000">
+                    <a:prstClr val="black">
+                      <a:lumMod val="75000"/>
+                      <a:lumOff val="25000"/>
+                    </a:prstClr>
+                  </a:gs>
+                  <a:gs pos="100000">
+                    <a:prstClr val="black">
+                      <a:lumMod val="75000"/>
+                      <a:lumOff val="25000"/>
+                    </a:prstClr>
+                  </a:gs>
+                </a:gsLst>
+                <a:lin ang="5400000" scaled="1"/>
+              </a:gradFill>
+              <a:effectLst/>
+              <a:uLnTx/>
+              <a:uFillTx/>
+              <a:latin typeface="Malgun Gothic Semilight" panose="020B0502040204020203" pitchFamily="50" charset="-127"/>
+              <a:ea typeface="Malgun Gothic Semilight" panose="020B0502040204020203" pitchFamily="50" charset="-127"/>
+              <a:cs typeface="Malgun Gothic Semilight" panose="020B0502040204020203" pitchFamily="50" charset="-127"/>
+            </a:endParaRPr>
+          </a:p>
+          <a:p>
+            <a:pPr marL="0" marR="0" lvl="0" indent="0" algn="ctr" defTabSz="914400" rtl="0" eaLnBrk="1" fontAlgn="auto" latinLnBrk="1" hangingPunct="1">
+              <a:lnSpc>
+                <a:spcPct val="150000"/>
+              </a:lnSpc>
+              <a:spcBef>
+                <a:spcPts val="0"/>
+              </a:spcBef>
+              <a:spcAft>
+                <a:spcPts val="0"/>
+              </a:spcAft>
+              <a:buClrTx/>
+              <a:buSzTx/>
+              <a:buFontTx/>
+              <a:buNone/>
+              <a:tabLst/>
+              <a:defRPr/>
+            </a:pPr>
+            <a:r>
+              <a:rPr kumimoji="0" lang="en-US" altLang="ko-KR" sz="1600" b="0" i="0" u="none" strike="noStrike" kern="1200" cap="none" spc="-150" normalizeH="0" baseline="0" noProof="0" dirty="0">
+                <a:ln>
+                  <a:noFill/>
+                </a:ln>
+                <a:gradFill>
+                  <a:gsLst>
+                    <a:gs pos="83000">
+                      <a:prstClr val="black">
+                        <a:lumMod val="75000"/>
+                        <a:lumOff val="25000"/>
+                      </a:prstClr>
+                    </a:gs>
+                    <a:gs pos="100000">
+                      <a:prstClr val="black">
+                        <a:lumMod val="75000"/>
+                        <a:lumOff val="25000"/>
+                      </a:prstClr>
+                    </a:gs>
+                  </a:gsLst>
+                  <a:lin ang="5400000" scaled="1"/>
+                </a:gradFill>
+                <a:effectLst/>
+                <a:uLnTx/>
+                <a:uFillTx/>
+                <a:latin typeface="Malgun Gothic Semilight" panose="020B0502040204020203" pitchFamily="50" charset="-127"/>
+                <a:ea typeface="Malgun Gothic Semilight" panose="020B0502040204020203" pitchFamily="50" charset="-127"/>
+                <a:cs typeface="Malgun Gothic Semilight" panose="020B0502040204020203" pitchFamily="50" charset="-127"/>
+              </a:rPr>
+              <a:t>Title = </a:t>
+            </a:r>
+            <a:r>
+              <a:rPr kumimoji="0" lang="ko-KR" altLang="en-US" sz="1600" b="0" i="0" u="none" strike="noStrike" kern="1200" cap="none" spc="-150" normalizeH="0" baseline="0" noProof="0" dirty="0">
+                <a:ln>
+                  <a:noFill/>
+                </a:ln>
+                <a:gradFill>
+                  <a:gsLst>
+                    <a:gs pos="83000">
+                      <a:prstClr val="black">
+                        <a:lumMod val="75000"/>
+                        <a:lumOff val="25000"/>
+                      </a:prstClr>
+                    </a:gs>
+                    <a:gs pos="100000">
+                      <a:prstClr val="black">
+                        <a:lumMod val="75000"/>
+                        <a:lumOff val="25000"/>
+                      </a:prstClr>
+                    </a:gs>
+                  </a:gsLst>
+                  <a:lin ang="5400000" scaled="1"/>
+                </a:gradFill>
+                <a:effectLst/>
+                <a:uLnTx/>
+                <a:uFillTx/>
+                <a:latin typeface="Malgun Gothic Semilight" panose="020B0502040204020203" pitchFamily="50" charset="-127"/>
+                <a:ea typeface="Malgun Gothic Semilight" panose="020B0502040204020203" pitchFamily="50" charset="-127"/>
+                <a:cs typeface="Malgun Gothic Semilight" panose="020B0502040204020203" pitchFamily="50" charset="-127"/>
+              </a:rPr>
+              <a:t>활동</a:t>
+            </a:r>
+            <a:endParaRPr kumimoji="0" lang="en-US" altLang="ko-KR" sz="1600" b="0" i="0" u="none" strike="noStrike" kern="1200" cap="none" spc="-150" normalizeH="0" baseline="0" noProof="0" dirty="0">
+              <a:ln>
+                <a:noFill/>
+              </a:ln>
+              <a:gradFill>
+                <a:gsLst>
+                  <a:gs pos="83000">
+                    <a:prstClr val="black">
+                      <a:lumMod val="75000"/>
+                      <a:lumOff val="25000"/>
+                    </a:prstClr>
+                  </a:gs>
+                  <a:gs pos="100000">
+                    <a:prstClr val="black">
+                      <a:lumMod val="75000"/>
+                      <a:lumOff val="25000"/>
+                    </a:prstClr>
+                  </a:gs>
+                </a:gsLst>
+                <a:lin ang="5400000" scaled="1"/>
+              </a:gradFill>
+              <a:effectLst/>
+              <a:uLnTx/>
+              <a:uFillTx/>
+              <a:latin typeface="Malgun Gothic Semilight" panose="020B0502040204020203" pitchFamily="50" charset="-127"/>
+              <a:ea typeface="Malgun Gothic Semilight" panose="020B0502040204020203" pitchFamily="50" charset="-127"/>
+              <a:cs typeface="Malgun Gothic Semilight" panose="020B0502040204020203" pitchFamily="50" charset="-127"/>
+            </a:endParaRPr>
+          </a:p>
+          <a:p>
+            <a:pPr marL="0" marR="0" lvl="0" indent="0" algn="ctr" defTabSz="914400" rtl="0" eaLnBrk="1" fontAlgn="auto" latinLnBrk="1" hangingPunct="1">
+              <a:lnSpc>
+                <a:spcPct val="150000"/>
+              </a:lnSpc>
+              <a:spcBef>
+                <a:spcPts val="0"/>
+              </a:spcBef>
+              <a:spcAft>
+                <a:spcPts val="0"/>
+              </a:spcAft>
+              <a:buClrTx/>
+              <a:buSzTx/>
+              <a:buFontTx/>
+              <a:buNone/>
+              <a:tabLst/>
+              <a:defRPr/>
+            </a:pPr>
+            <a:r>
+              <a:rPr kumimoji="0" lang="en-US" altLang="ko-KR" sz="1600" b="0" i="0" u="none" strike="noStrike" kern="1200" cap="none" spc="-150" normalizeH="0" baseline="0" noProof="0" dirty="0">
+                <a:ln>
+                  <a:noFill/>
+                </a:ln>
+                <a:gradFill>
+                  <a:gsLst>
+                    <a:gs pos="83000">
+                      <a:prstClr val="black">
+                        <a:lumMod val="75000"/>
+                        <a:lumOff val="25000"/>
+                      </a:prstClr>
+                    </a:gs>
+                    <a:gs pos="100000">
+                      <a:prstClr val="black">
+                        <a:lumMod val="75000"/>
+                        <a:lumOff val="25000"/>
+                      </a:prstClr>
+                    </a:gs>
+                  </a:gsLst>
+                  <a:lin ang="5400000" scaled="1"/>
+                </a:gradFill>
+                <a:effectLst/>
+                <a:uLnTx/>
+                <a:uFillTx/>
+                <a:latin typeface="Malgun Gothic Semilight" panose="020B0502040204020203" pitchFamily="50" charset="-127"/>
+                <a:ea typeface="Malgun Gothic Semilight" panose="020B0502040204020203" pitchFamily="50" charset="-127"/>
+                <a:cs typeface="Malgun Gothic Semilight" panose="020B0502040204020203" pitchFamily="50" charset="-127"/>
+              </a:rPr>
+              <a:t>Description = </a:t>
+            </a:r>
+            <a:r>
+              <a:rPr kumimoji="0" lang="ko-KR" altLang="en-US" sz="1600" b="0" i="0" u="none" strike="noStrike" kern="1200" cap="none" spc="-150" normalizeH="0" baseline="0" noProof="0" dirty="0">
+                <a:ln>
+                  <a:noFill/>
+                </a:ln>
+                <a:gradFill>
+                  <a:gsLst>
+                    <a:gs pos="83000">
+                      <a:prstClr val="black">
+                        <a:lumMod val="75000"/>
+                        <a:lumOff val="25000"/>
+                      </a:prstClr>
+                    </a:gs>
+                    <a:gs pos="100000">
+                      <a:prstClr val="black">
+                        <a:lumMod val="75000"/>
+                        <a:lumOff val="25000"/>
+                      </a:prstClr>
+                    </a:gs>
+                  </a:gsLst>
+                  <a:lin ang="5400000" scaled="1"/>
+                </a:gradFill>
+                <a:effectLst/>
+                <a:uLnTx/>
+                <a:uFillTx/>
+                <a:latin typeface="Malgun Gothic Semilight" panose="020B0502040204020203" pitchFamily="50" charset="-127"/>
+                <a:ea typeface="Malgun Gothic Semilight" panose="020B0502040204020203" pitchFamily="50" charset="-127"/>
+                <a:cs typeface="Malgun Gothic Semilight" panose="020B0502040204020203" pitchFamily="50" charset="-127"/>
+              </a:rPr>
+              <a:t>설명</a:t>
+            </a:r>
+            <a:endParaRPr kumimoji="0" lang="en-US" altLang="ko-KR" sz="2000" b="0" i="0" u="none" strike="noStrike" kern="1200" cap="none" spc="-150" normalizeH="0" baseline="0" noProof="0" dirty="0">
+              <a:ln>
+                <a:noFill/>
+              </a:ln>
+              <a:gradFill>
+                <a:gsLst>
+                  <a:gs pos="83000">
+                    <a:prstClr val="black">
+                      <a:lumMod val="75000"/>
+                      <a:lumOff val="25000"/>
+                    </a:prstClr>
+                  </a:gs>
+                  <a:gs pos="100000">
+                    <a:prstClr val="black">
+                      <a:lumMod val="75000"/>
+                      <a:lumOff val="25000"/>
+                    </a:prstClr>
+                  </a:gs>
+                </a:gsLst>
+                <a:lin ang="5400000" scaled="1"/>
+              </a:gradFill>
+              <a:effectLst/>
+              <a:uLnTx/>
+              <a:uFillTx/>
+              <a:latin typeface="Malgun Gothic Semilight" panose="020B0502040204020203" pitchFamily="50" charset="-127"/>
+              <a:ea typeface="Malgun Gothic Semilight" panose="020B0502040204020203" pitchFamily="50" charset="-127"/>
+              <a:cs typeface="Malgun Gothic Semilight" panose="020B0502040204020203" pitchFamily="50" charset="-127"/>
+            </a:endParaRPr>
+          </a:p>
+        </p:txBody>
+      </p:sp>
+    </p:spTree>
+    <p:extLst>
+      <p:ext uri="{BB962C8B-B14F-4D97-AF65-F5344CB8AC3E}">
+        <p14:creationId xmlns:p14="http://schemas.microsoft.com/office/powerpoint/2010/main" val="437983549"/>
       </p:ext>
     </p:extLst>
   </p:cSld>
@@ -6663,7 +7692,7 @@
               <a:defRPr/>
             </a:pPr>
             <a:r>
-              <a:rPr kumimoji="0" lang="en-US" altLang="ko-KR" sz="2000" b="0" i="0" u="none" strike="noStrike" kern="1200" cap="none" spc="-150" normalizeH="0" baseline="0" noProof="0" dirty="0">
+              <a:rPr kumimoji="0" lang="en-US" altLang="ko-KR" sz="2000" b="0" i="0" u="none" strike="noStrike" kern="1200" cap="none" spc="-150" normalizeH="0" baseline="0" noProof="0" dirty="0" err="1">
                 <a:ln>
                   <a:noFill/>
                 </a:ln>
@@ -6691,152 +7720,7 @@
                 <a:ea typeface="Malgun Gothic Semilight" panose="020B0502040204020203" pitchFamily="50" charset="-127"/>
                 <a:cs typeface="Malgun Gothic Semilight" panose="020B0502040204020203" pitchFamily="50" charset="-127"/>
               </a:rPr>
-              <a:t>DFD</a:t>
-            </a:r>
-          </a:p>
-        </p:txBody>
-      </p:sp>
-      <p:pic>
-        <p:nvPicPr>
-          <p:cNvPr id="2" name="그림 1">
-            <a:extLst>
-              <a:ext uri="{FF2B5EF4-FFF2-40B4-BE49-F238E27FC236}">
-                <a16:creationId xmlns:a16="http://schemas.microsoft.com/office/drawing/2014/main" id="{09827627-BE65-4694-810C-5B2810550869}"/>
-              </a:ext>
-            </a:extLst>
-          </p:cNvPr>
-          <p:cNvPicPr>
-            <a:picLocks noChangeAspect="1"/>
-          </p:cNvPicPr>
-          <p:nvPr/>
-        </p:nvPicPr>
-        <p:blipFill>
-          <a:blip r:embed="rId2"/>
-          <a:stretch>
-            <a:fillRect/>
-          </a:stretch>
-        </p:blipFill>
-        <p:spPr>
-          <a:xfrm>
-            <a:off x="2911968" y="1016109"/>
-            <a:ext cx="6368062" cy="3609334"/>
-          </a:xfrm>
-          <a:prstGeom prst="rect">
-            <a:avLst/>
-          </a:prstGeom>
-        </p:spPr>
-      </p:pic>
-      <p:sp>
-        <p:nvSpPr>
-          <p:cNvPr id="5" name="TextBox 4">
-            <a:extLst>
-              <a:ext uri="{FF2B5EF4-FFF2-40B4-BE49-F238E27FC236}">
-                <a16:creationId xmlns:a16="http://schemas.microsoft.com/office/drawing/2014/main" id="{E8579C58-F85E-427E-8A52-3B2AA4899DF7}"/>
-              </a:ext>
-            </a:extLst>
-          </p:cNvPr>
-          <p:cNvSpPr txBox="1"/>
-          <p:nvPr/>
-        </p:nvSpPr>
-        <p:spPr>
-          <a:xfrm>
-            <a:off x="1951520" y="4537335"/>
-            <a:ext cx="3477924" cy="1879489"/>
-          </a:xfrm>
-          <a:prstGeom prst="rect">
-            <a:avLst/>
-          </a:prstGeom>
-          <a:solidFill>
-            <a:schemeClr val="tx2">
-              <a:lumMod val="20000"/>
-              <a:lumOff val="80000"/>
-            </a:schemeClr>
-          </a:solidFill>
-        </p:spPr>
-        <p:txBody>
-          <a:bodyPr wrap="square" rtlCol="0">
-            <a:spAutoFit/>
-          </a:bodyPr>
-          <a:lstStyle/>
-          <a:p>
-            <a:pPr marL="0" marR="0" lvl="0" indent="0" algn="ctr" defTabSz="914400" rtl="0" eaLnBrk="1" fontAlgn="auto" latinLnBrk="1" hangingPunct="1">
-              <a:lnSpc>
-                <a:spcPct val="150000"/>
-              </a:lnSpc>
-              <a:spcBef>
-                <a:spcPts val="0"/>
-              </a:spcBef>
-              <a:spcAft>
-                <a:spcPts val="0"/>
-              </a:spcAft>
-              <a:buClrTx/>
-              <a:buSzTx/>
-              <a:buFontTx/>
-              <a:buNone/>
-              <a:tabLst/>
-              <a:defRPr/>
-            </a:pPr>
-            <a:r>
-              <a:rPr kumimoji="0" lang="en-US" altLang="ko-KR" sz="2000" b="0" i="0" u="none" strike="noStrike" kern="1200" cap="none" spc="-150" normalizeH="0" baseline="0" noProof="0" dirty="0">
-                <a:ln>
-                  <a:noFill/>
-                </a:ln>
-                <a:gradFill>
-                  <a:gsLst>
-                    <a:gs pos="83000">
-                      <a:prstClr val="black">
-                        <a:lumMod val="75000"/>
-                        <a:lumOff val="25000"/>
-                      </a:prstClr>
-                    </a:gs>
-                    <a:gs pos="100000">
-                      <a:prstClr val="black">
-                        <a:lumMod val="75000"/>
-                        <a:lumOff val="25000"/>
-                      </a:prstClr>
-                    </a:gs>
-                  </a:gsLst>
-                  <a:lin ang="5400000" scaled="1"/>
-                </a:gradFill>
-                <a:effectLst/>
-                <a:uLnTx/>
-                <a:uFillTx/>
-                <a:latin typeface="Malgun Gothic Semilight" panose="020B0502040204020203" pitchFamily="50" charset="-127"/>
-                <a:ea typeface="Malgun Gothic Semilight" panose="020B0502040204020203" pitchFamily="50" charset="-127"/>
-                <a:cs typeface="Malgun Gothic Semilight" panose="020B0502040204020203" pitchFamily="50" charset="-127"/>
-              </a:rPr>
-              <a:t>Id = </a:t>
-            </a:r>
-            <a:r>
-              <a:rPr kumimoji="0" lang="ko-KR" altLang="en-US" sz="2000" b="0" i="0" u="none" strike="noStrike" kern="1200" cap="none" spc="-150" normalizeH="0" baseline="0" noProof="0" dirty="0">
-                <a:ln>
-                  <a:noFill/>
-                </a:ln>
-                <a:gradFill>
-                  <a:gsLst>
-                    <a:gs pos="83000">
-                      <a:prstClr val="black">
-                        <a:lumMod val="75000"/>
-                        <a:lumOff val="25000"/>
-                      </a:prstClr>
-                    </a:gs>
-                    <a:gs pos="100000">
-                      <a:prstClr val="black">
-                        <a:lumMod val="75000"/>
-                        <a:lumOff val="25000"/>
-                      </a:prstClr>
-                    </a:gs>
-                  </a:gsLst>
-                  <a:lin ang="5400000" scaled="1"/>
-                </a:gradFill>
-                <a:effectLst/>
-                <a:uLnTx/>
-                <a:uFillTx/>
-                <a:latin typeface="Malgun Gothic Semilight" panose="020B0502040204020203" pitchFamily="50" charset="-127"/>
-                <a:ea typeface="Malgun Gothic Semilight" panose="020B0502040204020203" pitchFamily="50" charset="-127"/>
-                <a:cs typeface="Malgun Gothic Semilight" panose="020B0502040204020203" pitchFamily="50" charset="-127"/>
-              </a:rPr>
-              <a:t>활동번호</a:t>
+              <a:t>Mysql</a:t>
             </a:r>
             <a:endParaRPr kumimoji="0" lang="en-US" altLang="ko-KR" sz="2000" b="0" i="0" u="none" strike="noStrike" kern="1200" cap="none" spc="-150" normalizeH="0" baseline="0" noProof="0" dirty="0">
               <a:ln>
@@ -6867,949 +7751,42 @@
               <a:cs typeface="Malgun Gothic Semilight" panose="020B0502040204020203" pitchFamily="50" charset="-127"/>
             </a:endParaRPr>
           </a:p>
-          <a:p>
-            <a:pPr marL="0" marR="0" lvl="0" indent="0" algn="ctr" defTabSz="914400" rtl="0" eaLnBrk="1" fontAlgn="auto" latinLnBrk="1" hangingPunct="1">
-              <a:lnSpc>
-                <a:spcPct val="150000"/>
-              </a:lnSpc>
-              <a:spcBef>
-                <a:spcPts val="0"/>
-              </a:spcBef>
-              <a:spcAft>
-                <a:spcPts val="0"/>
-              </a:spcAft>
-              <a:buClrTx/>
-              <a:buSzTx/>
-              <a:buFontTx/>
-              <a:buNone/>
-              <a:tabLst/>
-              <a:defRPr/>
-            </a:pPr>
-            <a:r>
-              <a:rPr kumimoji="0" lang="en-US" altLang="ko-KR" sz="2000" b="0" i="0" u="none" strike="noStrike" kern="1200" cap="none" spc="-150" normalizeH="0" baseline="0" noProof="0" dirty="0">
-                <a:ln>
-                  <a:noFill/>
-                </a:ln>
-                <a:gradFill>
-                  <a:gsLst>
-                    <a:gs pos="83000">
-                      <a:prstClr val="black">
-                        <a:lumMod val="75000"/>
-                        <a:lumOff val="25000"/>
-                      </a:prstClr>
-                    </a:gs>
-                    <a:gs pos="100000">
-                      <a:prstClr val="black">
-                        <a:lumMod val="75000"/>
-                        <a:lumOff val="25000"/>
-                      </a:prstClr>
-                    </a:gs>
-                  </a:gsLst>
-                  <a:lin ang="5400000" scaled="1"/>
-                </a:gradFill>
-                <a:effectLst/>
-                <a:uLnTx/>
-                <a:uFillTx/>
-                <a:latin typeface="Malgun Gothic Semilight" panose="020B0502040204020203" pitchFamily="50" charset="-127"/>
-                <a:ea typeface="Malgun Gothic Semilight" panose="020B0502040204020203" pitchFamily="50" charset="-127"/>
-                <a:cs typeface="Malgun Gothic Semilight" panose="020B0502040204020203" pitchFamily="50" charset="-127"/>
-              </a:rPr>
-              <a:t>Date = </a:t>
-            </a:r>
-            <a:r>
-              <a:rPr kumimoji="0" lang="ko-KR" altLang="en-US" sz="2000" b="0" i="0" u="none" strike="noStrike" kern="1200" cap="none" spc="-150" normalizeH="0" baseline="0" noProof="0" dirty="0">
-                <a:ln>
-                  <a:noFill/>
-                </a:ln>
-                <a:gradFill>
-                  <a:gsLst>
-                    <a:gs pos="83000">
-                      <a:prstClr val="black">
-                        <a:lumMod val="75000"/>
-                        <a:lumOff val="25000"/>
-                      </a:prstClr>
-                    </a:gs>
-                    <a:gs pos="100000">
-                      <a:prstClr val="black">
-                        <a:lumMod val="75000"/>
-                        <a:lumOff val="25000"/>
-                      </a:prstClr>
-                    </a:gs>
-                  </a:gsLst>
-                  <a:lin ang="5400000" scaled="1"/>
-                </a:gradFill>
-                <a:effectLst/>
-                <a:uLnTx/>
-                <a:uFillTx/>
-                <a:latin typeface="Malgun Gothic Semilight" panose="020B0502040204020203" pitchFamily="50" charset="-127"/>
-                <a:ea typeface="Malgun Gothic Semilight" panose="020B0502040204020203" pitchFamily="50" charset="-127"/>
-                <a:cs typeface="Malgun Gothic Semilight" panose="020B0502040204020203" pitchFamily="50" charset="-127"/>
-              </a:rPr>
-              <a:t>활동일</a:t>
-            </a:r>
-            <a:endParaRPr kumimoji="0" lang="en-US" altLang="ko-KR" sz="2000" b="0" i="0" u="none" strike="noStrike" kern="1200" cap="none" spc="-150" normalizeH="0" baseline="0" noProof="0" dirty="0">
-              <a:ln>
-                <a:noFill/>
-              </a:ln>
-              <a:gradFill>
-                <a:gsLst>
-                  <a:gs pos="83000">
-                    <a:prstClr val="black">
-                      <a:lumMod val="75000"/>
-                      <a:lumOff val="25000"/>
-                    </a:prstClr>
-                  </a:gs>
-                  <a:gs pos="100000">
-                    <a:prstClr val="black">
-                      <a:lumMod val="75000"/>
-                      <a:lumOff val="25000"/>
-                    </a:prstClr>
-                  </a:gs>
-                </a:gsLst>
-                <a:lin ang="5400000" scaled="1"/>
-              </a:gradFill>
-              <a:effectLst/>
-              <a:uLnTx/>
-              <a:uFillTx/>
-              <a:latin typeface="Malgun Gothic Semilight" panose="020B0502040204020203" pitchFamily="50" charset="-127"/>
-              <a:ea typeface="Malgun Gothic Semilight" panose="020B0502040204020203" pitchFamily="50" charset="-127"/>
-              <a:cs typeface="Malgun Gothic Semilight" panose="020B0502040204020203" pitchFamily="50" charset="-127"/>
-            </a:endParaRPr>
-          </a:p>
-          <a:p>
-            <a:pPr marL="0" marR="0" lvl="0" indent="0" algn="ctr" defTabSz="914400" rtl="0" eaLnBrk="1" fontAlgn="auto" latinLnBrk="1" hangingPunct="1">
-              <a:lnSpc>
-                <a:spcPct val="150000"/>
-              </a:lnSpc>
-              <a:spcBef>
-                <a:spcPts val="0"/>
-              </a:spcBef>
-              <a:spcAft>
-                <a:spcPts val="0"/>
-              </a:spcAft>
-              <a:buClrTx/>
-              <a:buSzTx/>
-              <a:buFontTx/>
-              <a:buNone/>
-              <a:tabLst/>
-              <a:defRPr/>
-            </a:pPr>
-            <a:r>
-              <a:rPr kumimoji="0" lang="en-US" altLang="ko-KR" sz="2000" b="0" i="0" u="none" strike="noStrike" kern="1200" cap="none" spc="-150" normalizeH="0" baseline="0" noProof="0" dirty="0">
-                <a:ln>
-                  <a:noFill/>
-                </a:ln>
-                <a:gradFill>
-                  <a:gsLst>
-                    <a:gs pos="83000">
-                      <a:prstClr val="black">
-                        <a:lumMod val="75000"/>
-                        <a:lumOff val="25000"/>
-                      </a:prstClr>
-                    </a:gs>
-                    <a:gs pos="100000">
-                      <a:prstClr val="black">
-                        <a:lumMod val="75000"/>
-                        <a:lumOff val="25000"/>
-                      </a:prstClr>
-                    </a:gs>
-                  </a:gsLst>
-                  <a:lin ang="5400000" scaled="1"/>
-                </a:gradFill>
-                <a:effectLst/>
-                <a:uLnTx/>
-                <a:uFillTx/>
-                <a:latin typeface="Malgun Gothic Semilight" panose="020B0502040204020203" pitchFamily="50" charset="-127"/>
-                <a:ea typeface="Malgun Gothic Semilight" panose="020B0502040204020203" pitchFamily="50" charset="-127"/>
-                <a:cs typeface="Malgun Gothic Semilight" panose="020B0502040204020203" pitchFamily="50" charset="-127"/>
-              </a:rPr>
-              <a:t>Title = </a:t>
-            </a:r>
-            <a:r>
-              <a:rPr kumimoji="0" lang="ko-KR" altLang="en-US" sz="2000" b="0" i="0" u="none" strike="noStrike" kern="1200" cap="none" spc="-150" normalizeH="0" baseline="0" noProof="0" dirty="0">
-                <a:ln>
-                  <a:noFill/>
-                </a:ln>
-                <a:gradFill>
-                  <a:gsLst>
-                    <a:gs pos="83000">
-                      <a:prstClr val="black">
-                        <a:lumMod val="75000"/>
-                        <a:lumOff val="25000"/>
-                      </a:prstClr>
-                    </a:gs>
-                    <a:gs pos="100000">
-                      <a:prstClr val="black">
-                        <a:lumMod val="75000"/>
-                        <a:lumOff val="25000"/>
-                      </a:prstClr>
-                    </a:gs>
-                  </a:gsLst>
-                  <a:lin ang="5400000" scaled="1"/>
-                </a:gradFill>
-                <a:effectLst/>
-                <a:uLnTx/>
-                <a:uFillTx/>
-                <a:latin typeface="Malgun Gothic Semilight" panose="020B0502040204020203" pitchFamily="50" charset="-127"/>
-                <a:ea typeface="Malgun Gothic Semilight" panose="020B0502040204020203" pitchFamily="50" charset="-127"/>
-                <a:cs typeface="Malgun Gothic Semilight" panose="020B0502040204020203" pitchFamily="50" charset="-127"/>
-              </a:rPr>
-              <a:t>활동</a:t>
-            </a:r>
-            <a:endParaRPr kumimoji="0" lang="en-US" altLang="ko-KR" sz="2000" b="0" i="0" u="none" strike="noStrike" kern="1200" cap="none" spc="-150" normalizeH="0" baseline="0" noProof="0" dirty="0">
-              <a:ln>
-                <a:noFill/>
-              </a:ln>
-              <a:gradFill>
-                <a:gsLst>
-                  <a:gs pos="83000">
-                    <a:prstClr val="black">
-                      <a:lumMod val="75000"/>
-                      <a:lumOff val="25000"/>
-                    </a:prstClr>
-                  </a:gs>
-                  <a:gs pos="100000">
-                    <a:prstClr val="black">
-                      <a:lumMod val="75000"/>
-                      <a:lumOff val="25000"/>
-                    </a:prstClr>
-                  </a:gs>
-                </a:gsLst>
-                <a:lin ang="5400000" scaled="1"/>
-              </a:gradFill>
-              <a:effectLst/>
-              <a:uLnTx/>
-              <a:uFillTx/>
-              <a:latin typeface="Malgun Gothic Semilight" panose="020B0502040204020203" pitchFamily="50" charset="-127"/>
-              <a:ea typeface="Malgun Gothic Semilight" panose="020B0502040204020203" pitchFamily="50" charset="-127"/>
-              <a:cs typeface="Malgun Gothic Semilight" panose="020B0502040204020203" pitchFamily="50" charset="-127"/>
-            </a:endParaRPr>
-          </a:p>
-          <a:p>
-            <a:pPr marL="0" marR="0" lvl="0" indent="0" algn="ctr" defTabSz="914400" rtl="0" eaLnBrk="1" fontAlgn="auto" latinLnBrk="1" hangingPunct="1">
-              <a:lnSpc>
-                <a:spcPct val="150000"/>
-              </a:lnSpc>
-              <a:spcBef>
-                <a:spcPts val="0"/>
-              </a:spcBef>
-              <a:spcAft>
-                <a:spcPts val="0"/>
-              </a:spcAft>
-              <a:buClrTx/>
-              <a:buSzTx/>
-              <a:buFontTx/>
-              <a:buNone/>
-              <a:tabLst/>
-              <a:defRPr/>
-            </a:pPr>
-            <a:r>
-              <a:rPr kumimoji="0" lang="en-US" altLang="ko-KR" sz="2000" b="0" i="0" u="none" strike="noStrike" kern="1200" cap="none" spc="-150" normalizeH="0" baseline="0" noProof="0" dirty="0">
-                <a:ln>
-                  <a:noFill/>
-                </a:ln>
-                <a:gradFill>
-                  <a:gsLst>
-                    <a:gs pos="83000">
-                      <a:prstClr val="black">
-                        <a:lumMod val="75000"/>
-                        <a:lumOff val="25000"/>
-                      </a:prstClr>
-                    </a:gs>
-                    <a:gs pos="100000">
-                      <a:prstClr val="black">
-                        <a:lumMod val="75000"/>
-                        <a:lumOff val="25000"/>
-                      </a:prstClr>
-                    </a:gs>
-                  </a:gsLst>
-                  <a:lin ang="5400000" scaled="1"/>
-                </a:gradFill>
-                <a:effectLst/>
-                <a:uLnTx/>
-                <a:uFillTx/>
-                <a:latin typeface="Malgun Gothic Semilight" panose="020B0502040204020203" pitchFamily="50" charset="-127"/>
-                <a:ea typeface="Malgun Gothic Semilight" panose="020B0502040204020203" pitchFamily="50" charset="-127"/>
-                <a:cs typeface="Malgun Gothic Semilight" panose="020B0502040204020203" pitchFamily="50" charset="-127"/>
-              </a:rPr>
-              <a:t>Description = </a:t>
-            </a:r>
-            <a:r>
-              <a:rPr kumimoji="0" lang="ko-KR" altLang="en-US" sz="2000" b="0" i="0" u="none" strike="noStrike" kern="1200" cap="none" spc="-150" normalizeH="0" baseline="0" noProof="0" dirty="0">
-                <a:ln>
-                  <a:noFill/>
-                </a:ln>
-                <a:gradFill>
-                  <a:gsLst>
-                    <a:gs pos="83000">
-                      <a:prstClr val="black">
-                        <a:lumMod val="75000"/>
-                        <a:lumOff val="25000"/>
-                      </a:prstClr>
-                    </a:gs>
-                    <a:gs pos="100000">
-                      <a:prstClr val="black">
-                        <a:lumMod val="75000"/>
-                        <a:lumOff val="25000"/>
-                      </a:prstClr>
-                    </a:gs>
-                  </a:gsLst>
-                  <a:lin ang="5400000" scaled="1"/>
-                </a:gradFill>
-                <a:effectLst/>
-                <a:uLnTx/>
-                <a:uFillTx/>
-                <a:latin typeface="Malgun Gothic Semilight" panose="020B0502040204020203" pitchFamily="50" charset="-127"/>
-                <a:ea typeface="Malgun Gothic Semilight" panose="020B0502040204020203" pitchFamily="50" charset="-127"/>
-                <a:cs typeface="Malgun Gothic Semilight" panose="020B0502040204020203" pitchFamily="50" charset="-127"/>
-              </a:rPr>
-              <a:t>설명</a:t>
-            </a:r>
-            <a:endParaRPr kumimoji="0" lang="en-US" altLang="ko-KR" sz="2000" b="0" i="0" u="none" strike="noStrike" kern="1200" cap="none" spc="-150" normalizeH="0" baseline="0" noProof="0" dirty="0">
-              <a:ln>
-                <a:noFill/>
-              </a:ln>
-              <a:gradFill>
-                <a:gsLst>
-                  <a:gs pos="83000">
-                    <a:prstClr val="black">
-                      <a:lumMod val="75000"/>
-                      <a:lumOff val="25000"/>
-                    </a:prstClr>
-                  </a:gs>
-                  <a:gs pos="100000">
-                    <a:prstClr val="black">
-                      <a:lumMod val="75000"/>
-                      <a:lumOff val="25000"/>
-                    </a:prstClr>
-                  </a:gs>
-                </a:gsLst>
-                <a:lin ang="5400000" scaled="1"/>
-              </a:gradFill>
-              <a:effectLst/>
-              <a:uLnTx/>
-              <a:uFillTx/>
-              <a:latin typeface="Malgun Gothic Semilight" panose="020B0502040204020203" pitchFamily="50" charset="-127"/>
-              <a:ea typeface="Malgun Gothic Semilight" panose="020B0502040204020203" pitchFamily="50" charset="-127"/>
-              <a:cs typeface="Malgun Gothic Semilight" panose="020B0502040204020203" pitchFamily="50" charset="-127"/>
-            </a:endParaRPr>
-          </a:p>
-        </p:txBody>
-      </p:sp>
-      <p:sp>
-        <p:nvSpPr>
-          <p:cNvPr id="6" name="TextBox 5">
+        </p:txBody>
+      </p:sp>
+      <p:pic>
+        <p:nvPicPr>
+          <p:cNvPr id="2" name="그림 1">
             <a:extLst>
               <a:ext uri="{FF2B5EF4-FFF2-40B4-BE49-F238E27FC236}">
-                <a16:creationId xmlns:a16="http://schemas.microsoft.com/office/drawing/2014/main" id="{F728572D-2C17-40CC-9469-62BEE60BE33C}"/>
+                <a16:creationId xmlns:a16="http://schemas.microsoft.com/office/drawing/2014/main" id="{B1CCAC4F-9433-424B-929A-25540438DB73}"/>
               </a:ext>
             </a:extLst>
           </p:cNvPr>
-          <p:cNvSpPr txBox="1"/>
+          <p:cNvPicPr>
+            <a:picLocks noChangeAspect="1"/>
+          </p:cNvPicPr>
           <p:nvPr/>
-        </p:nvSpPr>
+        </p:nvPicPr>
+        <p:blipFill>
+          <a:blip r:embed="rId2"/>
+          <a:stretch>
+            <a:fillRect/>
+          </a:stretch>
+        </p:blipFill>
         <p:spPr>
           <a:xfrm>
-            <a:off x="6762558" y="4537334"/>
-            <a:ext cx="3477924" cy="1891352"/>
+            <a:off x="1432155" y="1753506"/>
+            <a:ext cx="9327688" cy="4221846"/>
           </a:xfrm>
           <a:prstGeom prst="rect">
             <a:avLst/>
           </a:prstGeom>
-          <a:solidFill>
-            <a:schemeClr val="tx2">
-              <a:lumMod val="20000"/>
-              <a:lumOff val="80000"/>
-            </a:schemeClr>
-          </a:solidFill>
-        </p:spPr>
-        <p:txBody>
-          <a:bodyPr wrap="square" rtlCol="0">
-            <a:spAutoFit/>
-          </a:bodyPr>
-          <a:lstStyle/>
-          <a:p>
-            <a:pPr marL="0" marR="0" lvl="0" indent="0" algn="ctr" defTabSz="914400" rtl="0" eaLnBrk="1" fontAlgn="auto" latinLnBrk="1" hangingPunct="1">
-              <a:lnSpc>
-                <a:spcPct val="150000"/>
-              </a:lnSpc>
-              <a:spcBef>
-                <a:spcPts val="0"/>
-              </a:spcBef>
-              <a:spcAft>
-                <a:spcPts val="0"/>
-              </a:spcAft>
-              <a:buClrTx/>
-              <a:buSzTx/>
-              <a:buFontTx/>
-              <a:buNone/>
-              <a:tabLst/>
-              <a:defRPr/>
-            </a:pPr>
-            <a:r>
-              <a:rPr kumimoji="0" lang="en-US" altLang="ko-KR" sz="1600" b="0" i="0" u="none" strike="noStrike" kern="1200" cap="none" spc="-150" normalizeH="0" baseline="0" noProof="0" dirty="0" err="1">
-                <a:ln>
-                  <a:noFill/>
-                </a:ln>
-                <a:gradFill>
-                  <a:gsLst>
-                    <a:gs pos="83000">
-                      <a:prstClr val="black">
-                        <a:lumMod val="75000"/>
-                        <a:lumOff val="25000"/>
-                      </a:prstClr>
-                    </a:gs>
-                    <a:gs pos="100000">
-                      <a:prstClr val="black">
-                        <a:lumMod val="75000"/>
-                        <a:lumOff val="25000"/>
-                      </a:prstClr>
-                    </a:gs>
-                  </a:gsLst>
-                  <a:lin ang="5400000" scaled="1"/>
-                </a:gradFill>
-                <a:effectLst/>
-                <a:uLnTx/>
-                <a:uFillTx/>
-                <a:latin typeface="Malgun Gothic Semilight" panose="020B0502040204020203" pitchFamily="50" charset="-127"/>
-                <a:ea typeface="Malgun Gothic Semilight" panose="020B0502040204020203" pitchFamily="50" charset="-127"/>
-                <a:cs typeface="Malgun Gothic Semilight" panose="020B0502040204020203" pitchFamily="50" charset="-127"/>
-              </a:rPr>
-              <a:t>Fno</a:t>
-            </a:r>
-            <a:r>
-              <a:rPr kumimoji="0" lang="en-US" altLang="ko-KR" sz="1600" b="0" i="0" u="none" strike="noStrike" kern="1200" cap="none" spc="-150" normalizeH="0" baseline="0" noProof="0" dirty="0">
-                <a:ln>
-                  <a:noFill/>
-                </a:ln>
-                <a:gradFill>
-                  <a:gsLst>
-                    <a:gs pos="83000">
-                      <a:prstClr val="black">
-                        <a:lumMod val="75000"/>
-                        <a:lumOff val="25000"/>
-                      </a:prstClr>
-                    </a:gs>
-                    <a:gs pos="100000">
-                      <a:prstClr val="black">
-                        <a:lumMod val="75000"/>
-                        <a:lumOff val="25000"/>
-                      </a:prstClr>
-                    </a:gs>
-                  </a:gsLst>
-                  <a:lin ang="5400000" scaled="1"/>
-                </a:gradFill>
-                <a:effectLst/>
-                <a:uLnTx/>
-                <a:uFillTx/>
-                <a:latin typeface="Malgun Gothic Semilight" panose="020B0502040204020203" pitchFamily="50" charset="-127"/>
-                <a:ea typeface="Malgun Gothic Semilight" panose="020B0502040204020203" pitchFamily="50" charset="-127"/>
-                <a:cs typeface="Malgun Gothic Semilight" panose="020B0502040204020203" pitchFamily="50" charset="-127"/>
-              </a:rPr>
-              <a:t> = </a:t>
-            </a:r>
-            <a:r>
-              <a:rPr kumimoji="0" lang="ko-KR" altLang="en-US" sz="1600" b="0" i="0" u="none" strike="noStrike" kern="1200" cap="none" spc="-150" normalizeH="0" baseline="0" noProof="0" dirty="0">
-                <a:ln>
-                  <a:noFill/>
-                </a:ln>
-                <a:gradFill>
-                  <a:gsLst>
-                    <a:gs pos="83000">
-                      <a:prstClr val="black">
-                        <a:lumMod val="75000"/>
-                        <a:lumOff val="25000"/>
-                      </a:prstClr>
-                    </a:gs>
-                    <a:gs pos="100000">
-                      <a:prstClr val="black">
-                        <a:lumMod val="75000"/>
-                        <a:lumOff val="25000"/>
-                      </a:prstClr>
-                    </a:gs>
-                  </a:gsLst>
-                  <a:lin ang="5400000" scaled="1"/>
-                </a:gradFill>
-                <a:effectLst/>
-                <a:uLnTx/>
-                <a:uFillTx/>
-                <a:latin typeface="Malgun Gothic Semilight" panose="020B0502040204020203" pitchFamily="50" charset="-127"/>
-                <a:ea typeface="Malgun Gothic Semilight" panose="020B0502040204020203" pitchFamily="50" charset="-127"/>
-                <a:cs typeface="Malgun Gothic Semilight" panose="020B0502040204020203" pitchFamily="50" charset="-127"/>
-              </a:rPr>
-              <a:t>파일번호</a:t>
-            </a:r>
-            <a:endParaRPr kumimoji="0" lang="en-US" altLang="ko-KR" sz="1600" b="0" i="0" u="none" strike="noStrike" kern="1200" cap="none" spc="-150" normalizeH="0" baseline="0" noProof="0" dirty="0">
-              <a:ln>
-                <a:noFill/>
-              </a:ln>
-              <a:gradFill>
-                <a:gsLst>
-                  <a:gs pos="83000">
-                    <a:prstClr val="black">
-                      <a:lumMod val="75000"/>
-                      <a:lumOff val="25000"/>
-                    </a:prstClr>
-                  </a:gs>
-                  <a:gs pos="100000">
-                    <a:prstClr val="black">
-                      <a:lumMod val="75000"/>
-                      <a:lumOff val="25000"/>
-                    </a:prstClr>
-                  </a:gs>
-                </a:gsLst>
-                <a:lin ang="5400000" scaled="1"/>
-              </a:gradFill>
-              <a:effectLst/>
-              <a:uLnTx/>
-              <a:uFillTx/>
-              <a:latin typeface="Malgun Gothic Semilight" panose="020B0502040204020203" pitchFamily="50" charset="-127"/>
-              <a:ea typeface="Malgun Gothic Semilight" panose="020B0502040204020203" pitchFamily="50" charset="-127"/>
-              <a:cs typeface="Malgun Gothic Semilight" panose="020B0502040204020203" pitchFamily="50" charset="-127"/>
-            </a:endParaRPr>
-          </a:p>
-          <a:p>
-            <a:pPr marL="0" marR="0" lvl="0" indent="0" algn="ctr" defTabSz="914400" rtl="0" eaLnBrk="1" fontAlgn="auto" latinLnBrk="1" hangingPunct="1">
-              <a:lnSpc>
-                <a:spcPct val="150000"/>
-              </a:lnSpc>
-              <a:spcBef>
-                <a:spcPts val="0"/>
-              </a:spcBef>
-              <a:spcAft>
-                <a:spcPts val="0"/>
-              </a:spcAft>
-              <a:buClrTx/>
-              <a:buSzTx/>
-              <a:buFontTx/>
-              <a:buNone/>
-              <a:tabLst/>
-              <a:defRPr/>
-            </a:pPr>
-            <a:r>
-              <a:rPr kumimoji="0" lang="en-US" altLang="ko-KR" sz="1600" b="0" i="0" u="none" strike="noStrike" kern="1200" cap="none" spc="-150" normalizeH="0" baseline="0" noProof="0" dirty="0">
-                <a:ln>
-                  <a:noFill/>
-                </a:ln>
-                <a:gradFill>
-                  <a:gsLst>
-                    <a:gs pos="83000">
-                      <a:prstClr val="black">
-                        <a:lumMod val="75000"/>
-                        <a:lumOff val="25000"/>
-                      </a:prstClr>
-                    </a:gs>
-                    <a:gs pos="100000">
-                      <a:prstClr val="black">
-                        <a:lumMod val="75000"/>
-                        <a:lumOff val="25000"/>
-                      </a:prstClr>
-                    </a:gs>
-                  </a:gsLst>
-                  <a:lin ang="5400000" scaled="1"/>
-                </a:gradFill>
-                <a:effectLst/>
-                <a:uLnTx/>
-                <a:uFillTx/>
-                <a:latin typeface="Malgun Gothic Semilight" panose="020B0502040204020203" pitchFamily="50" charset="-127"/>
-                <a:ea typeface="Malgun Gothic Semilight" panose="020B0502040204020203" pitchFamily="50" charset="-127"/>
-                <a:cs typeface="Malgun Gothic Semilight" panose="020B0502040204020203" pitchFamily="50" charset="-127"/>
-              </a:rPr>
-              <a:t>Id = </a:t>
-            </a:r>
-            <a:r>
-              <a:rPr kumimoji="0" lang="ko-KR" altLang="en-US" sz="1600" b="0" i="0" u="none" strike="noStrike" kern="1200" cap="none" spc="-150" normalizeH="0" baseline="0" noProof="0" dirty="0">
-                <a:ln>
-                  <a:noFill/>
-                </a:ln>
-                <a:gradFill>
-                  <a:gsLst>
-                    <a:gs pos="83000">
-                      <a:prstClr val="black">
-                        <a:lumMod val="75000"/>
-                        <a:lumOff val="25000"/>
-                      </a:prstClr>
-                    </a:gs>
-                    <a:gs pos="100000">
-                      <a:prstClr val="black">
-                        <a:lumMod val="75000"/>
-                        <a:lumOff val="25000"/>
-                      </a:prstClr>
-                    </a:gs>
-                  </a:gsLst>
-                  <a:lin ang="5400000" scaled="1"/>
-                </a:gradFill>
-                <a:effectLst/>
-                <a:uLnTx/>
-                <a:uFillTx/>
-                <a:latin typeface="Malgun Gothic Semilight" panose="020B0502040204020203" pitchFamily="50" charset="-127"/>
-                <a:ea typeface="Malgun Gothic Semilight" panose="020B0502040204020203" pitchFamily="50" charset="-127"/>
-                <a:cs typeface="Malgun Gothic Semilight" panose="020B0502040204020203" pitchFamily="50" charset="-127"/>
-              </a:rPr>
-              <a:t>활동번호</a:t>
-            </a:r>
-            <a:endParaRPr kumimoji="0" lang="en-US" altLang="ko-KR" sz="1600" b="0" i="0" u="none" strike="noStrike" kern="1200" cap="none" spc="-150" normalizeH="0" baseline="0" noProof="0" dirty="0">
-              <a:ln>
-                <a:noFill/>
-              </a:ln>
-              <a:gradFill>
-                <a:gsLst>
-                  <a:gs pos="83000">
-                    <a:prstClr val="black">
-                      <a:lumMod val="75000"/>
-                      <a:lumOff val="25000"/>
-                    </a:prstClr>
-                  </a:gs>
-                  <a:gs pos="100000">
-                    <a:prstClr val="black">
-                      <a:lumMod val="75000"/>
-                      <a:lumOff val="25000"/>
-                    </a:prstClr>
-                  </a:gs>
-                </a:gsLst>
-                <a:lin ang="5400000" scaled="1"/>
-              </a:gradFill>
-              <a:effectLst/>
-              <a:uLnTx/>
-              <a:uFillTx/>
-              <a:latin typeface="Malgun Gothic Semilight" panose="020B0502040204020203" pitchFamily="50" charset="-127"/>
-              <a:ea typeface="Malgun Gothic Semilight" panose="020B0502040204020203" pitchFamily="50" charset="-127"/>
-              <a:cs typeface="Malgun Gothic Semilight" panose="020B0502040204020203" pitchFamily="50" charset="-127"/>
-            </a:endParaRPr>
-          </a:p>
-          <a:p>
-            <a:pPr marL="0" marR="0" lvl="0" indent="0" algn="ctr" defTabSz="914400" rtl="0" eaLnBrk="1" fontAlgn="auto" latinLnBrk="1" hangingPunct="1">
-              <a:lnSpc>
-                <a:spcPct val="150000"/>
-              </a:lnSpc>
-              <a:spcBef>
-                <a:spcPts val="0"/>
-              </a:spcBef>
-              <a:spcAft>
-                <a:spcPts val="0"/>
-              </a:spcAft>
-              <a:buClrTx/>
-              <a:buSzTx/>
-              <a:buFontTx/>
-              <a:buNone/>
-              <a:tabLst/>
-              <a:defRPr/>
-            </a:pPr>
-            <a:r>
-              <a:rPr kumimoji="0" lang="en-US" altLang="ko-KR" sz="1600" b="0" i="0" u="none" strike="noStrike" kern="1200" cap="none" spc="-150" normalizeH="0" baseline="0" noProof="0" dirty="0">
-                <a:ln>
-                  <a:noFill/>
-                </a:ln>
-                <a:gradFill>
-                  <a:gsLst>
-                    <a:gs pos="83000">
-                      <a:prstClr val="black">
-                        <a:lumMod val="75000"/>
-                        <a:lumOff val="25000"/>
-                      </a:prstClr>
-                    </a:gs>
-                    <a:gs pos="100000">
-                      <a:prstClr val="black">
-                        <a:lumMod val="75000"/>
-                        <a:lumOff val="25000"/>
-                      </a:prstClr>
-                    </a:gs>
-                  </a:gsLst>
-                  <a:lin ang="5400000" scaled="1"/>
-                </a:gradFill>
-                <a:effectLst/>
-                <a:uLnTx/>
-                <a:uFillTx/>
-                <a:latin typeface="Malgun Gothic Semilight" panose="020B0502040204020203" pitchFamily="50" charset="-127"/>
-                <a:ea typeface="Malgun Gothic Semilight" panose="020B0502040204020203" pitchFamily="50" charset="-127"/>
-                <a:cs typeface="Malgun Gothic Semilight" panose="020B0502040204020203" pitchFamily="50" charset="-127"/>
-              </a:rPr>
-              <a:t>Date = </a:t>
-            </a:r>
-            <a:r>
-              <a:rPr kumimoji="0" lang="ko-KR" altLang="en-US" sz="1600" b="0" i="0" u="none" strike="noStrike" kern="1200" cap="none" spc="-150" normalizeH="0" baseline="0" noProof="0" dirty="0">
-                <a:ln>
-                  <a:noFill/>
-                </a:ln>
-                <a:gradFill>
-                  <a:gsLst>
-                    <a:gs pos="83000">
-                      <a:prstClr val="black">
-                        <a:lumMod val="75000"/>
-                        <a:lumOff val="25000"/>
-                      </a:prstClr>
-                    </a:gs>
-                    <a:gs pos="100000">
-                      <a:prstClr val="black">
-                        <a:lumMod val="75000"/>
-                        <a:lumOff val="25000"/>
-                      </a:prstClr>
-                    </a:gs>
-                  </a:gsLst>
-                  <a:lin ang="5400000" scaled="1"/>
-                </a:gradFill>
-                <a:effectLst/>
-                <a:uLnTx/>
-                <a:uFillTx/>
-                <a:latin typeface="Malgun Gothic Semilight" panose="020B0502040204020203" pitchFamily="50" charset="-127"/>
-                <a:ea typeface="Malgun Gothic Semilight" panose="020B0502040204020203" pitchFamily="50" charset="-127"/>
-                <a:cs typeface="Malgun Gothic Semilight" panose="020B0502040204020203" pitchFamily="50" charset="-127"/>
-              </a:rPr>
-              <a:t>활동일</a:t>
-            </a:r>
-            <a:endParaRPr kumimoji="0" lang="en-US" altLang="ko-KR" sz="1600" b="0" i="0" u="none" strike="noStrike" kern="1200" cap="none" spc="-150" normalizeH="0" baseline="0" noProof="0" dirty="0">
-              <a:ln>
-                <a:noFill/>
-              </a:ln>
-              <a:gradFill>
-                <a:gsLst>
-                  <a:gs pos="83000">
-                    <a:prstClr val="black">
-                      <a:lumMod val="75000"/>
-                      <a:lumOff val="25000"/>
-                    </a:prstClr>
-                  </a:gs>
-                  <a:gs pos="100000">
-                    <a:prstClr val="black">
-                      <a:lumMod val="75000"/>
-                      <a:lumOff val="25000"/>
-                    </a:prstClr>
-                  </a:gs>
-                </a:gsLst>
-                <a:lin ang="5400000" scaled="1"/>
-              </a:gradFill>
-              <a:effectLst/>
-              <a:uLnTx/>
-              <a:uFillTx/>
-              <a:latin typeface="Malgun Gothic Semilight" panose="020B0502040204020203" pitchFamily="50" charset="-127"/>
-              <a:ea typeface="Malgun Gothic Semilight" panose="020B0502040204020203" pitchFamily="50" charset="-127"/>
-              <a:cs typeface="Malgun Gothic Semilight" panose="020B0502040204020203" pitchFamily="50" charset="-127"/>
-            </a:endParaRPr>
-          </a:p>
-          <a:p>
-            <a:pPr marL="0" marR="0" lvl="0" indent="0" algn="ctr" defTabSz="914400" rtl="0" eaLnBrk="1" fontAlgn="auto" latinLnBrk="1" hangingPunct="1">
-              <a:lnSpc>
-                <a:spcPct val="150000"/>
-              </a:lnSpc>
-              <a:spcBef>
-                <a:spcPts val="0"/>
-              </a:spcBef>
-              <a:spcAft>
-                <a:spcPts val="0"/>
-              </a:spcAft>
-              <a:buClrTx/>
-              <a:buSzTx/>
-              <a:buFontTx/>
-              <a:buNone/>
-              <a:tabLst/>
-              <a:defRPr/>
-            </a:pPr>
-            <a:r>
-              <a:rPr kumimoji="0" lang="en-US" altLang="ko-KR" sz="1600" b="0" i="0" u="none" strike="noStrike" kern="1200" cap="none" spc="-150" normalizeH="0" baseline="0" noProof="0" dirty="0">
-                <a:ln>
-                  <a:noFill/>
-                </a:ln>
-                <a:gradFill>
-                  <a:gsLst>
-                    <a:gs pos="83000">
-                      <a:prstClr val="black">
-                        <a:lumMod val="75000"/>
-                        <a:lumOff val="25000"/>
-                      </a:prstClr>
-                    </a:gs>
-                    <a:gs pos="100000">
-                      <a:prstClr val="black">
-                        <a:lumMod val="75000"/>
-                        <a:lumOff val="25000"/>
-                      </a:prstClr>
-                    </a:gs>
-                  </a:gsLst>
-                  <a:lin ang="5400000" scaled="1"/>
-                </a:gradFill>
-                <a:effectLst/>
-                <a:uLnTx/>
-                <a:uFillTx/>
-                <a:latin typeface="Malgun Gothic Semilight" panose="020B0502040204020203" pitchFamily="50" charset="-127"/>
-                <a:ea typeface="Malgun Gothic Semilight" panose="020B0502040204020203" pitchFamily="50" charset="-127"/>
-                <a:cs typeface="Malgun Gothic Semilight" panose="020B0502040204020203" pitchFamily="50" charset="-127"/>
-              </a:rPr>
-              <a:t>Title = </a:t>
-            </a:r>
-            <a:r>
-              <a:rPr kumimoji="0" lang="ko-KR" altLang="en-US" sz="1600" b="0" i="0" u="none" strike="noStrike" kern="1200" cap="none" spc="-150" normalizeH="0" baseline="0" noProof="0" dirty="0">
-                <a:ln>
-                  <a:noFill/>
-                </a:ln>
-                <a:gradFill>
-                  <a:gsLst>
-                    <a:gs pos="83000">
-                      <a:prstClr val="black">
-                        <a:lumMod val="75000"/>
-                        <a:lumOff val="25000"/>
-                      </a:prstClr>
-                    </a:gs>
-                    <a:gs pos="100000">
-                      <a:prstClr val="black">
-                        <a:lumMod val="75000"/>
-                        <a:lumOff val="25000"/>
-                      </a:prstClr>
-                    </a:gs>
-                  </a:gsLst>
-                  <a:lin ang="5400000" scaled="1"/>
-                </a:gradFill>
-                <a:effectLst/>
-                <a:uLnTx/>
-                <a:uFillTx/>
-                <a:latin typeface="Malgun Gothic Semilight" panose="020B0502040204020203" pitchFamily="50" charset="-127"/>
-                <a:ea typeface="Malgun Gothic Semilight" panose="020B0502040204020203" pitchFamily="50" charset="-127"/>
-                <a:cs typeface="Malgun Gothic Semilight" panose="020B0502040204020203" pitchFamily="50" charset="-127"/>
-              </a:rPr>
-              <a:t>활동</a:t>
-            </a:r>
-            <a:endParaRPr kumimoji="0" lang="en-US" altLang="ko-KR" sz="1600" b="0" i="0" u="none" strike="noStrike" kern="1200" cap="none" spc="-150" normalizeH="0" baseline="0" noProof="0" dirty="0">
-              <a:ln>
-                <a:noFill/>
-              </a:ln>
-              <a:gradFill>
-                <a:gsLst>
-                  <a:gs pos="83000">
-                    <a:prstClr val="black">
-                      <a:lumMod val="75000"/>
-                      <a:lumOff val="25000"/>
-                    </a:prstClr>
-                  </a:gs>
-                  <a:gs pos="100000">
-                    <a:prstClr val="black">
-                      <a:lumMod val="75000"/>
-                      <a:lumOff val="25000"/>
-                    </a:prstClr>
-                  </a:gs>
-                </a:gsLst>
-                <a:lin ang="5400000" scaled="1"/>
-              </a:gradFill>
-              <a:effectLst/>
-              <a:uLnTx/>
-              <a:uFillTx/>
-              <a:latin typeface="Malgun Gothic Semilight" panose="020B0502040204020203" pitchFamily="50" charset="-127"/>
-              <a:ea typeface="Malgun Gothic Semilight" panose="020B0502040204020203" pitchFamily="50" charset="-127"/>
-              <a:cs typeface="Malgun Gothic Semilight" panose="020B0502040204020203" pitchFamily="50" charset="-127"/>
-            </a:endParaRPr>
-          </a:p>
-          <a:p>
-            <a:pPr marL="0" marR="0" lvl="0" indent="0" algn="ctr" defTabSz="914400" rtl="0" eaLnBrk="1" fontAlgn="auto" latinLnBrk="1" hangingPunct="1">
-              <a:lnSpc>
-                <a:spcPct val="150000"/>
-              </a:lnSpc>
-              <a:spcBef>
-                <a:spcPts val="0"/>
-              </a:spcBef>
-              <a:spcAft>
-                <a:spcPts val="0"/>
-              </a:spcAft>
-              <a:buClrTx/>
-              <a:buSzTx/>
-              <a:buFontTx/>
-              <a:buNone/>
-              <a:tabLst/>
-              <a:defRPr/>
-            </a:pPr>
-            <a:r>
-              <a:rPr kumimoji="0" lang="en-US" altLang="ko-KR" sz="1600" b="0" i="0" u="none" strike="noStrike" kern="1200" cap="none" spc="-150" normalizeH="0" baseline="0" noProof="0" dirty="0">
-                <a:ln>
-                  <a:noFill/>
-                </a:ln>
-                <a:gradFill>
-                  <a:gsLst>
-                    <a:gs pos="83000">
-                      <a:prstClr val="black">
-                        <a:lumMod val="75000"/>
-                        <a:lumOff val="25000"/>
-                      </a:prstClr>
-                    </a:gs>
-                    <a:gs pos="100000">
-                      <a:prstClr val="black">
-                        <a:lumMod val="75000"/>
-                        <a:lumOff val="25000"/>
-                      </a:prstClr>
-                    </a:gs>
-                  </a:gsLst>
-                  <a:lin ang="5400000" scaled="1"/>
-                </a:gradFill>
-                <a:effectLst/>
-                <a:uLnTx/>
-                <a:uFillTx/>
-                <a:latin typeface="Malgun Gothic Semilight" panose="020B0502040204020203" pitchFamily="50" charset="-127"/>
-                <a:ea typeface="Malgun Gothic Semilight" panose="020B0502040204020203" pitchFamily="50" charset="-127"/>
-                <a:cs typeface="Malgun Gothic Semilight" panose="020B0502040204020203" pitchFamily="50" charset="-127"/>
-              </a:rPr>
-              <a:t>Description = </a:t>
-            </a:r>
-            <a:r>
-              <a:rPr kumimoji="0" lang="ko-KR" altLang="en-US" sz="1600" b="0" i="0" u="none" strike="noStrike" kern="1200" cap="none" spc="-150" normalizeH="0" baseline="0" noProof="0" dirty="0">
-                <a:ln>
-                  <a:noFill/>
-                </a:ln>
-                <a:gradFill>
-                  <a:gsLst>
-                    <a:gs pos="83000">
-                      <a:prstClr val="black">
-                        <a:lumMod val="75000"/>
-                        <a:lumOff val="25000"/>
-                      </a:prstClr>
-                    </a:gs>
-                    <a:gs pos="100000">
-                      <a:prstClr val="black">
-                        <a:lumMod val="75000"/>
-                        <a:lumOff val="25000"/>
-                      </a:prstClr>
-                    </a:gs>
-                  </a:gsLst>
-                  <a:lin ang="5400000" scaled="1"/>
-                </a:gradFill>
-                <a:effectLst/>
-                <a:uLnTx/>
-                <a:uFillTx/>
-                <a:latin typeface="Malgun Gothic Semilight" panose="020B0502040204020203" pitchFamily="50" charset="-127"/>
-                <a:ea typeface="Malgun Gothic Semilight" panose="020B0502040204020203" pitchFamily="50" charset="-127"/>
-                <a:cs typeface="Malgun Gothic Semilight" panose="020B0502040204020203" pitchFamily="50" charset="-127"/>
-              </a:rPr>
-              <a:t>설명</a:t>
-            </a:r>
-            <a:endParaRPr kumimoji="0" lang="en-US" altLang="ko-KR" sz="2000" b="0" i="0" u="none" strike="noStrike" kern="1200" cap="none" spc="-150" normalizeH="0" baseline="0" noProof="0" dirty="0">
-              <a:ln>
-                <a:noFill/>
-              </a:ln>
-              <a:gradFill>
-                <a:gsLst>
-                  <a:gs pos="83000">
-                    <a:prstClr val="black">
-                      <a:lumMod val="75000"/>
-                      <a:lumOff val="25000"/>
-                    </a:prstClr>
-                  </a:gs>
-                  <a:gs pos="100000">
-                    <a:prstClr val="black">
-                      <a:lumMod val="75000"/>
-                      <a:lumOff val="25000"/>
-                    </a:prstClr>
-                  </a:gs>
-                </a:gsLst>
-                <a:lin ang="5400000" scaled="1"/>
-              </a:gradFill>
-              <a:effectLst/>
-              <a:uLnTx/>
-              <a:uFillTx/>
-              <a:latin typeface="Malgun Gothic Semilight" panose="020B0502040204020203" pitchFamily="50" charset="-127"/>
-              <a:ea typeface="Malgun Gothic Semilight" panose="020B0502040204020203" pitchFamily="50" charset="-127"/>
-              <a:cs typeface="Malgun Gothic Semilight" panose="020B0502040204020203" pitchFamily="50" charset="-127"/>
-            </a:endParaRPr>
-          </a:p>
-        </p:txBody>
-      </p:sp>
+        </p:spPr>
+      </p:pic>
     </p:spTree>
     <p:extLst>
       <p:ext uri="{BB962C8B-B14F-4D97-AF65-F5344CB8AC3E}">
-        <p14:creationId xmlns:p14="http://schemas.microsoft.com/office/powerpoint/2010/main" val="437983549"/>
+        <p14:creationId xmlns:p14="http://schemas.microsoft.com/office/powerpoint/2010/main" val="2907647552"/>
       </p:ext>
     </p:extLst>
   </p:cSld>
@@ -7872,48 +7849,30 @@
           </a:bodyPr>
           <a:lstStyle/>
           <a:p>
-            <a:pPr marL="0" marR="0" lvl="0" indent="0" algn="ctr" defTabSz="914400" rtl="0" eaLnBrk="1" fontAlgn="auto" latinLnBrk="1" hangingPunct="1">
+            <a:pPr algn="ctr">
               <a:lnSpc>
                 <a:spcPct val="150000"/>
               </a:lnSpc>
-              <a:spcBef>
-                <a:spcPts val="0"/>
-              </a:spcBef>
-              <a:spcAft>
-                <a:spcPts val="0"/>
-              </a:spcAft>
-              <a:buClrTx/>
-              <a:buSzTx/>
-              <a:buFontTx/>
-              <a:buNone/>
-              <a:tabLst/>
-              <a:defRPr/>
             </a:pPr>
             <a:r>
-              <a:rPr kumimoji="0" lang="en-US" altLang="ko-KR" sz="2800" b="1" i="0" u="none" strike="noStrike" kern="1200" cap="none" spc="-150" normalizeH="0" baseline="0" noProof="0" dirty="0">
-                <a:ln>
-                  <a:noFill/>
-                </a:ln>
+              <a:rPr lang="en-US" altLang="ko-KR" sz="2800" b="1" spc="-150" dirty="0">
                 <a:gradFill>
                   <a:gsLst>
                     <a:gs pos="83000">
-                      <a:prstClr val="black">
-                        <a:lumMod val="75000"/>
-                        <a:lumOff val="25000"/>
-                      </a:prstClr>
+                      <a:schemeClr val="tx1">
+                        <a:lumMod val="75000"/>
+                        <a:lumOff val="25000"/>
+                      </a:schemeClr>
                     </a:gs>
                     <a:gs pos="100000">
-                      <a:prstClr val="black">
-                        <a:lumMod val="75000"/>
-                        <a:lumOff val="25000"/>
-                      </a:prstClr>
+                      <a:schemeClr val="tx1">
+                        <a:lumMod val="75000"/>
+                        <a:lumOff val="25000"/>
+                      </a:schemeClr>
                     </a:gs>
                   </a:gsLst>
                   <a:lin ang="5400000" scaled="1"/>
                 </a:gradFill>
-                <a:effectLst/>
-                <a:uLnTx/>
-                <a:uFillTx/>
                 <a:latin typeface="Malgun Gothic Semilight" panose="020B0502040204020203" pitchFamily="50" charset="-127"/>
                 <a:ea typeface="Malgun Gothic Semilight" panose="020B0502040204020203" pitchFamily="50" charset="-127"/>
                 <a:cs typeface="Malgun Gothic Semilight" panose="020B0502040204020203" pitchFamily="50" charset="-127"/>
@@ -7921,30 +7880,24 @@
               <a:t>JSP</a:t>
             </a:r>
             <a:r>
-              <a:rPr kumimoji="0" lang="ko-KR" altLang="en-US" sz="2800" b="1" i="0" u="none" strike="noStrike" kern="1200" cap="none" spc="-150" normalizeH="0" baseline="0" noProof="0" dirty="0">
-                <a:ln>
-                  <a:noFill/>
-                </a:ln>
+              <a:rPr lang="ko-KR" altLang="en-US" sz="2800" b="1" spc="-150" dirty="0">
                 <a:gradFill>
                   <a:gsLst>
                     <a:gs pos="83000">
-                      <a:prstClr val="black">
-                        <a:lumMod val="75000"/>
-                        <a:lumOff val="25000"/>
-                      </a:prstClr>
+                      <a:schemeClr val="tx1">
+                        <a:lumMod val="75000"/>
+                        <a:lumOff val="25000"/>
+                      </a:schemeClr>
                     </a:gs>
                     <a:gs pos="100000">
-                      <a:prstClr val="black">
-                        <a:lumMod val="75000"/>
-                        <a:lumOff val="25000"/>
-                      </a:prstClr>
+                      <a:schemeClr val="tx1">
+                        <a:lumMod val="75000"/>
+                        <a:lumOff val="25000"/>
+                      </a:schemeClr>
                     </a:gs>
                   </a:gsLst>
                   <a:lin ang="5400000" scaled="1"/>
                 </a:gradFill>
-                <a:effectLst/>
-                <a:uLnTx/>
-                <a:uFillTx/>
                 <a:latin typeface="Malgun Gothic Semilight" panose="020B0502040204020203" pitchFamily="50" charset="-127"/>
                 <a:ea typeface="Malgun Gothic Semilight" panose="020B0502040204020203" pitchFamily="50" charset="-127"/>
                 <a:cs typeface="Malgun Gothic Semilight" panose="020B0502040204020203" pitchFamily="50" charset="-127"/>
@@ -7952,30 +7905,24 @@
               <a:t> </a:t>
             </a:r>
             <a:r>
-              <a:rPr kumimoji="0" lang="en-US" altLang="ko-KR" sz="2800" b="1" i="0" u="none" strike="noStrike" kern="1200" cap="none" spc="-150" normalizeH="0" baseline="0" noProof="0" dirty="0">
-                <a:ln>
-                  <a:noFill/>
-                </a:ln>
+              <a:rPr lang="en-US" altLang="ko-KR" sz="2800" b="1" spc="-150" dirty="0">
                 <a:gradFill>
                   <a:gsLst>
                     <a:gs pos="83000">
-                      <a:prstClr val="black">
-                        <a:lumMod val="75000"/>
-                        <a:lumOff val="25000"/>
-                      </a:prstClr>
+                      <a:schemeClr val="tx1">
+                        <a:lumMod val="75000"/>
+                        <a:lumOff val="25000"/>
+                      </a:schemeClr>
                     </a:gs>
                     <a:gs pos="100000">
-                      <a:prstClr val="black">
-                        <a:lumMod val="75000"/>
-                        <a:lumOff val="25000"/>
-                      </a:prstClr>
+                      <a:schemeClr val="tx1">
+                        <a:lumMod val="75000"/>
+                        <a:lumOff val="25000"/>
+                      </a:schemeClr>
                     </a:gs>
                   </a:gsLst>
                   <a:lin ang="5400000" scaled="1"/>
                 </a:gradFill>
-                <a:effectLst/>
-                <a:uLnTx/>
-                <a:uFillTx/>
                 <a:latin typeface="Malgun Gothic Semilight" panose="020B0502040204020203" pitchFamily="50" charset="-127"/>
                 <a:ea typeface="Malgun Gothic Semilight" panose="020B0502040204020203" pitchFamily="50" charset="-127"/>
                 <a:cs typeface="Malgun Gothic Semilight" panose="020B0502040204020203" pitchFamily="50" charset="-127"/>
@@ -8013,125 +7960,981 @@
           </a:bodyPr>
           <a:lstStyle/>
           <a:p>
-            <a:pPr marL="0" marR="0" lvl="0" indent="0" algn="ctr" defTabSz="914400" rtl="0" eaLnBrk="1" fontAlgn="auto" latinLnBrk="1" hangingPunct="1">
+            <a:pPr algn="ctr">
               <a:lnSpc>
                 <a:spcPct val="150000"/>
               </a:lnSpc>
-              <a:spcBef>
-                <a:spcPts val="0"/>
-              </a:spcBef>
-              <a:spcAft>
-                <a:spcPts val="0"/>
-              </a:spcAft>
-              <a:buClrTx/>
-              <a:buSzTx/>
-              <a:buFontTx/>
-              <a:buNone/>
-              <a:tabLst/>
-              <a:defRPr/>
             </a:pPr>
             <a:r>
-              <a:rPr kumimoji="0" lang="en-US" altLang="ko-KR" sz="2000" b="0" i="0" u="none" strike="noStrike" kern="1200" cap="none" spc="-150" normalizeH="0" baseline="0" noProof="0" dirty="0" err="1">
-                <a:ln>
-                  <a:noFill/>
-                </a:ln>
+              <a:rPr lang="en-US" altLang="ko-KR" sz="2000" spc="-150" dirty="0">
                 <a:gradFill>
                   <a:gsLst>
                     <a:gs pos="83000">
-                      <a:prstClr val="black">
-                        <a:lumMod val="75000"/>
-                        <a:lumOff val="25000"/>
-                      </a:prstClr>
+                      <a:schemeClr val="tx1">
+                        <a:lumMod val="75000"/>
+                        <a:lumOff val="25000"/>
+                      </a:schemeClr>
                     </a:gs>
                     <a:gs pos="100000">
-                      <a:prstClr val="black">
-                        <a:lumMod val="75000"/>
-                        <a:lumOff val="25000"/>
-                      </a:prstClr>
+                      <a:schemeClr val="tx1">
+                        <a:lumMod val="75000"/>
+                        <a:lumOff val="25000"/>
+                      </a:schemeClr>
                     </a:gs>
                   </a:gsLst>
                   <a:lin ang="5400000" scaled="1"/>
                 </a:gradFill>
-                <a:effectLst/>
-                <a:uLnTx/>
-                <a:uFillTx/>
                 <a:latin typeface="Malgun Gothic Semilight" panose="020B0502040204020203" pitchFamily="50" charset="-127"/>
                 <a:ea typeface="Malgun Gothic Semilight" panose="020B0502040204020203" pitchFamily="50" charset="-127"/>
                 <a:cs typeface="Malgun Gothic Semilight" panose="020B0502040204020203" pitchFamily="50" charset="-127"/>
               </a:rPr>
-              <a:t>Mysql</a:t>
-            </a:r>
-            <a:endParaRPr kumimoji="0" lang="en-US" altLang="ko-KR" sz="2000" b="0" i="0" u="none" strike="noStrike" kern="1200" cap="none" spc="-150" normalizeH="0" baseline="0" noProof="0" dirty="0">
-              <a:ln>
-                <a:noFill/>
-              </a:ln>
-              <a:gradFill>
-                <a:gsLst>
-                  <a:gs pos="83000">
-                    <a:prstClr val="black">
-                      <a:lumMod val="75000"/>
-                      <a:lumOff val="25000"/>
-                    </a:prstClr>
-                  </a:gs>
-                  <a:gs pos="100000">
-                    <a:prstClr val="black">
-                      <a:lumMod val="75000"/>
-                      <a:lumOff val="25000"/>
-                    </a:prstClr>
-                  </a:gs>
-                </a:gsLst>
-                <a:lin ang="5400000" scaled="1"/>
-              </a:gradFill>
-              <a:effectLst/>
-              <a:uLnTx/>
-              <a:uFillTx/>
-              <a:latin typeface="Malgun Gothic Semilight" panose="020B0502040204020203" pitchFamily="50" charset="-127"/>
-              <a:ea typeface="Malgun Gothic Semilight" panose="020B0502040204020203" pitchFamily="50" charset="-127"/>
-              <a:cs typeface="Malgun Gothic Semilight" panose="020B0502040204020203" pitchFamily="50" charset="-127"/>
-            </a:endParaRPr>
-          </a:p>
-        </p:txBody>
-      </p:sp>
-      <p:pic>
-        <p:nvPicPr>
-          <p:cNvPr id="3" name="그림 2" descr="컴퓨터이(가) 표시된 사진&#10;&#10;자동 생성된 설명">
+              <a:t>UI Navigator – General</a:t>
+            </a:r>
+          </a:p>
+        </p:txBody>
+      </p:sp>
+      <p:sp>
+        <p:nvSpPr>
+          <p:cNvPr id="2" name="직사각형 1">
             <a:extLst>
               <a:ext uri="{FF2B5EF4-FFF2-40B4-BE49-F238E27FC236}">
-                <a16:creationId xmlns:a16="http://schemas.microsoft.com/office/drawing/2014/main" id="{C5C3EC83-50D4-4A8D-8E53-F73F10ADB18D}"/>
+                <a16:creationId xmlns:a16="http://schemas.microsoft.com/office/drawing/2014/main" id="{47FF170D-4F61-46BA-9729-874CB20881B6}"/>
               </a:ext>
             </a:extLst>
           </p:cNvPr>
-          <p:cNvPicPr>
-            <a:picLocks noChangeAspect="1"/>
-          </p:cNvPicPr>
+          <p:cNvSpPr/>
           <p:nvPr/>
-        </p:nvPicPr>
-        <p:blipFill>
-          <a:blip r:embed="rId2">
-            <a:extLst>
-              <a:ext uri="{28A0092B-C50C-407E-A947-70E740481C1C}">
-                <a14:useLocalDpi xmlns:a14="http://schemas.microsoft.com/office/drawing/2010/main" val="0"/>
-              </a:ext>
-            </a:extLst>
-          </a:blip>
-          <a:stretch>
-            <a:fillRect/>
-          </a:stretch>
-        </p:blipFill>
+        </p:nvSpPr>
         <p:spPr>
           <a:xfrm>
-            <a:off x="1737359" y="1619794"/>
-            <a:ext cx="8717280" cy="4206240"/>
+            <a:off x="1111319" y="1508454"/>
+            <a:ext cx="1842664" cy="892629"/>
           </a:xfrm>
           <a:prstGeom prst="rect">
             <a:avLst/>
           </a:prstGeom>
         </p:spPr>
-      </p:pic>
+        <p:style>
+          <a:lnRef idx="2">
+            <a:schemeClr val="accent4">
+              <a:shade val="50000"/>
+            </a:schemeClr>
+          </a:lnRef>
+          <a:fillRef idx="1">
+            <a:schemeClr val="accent4"/>
+          </a:fillRef>
+          <a:effectRef idx="0">
+            <a:schemeClr val="accent4"/>
+          </a:effectRef>
+          <a:fontRef idx="minor">
+            <a:schemeClr val="lt1"/>
+          </a:fontRef>
+        </p:style>
+        <p:txBody>
+          <a:bodyPr rtlCol="0" anchor="ctr"/>
+          <a:lstStyle/>
+          <a:p>
+            <a:pPr algn="ctr"/>
+            <a:r>
+              <a:rPr lang="en-US" altLang="ko-KR" dirty="0"/>
+              <a:t>Portfolio</a:t>
+            </a:r>
+            <a:endParaRPr lang="ko-KR" altLang="en-US" dirty="0"/>
+          </a:p>
+        </p:txBody>
+      </p:sp>
+      <p:sp>
+        <p:nvSpPr>
+          <p:cNvPr id="5" name="직사각형 4">
+            <a:extLst>
+              <a:ext uri="{FF2B5EF4-FFF2-40B4-BE49-F238E27FC236}">
+                <a16:creationId xmlns:a16="http://schemas.microsoft.com/office/drawing/2014/main" id="{58FBF7D0-14FF-4DCD-97FD-6FF3582C1569}"/>
+              </a:ext>
+            </a:extLst>
+          </p:cNvPr>
+          <p:cNvSpPr/>
+          <p:nvPr/>
+        </p:nvSpPr>
+        <p:spPr>
+          <a:xfrm>
+            <a:off x="6579669" y="1508451"/>
+            <a:ext cx="1842664" cy="892629"/>
+          </a:xfrm>
+          <a:prstGeom prst="rect">
+            <a:avLst/>
+          </a:prstGeom>
+        </p:spPr>
+        <p:style>
+          <a:lnRef idx="2">
+            <a:schemeClr val="accent4">
+              <a:shade val="50000"/>
+            </a:schemeClr>
+          </a:lnRef>
+          <a:fillRef idx="1">
+            <a:schemeClr val="accent4"/>
+          </a:fillRef>
+          <a:effectRef idx="0">
+            <a:schemeClr val="accent4"/>
+          </a:effectRef>
+          <a:fontRef idx="minor">
+            <a:schemeClr val="lt1"/>
+          </a:fontRef>
+        </p:style>
+        <p:txBody>
+          <a:bodyPr rtlCol="0" anchor="ctr"/>
+          <a:lstStyle/>
+          <a:p>
+            <a:pPr algn="ctr"/>
+            <a:r>
+              <a:rPr lang="en-US" altLang="ko-KR" dirty="0"/>
+              <a:t>About Me</a:t>
+            </a:r>
+            <a:endParaRPr lang="ko-KR" altLang="en-US" dirty="0"/>
+          </a:p>
+        </p:txBody>
+      </p:sp>
+      <p:sp>
+        <p:nvSpPr>
+          <p:cNvPr id="6" name="직사각형 5">
+            <a:extLst>
+              <a:ext uri="{FF2B5EF4-FFF2-40B4-BE49-F238E27FC236}">
+                <a16:creationId xmlns:a16="http://schemas.microsoft.com/office/drawing/2014/main" id="{E83F47E7-7071-45A8-B913-D9EC81B62EF6}"/>
+              </a:ext>
+            </a:extLst>
+          </p:cNvPr>
+          <p:cNvSpPr/>
+          <p:nvPr/>
+        </p:nvSpPr>
+        <p:spPr>
+          <a:xfrm>
+            <a:off x="9325103" y="1508454"/>
+            <a:ext cx="1842664" cy="892629"/>
+          </a:xfrm>
+          <a:prstGeom prst="rect">
+            <a:avLst/>
+          </a:prstGeom>
+        </p:spPr>
+        <p:style>
+          <a:lnRef idx="2">
+            <a:schemeClr val="accent4">
+              <a:shade val="50000"/>
+            </a:schemeClr>
+          </a:lnRef>
+          <a:fillRef idx="1">
+            <a:schemeClr val="accent4"/>
+          </a:fillRef>
+          <a:effectRef idx="0">
+            <a:schemeClr val="accent4"/>
+          </a:effectRef>
+          <a:fontRef idx="minor">
+            <a:schemeClr val="lt1"/>
+          </a:fontRef>
+        </p:style>
+        <p:txBody>
+          <a:bodyPr rtlCol="0" anchor="ctr"/>
+          <a:lstStyle/>
+          <a:p>
+            <a:pPr algn="ctr"/>
+            <a:r>
+              <a:rPr lang="en-US" altLang="ko-KR" dirty="0"/>
+              <a:t>Contact</a:t>
+            </a:r>
+            <a:endParaRPr lang="ko-KR" altLang="en-US" dirty="0"/>
+          </a:p>
+        </p:txBody>
+      </p:sp>
+      <p:sp>
+        <p:nvSpPr>
+          <p:cNvPr id="7" name="직사각형 6">
+            <a:extLst>
+              <a:ext uri="{FF2B5EF4-FFF2-40B4-BE49-F238E27FC236}">
+                <a16:creationId xmlns:a16="http://schemas.microsoft.com/office/drawing/2014/main" id="{8A3D3B14-1C55-43D7-BD86-D0EA71CE119A}"/>
+              </a:ext>
+            </a:extLst>
+          </p:cNvPr>
+          <p:cNvSpPr/>
+          <p:nvPr/>
+        </p:nvSpPr>
+        <p:spPr>
+          <a:xfrm>
+            <a:off x="3834236" y="1508451"/>
+            <a:ext cx="1842664" cy="892629"/>
+          </a:xfrm>
+          <a:prstGeom prst="rect">
+            <a:avLst/>
+          </a:prstGeom>
+        </p:spPr>
+        <p:style>
+          <a:lnRef idx="2">
+            <a:schemeClr val="accent4">
+              <a:shade val="50000"/>
+            </a:schemeClr>
+          </a:lnRef>
+          <a:fillRef idx="1">
+            <a:schemeClr val="accent4"/>
+          </a:fillRef>
+          <a:effectRef idx="0">
+            <a:schemeClr val="accent4"/>
+          </a:effectRef>
+          <a:fontRef idx="minor">
+            <a:schemeClr val="lt1"/>
+          </a:fontRef>
+        </p:style>
+        <p:txBody>
+          <a:bodyPr rtlCol="0" anchor="ctr"/>
+          <a:lstStyle/>
+          <a:p>
+            <a:pPr algn="ctr"/>
+            <a:r>
+              <a:rPr lang="en-US" altLang="ko-KR" dirty="0"/>
+              <a:t>Journey</a:t>
+            </a:r>
+            <a:endParaRPr lang="ko-KR" altLang="en-US" dirty="0"/>
+          </a:p>
+        </p:txBody>
+      </p:sp>
+      <p:sp>
+        <p:nvSpPr>
+          <p:cNvPr id="8" name="직사각형 7">
+            <a:extLst>
+              <a:ext uri="{FF2B5EF4-FFF2-40B4-BE49-F238E27FC236}">
+                <a16:creationId xmlns:a16="http://schemas.microsoft.com/office/drawing/2014/main" id="{E607C71A-4975-48FC-A34C-F295A23EA1C3}"/>
+              </a:ext>
+            </a:extLst>
+          </p:cNvPr>
+          <p:cNvSpPr/>
+          <p:nvPr/>
+        </p:nvSpPr>
+        <p:spPr>
+          <a:xfrm>
+            <a:off x="7961409" y="3198224"/>
+            <a:ext cx="1842664" cy="892629"/>
+          </a:xfrm>
+          <a:prstGeom prst="rect">
+            <a:avLst/>
+          </a:prstGeom>
+        </p:spPr>
+        <p:style>
+          <a:lnRef idx="2">
+            <a:schemeClr val="accent4">
+              <a:shade val="50000"/>
+            </a:schemeClr>
+          </a:lnRef>
+          <a:fillRef idx="1">
+            <a:schemeClr val="accent4"/>
+          </a:fillRef>
+          <a:effectRef idx="0">
+            <a:schemeClr val="accent4"/>
+          </a:effectRef>
+          <a:fontRef idx="minor">
+            <a:schemeClr val="lt1"/>
+          </a:fontRef>
+        </p:style>
+        <p:txBody>
+          <a:bodyPr rtlCol="0" anchor="ctr"/>
+          <a:lstStyle/>
+          <a:p>
+            <a:pPr algn="ctr"/>
+            <a:r>
+              <a:rPr lang="en-US" altLang="ko-KR" dirty="0"/>
+              <a:t>Login</a:t>
+            </a:r>
+            <a:endParaRPr lang="ko-KR" altLang="en-US" dirty="0"/>
+          </a:p>
+        </p:txBody>
+      </p:sp>
+      <p:sp>
+        <p:nvSpPr>
+          <p:cNvPr id="10" name="TextBox 9">
+            <a:extLst>
+              <a:ext uri="{FF2B5EF4-FFF2-40B4-BE49-F238E27FC236}">
+                <a16:creationId xmlns:a16="http://schemas.microsoft.com/office/drawing/2014/main" id="{66E336EA-0816-4177-BDF7-CF3F8DDB446F}"/>
+              </a:ext>
+            </a:extLst>
+          </p:cNvPr>
+          <p:cNvSpPr txBox="1"/>
+          <p:nvPr/>
+        </p:nvSpPr>
+        <p:spPr>
+          <a:xfrm>
+            <a:off x="6945717" y="1094427"/>
+            <a:ext cx="1110568" cy="414024"/>
+          </a:xfrm>
+          <a:prstGeom prst="rect">
+            <a:avLst/>
+          </a:prstGeom>
+          <a:noFill/>
+        </p:spPr>
+        <p:txBody>
+          <a:bodyPr wrap="square" rtlCol="0">
+            <a:spAutoFit/>
+          </a:bodyPr>
+          <a:lstStyle/>
+          <a:p>
+            <a:pPr algn="ctr">
+              <a:lnSpc>
+                <a:spcPct val="150000"/>
+              </a:lnSpc>
+            </a:pPr>
+            <a:r>
+              <a:rPr lang="en-US" altLang="ko-KR" sz="1600" spc="-150" dirty="0">
+                <a:gradFill>
+                  <a:gsLst>
+                    <a:gs pos="83000">
+                      <a:schemeClr val="tx1">
+                        <a:lumMod val="75000"/>
+                        <a:lumOff val="25000"/>
+                      </a:schemeClr>
+                    </a:gs>
+                    <a:gs pos="100000">
+                      <a:schemeClr val="tx1">
+                        <a:lumMod val="75000"/>
+                        <a:lumOff val="25000"/>
+                      </a:schemeClr>
+                    </a:gs>
+                  </a:gsLst>
+                  <a:lin ang="5400000" scaled="1"/>
+                </a:gradFill>
+                <a:latin typeface="Malgun Gothic Semilight" panose="020B0502040204020203" pitchFamily="50" charset="-127"/>
+                <a:ea typeface="Malgun Gothic Semilight" panose="020B0502040204020203" pitchFamily="50" charset="-127"/>
+                <a:cs typeface="Malgun Gothic Semilight" panose="020B0502040204020203" pitchFamily="50" charset="-127"/>
+              </a:rPr>
+              <a:t>Main Page</a:t>
+            </a:r>
+          </a:p>
+        </p:txBody>
+      </p:sp>
+      <p:sp>
+        <p:nvSpPr>
+          <p:cNvPr id="18" name="직사각형 17">
+            <a:extLst>
+              <a:ext uri="{FF2B5EF4-FFF2-40B4-BE49-F238E27FC236}">
+                <a16:creationId xmlns:a16="http://schemas.microsoft.com/office/drawing/2014/main" id="{1A14536C-3978-4817-8BE4-4ADFEB4AFCE9}"/>
+              </a:ext>
+            </a:extLst>
+          </p:cNvPr>
+          <p:cNvSpPr/>
+          <p:nvPr/>
+        </p:nvSpPr>
+        <p:spPr>
+          <a:xfrm>
+            <a:off x="5174667" y="5524195"/>
+            <a:ext cx="1842664" cy="892629"/>
+          </a:xfrm>
+          <a:prstGeom prst="rect">
+            <a:avLst/>
+          </a:prstGeom>
+          <a:solidFill>
+            <a:schemeClr val="accent1">
+              <a:lumMod val="60000"/>
+              <a:lumOff val="40000"/>
+            </a:schemeClr>
+          </a:solidFill>
+        </p:spPr>
+        <p:style>
+          <a:lnRef idx="2">
+            <a:schemeClr val="accent4">
+              <a:shade val="50000"/>
+            </a:schemeClr>
+          </a:lnRef>
+          <a:fillRef idx="1">
+            <a:schemeClr val="accent4"/>
+          </a:fillRef>
+          <a:effectRef idx="0">
+            <a:schemeClr val="accent4"/>
+          </a:effectRef>
+          <a:fontRef idx="minor">
+            <a:schemeClr val="lt1"/>
+          </a:fontRef>
+        </p:style>
+        <p:txBody>
+          <a:bodyPr rtlCol="0" anchor="ctr"/>
+          <a:lstStyle/>
+          <a:p>
+            <a:pPr algn="ctr"/>
+            <a:r>
+              <a:rPr lang="en-US" altLang="ko-KR" dirty="0"/>
+              <a:t>Root Auth</a:t>
+            </a:r>
+            <a:endParaRPr lang="ko-KR" altLang="en-US" dirty="0"/>
+          </a:p>
+        </p:txBody>
+      </p:sp>
+      <p:sp>
+        <p:nvSpPr>
+          <p:cNvPr id="21" name="직사각형 20">
+            <a:extLst>
+              <a:ext uri="{FF2B5EF4-FFF2-40B4-BE49-F238E27FC236}">
+                <a16:creationId xmlns:a16="http://schemas.microsoft.com/office/drawing/2014/main" id="{23ED4DFA-EFD8-4A0E-9F2D-8EF0103B965A}"/>
+              </a:ext>
+            </a:extLst>
+          </p:cNvPr>
+          <p:cNvSpPr/>
+          <p:nvPr/>
+        </p:nvSpPr>
+        <p:spPr>
+          <a:xfrm>
+            <a:off x="2514373" y="3198224"/>
+            <a:ext cx="1842664" cy="892629"/>
+          </a:xfrm>
+          <a:prstGeom prst="rect">
+            <a:avLst/>
+          </a:prstGeom>
+        </p:spPr>
+        <p:style>
+          <a:lnRef idx="2">
+            <a:schemeClr val="accent4">
+              <a:shade val="50000"/>
+            </a:schemeClr>
+          </a:lnRef>
+          <a:fillRef idx="1">
+            <a:schemeClr val="accent4"/>
+          </a:fillRef>
+          <a:effectRef idx="0">
+            <a:schemeClr val="accent4"/>
+          </a:effectRef>
+          <a:fontRef idx="minor">
+            <a:schemeClr val="lt1"/>
+          </a:fontRef>
+        </p:style>
+        <p:txBody>
+          <a:bodyPr rtlCol="0" anchor="ctr"/>
+          <a:lstStyle/>
+          <a:p>
+            <a:pPr algn="ctr"/>
+            <a:r>
+              <a:rPr lang="en-US" altLang="ko-KR" dirty="0"/>
+              <a:t>Page List</a:t>
+            </a:r>
+            <a:endParaRPr lang="ko-KR" altLang="en-US" dirty="0"/>
+          </a:p>
+        </p:txBody>
+      </p:sp>
+      <p:sp>
+        <p:nvSpPr>
+          <p:cNvPr id="22" name="직사각형 21">
+            <a:extLst>
+              <a:ext uri="{FF2B5EF4-FFF2-40B4-BE49-F238E27FC236}">
+                <a16:creationId xmlns:a16="http://schemas.microsoft.com/office/drawing/2014/main" id="{F86B7D53-0E34-4B7E-B89D-CDD6067AFBB5}"/>
+              </a:ext>
+            </a:extLst>
+          </p:cNvPr>
+          <p:cNvSpPr/>
+          <p:nvPr/>
+        </p:nvSpPr>
+        <p:spPr>
+          <a:xfrm>
+            <a:off x="2514373" y="4456917"/>
+            <a:ext cx="1842664" cy="892629"/>
+          </a:xfrm>
+          <a:prstGeom prst="rect">
+            <a:avLst/>
+          </a:prstGeom>
+        </p:spPr>
+        <p:style>
+          <a:lnRef idx="2">
+            <a:schemeClr val="accent4">
+              <a:shade val="50000"/>
+            </a:schemeClr>
+          </a:lnRef>
+          <a:fillRef idx="1">
+            <a:schemeClr val="accent4"/>
+          </a:fillRef>
+          <a:effectRef idx="0">
+            <a:schemeClr val="accent4"/>
+          </a:effectRef>
+          <a:fontRef idx="minor">
+            <a:schemeClr val="lt1"/>
+          </a:fontRef>
+        </p:style>
+        <p:txBody>
+          <a:bodyPr rtlCol="0" anchor="ctr"/>
+          <a:lstStyle/>
+          <a:p>
+            <a:pPr algn="ctr"/>
+            <a:r>
+              <a:rPr lang="en-US" altLang="ko-KR" dirty="0"/>
+              <a:t>Post Detail</a:t>
+            </a:r>
+            <a:endParaRPr lang="ko-KR" altLang="en-US" dirty="0"/>
+          </a:p>
+        </p:txBody>
+      </p:sp>
+      <p:cxnSp>
+        <p:nvCxnSpPr>
+          <p:cNvPr id="4" name="직선 화살표 연결선 3">
+            <a:extLst>
+              <a:ext uri="{FF2B5EF4-FFF2-40B4-BE49-F238E27FC236}">
+                <a16:creationId xmlns:a16="http://schemas.microsoft.com/office/drawing/2014/main" id="{73A121DB-1518-47A9-A6AA-553565D462B2}"/>
+              </a:ext>
+            </a:extLst>
+          </p:cNvPr>
+          <p:cNvCxnSpPr>
+            <a:stCxn id="2" idx="3"/>
+            <a:endCxn id="7" idx="1"/>
+          </p:cNvCxnSpPr>
+          <p:nvPr/>
+        </p:nvCxnSpPr>
+        <p:spPr>
+          <a:xfrm flipV="1">
+            <a:off x="2953983" y="1954766"/>
+            <a:ext cx="880253" cy="3"/>
+          </a:xfrm>
+          <a:prstGeom prst="straightConnector1">
+            <a:avLst/>
+          </a:prstGeom>
+          <a:ln>
+            <a:headEnd type="triangle"/>
+            <a:tailEnd type="triangle"/>
+          </a:ln>
+        </p:spPr>
+        <p:style>
+          <a:lnRef idx="1">
+            <a:schemeClr val="accent1"/>
+          </a:lnRef>
+          <a:fillRef idx="0">
+            <a:schemeClr val="accent1"/>
+          </a:fillRef>
+          <a:effectRef idx="0">
+            <a:schemeClr val="accent1"/>
+          </a:effectRef>
+          <a:fontRef idx="minor">
+            <a:schemeClr val="tx1"/>
+          </a:fontRef>
+        </p:style>
+      </p:cxnSp>
+      <p:cxnSp>
+        <p:nvCxnSpPr>
+          <p:cNvPr id="11" name="직선 화살표 연결선 10">
+            <a:extLst>
+              <a:ext uri="{FF2B5EF4-FFF2-40B4-BE49-F238E27FC236}">
+                <a16:creationId xmlns:a16="http://schemas.microsoft.com/office/drawing/2014/main" id="{53076E48-4C8F-4B78-8385-D4998EA6D0E7}"/>
+              </a:ext>
+            </a:extLst>
+          </p:cNvPr>
+          <p:cNvCxnSpPr>
+            <a:stCxn id="7" idx="3"/>
+            <a:endCxn id="5" idx="1"/>
+          </p:cNvCxnSpPr>
+          <p:nvPr/>
+        </p:nvCxnSpPr>
+        <p:spPr>
+          <a:xfrm>
+            <a:off x="5676900" y="1954766"/>
+            <a:ext cx="902769" cy="0"/>
+          </a:xfrm>
+          <a:prstGeom prst="straightConnector1">
+            <a:avLst/>
+          </a:prstGeom>
+          <a:ln>
+            <a:headEnd type="triangle"/>
+            <a:tailEnd type="triangle"/>
+          </a:ln>
+        </p:spPr>
+        <p:style>
+          <a:lnRef idx="1">
+            <a:schemeClr val="accent1"/>
+          </a:lnRef>
+          <a:fillRef idx="0">
+            <a:schemeClr val="accent1"/>
+          </a:fillRef>
+          <a:effectRef idx="0">
+            <a:schemeClr val="accent1"/>
+          </a:effectRef>
+          <a:fontRef idx="minor">
+            <a:schemeClr val="tx1"/>
+          </a:fontRef>
+        </p:style>
+      </p:cxnSp>
+      <p:cxnSp>
+        <p:nvCxnSpPr>
+          <p:cNvPr id="15" name="직선 화살표 연결선 14">
+            <a:extLst>
+              <a:ext uri="{FF2B5EF4-FFF2-40B4-BE49-F238E27FC236}">
+                <a16:creationId xmlns:a16="http://schemas.microsoft.com/office/drawing/2014/main" id="{CD10D3CB-5B33-43B3-BC9D-C40DBEAA1336}"/>
+              </a:ext>
+            </a:extLst>
+          </p:cNvPr>
+          <p:cNvCxnSpPr>
+            <a:stCxn id="5" idx="3"/>
+            <a:endCxn id="6" idx="1"/>
+          </p:cNvCxnSpPr>
+          <p:nvPr/>
+        </p:nvCxnSpPr>
+        <p:spPr>
+          <a:xfrm>
+            <a:off x="8422333" y="1954766"/>
+            <a:ext cx="902770" cy="3"/>
+          </a:xfrm>
+          <a:prstGeom prst="straightConnector1">
+            <a:avLst/>
+          </a:prstGeom>
+          <a:ln>
+            <a:headEnd type="triangle"/>
+            <a:tailEnd type="triangle"/>
+          </a:ln>
+        </p:spPr>
+        <p:style>
+          <a:lnRef idx="1">
+            <a:schemeClr val="accent1"/>
+          </a:lnRef>
+          <a:fillRef idx="0">
+            <a:schemeClr val="accent1"/>
+          </a:fillRef>
+          <a:effectRef idx="0">
+            <a:schemeClr val="accent1"/>
+          </a:effectRef>
+          <a:fontRef idx="minor">
+            <a:schemeClr val="tx1"/>
+          </a:fontRef>
+        </p:style>
+      </p:cxnSp>
+      <p:cxnSp>
+        <p:nvCxnSpPr>
+          <p:cNvPr id="27" name="연결선: 꺾임 26">
+            <a:extLst>
+              <a:ext uri="{FF2B5EF4-FFF2-40B4-BE49-F238E27FC236}">
+                <a16:creationId xmlns:a16="http://schemas.microsoft.com/office/drawing/2014/main" id="{0752E49D-68B7-4854-AF02-AFEC9860E402}"/>
+              </a:ext>
+            </a:extLst>
+          </p:cNvPr>
+          <p:cNvCxnSpPr>
+            <a:stCxn id="2" idx="2"/>
+            <a:endCxn id="21" idx="1"/>
+          </p:cNvCxnSpPr>
+          <p:nvPr/>
+        </p:nvCxnSpPr>
+        <p:spPr>
+          <a:xfrm rot="16200000" flipH="1">
+            <a:off x="1651784" y="2781950"/>
+            <a:ext cx="1243456" cy="481722"/>
+          </a:xfrm>
+          <a:prstGeom prst="bentConnector2">
+            <a:avLst/>
+          </a:prstGeom>
+          <a:ln>
+            <a:headEnd type="triangle"/>
+            <a:tailEnd type="triangle"/>
+          </a:ln>
+        </p:spPr>
+        <p:style>
+          <a:lnRef idx="1">
+            <a:schemeClr val="accent1"/>
+          </a:lnRef>
+          <a:fillRef idx="0">
+            <a:schemeClr val="accent1"/>
+          </a:fillRef>
+          <a:effectRef idx="0">
+            <a:schemeClr val="accent1"/>
+          </a:effectRef>
+          <a:fontRef idx="minor">
+            <a:schemeClr val="tx1"/>
+          </a:fontRef>
+        </p:style>
+      </p:cxnSp>
+      <p:cxnSp>
+        <p:nvCxnSpPr>
+          <p:cNvPr id="29" name="연결선: 꺾임 28">
+            <a:extLst>
+              <a:ext uri="{FF2B5EF4-FFF2-40B4-BE49-F238E27FC236}">
+                <a16:creationId xmlns:a16="http://schemas.microsoft.com/office/drawing/2014/main" id="{DC72DB3D-6AFF-42E2-8FCF-B7E415AE158B}"/>
+              </a:ext>
+            </a:extLst>
+          </p:cNvPr>
+          <p:cNvCxnSpPr>
+            <a:stCxn id="7" idx="2"/>
+            <a:endCxn id="21" idx="3"/>
+          </p:cNvCxnSpPr>
+          <p:nvPr/>
+        </p:nvCxnSpPr>
+        <p:spPr>
+          <a:xfrm rot="5400000">
+            <a:off x="3934574" y="2823544"/>
+            <a:ext cx="1243459" cy="398531"/>
+          </a:xfrm>
+          <a:prstGeom prst="bentConnector2">
+            <a:avLst/>
+          </a:prstGeom>
+          <a:ln>
+            <a:headEnd type="triangle"/>
+            <a:tailEnd type="triangle"/>
+          </a:ln>
+        </p:spPr>
+        <p:style>
+          <a:lnRef idx="1">
+            <a:schemeClr val="accent1"/>
+          </a:lnRef>
+          <a:fillRef idx="0">
+            <a:schemeClr val="accent1"/>
+          </a:fillRef>
+          <a:effectRef idx="0">
+            <a:schemeClr val="accent1"/>
+          </a:effectRef>
+          <a:fontRef idx="minor">
+            <a:schemeClr val="tx1"/>
+          </a:fontRef>
+        </p:style>
+      </p:cxnSp>
+      <p:cxnSp>
+        <p:nvCxnSpPr>
+          <p:cNvPr id="33" name="연결선: 꺾임 32">
+            <a:extLst>
+              <a:ext uri="{FF2B5EF4-FFF2-40B4-BE49-F238E27FC236}">
+                <a16:creationId xmlns:a16="http://schemas.microsoft.com/office/drawing/2014/main" id="{DA898A3E-A60C-4E26-912D-BCD0E62FDF52}"/>
+              </a:ext>
+            </a:extLst>
+          </p:cNvPr>
+          <p:cNvCxnSpPr>
+            <a:stCxn id="5" idx="2"/>
+            <a:endCxn id="8" idx="1"/>
+          </p:cNvCxnSpPr>
+          <p:nvPr/>
+        </p:nvCxnSpPr>
+        <p:spPr>
+          <a:xfrm rot="16200000" flipH="1">
+            <a:off x="7109476" y="2792605"/>
+            <a:ext cx="1243459" cy="460408"/>
+          </a:xfrm>
+          <a:prstGeom prst="bentConnector2">
+            <a:avLst/>
+          </a:prstGeom>
+          <a:ln>
+            <a:headEnd type="triangle"/>
+            <a:tailEnd type="triangle"/>
+          </a:ln>
+        </p:spPr>
+        <p:style>
+          <a:lnRef idx="1">
+            <a:schemeClr val="accent1"/>
+          </a:lnRef>
+          <a:fillRef idx="0">
+            <a:schemeClr val="accent1"/>
+          </a:fillRef>
+          <a:effectRef idx="0">
+            <a:schemeClr val="accent1"/>
+          </a:effectRef>
+          <a:fontRef idx="minor">
+            <a:schemeClr val="tx1"/>
+          </a:fontRef>
+        </p:style>
+      </p:cxnSp>
+      <p:cxnSp>
+        <p:nvCxnSpPr>
+          <p:cNvPr id="37" name="연결선: 꺾임 36">
+            <a:extLst>
+              <a:ext uri="{FF2B5EF4-FFF2-40B4-BE49-F238E27FC236}">
+                <a16:creationId xmlns:a16="http://schemas.microsoft.com/office/drawing/2014/main" id="{574A71F3-AD87-48E2-BF92-B7C4BD1ACC4A}"/>
+              </a:ext>
+            </a:extLst>
+          </p:cNvPr>
+          <p:cNvCxnSpPr>
+            <a:stCxn id="6" idx="2"/>
+            <a:endCxn id="8" idx="3"/>
+          </p:cNvCxnSpPr>
+          <p:nvPr/>
+        </p:nvCxnSpPr>
+        <p:spPr>
+          <a:xfrm rot="5400000">
+            <a:off x="9403526" y="2801630"/>
+            <a:ext cx="1243456" cy="442362"/>
+          </a:xfrm>
+          <a:prstGeom prst="bentConnector2">
+            <a:avLst/>
+          </a:prstGeom>
+          <a:ln>
+            <a:headEnd type="triangle"/>
+            <a:tailEnd type="triangle"/>
+          </a:ln>
+        </p:spPr>
+        <p:style>
+          <a:lnRef idx="1">
+            <a:schemeClr val="accent1"/>
+          </a:lnRef>
+          <a:fillRef idx="0">
+            <a:schemeClr val="accent1"/>
+          </a:fillRef>
+          <a:effectRef idx="0">
+            <a:schemeClr val="accent1"/>
+          </a:effectRef>
+          <a:fontRef idx="minor">
+            <a:schemeClr val="tx1"/>
+          </a:fontRef>
+        </p:style>
+      </p:cxnSp>
+      <p:cxnSp>
+        <p:nvCxnSpPr>
+          <p:cNvPr id="39" name="직선 화살표 연결선 38">
+            <a:extLst>
+              <a:ext uri="{FF2B5EF4-FFF2-40B4-BE49-F238E27FC236}">
+                <a16:creationId xmlns:a16="http://schemas.microsoft.com/office/drawing/2014/main" id="{B4BCFD8A-BB47-4800-88F4-139E4F699E48}"/>
+              </a:ext>
+            </a:extLst>
+          </p:cNvPr>
+          <p:cNvCxnSpPr>
+            <a:cxnSpLocks/>
+          </p:cNvCxnSpPr>
+          <p:nvPr/>
+        </p:nvCxnSpPr>
+        <p:spPr>
+          <a:xfrm>
+            <a:off x="4357037" y="3873139"/>
+            <a:ext cx="3604372" cy="0"/>
+          </a:xfrm>
+          <a:prstGeom prst="straightConnector1">
+            <a:avLst/>
+          </a:prstGeom>
+          <a:ln>
+            <a:tailEnd type="triangle"/>
+          </a:ln>
+        </p:spPr>
+        <p:style>
+          <a:lnRef idx="1">
+            <a:schemeClr val="accent1"/>
+          </a:lnRef>
+          <a:fillRef idx="0">
+            <a:schemeClr val="accent1"/>
+          </a:fillRef>
+          <a:effectRef idx="0">
+            <a:schemeClr val="accent1"/>
+          </a:effectRef>
+          <a:fontRef idx="minor">
+            <a:schemeClr val="tx1"/>
+          </a:fontRef>
+        </p:style>
+      </p:cxnSp>
+      <p:cxnSp>
+        <p:nvCxnSpPr>
+          <p:cNvPr id="41" name="직선 화살표 연결선 40">
+            <a:extLst>
+              <a:ext uri="{FF2B5EF4-FFF2-40B4-BE49-F238E27FC236}">
+                <a16:creationId xmlns:a16="http://schemas.microsoft.com/office/drawing/2014/main" id="{8A26E828-E9CC-4C7A-9FC5-C8B1AD5E3350}"/>
+              </a:ext>
+            </a:extLst>
+          </p:cNvPr>
+          <p:cNvCxnSpPr>
+            <a:stCxn id="21" idx="2"/>
+            <a:endCxn id="22" idx="0"/>
+          </p:cNvCxnSpPr>
+          <p:nvPr/>
+        </p:nvCxnSpPr>
+        <p:spPr>
+          <a:xfrm>
+            <a:off x="3435705" y="4090853"/>
+            <a:ext cx="0" cy="366064"/>
+          </a:xfrm>
+          <a:prstGeom prst="straightConnector1">
+            <a:avLst/>
+          </a:prstGeom>
+          <a:ln>
+            <a:headEnd type="triangle"/>
+            <a:tailEnd type="triangle"/>
+          </a:ln>
+        </p:spPr>
+        <p:style>
+          <a:lnRef idx="1">
+            <a:schemeClr val="accent1"/>
+          </a:lnRef>
+          <a:fillRef idx="0">
+            <a:schemeClr val="accent1"/>
+          </a:fillRef>
+          <a:effectRef idx="0">
+            <a:schemeClr val="accent1"/>
+          </a:effectRef>
+          <a:fontRef idx="minor">
+            <a:schemeClr val="tx1"/>
+          </a:fontRef>
+        </p:style>
+      </p:cxnSp>
+      <p:cxnSp>
+        <p:nvCxnSpPr>
+          <p:cNvPr id="43" name="연결선: 꺾임 42">
+            <a:extLst>
+              <a:ext uri="{FF2B5EF4-FFF2-40B4-BE49-F238E27FC236}">
+                <a16:creationId xmlns:a16="http://schemas.microsoft.com/office/drawing/2014/main" id="{E37B4671-D07A-4240-B19D-367958FD99C8}"/>
+              </a:ext>
+            </a:extLst>
+          </p:cNvPr>
+          <p:cNvCxnSpPr>
+            <a:stCxn id="22" idx="3"/>
+            <a:endCxn id="8" idx="2"/>
+          </p:cNvCxnSpPr>
+          <p:nvPr/>
+        </p:nvCxnSpPr>
+        <p:spPr>
+          <a:xfrm flipV="1">
+            <a:off x="4357037" y="4090853"/>
+            <a:ext cx="4525704" cy="812379"/>
+          </a:xfrm>
+          <a:prstGeom prst="bentConnector2">
+            <a:avLst/>
+          </a:prstGeom>
+          <a:ln>
+            <a:tailEnd type="triangle"/>
+          </a:ln>
+        </p:spPr>
+        <p:style>
+          <a:lnRef idx="1">
+            <a:schemeClr val="accent1"/>
+          </a:lnRef>
+          <a:fillRef idx="0">
+            <a:schemeClr val="accent1"/>
+          </a:fillRef>
+          <a:effectRef idx="0">
+            <a:schemeClr val="accent1"/>
+          </a:effectRef>
+          <a:fontRef idx="minor">
+            <a:schemeClr val="tx1"/>
+          </a:fontRef>
+        </p:style>
+      </p:cxnSp>
+      <p:cxnSp>
+        <p:nvCxnSpPr>
+          <p:cNvPr id="45" name="연결선: 꺾임 44">
+            <a:extLst>
+              <a:ext uri="{FF2B5EF4-FFF2-40B4-BE49-F238E27FC236}">
+                <a16:creationId xmlns:a16="http://schemas.microsoft.com/office/drawing/2014/main" id="{69DB9D13-8136-4EFD-9921-DA56E8DD7244}"/>
+              </a:ext>
+            </a:extLst>
+          </p:cNvPr>
+          <p:cNvCxnSpPr>
+            <a:cxnSpLocks/>
+            <a:endCxn id="18" idx="3"/>
+          </p:cNvCxnSpPr>
+          <p:nvPr/>
+        </p:nvCxnSpPr>
+        <p:spPr>
+          <a:xfrm rot="10800000" flipV="1">
+            <a:off x="7017332" y="4090852"/>
+            <a:ext cx="2053447" cy="1879658"/>
+          </a:xfrm>
+          <a:prstGeom prst="bentConnector3">
+            <a:avLst>
+              <a:gd name="adj1" fmla="val -361"/>
+            </a:avLst>
+          </a:prstGeom>
+          <a:ln>
+            <a:tailEnd type="triangle"/>
+          </a:ln>
+        </p:spPr>
+        <p:style>
+          <a:lnRef idx="1">
+            <a:schemeClr val="accent1"/>
+          </a:lnRef>
+          <a:fillRef idx="0">
+            <a:schemeClr val="accent1"/>
+          </a:fillRef>
+          <a:effectRef idx="0">
+            <a:schemeClr val="accent1"/>
+          </a:effectRef>
+          <a:fontRef idx="minor">
+            <a:schemeClr val="tx1"/>
+          </a:fontRef>
+        </p:style>
+      </p:cxnSp>
     </p:spTree>
     <p:extLst>
       <p:ext uri="{BB962C8B-B14F-4D97-AF65-F5344CB8AC3E}">
-        <p14:creationId xmlns:p14="http://schemas.microsoft.com/office/powerpoint/2010/main" val="2907647552"/>
+        <p14:creationId xmlns:p14="http://schemas.microsoft.com/office/powerpoint/2010/main" val="3660227873"/>
       </p:ext>
     </p:extLst>
   </p:cSld>
@@ -8333,7 +9136,7 @@
                 <a:ea typeface="Malgun Gothic Semilight" panose="020B0502040204020203" pitchFamily="50" charset="-127"/>
                 <a:cs typeface="Malgun Gothic Semilight" panose="020B0502040204020203" pitchFamily="50" charset="-127"/>
               </a:rPr>
-              <a:t>UI Navigator – General</a:t>
+              <a:t>UI Navigator – Root auth</a:t>
             </a:r>
           </a:p>
         </p:txBody>
@@ -8358,6 +9161,12 @@
           <a:prstGeom prst="rect">
             <a:avLst/>
           </a:prstGeom>
+          <a:solidFill>
+            <a:schemeClr val="accent1">
+              <a:lumMod val="60000"/>
+              <a:lumOff val="40000"/>
+            </a:schemeClr>
+          </a:solidFill>
         </p:spPr>
         <p:style>
           <a:lnRef idx="2">
@@ -8408,6 +9217,12 @@
           <a:prstGeom prst="rect">
             <a:avLst/>
           </a:prstGeom>
+          <a:solidFill>
+            <a:schemeClr val="accent1">
+              <a:lumMod val="60000"/>
+              <a:lumOff val="40000"/>
+            </a:schemeClr>
+          </a:solidFill>
         </p:spPr>
         <p:style>
           <a:lnRef idx="2">
@@ -8458,6 +9273,12 @@
           <a:prstGeom prst="rect">
             <a:avLst/>
           </a:prstGeom>
+          <a:solidFill>
+            <a:schemeClr val="accent1">
+              <a:lumMod val="60000"/>
+              <a:lumOff val="40000"/>
+            </a:schemeClr>
+          </a:solidFill>
         </p:spPr>
         <p:style>
           <a:lnRef idx="2">
@@ -8508,6 +9329,12 @@
           <a:prstGeom prst="rect">
             <a:avLst/>
           </a:prstGeom>
+          <a:solidFill>
+            <a:schemeClr val="accent1">
+              <a:lumMod val="60000"/>
+              <a:lumOff val="40000"/>
+            </a:schemeClr>
+          </a:solidFill>
         </p:spPr>
         <p:style>
           <a:lnRef idx="2">
@@ -8552,12 +9379,18 @@
         </p:nvSpPr>
         <p:spPr>
           <a:xfrm>
-            <a:off x="7961409" y="3198224"/>
+            <a:off x="8056285" y="2893425"/>
             <a:ext cx="1842664" cy="892629"/>
           </a:xfrm>
           <a:prstGeom prst="rect">
             <a:avLst/>
           </a:prstGeom>
+          <a:solidFill>
+            <a:schemeClr val="accent1">
+              <a:lumMod val="60000"/>
+              <a:lumOff val="40000"/>
+            </a:schemeClr>
+          </a:solidFill>
         </p:spPr>
         <p:style>
           <a:lnRef idx="2">
@@ -8582,7 +9415,7 @@
             <a:pPr algn="ctr"/>
             <a:r>
               <a:rPr lang="en-US" altLang="ko-KR" dirty="0"/>
-              <a:t>Login</a:t>
+              <a:t>Logout</a:t>
             </a:r>
             <a:endParaRPr lang="ko-KR" altLang="en-US" dirty="0"/>
           </a:p>
@@ -8651,10 +9484,10 @@
       </p:sp>
       <p:sp>
         <p:nvSpPr>
-          <p:cNvPr id="18" name="직사각형 17">
+          <p:cNvPr id="21" name="직사각형 20">
             <a:extLst>
               <a:ext uri="{FF2B5EF4-FFF2-40B4-BE49-F238E27FC236}">
-                <a16:creationId xmlns:a16="http://schemas.microsoft.com/office/drawing/2014/main" id="{1A14536C-3978-4817-8BE4-4ADFEB4AFCE9}"/>
+                <a16:creationId xmlns:a16="http://schemas.microsoft.com/office/drawing/2014/main" id="{23ED4DFA-EFD8-4A0E-9F2D-8EF0103B965A}"/>
               </a:ext>
             </a:extLst>
           </p:cNvPr>
@@ -8663,7 +9496,7 @@
         </p:nvSpPr>
         <p:spPr>
           <a:xfrm>
-            <a:off x="5174667" y="5524195"/>
+            <a:off x="2472777" y="2888760"/>
             <a:ext cx="1842664" cy="892629"/>
           </a:xfrm>
           <a:prstGeom prst="rect">
@@ -8699,7 +9532,7 @@
             <a:pPr algn="ctr"/>
             <a:r>
               <a:rPr lang="en-US" altLang="ko-KR" dirty="0"/>
-              <a:t>Root Auth</a:t>
+              <a:t>Page List</a:t>
             </a:r>
             <a:endParaRPr lang="ko-KR" altLang="en-US" dirty="0"/>
           </a:p>
@@ -8707,10 +9540,10 @@
       </p:sp>
       <p:sp>
         <p:nvSpPr>
-          <p:cNvPr id="21" name="직사각형 20">
+          <p:cNvPr id="22" name="직사각형 21">
             <a:extLst>
               <a:ext uri="{FF2B5EF4-FFF2-40B4-BE49-F238E27FC236}">
-                <a16:creationId xmlns:a16="http://schemas.microsoft.com/office/drawing/2014/main" id="{23ED4DFA-EFD8-4A0E-9F2D-8EF0103B965A}"/>
+                <a16:creationId xmlns:a16="http://schemas.microsoft.com/office/drawing/2014/main" id="{F86B7D53-0E34-4B7E-B89D-CDD6067AFBB5}"/>
               </a:ext>
             </a:extLst>
           </p:cNvPr>
@@ -8719,12 +9552,18 @@
         </p:nvSpPr>
         <p:spPr>
           <a:xfrm>
-            <a:off x="2514373" y="3198224"/>
+            <a:off x="1111319" y="4188822"/>
             <a:ext cx="1842664" cy="892629"/>
           </a:xfrm>
           <a:prstGeom prst="rect">
             <a:avLst/>
           </a:prstGeom>
+          <a:solidFill>
+            <a:schemeClr val="accent1">
+              <a:lumMod val="60000"/>
+              <a:lumOff val="40000"/>
+            </a:schemeClr>
+          </a:solidFill>
         </p:spPr>
         <p:style>
           <a:lnRef idx="2">
@@ -8749,7 +9588,7 @@
             <a:pPr algn="ctr"/>
             <a:r>
               <a:rPr lang="en-US" altLang="ko-KR" dirty="0"/>
-              <a:t>Page List</a:t>
+              <a:t>Post Insert</a:t>
             </a:r>
             <a:endParaRPr lang="ko-KR" altLang="en-US" dirty="0"/>
           </a:p>
@@ -8757,10 +9596,10 @@
       </p:sp>
       <p:sp>
         <p:nvSpPr>
-          <p:cNvPr id="22" name="직사각형 21">
+          <p:cNvPr id="14" name="직사각형 13">
             <a:extLst>
               <a:ext uri="{FF2B5EF4-FFF2-40B4-BE49-F238E27FC236}">
-                <a16:creationId xmlns:a16="http://schemas.microsoft.com/office/drawing/2014/main" id="{F86B7D53-0E34-4B7E-B89D-CDD6067AFBB5}"/>
+                <a16:creationId xmlns:a16="http://schemas.microsoft.com/office/drawing/2014/main" id="{6A41E31D-A9AF-41DD-A6FF-B18D050182F4}"/>
               </a:ext>
             </a:extLst>
           </p:cNvPr>
@@ -8769,7 +9608,7 @@
         </p:nvSpPr>
         <p:spPr>
           <a:xfrm>
-            <a:off x="2514373" y="4456917"/>
+            <a:off x="8056285" y="4188823"/>
             <a:ext cx="1842664" cy="892629"/>
           </a:xfrm>
           <a:prstGeom prst="rect">
@@ -8799,7 +9638,175 @@
             <a:pPr algn="ctr"/>
             <a:r>
               <a:rPr lang="en-US" altLang="ko-KR" dirty="0"/>
+              <a:t>General</a:t>
+            </a:r>
+            <a:endParaRPr lang="ko-KR" altLang="en-US" dirty="0"/>
+          </a:p>
+        </p:txBody>
+      </p:sp>
+      <p:sp>
+        <p:nvSpPr>
+          <p:cNvPr id="15" name="직사각형 14">
+            <a:extLst>
+              <a:ext uri="{FF2B5EF4-FFF2-40B4-BE49-F238E27FC236}">
+                <a16:creationId xmlns:a16="http://schemas.microsoft.com/office/drawing/2014/main" id="{BD22E043-035D-417D-A372-BFE7B73896EA}"/>
+              </a:ext>
+            </a:extLst>
+          </p:cNvPr>
+          <p:cNvSpPr/>
+          <p:nvPr/>
+        </p:nvSpPr>
+        <p:spPr>
+          <a:xfrm>
+            <a:off x="3821544" y="4185559"/>
+            <a:ext cx="1842664" cy="892629"/>
+          </a:xfrm>
+          <a:prstGeom prst="rect">
+            <a:avLst/>
+          </a:prstGeom>
+          <a:solidFill>
+            <a:schemeClr val="accent1">
+              <a:lumMod val="60000"/>
+              <a:lumOff val="40000"/>
+            </a:schemeClr>
+          </a:solidFill>
+        </p:spPr>
+        <p:style>
+          <a:lnRef idx="2">
+            <a:schemeClr val="accent4">
+              <a:shade val="50000"/>
+            </a:schemeClr>
+          </a:lnRef>
+          <a:fillRef idx="1">
+            <a:schemeClr val="accent4"/>
+          </a:fillRef>
+          <a:effectRef idx="0">
+            <a:schemeClr val="accent4"/>
+          </a:effectRef>
+          <a:fontRef idx="minor">
+            <a:schemeClr val="lt1"/>
+          </a:fontRef>
+        </p:style>
+        <p:txBody>
+          <a:bodyPr rtlCol="0" anchor="ctr"/>
+          <a:lstStyle/>
+          <a:p>
+            <a:pPr algn="ctr"/>
+            <a:r>
+              <a:rPr lang="en-US" altLang="ko-KR" dirty="0"/>
               <a:t>Post Detail</a:t>
+            </a:r>
+            <a:endParaRPr lang="ko-KR" altLang="en-US" dirty="0"/>
+          </a:p>
+        </p:txBody>
+      </p:sp>
+      <p:sp>
+        <p:nvSpPr>
+          <p:cNvPr id="16" name="직사각형 15">
+            <a:extLst>
+              <a:ext uri="{FF2B5EF4-FFF2-40B4-BE49-F238E27FC236}">
+                <a16:creationId xmlns:a16="http://schemas.microsoft.com/office/drawing/2014/main" id="{58478774-B6E0-4B02-BE68-793E39BFCFB1}"/>
+              </a:ext>
+            </a:extLst>
+          </p:cNvPr>
+          <p:cNvSpPr/>
+          <p:nvPr/>
+        </p:nvSpPr>
+        <p:spPr>
+          <a:xfrm>
+            <a:off x="2895091" y="5485621"/>
+            <a:ext cx="1842664" cy="892629"/>
+          </a:xfrm>
+          <a:prstGeom prst="rect">
+            <a:avLst/>
+          </a:prstGeom>
+          <a:solidFill>
+            <a:schemeClr val="accent1">
+              <a:lumMod val="60000"/>
+              <a:lumOff val="40000"/>
+            </a:schemeClr>
+          </a:solidFill>
+        </p:spPr>
+        <p:style>
+          <a:lnRef idx="2">
+            <a:schemeClr val="accent4">
+              <a:shade val="50000"/>
+            </a:schemeClr>
+          </a:lnRef>
+          <a:fillRef idx="1">
+            <a:schemeClr val="accent4"/>
+          </a:fillRef>
+          <a:effectRef idx="0">
+            <a:schemeClr val="accent4"/>
+          </a:effectRef>
+          <a:fontRef idx="minor">
+            <a:schemeClr val="lt1"/>
+          </a:fontRef>
+        </p:style>
+        <p:txBody>
+          <a:bodyPr rtlCol="0" anchor="ctr"/>
+          <a:lstStyle/>
+          <a:p>
+            <a:pPr algn="ctr"/>
+            <a:r>
+              <a:rPr lang="en-US" altLang="ko-KR" dirty="0"/>
+              <a:t>Post Update</a:t>
+            </a:r>
+            <a:endParaRPr lang="ko-KR" altLang="en-US" dirty="0"/>
+          </a:p>
+        </p:txBody>
+      </p:sp>
+      <p:sp>
+        <p:nvSpPr>
+          <p:cNvPr id="17" name="직사각형 16">
+            <a:extLst>
+              <a:ext uri="{FF2B5EF4-FFF2-40B4-BE49-F238E27FC236}">
+                <a16:creationId xmlns:a16="http://schemas.microsoft.com/office/drawing/2014/main" id="{C413AF68-4AAE-4385-A129-92204B17CB75}"/>
+              </a:ext>
+            </a:extLst>
+          </p:cNvPr>
+          <p:cNvSpPr/>
+          <p:nvPr/>
+        </p:nvSpPr>
+        <p:spPr>
+          <a:xfrm>
+            <a:off x="4755569" y="5485620"/>
+            <a:ext cx="1842664" cy="892629"/>
+          </a:xfrm>
+          <a:prstGeom prst="rect">
+            <a:avLst/>
+          </a:prstGeom>
+          <a:solidFill>
+            <a:schemeClr val="accent1">
+              <a:lumMod val="60000"/>
+              <a:lumOff val="40000"/>
+            </a:schemeClr>
+          </a:solidFill>
+        </p:spPr>
+        <p:style>
+          <a:lnRef idx="2">
+            <a:schemeClr val="accent4">
+              <a:shade val="50000"/>
+            </a:schemeClr>
+          </a:lnRef>
+          <a:fillRef idx="1">
+            <a:schemeClr val="accent4"/>
+          </a:fillRef>
+          <a:effectRef idx="0">
+            <a:schemeClr val="accent4"/>
+          </a:effectRef>
+          <a:fontRef idx="minor">
+            <a:schemeClr val="lt1"/>
+          </a:fontRef>
+        </p:style>
+        <p:txBody>
+          <a:bodyPr rtlCol="0" anchor="ctr"/>
+          <a:lstStyle/>
+          <a:p>
+            <a:pPr algn="ctr"/>
+            <a:r>
+              <a:rPr lang="en-US" altLang="ko-KR" dirty="0"/>
+              <a:t>Post Delete</a:t>
             </a:r>
             <a:endParaRPr lang="ko-KR" altLang="en-US" dirty="0"/>
           </a:p>
@@ -8810,7 +9817,7 @@
           <p:cNvPr id="4" name="직선 화살표 연결선 3">
             <a:extLst>
               <a:ext uri="{FF2B5EF4-FFF2-40B4-BE49-F238E27FC236}">
-                <a16:creationId xmlns:a16="http://schemas.microsoft.com/office/drawing/2014/main" id="{73A121DB-1518-47A9-A6AA-553565D462B2}"/>
+                <a16:creationId xmlns:a16="http://schemas.microsoft.com/office/drawing/2014/main" id="{FA51DE63-FA30-41D2-8163-2BBE182BBDC6}"/>
               </a:ext>
             </a:extLst>
           </p:cNvPr>
@@ -8853,7 +9860,7 @@
           <p:cNvPr id="11" name="직선 화살표 연결선 10">
             <a:extLst>
               <a:ext uri="{FF2B5EF4-FFF2-40B4-BE49-F238E27FC236}">
-                <a16:creationId xmlns:a16="http://schemas.microsoft.com/office/drawing/2014/main" id="{53076E48-4C8F-4B78-8385-D4998EA6D0E7}"/>
+                <a16:creationId xmlns:a16="http://schemas.microsoft.com/office/drawing/2014/main" id="{D4EB42FB-A073-4E3B-A83C-F32DBD23F435}"/>
               </a:ext>
             </a:extLst>
           </p:cNvPr>
@@ -8893,10 +9900,10 @@
       </p:cxnSp>
       <p:cxnSp>
         <p:nvCxnSpPr>
-          <p:cNvPr id="15" name="직선 화살표 연결선 14">
+          <p:cNvPr id="20" name="직선 화살표 연결선 19">
             <a:extLst>
               <a:ext uri="{FF2B5EF4-FFF2-40B4-BE49-F238E27FC236}">
-                <a16:creationId xmlns:a16="http://schemas.microsoft.com/office/drawing/2014/main" id="{CD10D3CB-5B33-43B3-BC9D-C40DBEAA1336}"/>
+                <a16:creationId xmlns:a16="http://schemas.microsoft.com/office/drawing/2014/main" id="{E94C0538-C466-4BF2-87A8-387FE1A44263}"/>
               </a:ext>
             </a:extLst>
           </p:cNvPr>
@@ -8936,29 +9943,28 @@
       </p:cxnSp>
       <p:cxnSp>
         <p:nvCxnSpPr>
-          <p:cNvPr id="27" name="연결선: 꺾임 26">
+          <p:cNvPr id="24" name="직선 화살표 연결선 23">
             <a:extLst>
               <a:ext uri="{FF2B5EF4-FFF2-40B4-BE49-F238E27FC236}">
-                <a16:creationId xmlns:a16="http://schemas.microsoft.com/office/drawing/2014/main" id="{0752E49D-68B7-4854-AF02-AFEC9860E402}"/>
+                <a16:creationId xmlns:a16="http://schemas.microsoft.com/office/drawing/2014/main" id="{CD70DB77-260C-4274-8DF2-66784FEB488A}"/>
               </a:ext>
             </a:extLst>
           </p:cNvPr>
           <p:cNvCxnSpPr>
-            <a:stCxn id="2" idx="2"/>
-            <a:endCxn id="21" idx="1"/>
+            <a:stCxn id="8" idx="2"/>
+            <a:endCxn id="14" idx="0"/>
           </p:cNvCxnSpPr>
           <p:nvPr/>
         </p:nvCxnSpPr>
         <p:spPr>
-          <a:xfrm rot="16200000" flipH="1">
-            <a:off x="1651784" y="2781950"/>
-            <a:ext cx="1243456" cy="481722"/>
-          </a:xfrm>
-          <a:prstGeom prst="bentConnector2">
+          <a:xfrm>
+            <a:off x="8977617" y="3786054"/>
+            <a:ext cx="0" cy="402769"/>
+          </a:xfrm>
+          <a:prstGeom prst="straightConnector1">
             <a:avLst/>
           </a:prstGeom>
           <a:ln>
-            <a:headEnd type="triangle"/>
             <a:tailEnd type="triangle"/>
           </a:ln>
         </p:spPr>
@@ -8979,29 +9985,27 @@
       </p:cxnSp>
       <p:cxnSp>
         <p:nvCxnSpPr>
-          <p:cNvPr id="29" name="연결선: 꺾임 28">
+          <p:cNvPr id="26" name="직선 화살표 연결선 25">
             <a:extLst>
               <a:ext uri="{FF2B5EF4-FFF2-40B4-BE49-F238E27FC236}">
-                <a16:creationId xmlns:a16="http://schemas.microsoft.com/office/drawing/2014/main" id="{DC72DB3D-6AFF-42E2-8FCF-B7E415AE158B}"/>
+                <a16:creationId xmlns:a16="http://schemas.microsoft.com/office/drawing/2014/main" id="{C99E8D6A-F122-4D74-8485-2742C611EAFE}"/>
               </a:ext>
             </a:extLst>
           </p:cNvPr>
           <p:cNvCxnSpPr>
-            <a:stCxn id="7" idx="2"/>
-            <a:endCxn id="21" idx="3"/>
+            <a:cxnSpLocks/>
           </p:cNvCxnSpPr>
           <p:nvPr/>
         </p:nvCxnSpPr>
         <p:spPr>
-          <a:xfrm rot="5400000">
-            <a:off x="3934574" y="2823544"/>
-            <a:ext cx="1243459" cy="398531"/>
-          </a:xfrm>
-          <a:prstGeom prst="bentConnector2">
+          <a:xfrm>
+            <a:off x="4315441" y="3524797"/>
+            <a:ext cx="3746287" cy="0"/>
+          </a:xfrm>
+          <a:prstGeom prst="straightConnector1">
             <a:avLst/>
           </a:prstGeom>
           <a:ln>
-            <a:headEnd type="triangle"/>
             <a:tailEnd type="triangle"/>
           </a:ln>
         </p:spPr>
@@ -9022,29 +10026,28 @@
       </p:cxnSp>
       <p:cxnSp>
         <p:nvCxnSpPr>
-          <p:cNvPr id="33" name="연결선: 꺾임 32">
+          <p:cNvPr id="30" name="연결선: 꺾임 29">
             <a:extLst>
               <a:ext uri="{FF2B5EF4-FFF2-40B4-BE49-F238E27FC236}">
-                <a16:creationId xmlns:a16="http://schemas.microsoft.com/office/drawing/2014/main" id="{DA898A3E-A60C-4E26-912D-BCD0E62FDF52}"/>
+                <a16:creationId xmlns:a16="http://schemas.microsoft.com/office/drawing/2014/main" id="{6CDC6F85-D892-45F6-933A-AA48B539DB39}"/>
               </a:ext>
             </a:extLst>
           </p:cNvPr>
           <p:cNvCxnSpPr>
-            <a:stCxn id="5" idx="2"/>
-            <a:endCxn id="8" idx="1"/>
+            <a:stCxn id="6" idx="2"/>
+            <a:endCxn id="8" idx="3"/>
           </p:cNvCxnSpPr>
           <p:nvPr/>
         </p:nvCxnSpPr>
         <p:spPr>
-          <a:xfrm rot="16200000" flipH="1">
-            <a:off x="7109476" y="2792605"/>
-            <a:ext cx="1243459" cy="460408"/>
+          <a:xfrm rot="5400000">
+            <a:off x="9603364" y="2696668"/>
+            <a:ext cx="938657" cy="347486"/>
           </a:xfrm>
           <a:prstGeom prst="bentConnector2">
             <a:avLst/>
           </a:prstGeom>
           <a:ln>
-            <a:headEnd type="triangle"/>
             <a:tailEnd type="triangle"/>
           </a:ln>
         </p:spPr>
@@ -9065,29 +10068,29 @@
       </p:cxnSp>
       <p:cxnSp>
         <p:nvCxnSpPr>
-          <p:cNvPr id="37" name="연결선: 꺾임 36">
+          <p:cNvPr id="32" name="연결선: 꺾임 31">
             <a:extLst>
               <a:ext uri="{FF2B5EF4-FFF2-40B4-BE49-F238E27FC236}">
-                <a16:creationId xmlns:a16="http://schemas.microsoft.com/office/drawing/2014/main" id="{574A71F3-AD87-48E2-BF92-B7C4BD1ACC4A}"/>
+                <a16:creationId xmlns:a16="http://schemas.microsoft.com/office/drawing/2014/main" id="{4C43588D-C70C-48FD-8A72-87B540AE9752}"/>
               </a:ext>
             </a:extLst>
           </p:cNvPr>
           <p:cNvCxnSpPr>
-            <a:stCxn id="6" idx="2"/>
-            <a:endCxn id="8" idx="3"/>
+            <a:cxnSpLocks/>
+            <a:stCxn id="5" idx="2"/>
+            <a:endCxn id="8" idx="1"/>
           </p:cNvCxnSpPr>
           <p:nvPr/>
         </p:nvCxnSpPr>
         <p:spPr>
-          <a:xfrm rot="5400000">
-            <a:off x="9403526" y="2801630"/>
-            <a:ext cx="1243456" cy="442362"/>
+          <a:xfrm rot="16200000" flipH="1">
+            <a:off x="7309313" y="2592768"/>
+            <a:ext cx="938660" cy="555284"/>
           </a:xfrm>
           <a:prstGeom prst="bentConnector2">
             <a:avLst/>
           </a:prstGeom>
           <a:ln>
-            <a:headEnd type="triangle"/>
             <a:tailEnd type="triangle"/>
           </a:ln>
         </p:spPr>
@@ -9108,27 +10111,29 @@
       </p:cxnSp>
       <p:cxnSp>
         <p:nvCxnSpPr>
-          <p:cNvPr id="39" name="직선 화살표 연결선 38">
+          <p:cNvPr id="36" name="연결선: 꺾임 35">
             <a:extLst>
               <a:ext uri="{FF2B5EF4-FFF2-40B4-BE49-F238E27FC236}">
-                <a16:creationId xmlns:a16="http://schemas.microsoft.com/office/drawing/2014/main" id="{B4BCFD8A-BB47-4800-88F4-139E4F699E48}"/>
+                <a16:creationId xmlns:a16="http://schemas.microsoft.com/office/drawing/2014/main" id="{6C7AC88D-FA34-4E4D-9DBD-CFFC9509CEB7}"/>
               </a:ext>
             </a:extLst>
           </p:cNvPr>
           <p:cNvCxnSpPr>
-            <a:cxnSpLocks/>
+            <a:stCxn id="2" idx="2"/>
+            <a:endCxn id="21" idx="1"/>
           </p:cNvCxnSpPr>
           <p:nvPr/>
         </p:nvCxnSpPr>
         <p:spPr>
-          <a:xfrm>
-            <a:off x="4357037" y="3873139"/>
-            <a:ext cx="3604372" cy="0"/>
-          </a:xfrm>
-          <a:prstGeom prst="straightConnector1">
+          <a:xfrm rot="16200000" flipH="1">
+            <a:off x="1785718" y="2648016"/>
+            <a:ext cx="933992" cy="440126"/>
+          </a:xfrm>
+          <a:prstGeom prst="bentConnector2">
             <a:avLst/>
           </a:prstGeom>
           <a:ln>
+            <a:headEnd type="triangle"/>
             <a:tailEnd type="triangle"/>
           </a:ln>
         </p:spPr>
@@ -9149,25 +10154,68 @@
       </p:cxnSp>
       <p:cxnSp>
         <p:nvCxnSpPr>
-          <p:cNvPr id="41" name="직선 화살표 연결선 40">
+          <p:cNvPr id="38" name="연결선: 꺾임 37">
             <a:extLst>
               <a:ext uri="{FF2B5EF4-FFF2-40B4-BE49-F238E27FC236}">
-                <a16:creationId xmlns:a16="http://schemas.microsoft.com/office/drawing/2014/main" id="{8A26E828-E9CC-4C7A-9FC5-C8B1AD5E3350}"/>
+                <a16:creationId xmlns:a16="http://schemas.microsoft.com/office/drawing/2014/main" id="{3A5B9D9E-B24F-487F-8383-19728F487E59}"/>
+              </a:ext>
+            </a:extLst>
+          </p:cNvPr>
+          <p:cNvCxnSpPr>
+            <a:stCxn id="7" idx="2"/>
+            <a:endCxn id="21" idx="3"/>
+          </p:cNvCxnSpPr>
+          <p:nvPr/>
+        </p:nvCxnSpPr>
+        <p:spPr>
+          <a:xfrm rot="5400000">
+            <a:off x="4068508" y="2648014"/>
+            <a:ext cx="933995" cy="440127"/>
+          </a:xfrm>
+          <a:prstGeom prst="bentConnector2">
+            <a:avLst/>
+          </a:prstGeom>
+          <a:ln>
+            <a:headEnd type="triangle"/>
+            <a:tailEnd type="triangle"/>
+          </a:ln>
+        </p:spPr>
+        <p:style>
+          <a:lnRef idx="1">
+            <a:schemeClr val="accent1"/>
+          </a:lnRef>
+          <a:fillRef idx="0">
+            <a:schemeClr val="accent1"/>
+          </a:fillRef>
+          <a:effectRef idx="0">
+            <a:schemeClr val="accent1"/>
+          </a:effectRef>
+          <a:fontRef idx="minor">
+            <a:schemeClr val="tx1"/>
+          </a:fontRef>
+        </p:style>
+      </p:cxnSp>
+      <p:cxnSp>
+        <p:nvCxnSpPr>
+          <p:cNvPr id="41" name="연결선: 꺾임 40">
+            <a:extLst>
+              <a:ext uri="{FF2B5EF4-FFF2-40B4-BE49-F238E27FC236}">
+                <a16:creationId xmlns:a16="http://schemas.microsoft.com/office/drawing/2014/main" id="{CAC6C2AB-7919-46D8-870F-4DCB3BD86FD4}"/>
               </a:ext>
             </a:extLst>
           </p:cNvPr>
           <p:cNvCxnSpPr>
             <a:stCxn id="21" idx="2"/>
-            <a:endCxn id="22" idx="0"/>
+            <a:endCxn id="22" idx="3"/>
           </p:cNvCxnSpPr>
           <p:nvPr/>
         </p:nvCxnSpPr>
         <p:spPr>
-          <a:xfrm>
-            <a:off x="3435705" y="4090853"/>
-            <a:ext cx="0" cy="366064"/>
-          </a:xfrm>
-          <a:prstGeom prst="straightConnector1">
+          <a:xfrm rot="5400000">
+            <a:off x="2747172" y="3988200"/>
+            <a:ext cx="853748" cy="440126"/>
+          </a:xfrm>
+          <a:prstGeom prst="bentConnector2">
             <a:avLst/>
           </a:prstGeom>
           <a:ln>
@@ -9195,25 +10243,26 @@
           <p:cNvPr id="43" name="연결선: 꺾임 42">
             <a:extLst>
               <a:ext uri="{FF2B5EF4-FFF2-40B4-BE49-F238E27FC236}">
-                <a16:creationId xmlns:a16="http://schemas.microsoft.com/office/drawing/2014/main" id="{E37B4671-D07A-4240-B19D-367958FD99C8}"/>
+                <a16:creationId xmlns:a16="http://schemas.microsoft.com/office/drawing/2014/main" id="{7AC486AE-8308-4ECF-99D9-0C942D4F6BAB}"/>
               </a:ext>
             </a:extLst>
           </p:cNvPr>
           <p:cNvCxnSpPr>
-            <a:stCxn id="22" idx="3"/>
-            <a:endCxn id="8" idx="2"/>
+            <a:stCxn id="21" idx="2"/>
+            <a:endCxn id="15" idx="1"/>
           </p:cNvCxnSpPr>
           <p:nvPr/>
         </p:nvCxnSpPr>
         <p:spPr>
-          <a:xfrm flipV="1">
-            <a:off x="4357037" y="4090853"/>
-            <a:ext cx="4525704" cy="812379"/>
+          <a:xfrm rot="16200000" flipH="1">
+            <a:off x="3182584" y="3992913"/>
+            <a:ext cx="850485" cy="427435"/>
           </a:xfrm>
           <a:prstGeom prst="bentConnector2">
             <a:avLst/>
           </a:prstGeom>
           <a:ln>
+            <a:headEnd type="triangle"/>
             <a:tailEnd type="triangle"/>
           </a:ln>
         </p:spPr>
@@ -9234,30 +10283,29 @@
       </p:cxnSp>
       <p:cxnSp>
         <p:nvCxnSpPr>
-          <p:cNvPr id="45" name="연결선: 꺾임 44">
+          <p:cNvPr id="55" name="직선 화살표 연결선 54">
             <a:extLst>
               <a:ext uri="{FF2B5EF4-FFF2-40B4-BE49-F238E27FC236}">
-                <a16:creationId xmlns:a16="http://schemas.microsoft.com/office/drawing/2014/main" id="{69DB9D13-8136-4EFD-9921-DA56E8DD7244}"/>
+                <a16:creationId xmlns:a16="http://schemas.microsoft.com/office/drawing/2014/main" id="{28A5192D-048C-430F-BF85-305EEACB794A}"/>
               </a:ext>
             </a:extLst>
           </p:cNvPr>
           <p:cNvCxnSpPr>
             <a:cxnSpLocks/>
-            <a:endCxn id="18" idx="3"/>
+            <a:stCxn id="15" idx="2"/>
           </p:cNvCxnSpPr>
           <p:nvPr/>
         </p:nvCxnSpPr>
         <p:spPr>
-          <a:xfrm rot="10800000" flipV="1">
-            <a:off x="7017332" y="4090852"/>
-            <a:ext cx="2053447" cy="1879658"/>
-          </a:xfrm>
-          <a:prstGeom prst="bentConnector3">
-            <a:avLst>
-              <a:gd name="adj1" fmla="val -361"/>
-            </a:avLst>
+          <a:xfrm>
+            <a:off x="4742876" y="5078188"/>
+            <a:ext cx="0" cy="404170"/>
+          </a:xfrm>
+          <a:prstGeom prst="straightConnector1">
+            <a:avLst/>
           </a:prstGeom>
           <a:ln>
+            <a:headEnd type="triangle"/>
             <a:tailEnd type="triangle"/>
           </a:ln>
         </p:spPr>
@@ -9279,7 +10327,7 @@
     </p:spTree>
     <p:extLst>
       <p:ext uri="{BB962C8B-B14F-4D97-AF65-F5344CB8AC3E}">
-        <p14:creationId xmlns:p14="http://schemas.microsoft.com/office/powerpoint/2010/main" val="3660227873"/>
+        <p14:creationId xmlns:p14="http://schemas.microsoft.com/office/powerpoint/2010/main" val="1950822887"/>
       </p:ext>
     </p:extLst>
   </p:cSld>
@@ -9342,30 +10390,48 @@
           </a:bodyPr>
           <a:lstStyle/>
           <a:p>
-            <a:pPr algn="ctr">
+            <a:pPr marL="0" marR="0" lvl="0" indent="0" algn="ctr" defTabSz="914400" rtl="0" eaLnBrk="1" fontAlgn="auto" latinLnBrk="1" hangingPunct="1">
               <a:lnSpc>
                 <a:spcPct val="150000"/>
               </a:lnSpc>
+              <a:spcBef>
+                <a:spcPts val="0"/>
+              </a:spcBef>
+              <a:spcAft>
+                <a:spcPts val="0"/>
+              </a:spcAft>
+              <a:buClrTx/>
+              <a:buSzTx/>
+              <a:buFontTx/>
+              <a:buNone/>
+              <a:tabLst/>
+              <a:defRPr/>
             </a:pPr>
             <a:r>
-              <a:rPr lang="en-US" altLang="ko-KR" sz="2800" b="1" spc="-150" dirty="0">
+              <a:rPr kumimoji="0" lang="en-US" altLang="ko-KR" sz="2800" b="1" i="0" u="none" strike="noStrike" kern="1200" cap="none" spc="-150" normalizeH="0" baseline="0" noProof="0" dirty="0">
+                <a:ln>
+                  <a:noFill/>
+                </a:ln>
                 <a:gradFill>
                   <a:gsLst>
                     <a:gs pos="83000">
-                      <a:schemeClr val="tx1">
-                        <a:lumMod val="75000"/>
-                        <a:lumOff val="25000"/>
-                      </a:schemeClr>
+                      <a:prstClr val="black">
+                        <a:lumMod val="75000"/>
+                        <a:lumOff val="25000"/>
+                      </a:prstClr>
                     </a:gs>
                     <a:gs pos="100000">
-                      <a:schemeClr val="tx1">
-                        <a:lumMod val="75000"/>
-                        <a:lumOff val="25000"/>
-                      </a:schemeClr>
+                      <a:prstClr val="black">
+                        <a:lumMod val="75000"/>
+                        <a:lumOff val="25000"/>
+                      </a:prstClr>
                     </a:gs>
                   </a:gsLst>
                   <a:lin ang="5400000" scaled="1"/>
                 </a:gradFill>
+                <a:effectLst/>
+                <a:uLnTx/>
+                <a:uFillTx/>
                 <a:latin typeface="Malgun Gothic Semilight" panose="020B0502040204020203" pitchFamily="50" charset="-127"/>
                 <a:ea typeface="Malgun Gothic Semilight" panose="020B0502040204020203" pitchFamily="50" charset="-127"/>
                 <a:cs typeface="Malgun Gothic Semilight" panose="020B0502040204020203" pitchFamily="50" charset="-127"/>
@@ -9373,24 +10439,30 @@
               <a:t>JSP</a:t>
             </a:r>
             <a:r>
-              <a:rPr lang="ko-KR" altLang="en-US" sz="2800" b="1" spc="-150" dirty="0">
+              <a:rPr kumimoji="0" lang="ko-KR" altLang="en-US" sz="2800" b="1" i="0" u="none" strike="noStrike" kern="1200" cap="none" spc="-150" normalizeH="0" baseline="0" noProof="0" dirty="0">
+                <a:ln>
+                  <a:noFill/>
+                </a:ln>
                 <a:gradFill>
                   <a:gsLst>
                     <a:gs pos="83000">
-                      <a:schemeClr val="tx1">
-                        <a:lumMod val="75000"/>
-                        <a:lumOff val="25000"/>
-                      </a:schemeClr>
+                      <a:prstClr val="black">
+                        <a:lumMod val="75000"/>
+                        <a:lumOff val="25000"/>
+                      </a:prstClr>
                     </a:gs>
                     <a:gs pos="100000">
-                      <a:schemeClr val="tx1">
-                        <a:lumMod val="75000"/>
-                        <a:lumOff val="25000"/>
-                      </a:schemeClr>
+                      <a:prstClr val="black">
+                        <a:lumMod val="75000"/>
+                        <a:lumOff val="25000"/>
+                      </a:prstClr>
                     </a:gs>
                   </a:gsLst>
                   <a:lin ang="5400000" scaled="1"/>
                 </a:gradFill>
+                <a:effectLst/>
+                <a:uLnTx/>
+                <a:uFillTx/>
                 <a:latin typeface="Malgun Gothic Semilight" panose="020B0502040204020203" pitchFamily="50" charset="-127"/>
                 <a:ea typeface="Malgun Gothic Semilight" panose="020B0502040204020203" pitchFamily="50" charset="-127"/>
                 <a:cs typeface="Malgun Gothic Semilight" panose="020B0502040204020203" pitchFamily="50" charset="-127"/>
@@ -9398,24 +10470,30 @@
               <a:t> </a:t>
             </a:r>
             <a:r>
-              <a:rPr lang="en-US" altLang="ko-KR" sz="2800" b="1" spc="-150" dirty="0">
+              <a:rPr kumimoji="0" lang="en-US" altLang="ko-KR" sz="2800" b="1" i="0" u="none" strike="noStrike" kern="1200" cap="none" spc="-150" normalizeH="0" baseline="0" noProof="0" dirty="0">
+                <a:ln>
+                  <a:noFill/>
+                </a:ln>
                 <a:gradFill>
                   <a:gsLst>
                     <a:gs pos="83000">
-                      <a:schemeClr val="tx1">
-                        <a:lumMod val="75000"/>
-                        <a:lumOff val="25000"/>
-                      </a:schemeClr>
+                      <a:prstClr val="black">
+                        <a:lumMod val="75000"/>
+                        <a:lumOff val="25000"/>
+                      </a:prstClr>
                     </a:gs>
                     <a:gs pos="100000">
-                      <a:schemeClr val="tx1">
-                        <a:lumMod val="75000"/>
-                        <a:lumOff val="25000"/>
-                      </a:schemeClr>
+                      <a:prstClr val="black">
+                        <a:lumMod val="75000"/>
+                        <a:lumOff val="25000"/>
+                      </a:prstClr>
                     </a:gs>
                   </a:gsLst>
                   <a:lin ang="5400000" scaled="1"/>
                 </a:gradFill>
+                <a:effectLst/>
+                <a:uLnTx/>
+                <a:uFillTx/>
                 <a:latin typeface="Malgun Gothic Semilight" panose="020B0502040204020203" pitchFamily="50" charset="-127"/>
                 <a:ea typeface="Malgun Gothic Semilight" panose="020B0502040204020203" pitchFamily="50" charset="-127"/>
                 <a:cs typeface="Malgun Gothic Semilight" panose="020B0502040204020203" pitchFamily="50" charset="-127"/>
@@ -9439,7 +10517,7 @@
         </p:nvSpPr>
         <p:spPr>
           <a:xfrm>
-            <a:off x="4357037" y="441176"/>
+            <a:off x="4357037" y="521615"/>
             <a:ext cx="3477924" cy="494494"/>
           </a:xfrm>
           <a:prstGeom prst="rect">
@@ -9453,26 +10531,27 @@
           </a:bodyPr>
           <a:lstStyle/>
           <a:p>
-            <a:pPr algn="ctr">
+            <a:pPr lvl="0" algn="ctr">
               <a:lnSpc>
                 <a:spcPct val="150000"/>
               </a:lnSpc>
+              <a:defRPr/>
             </a:pPr>
             <a:r>
               <a:rPr lang="en-US" altLang="ko-KR" sz="2000" spc="-150" dirty="0">
                 <a:gradFill>
                   <a:gsLst>
                     <a:gs pos="83000">
-                      <a:schemeClr val="tx1">
-                        <a:lumMod val="75000"/>
-                        <a:lumOff val="25000"/>
-                      </a:schemeClr>
+                      <a:prstClr val="black">
+                        <a:lumMod val="75000"/>
+                        <a:lumOff val="25000"/>
+                      </a:prstClr>
                     </a:gs>
                     <a:gs pos="100000">
-                      <a:schemeClr val="tx1">
-                        <a:lumMod val="75000"/>
-                        <a:lumOff val="25000"/>
-                      </a:schemeClr>
+                      <a:prstClr val="black">
+                        <a:lumMod val="75000"/>
+                        <a:lumOff val="25000"/>
+                      </a:prstClr>
                     </a:gs>
                   </a:gsLst>
                   <a:lin ang="5400000" scaled="1"/>
@@ -9481,339 +10560,23 @@
                 <a:ea typeface="Malgun Gothic Semilight" panose="020B0502040204020203" pitchFamily="50" charset="-127"/>
                 <a:cs typeface="Malgun Gothic Semilight" panose="020B0502040204020203" pitchFamily="50" charset="-127"/>
               </a:rPr>
-              <a:t>UI Navigator – Root auth</a:t>
-            </a:r>
-          </a:p>
-        </p:txBody>
-      </p:sp>
-      <p:sp>
-        <p:nvSpPr>
-          <p:cNvPr id="2" name="직사각형 1">
-            <a:extLst>
-              <a:ext uri="{FF2B5EF4-FFF2-40B4-BE49-F238E27FC236}">
-                <a16:creationId xmlns:a16="http://schemas.microsoft.com/office/drawing/2014/main" id="{47FF170D-4F61-46BA-9729-874CB20881B6}"/>
-              </a:ext>
-            </a:extLst>
-          </p:cNvPr>
-          <p:cNvSpPr/>
-          <p:nvPr/>
-        </p:nvSpPr>
-        <p:spPr>
-          <a:xfrm>
-            <a:off x="1111319" y="1508454"/>
-            <a:ext cx="1842664" cy="892629"/>
-          </a:xfrm>
-          <a:prstGeom prst="rect">
-            <a:avLst/>
-          </a:prstGeom>
-          <a:solidFill>
-            <a:schemeClr val="accent1">
-              <a:lumMod val="60000"/>
-              <a:lumOff val="40000"/>
-            </a:schemeClr>
-          </a:solidFill>
-        </p:spPr>
-        <p:style>
-          <a:lnRef idx="2">
-            <a:schemeClr val="accent4">
-              <a:shade val="50000"/>
-            </a:schemeClr>
-          </a:lnRef>
-          <a:fillRef idx="1">
-            <a:schemeClr val="accent4"/>
-          </a:fillRef>
-          <a:effectRef idx="0">
-            <a:schemeClr val="accent4"/>
-          </a:effectRef>
-          <a:fontRef idx="minor">
-            <a:schemeClr val="lt1"/>
-          </a:fontRef>
-        </p:style>
-        <p:txBody>
-          <a:bodyPr rtlCol="0" anchor="ctr"/>
-          <a:lstStyle/>
-          <a:p>
-            <a:pPr algn="ctr"/>
-            <a:r>
-              <a:rPr lang="en-US" altLang="ko-KR" dirty="0"/>
-              <a:t>Portfolio</a:t>
-            </a:r>
-            <a:endParaRPr lang="ko-KR" altLang="en-US" dirty="0"/>
-          </a:p>
-        </p:txBody>
-      </p:sp>
-      <p:sp>
-        <p:nvSpPr>
-          <p:cNvPr id="5" name="직사각형 4">
-            <a:extLst>
-              <a:ext uri="{FF2B5EF4-FFF2-40B4-BE49-F238E27FC236}">
-                <a16:creationId xmlns:a16="http://schemas.microsoft.com/office/drawing/2014/main" id="{58FBF7D0-14FF-4DCD-97FD-6FF3582C1569}"/>
-              </a:ext>
-            </a:extLst>
-          </p:cNvPr>
-          <p:cNvSpPr/>
-          <p:nvPr/>
-        </p:nvSpPr>
-        <p:spPr>
-          <a:xfrm>
-            <a:off x="6579669" y="1508451"/>
-            <a:ext cx="1842664" cy="892629"/>
-          </a:xfrm>
-          <a:prstGeom prst="rect">
-            <a:avLst/>
-          </a:prstGeom>
-          <a:solidFill>
-            <a:schemeClr val="accent1">
-              <a:lumMod val="60000"/>
-              <a:lumOff val="40000"/>
-            </a:schemeClr>
-          </a:solidFill>
-        </p:spPr>
-        <p:style>
-          <a:lnRef idx="2">
-            <a:schemeClr val="accent4">
-              <a:shade val="50000"/>
-            </a:schemeClr>
-          </a:lnRef>
-          <a:fillRef idx="1">
-            <a:schemeClr val="accent4"/>
-          </a:fillRef>
-          <a:effectRef idx="0">
-            <a:schemeClr val="accent4"/>
-          </a:effectRef>
-          <a:fontRef idx="minor">
-            <a:schemeClr val="lt1"/>
-          </a:fontRef>
-        </p:style>
-        <p:txBody>
-          <a:bodyPr rtlCol="0" anchor="ctr"/>
-          <a:lstStyle/>
-          <a:p>
-            <a:pPr algn="ctr"/>
-            <a:r>
-              <a:rPr lang="en-US" altLang="ko-KR" dirty="0"/>
-              <a:t>About Me</a:t>
-            </a:r>
-            <a:endParaRPr lang="ko-KR" altLang="en-US" dirty="0"/>
-          </a:p>
-        </p:txBody>
-      </p:sp>
-      <p:sp>
-        <p:nvSpPr>
-          <p:cNvPr id="6" name="직사각형 5">
-            <a:extLst>
-              <a:ext uri="{FF2B5EF4-FFF2-40B4-BE49-F238E27FC236}">
-                <a16:creationId xmlns:a16="http://schemas.microsoft.com/office/drawing/2014/main" id="{E83F47E7-7071-45A8-B913-D9EC81B62EF6}"/>
-              </a:ext>
-            </a:extLst>
-          </p:cNvPr>
-          <p:cNvSpPr/>
-          <p:nvPr/>
-        </p:nvSpPr>
-        <p:spPr>
-          <a:xfrm>
-            <a:off x="9325103" y="1508454"/>
-            <a:ext cx="1842664" cy="892629"/>
-          </a:xfrm>
-          <a:prstGeom prst="rect">
-            <a:avLst/>
-          </a:prstGeom>
-          <a:solidFill>
-            <a:schemeClr val="accent1">
-              <a:lumMod val="60000"/>
-              <a:lumOff val="40000"/>
-            </a:schemeClr>
-          </a:solidFill>
-        </p:spPr>
-        <p:style>
-          <a:lnRef idx="2">
-            <a:schemeClr val="accent4">
-              <a:shade val="50000"/>
-            </a:schemeClr>
-          </a:lnRef>
-          <a:fillRef idx="1">
-            <a:schemeClr val="accent4"/>
-          </a:fillRef>
-          <a:effectRef idx="0">
-            <a:schemeClr val="accent4"/>
-          </a:effectRef>
-          <a:fontRef idx="minor">
-            <a:schemeClr val="lt1"/>
-          </a:fontRef>
-        </p:style>
-        <p:txBody>
-          <a:bodyPr rtlCol="0" anchor="ctr"/>
-          <a:lstStyle/>
-          <a:p>
-            <a:pPr algn="ctr"/>
-            <a:r>
-              <a:rPr lang="en-US" altLang="ko-KR" dirty="0"/>
-              <a:t>Contact</a:t>
-            </a:r>
-            <a:endParaRPr lang="ko-KR" altLang="en-US" dirty="0"/>
-          </a:p>
-        </p:txBody>
-      </p:sp>
-      <p:sp>
-        <p:nvSpPr>
-          <p:cNvPr id="7" name="직사각형 6">
-            <a:extLst>
-              <a:ext uri="{FF2B5EF4-FFF2-40B4-BE49-F238E27FC236}">
-                <a16:creationId xmlns:a16="http://schemas.microsoft.com/office/drawing/2014/main" id="{8A3D3B14-1C55-43D7-BD86-D0EA71CE119A}"/>
-              </a:ext>
-            </a:extLst>
-          </p:cNvPr>
-          <p:cNvSpPr/>
-          <p:nvPr/>
-        </p:nvSpPr>
-        <p:spPr>
-          <a:xfrm>
-            <a:off x="3834236" y="1508451"/>
-            <a:ext cx="1842664" cy="892629"/>
-          </a:xfrm>
-          <a:prstGeom prst="rect">
-            <a:avLst/>
-          </a:prstGeom>
-          <a:solidFill>
-            <a:schemeClr val="accent1">
-              <a:lumMod val="60000"/>
-              <a:lumOff val="40000"/>
-            </a:schemeClr>
-          </a:solidFill>
-        </p:spPr>
-        <p:style>
-          <a:lnRef idx="2">
-            <a:schemeClr val="accent4">
-              <a:shade val="50000"/>
-            </a:schemeClr>
-          </a:lnRef>
-          <a:fillRef idx="1">
-            <a:schemeClr val="accent4"/>
-          </a:fillRef>
-          <a:effectRef idx="0">
-            <a:schemeClr val="accent4"/>
-          </a:effectRef>
-          <a:fontRef idx="minor">
-            <a:schemeClr val="lt1"/>
-          </a:fontRef>
-        </p:style>
-        <p:txBody>
-          <a:bodyPr rtlCol="0" anchor="ctr"/>
-          <a:lstStyle/>
-          <a:p>
-            <a:pPr algn="ctr"/>
-            <a:r>
-              <a:rPr lang="en-US" altLang="ko-KR" dirty="0"/>
-              <a:t>Journey</a:t>
-            </a:r>
-            <a:endParaRPr lang="ko-KR" altLang="en-US" dirty="0"/>
-          </a:p>
-        </p:txBody>
-      </p:sp>
-      <p:sp>
-        <p:nvSpPr>
-          <p:cNvPr id="8" name="직사각형 7">
-            <a:extLst>
-              <a:ext uri="{FF2B5EF4-FFF2-40B4-BE49-F238E27FC236}">
-                <a16:creationId xmlns:a16="http://schemas.microsoft.com/office/drawing/2014/main" id="{E607C71A-4975-48FC-A34C-F295A23EA1C3}"/>
-              </a:ext>
-            </a:extLst>
-          </p:cNvPr>
-          <p:cNvSpPr/>
-          <p:nvPr/>
-        </p:nvSpPr>
-        <p:spPr>
-          <a:xfrm>
-            <a:off x="8056285" y="2893425"/>
-            <a:ext cx="1842664" cy="892629"/>
-          </a:xfrm>
-          <a:prstGeom prst="rect">
-            <a:avLst/>
-          </a:prstGeom>
-          <a:solidFill>
-            <a:schemeClr val="accent1">
-              <a:lumMod val="60000"/>
-              <a:lumOff val="40000"/>
-            </a:schemeClr>
-          </a:solidFill>
-        </p:spPr>
-        <p:style>
-          <a:lnRef idx="2">
-            <a:schemeClr val="accent4">
-              <a:shade val="50000"/>
-            </a:schemeClr>
-          </a:lnRef>
-          <a:fillRef idx="1">
-            <a:schemeClr val="accent4"/>
-          </a:fillRef>
-          <a:effectRef idx="0">
-            <a:schemeClr val="accent4"/>
-          </a:effectRef>
-          <a:fontRef idx="minor">
-            <a:schemeClr val="lt1"/>
-          </a:fontRef>
-        </p:style>
-        <p:txBody>
-          <a:bodyPr rtlCol="0" anchor="ctr"/>
-          <a:lstStyle/>
-          <a:p>
-            <a:pPr algn="ctr"/>
-            <a:r>
-              <a:rPr lang="en-US" altLang="ko-KR" dirty="0"/>
-              <a:t>Logout</a:t>
-            </a:r>
-            <a:endParaRPr lang="ko-KR" altLang="en-US" dirty="0"/>
-          </a:p>
-        </p:txBody>
-      </p:sp>
-      <p:sp>
-        <p:nvSpPr>
-          <p:cNvPr id="10" name="TextBox 9">
-            <a:extLst>
-              <a:ext uri="{FF2B5EF4-FFF2-40B4-BE49-F238E27FC236}">
-                <a16:creationId xmlns:a16="http://schemas.microsoft.com/office/drawing/2014/main" id="{66E336EA-0816-4177-BDF7-CF3F8DDB446F}"/>
-              </a:ext>
-            </a:extLst>
-          </p:cNvPr>
-          <p:cNvSpPr txBox="1"/>
-          <p:nvPr/>
-        </p:nvSpPr>
-        <p:spPr>
-          <a:xfrm>
-            <a:off x="6945717" y="1094427"/>
-            <a:ext cx="1110568" cy="414024"/>
-          </a:xfrm>
-          <a:prstGeom prst="rect">
-            <a:avLst/>
-          </a:prstGeom>
-          <a:noFill/>
-        </p:spPr>
-        <p:txBody>
-          <a:bodyPr wrap="square" rtlCol="0">
-            <a:spAutoFit/>
-          </a:bodyPr>
-          <a:lstStyle/>
-          <a:p>
-            <a:pPr algn="ctr">
-              <a:lnSpc>
-                <a:spcPct val="150000"/>
-              </a:lnSpc>
-            </a:pPr>
-            <a:r>
-              <a:rPr lang="en-US" altLang="ko-KR" sz="1600" spc="-150" dirty="0">
+              <a:t>Project</a:t>
+            </a:r>
+            <a:r>
+              <a:rPr lang="ko-KR" altLang="en-US" sz="2000" spc="-150" dirty="0">
                 <a:gradFill>
                   <a:gsLst>
                     <a:gs pos="83000">
-                      <a:schemeClr val="tx1">
-                        <a:lumMod val="75000"/>
-                        <a:lumOff val="25000"/>
-                      </a:schemeClr>
+                      <a:prstClr val="black">
+                        <a:lumMod val="75000"/>
+                        <a:lumOff val="25000"/>
+                      </a:prstClr>
                     </a:gs>
                     <a:gs pos="100000">
-                      <a:schemeClr val="tx1">
-                        <a:lumMod val="75000"/>
-                        <a:lumOff val="25000"/>
-                      </a:schemeClr>
+                      <a:prstClr val="black">
+                        <a:lumMod val="75000"/>
+                        <a:lumOff val="25000"/>
+                      </a:prstClr>
                     </a:gs>
                   </a:gsLst>
                   <a:lin ang="5400000" scaled="1"/>
@@ -9822,857 +10585,128 @@
                 <a:ea typeface="Malgun Gothic Semilight" panose="020B0502040204020203" pitchFamily="50" charset="-127"/>
                 <a:cs typeface="Malgun Gothic Semilight" panose="020B0502040204020203" pitchFamily="50" charset="-127"/>
               </a:rPr>
-              <a:t>Main Page</a:t>
-            </a:r>
-          </a:p>
-        </p:txBody>
-      </p:sp>
-      <p:sp>
-        <p:nvSpPr>
-          <p:cNvPr id="21" name="직사각형 20">
+              <a:t> </a:t>
+            </a:r>
+            <a:r>
+              <a:rPr lang="en-US" altLang="ko-KR" sz="2000" spc="-150" dirty="0">
+                <a:gradFill>
+                  <a:gsLst>
+                    <a:gs pos="83000">
+                      <a:prstClr val="black">
+                        <a:lumMod val="75000"/>
+                        <a:lumOff val="25000"/>
+                      </a:prstClr>
+                    </a:gs>
+                    <a:gs pos="100000">
+                      <a:prstClr val="black">
+                        <a:lumMod val="75000"/>
+                        <a:lumOff val="25000"/>
+                      </a:prstClr>
+                    </a:gs>
+                  </a:gsLst>
+                  <a:lin ang="5400000" scaled="1"/>
+                </a:gradFill>
+                <a:latin typeface="Malgun Gothic Semilight" panose="020B0502040204020203" pitchFamily="50" charset="-127"/>
+                <a:ea typeface="Malgun Gothic Semilight" panose="020B0502040204020203" pitchFamily="50" charset="-127"/>
+                <a:cs typeface="Malgun Gothic Semilight" panose="020B0502040204020203" pitchFamily="50" charset="-127"/>
+              </a:rPr>
+              <a:t>Architecture</a:t>
+            </a:r>
+            <a:endParaRPr kumimoji="0" lang="en-US" altLang="ko-KR" sz="2000" b="0" i="0" u="none" strike="noStrike" kern="1200" cap="none" spc="-150" normalizeH="0" baseline="0" noProof="0" dirty="0">
+              <a:ln>
+                <a:noFill/>
+              </a:ln>
+              <a:gradFill>
+                <a:gsLst>
+                  <a:gs pos="83000">
+                    <a:prstClr val="black">
+                      <a:lumMod val="75000"/>
+                      <a:lumOff val="25000"/>
+                    </a:prstClr>
+                  </a:gs>
+                  <a:gs pos="100000">
+                    <a:prstClr val="black">
+                      <a:lumMod val="75000"/>
+                      <a:lumOff val="25000"/>
+                    </a:prstClr>
+                  </a:gs>
+                </a:gsLst>
+                <a:lin ang="5400000" scaled="1"/>
+              </a:gradFill>
+              <a:effectLst/>
+              <a:uLnTx/>
+              <a:uFillTx/>
+              <a:latin typeface="Malgun Gothic Semilight" panose="020B0502040204020203" pitchFamily="50" charset="-127"/>
+              <a:ea typeface="Malgun Gothic Semilight" panose="020B0502040204020203" pitchFamily="50" charset="-127"/>
+              <a:cs typeface="Malgun Gothic Semilight" panose="020B0502040204020203" pitchFamily="50" charset="-127"/>
+            </a:endParaRPr>
+          </a:p>
+        </p:txBody>
+      </p:sp>
+      <p:pic>
+        <p:nvPicPr>
+          <p:cNvPr id="2" name="그림 1">
             <a:extLst>
               <a:ext uri="{FF2B5EF4-FFF2-40B4-BE49-F238E27FC236}">
-                <a16:creationId xmlns:a16="http://schemas.microsoft.com/office/drawing/2014/main" id="{23ED4DFA-EFD8-4A0E-9F2D-8EF0103B965A}"/>
+                <a16:creationId xmlns:a16="http://schemas.microsoft.com/office/drawing/2014/main" id="{48059407-38CD-4C12-A427-33A5729F8C96}"/>
               </a:ext>
             </a:extLst>
           </p:cNvPr>
-          <p:cNvSpPr/>
+          <p:cNvPicPr>
+            <a:picLocks noChangeAspect="1"/>
+          </p:cNvPicPr>
           <p:nvPr/>
-        </p:nvSpPr>
+        </p:nvPicPr>
+        <p:blipFill>
+          <a:blip r:embed="rId2"/>
+          <a:stretch>
+            <a:fillRect/>
+          </a:stretch>
+        </p:blipFill>
         <p:spPr>
           <a:xfrm>
-            <a:off x="2472777" y="2888760"/>
-            <a:ext cx="1842664" cy="892629"/>
+            <a:off x="2989128" y="1238020"/>
+            <a:ext cx="2735817" cy="5296359"/>
           </a:xfrm>
           <a:prstGeom prst="rect">
             <a:avLst/>
           </a:prstGeom>
-          <a:solidFill>
-            <a:schemeClr val="accent1">
-              <a:lumMod val="60000"/>
-              <a:lumOff val="40000"/>
-            </a:schemeClr>
-          </a:solidFill>
-        </p:spPr>
-        <p:style>
-          <a:lnRef idx="2">
-            <a:schemeClr val="accent4">
-              <a:shade val="50000"/>
-            </a:schemeClr>
-          </a:lnRef>
-          <a:fillRef idx="1">
-            <a:schemeClr val="accent4"/>
-          </a:fillRef>
-          <a:effectRef idx="0">
-            <a:schemeClr val="accent4"/>
-          </a:effectRef>
-          <a:fontRef idx="minor">
-            <a:schemeClr val="lt1"/>
-          </a:fontRef>
-        </p:style>
-        <p:txBody>
-          <a:bodyPr rtlCol="0" anchor="ctr"/>
-          <a:lstStyle/>
-          <a:p>
-            <a:pPr algn="ctr"/>
-            <a:r>
-              <a:rPr lang="en-US" altLang="ko-KR" dirty="0"/>
-              <a:t>Page List</a:t>
-            </a:r>
-            <a:endParaRPr lang="ko-KR" altLang="en-US" dirty="0"/>
-          </a:p>
-        </p:txBody>
-      </p:sp>
-      <p:sp>
-        <p:nvSpPr>
-          <p:cNvPr id="22" name="직사각형 21">
+        </p:spPr>
+      </p:pic>
+      <p:pic>
+        <p:nvPicPr>
+          <p:cNvPr id="4" name="그림 3">
             <a:extLst>
               <a:ext uri="{FF2B5EF4-FFF2-40B4-BE49-F238E27FC236}">
-                <a16:creationId xmlns:a16="http://schemas.microsoft.com/office/drawing/2014/main" id="{F86B7D53-0E34-4B7E-B89D-CDD6067AFBB5}"/>
+                <a16:creationId xmlns:a16="http://schemas.microsoft.com/office/drawing/2014/main" id="{150AE99D-0B17-454F-8587-39CA2D99B76B}"/>
               </a:ext>
             </a:extLst>
           </p:cNvPr>
-          <p:cNvSpPr/>
+          <p:cNvPicPr>
+            <a:picLocks noChangeAspect="1"/>
+          </p:cNvPicPr>
           <p:nvPr/>
-        </p:nvSpPr>
+        </p:nvPicPr>
+        <p:blipFill>
+          <a:blip r:embed="rId3"/>
+          <a:stretch>
+            <a:fillRect/>
+          </a:stretch>
+        </p:blipFill>
         <p:spPr>
           <a:xfrm>
-            <a:off x="1111319" y="4188822"/>
-            <a:ext cx="1842664" cy="892629"/>
+            <a:off x="6844275" y="2179211"/>
+            <a:ext cx="1981372" cy="2499577"/>
           </a:xfrm>
           <a:prstGeom prst="rect">
             <a:avLst/>
           </a:prstGeom>
-          <a:solidFill>
-            <a:schemeClr val="accent1">
-              <a:lumMod val="60000"/>
-              <a:lumOff val="40000"/>
-            </a:schemeClr>
-          </a:solidFill>
-        </p:spPr>
-        <p:style>
-          <a:lnRef idx="2">
-            <a:schemeClr val="accent4">
-              <a:shade val="50000"/>
-            </a:schemeClr>
-          </a:lnRef>
-          <a:fillRef idx="1">
-            <a:schemeClr val="accent4"/>
-          </a:fillRef>
-          <a:effectRef idx="0">
-            <a:schemeClr val="accent4"/>
-          </a:effectRef>
-          <a:fontRef idx="minor">
-            <a:schemeClr val="lt1"/>
-          </a:fontRef>
-        </p:style>
-        <p:txBody>
-          <a:bodyPr rtlCol="0" anchor="ctr"/>
-          <a:lstStyle/>
-          <a:p>
-            <a:pPr algn="ctr"/>
-            <a:r>
-              <a:rPr lang="en-US" altLang="ko-KR" dirty="0"/>
-              <a:t>Post Insert</a:t>
-            </a:r>
-            <a:endParaRPr lang="ko-KR" altLang="en-US" dirty="0"/>
-          </a:p>
-        </p:txBody>
-      </p:sp>
-      <p:sp>
-        <p:nvSpPr>
-          <p:cNvPr id="14" name="직사각형 13">
-            <a:extLst>
-              <a:ext uri="{FF2B5EF4-FFF2-40B4-BE49-F238E27FC236}">
-                <a16:creationId xmlns:a16="http://schemas.microsoft.com/office/drawing/2014/main" id="{6A41E31D-A9AF-41DD-A6FF-B18D050182F4}"/>
-              </a:ext>
-            </a:extLst>
-          </p:cNvPr>
-          <p:cNvSpPr/>
-          <p:nvPr/>
-        </p:nvSpPr>
-        <p:spPr>
-          <a:xfrm>
-            <a:off x="8056285" y="4188823"/>
-            <a:ext cx="1842664" cy="892629"/>
-          </a:xfrm>
-          <a:prstGeom prst="rect">
-            <a:avLst/>
-          </a:prstGeom>
-        </p:spPr>
-        <p:style>
-          <a:lnRef idx="2">
-            <a:schemeClr val="accent4">
-              <a:shade val="50000"/>
-            </a:schemeClr>
-          </a:lnRef>
-          <a:fillRef idx="1">
-            <a:schemeClr val="accent4"/>
-          </a:fillRef>
-          <a:effectRef idx="0">
-            <a:schemeClr val="accent4"/>
-          </a:effectRef>
-          <a:fontRef idx="minor">
-            <a:schemeClr val="lt1"/>
-          </a:fontRef>
-        </p:style>
-        <p:txBody>
-          <a:bodyPr rtlCol="0" anchor="ctr"/>
-          <a:lstStyle/>
-          <a:p>
-            <a:pPr algn="ctr"/>
-            <a:r>
-              <a:rPr lang="en-US" altLang="ko-KR" dirty="0"/>
-              <a:t>General</a:t>
-            </a:r>
-            <a:endParaRPr lang="ko-KR" altLang="en-US" dirty="0"/>
-          </a:p>
-        </p:txBody>
-      </p:sp>
-      <p:sp>
-        <p:nvSpPr>
-          <p:cNvPr id="15" name="직사각형 14">
-            <a:extLst>
-              <a:ext uri="{FF2B5EF4-FFF2-40B4-BE49-F238E27FC236}">
-                <a16:creationId xmlns:a16="http://schemas.microsoft.com/office/drawing/2014/main" id="{BD22E043-035D-417D-A372-BFE7B73896EA}"/>
-              </a:ext>
-            </a:extLst>
-          </p:cNvPr>
-          <p:cNvSpPr/>
-          <p:nvPr/>
-        </p:nvSpPr>
-        <p:spPr>
-          <a:xfrm>
-            <a:off x="3821544" y="4185559"/>
-            <a:ext cx="1842664" cy="892629"/>
-          </a:xfrm>
-          <a:prstGeom prst="rect">
-            <a:avLst/>
-          </a:prstGeom>
-          <a:solidFill>
-            <a:schemeClr val="accent1">
-              <a:lumMod val="60000"/>
-              <a:lumOff val="40000"/>
-            </a:schemeClr>
-          </a:solidFill>
-        </p:spPr>
-        <p:style>
-          <a:lnRef idx="2">
-            <a:schemeClr val="accent4">
-              <a:shade val="50000"/>
-            </a:schemeClr>
-          </a:lnRef>
-          <a:fillRef idx="1">
-            <a:schemeClr val="accent4"/>
-          </a:fillRef>
-          <a:effectRef idx="0">
-            <a:schemeClr val="accent4"/>
-          </a:effectRef>
-          <a:fontRef idx="minor">
-            <a:schemeClr val="lt1"/>
-          </a:fontRef>
-        </p:style>
-        <p:txBody>
-          <a:bodyPr rtlCol="0" anchor="ctr"/>
-          <a:lstStyle/>
-          <a:p>
-            <a:pPr algn="ctr"/>
-            <a:r>
-              <a:rPr lang="en-US" altLang="ko-KR" dirty="0"/>
-              <a:t>Post Detail</a:t>
-            </a:r>
-            <a:endParaRPr lang="ko-KR" altLang="en-US" dirty="0"/>
-          </a:p>
-        </p:txBody>
-      </p:sp>
-      <p:sp>
-        <p:nvSpPr>
-          <p:cNvPr id="16" name="직사각형 15">
-            <a:extLst>
-              <a:ext uri="{FF2B5EF4-FFF2-40B4-BE49-F238E27FC236}">
-                <a16:creationId xmlns:a16="http://schemas.microsoft.com/office/drawing/2014/main" id="{58478774-B6E0-4B02-BE68-793E39BFCFB1}"/>
-              </a:ext>
-            </a:extLst>
-          </p:cNvPr>
-          <p:cNvSpPr/>
-          <p:nvPr/>
-        </p:nvSpPr>
-        <p:spPr>
-          <a:xfrm>
-            <a:off x="2895091" y="5485621"/>
-            <a:ext cx="1842664" cy="892629"/>
-          </a:xfrm>
-          <a:prstGeom prst="rect">
-            <a:avLst/>
-          </a:prstGeom>
-          <a:solidFill>
-            <a:schemeClr val="accent1">
-              <a:lumMod val="60000"/>
-              <a:lumOff val="40000"/>
-            </a:schemeClr>
-          </a:solidFill>
-        </p:spPr>
-        <p:style>
-          <a:lnRef idx="2">
-            <a:schemeClr val="accent4">
-              <a:shade val="50000"/>
-            </a:schemeClr>
-          </a:lnRef>
-          <a:fillRef idx="1">
-            <a:schemeClr val="accent4"/>
-          </a:fillRef>
-          <a:effectRef idx="0">
-            <a:schemeClr val="accent4"/>
-          </a:effectRef>
-          <a:fontRef idx="minor">
-            <a:schemeClr val="lt1"/>
-          </a:fontRef>
-        </p:style>
-        <p:txBody>
-          <a:bodyPr rtlCol="0" anchor="ctr"/>
-          <a:lstStyle/>
-          <a:p>
-            <a:pPr algn="ctr"/>
-            <a:r>
-              <a:rPr lang="en-US" altLang="ko-KR" dirty="0"/>
-              <a:t>Post Update</a:t>
-            </a:r>
-            <a:endParaRPr lang="ko-KR" altLang="en-US" dirty="0"/>
-          </a:p>
-        </p:txBody>
-      </p:sp>
-      <p:sp>
-        <p:nvSpPr>
-          <p:cNvPr id="17" name="직사각형 16">
-            <a:extLst>
-              <a:ext uri="{FF2B5EF4-FFF2-40B4-BE49-F238E27FC236}">
-                <a16:creationId xmlns:a16="http://schemas.microsoft.com/office/drawing/2014/main" id="{C413AF68-4AAE-4385-A129-92204B17CB75}"/>
-              </a:ext>
-            </a:extLst>
-          </p:cNvPr>
-          <p:cNvSpPr/>
-          <p:nvPr/>
-        </p:nvSpPr>
-        <p:spPr>
-          <a:xfrm>
-            <a:off x="4755569" y="5485620"/>
-            <a:ext cx="1842664" cy="892629"/>
-          </a:xfrm>
-          <a:prstGeom prst="rect">
-            <a:avLst/>
-          </a:prstGeom>
-          <a:solidFill>
-            <a:schemeClr val="accent1">
-              <a:lumMod val="60000"/>
-              <a:lumOff val="40000"/>
-            </a:schemeClr>
-          </a:solidFill>
-        </p:spPr>
-        <p:style>
-          <a:lnRef idx="2">
-            <a:schemeClr val="accent4">
-              <a:shade val="50000"/>
-            </a:schemeClr>
-          </a:lnRef>
-          <a:fillRef idx="1">
-            <a:schemeClr val="accent4"/>
-          </a:fillRef>
-          <a:effectRef idx="0">
-            <a:schemeClr val="accent4"/>
-          </a:effectRef>
-          <a:fontRef idx="minor">
-            <a:schemeClr val="lt1"/>
-          </a:fontRef>
-        </p:style>
-        <p:txBody>
-          <a:bodyPr rtlCol="0" anchor="ctr"/>
-          <a:lstStyle/>
-          <a:p>
-            <a:pPr algn="ctr"/>
-            <a:r>
-              <a:rPr lang="en-US" altLang="ko-KR" dirty="0"/>
-              <a:t>Post Delete</a:t>
-            </a:r>
-            <a:endParaRPr lang="ko-KR" altLang="en-US" dirty="0"/>
-          </a:p>
-        </p:txBody>
-      </p:sp>
-      <p:cxnSp>
-        <p:nvCxnSpPr>
-          <p:cNvPr id="4" name="직선 화살표 연결선 3">
-            <a:extLst>
-              <a:ext uri="{FF2B5EF4-FFF2-40B4-BE49-F238E27FC236}">
-                <a16:creationId xmlns:a16="http://schemas.microsoft.com/office/drawing/2014/main" id="{FA51DE63-FA30-41D2-8163-2BBE182BBDC6}"/>
-              </a:ext>
-            </a:extLst>
-          </p:cNvPr>
-          <p:cNvCxnSpPr>
-            <a:stCxn id="2" idx="3"/>
-            <a:endCxn id="7" idx="1"/>
-          </p:cNvCxnSpPr>
-          <p:nvPr/>
-        </p:nvCxnSpPr>
-        <p:spPr>
-          <a:xfrm flipV="1">
-            <a:off x="2953983" y="1954766"/>
-            <a:ext cx="880253" cy="3"/>
-          </a:xfrm>
-          <a:prstGeom prst="straightConnector1">
-            <a:avLst/>
-          </a:prstGeom>
-          <a:ln>
-            <a:headEnd type="triangle"/>
-            <a:tailEnd type="triangle"/>
-          </a:ln>
-        </p:spPr>
-        <p:style>
-          <a:lnRef idx="1">
-            <a:schemeClr val="accent1"/>
-          </a:lnRef>
-          <a:fillRef idx="0">
-            <a:schemeClr val="accent1"/>
-          </a:fillRef>
-          <a:effectRef idx="0">
-            <a:schemeClr val="accent1"/>
-          </a:effectRef>
-          <a:fontRef idx="minor">
-            <a:schemeClr val="tx1"/>
-          </a:fontRef>
-        </p:style>
-      </p:cxnSp>
-      <p:cxnSp>
-        <p:nvCxnSpPr>
-          <p:cNvPr id="11" name="직선 화살표 연결선 10">
-            <a:extLst>
-              <a:ext uri="{FF2B5EF4-FFF2-40B4-BE49-F238E27FC236}">
-                <a16:creationId xmlns:a16="http://schemas.microsoft.com/office/drawing/2014/main" id="{D4EB42FB-A073-4E3B-A83C-F32DBD23F435}"/>
-              </a:ext>
-            </a:extLst>
-          </p:cNvPr>
-          <p:cNvCxnSpPr>
-            <a:stCxn id="7" idx="3"/>
-            <a:endCxn id="5" idx="1"/>
-          </p:cNvCxnSpPr>
-          <p:nvPr/>
-        </p:nvCxnSpPr>
-        <p:spPr>
-          <a:xfrm>
-            <a:off x="5676900" y="1954766"/>
-            <a:ext cx="902769" cy="0"/>
-          </a:xfrm>
-          <a:prstGeom prst="straightConnector1">
-            <a:avLst/>
-          </a:prstGeom>
-          <a:ln>
-            <a:headEnd type="triangle"/>
-            <a:tailEnd type="triangle"/>
-          </a:ln>
-        </p:spPr>
-        <p:style>
-          <a:lnRef idx="1">
-            <a:schemeClr val="accent1"/>
-          </a:lnRef>
-          <a:fillRef idx="0">
-            <a:schemeClr val="accent1"/>
-          </a:fillRef>
-          <a:effectRef idx="0">
-            <a:schemeClr val="accent1"/>
-          </a:effectRef>
-          <a:fontRef idx="minor">
-            <a:schemeClr val="tx1"/>
-          </a:fontRef>
-        </p:style>
-      </p:cxnSp>
-      <p:cxnSp>
-        <p:nvCxnSpPr>
-          <p:cNvPr id="20" name="직선 화살표 연결선 19">
-            <a:extLst>
-              <a:ext uri="{FF2B5EF4-FFF2-40B4-BE49-F238E27FC236}">
-                <a16:creationId xmlns:a16="http://schemas.microsoft.com/office/drawing/2014/main" id="{E94C0538-C466-4BF2-87A8-387FE1A44263}"/>
-              </a:ext>
-            </a:extLst>
-          </p:cNvPr>
-          <p:cNvCxnSpPr>
-            <a:stCxn id="5" idx="3"/>
-            <a:endCxn id="6" idx="1"/>
-          </p:cNvCxnSpPr>
-          <p:nvPr/>
-        </p:nvCxnSpPr>
-        <p:spPr>
-          <a:xfrm>
-            <a:off x="8422333" y="1954766"/>
-            <a:ext cx="902770" cy="3"/>
-          </a:xfrm>
-          <a:prstGeom prst="straightConnector1">
-            <a:avLst/>
-          </a:prstGeom>
-          <a:ln>
-            <a:headEnd type="triangle"/>
-            <a:tailEnd type="triangle"/>
-          </a:ln>
-        </p:spPr>
-        <p:style>
-          <a:lnRef idx="1">
-            <a:schemeClr val="accent1"/>
-          </a:lnRef>
-          <a:fillRef idx="0">
-            <a:schemeClr val="accent1"/>
-          </a:fillRef>
-          <a:effectRef idx="0">
-            <a:schemeClr val="accent1"/>
-          </a:effectRef>
-          <a:fontRef idx="minor">
-            <a:schemeClr val="tx1"/>
-          </a:fontRef>
-        </p:style>
-      </p:cxnSp>
-      <p:cxnSp>
-        <p:nvCxnSpPr>
-          <p:cNvPr id="24" name="직선 화살표 연결선 23">
-            <a:extLst>
-              <a:ext uri="{FF2B5EF4-FFF2-40B4-BE49-F238E27FC236}">
-                <a16:creationId xmlns:a16="http://schemas.microsoft.com/office/drawing/2014/main" id="{CD70DB77-260C-4274-8DF2-66784FEB488A}"/>
-              </a:ext>
-            </a:extLst>
-          </p:cNvPr>
-          <p:cNvCxnSpPr>
-            <a:stCxn id="8" idx="2"/>
-            <a:endCxn id="14" idx="0"/>
-          </p:cNvCxnSpPr>
-          <p:nvPr/>
-        </p:nvCxnSpPr>
-        <p:spPr>
-          <a:xfrm>
-            <a:off x="8977617" y="3786054"/>
-            <a:ext cx="0" cy="402769"/>
-          </a:xfrm>
-          <a:prstGeom prst="straightConnector1">
-            <a:avLst/>
-          </a:prstGeom>
-          <a:ln>
-            <a:tailEnd type="triangle"/>
-          </a:ln>
-        </p:spPr>
-        <p:style>
-          <a:lnRef idx="1">
-            <a:schemeClr val="accent1"/>
-          </a:lnRef>
-          <a:fillRef idx="0">
-            <a:schemeClr val="accent1"/>
-          </a:fillRef>
-          <a:effectRef idx="0">
-            <a:schemeClr val="accent1"/>
-          </a:effectRef>
-          <a:fontRef idx="minor">
-            <a:schemeClr val="tx1"/>
-          </a:fontRef>
-        </p:style>
-      </p:cxnSp>
-      <p:cxnSp>
-        <p:nvCxnSpPr>
-          <p:cNvPr id="26" name="직선 화살표 연결선 25">
-            <a:extLst>
-              <a:ext uri="{FF2B5EF4-FFF2-40B4-BE49-F238E27FC236}">
-                <a16:creationId xmlns:a16="http://schemas.microsoft.com/office/drawing/2014/main" id="{C99E8D6A-F122-4D74-8485-2742C611EAFE}"/>
-              </a:ext>
-            </a:extLst>
-          </p:cNvPr>
-          <p:cNvCxnSpPr>
-            <a:cxnSpLocks/>
-          </p:cNvCxnSpPr>
-          <p:nvPr/>
-        </p:nvCxnSpPr>
-        <p:spPr>
-          <a:xfrm>
-            <a:off x="4315441" y="3524797"/>
-            <a:ext cx="3746287" cy="0"/>
-          </a:xfrm>
-          <a:prstGeom prst="straightConnector1">
-            <a:avLst/>
-          </a:prstGeom>
-          <a:ln>
-            <a:tailEnd type="triangle"/>
-          </a:ln>
-        </p:spPr>
-        <p:style>
-          <a:lnRef idx="1">
-            <a:schemeClr val="accent1"/>
-          </a:lnRef>
-          <a:fillRef idx="0">
-            <a:schemeClr val="accent1"/>
-          </a:fillRef>
-          <a:effectRef idx="0">
-            <a:schemeClr val="accent1"/>
-          </a:effectRef>
-          <a:fontRef idx="minor">
-            <a:schemeClr val="tx1"/>
-          </a:fontRef>
-        </p:style>
-      </p:cxnSp>
-      <p:cxnSp>
-        <p:nvCxnSpPr>
-          <p:cNvPr id="30" name="연결선: 꺾임 29">
-            <a:extLst>
-              <a:ext uri="{FF2B5EF4-FFF2-40B4-BE49-F238E27FC236}">
-                <a16:creationId xmlns:a16="http://schemas.microsoft.com/office/drawing/2014/main" id="{6CDC6F85-D892-45F6-933A-AA48B539DB39}"/>
-              </a:ext>
-            </a:extLst>
-          </p:cNvPr>
-          <p:cNvCxnSpPr>
-            <a:stCxn id="6" idx="2"/>
-            <a:endCxn id="8" idx="3"/>
-          </p:cNvCxnSpPr>
-          <p:nvPr/>
-        </p:nvCxnSpPr>
-        <p:spPr>
-          <a:xfrm rot="5400000">
-            <a:off x="9603364" y="2696668"/>
-            <a:ext cx="938657" cy="347486"/>
-          </a:xfrm>
-          <a:prstGeom prst="bentConnector2">
-            <a:avLst/>
-          </a:prstGeom>
-          <a:ln>
-            <a:tailEnd type="triangle"/>
-          </a:ln>
-        </p:spPr>
-        <p:style>
-          <a:lnRef idx="1">
-            <a:schemeClr val="accent1"/>
-          </a:lnRef>
-          <a:fillRef idx="0">
-            <a:schemeClr val="accent1"/>
-          </a:fillRef>
-          <a:effectRef idx="0">
-            <a:schemeClr val="accent1"/>
-          </a:effectRef>
-          <a:fontRef idx="minor">
-            <a:schemeClr val="tx1"/>
-          </a:fontRef>
-        </p:style>
-      </p:cxnSp>
-      <p:cxnSp>
-        <p:nvCxnSpPr>
-          <p:cNvPr id="32" name="연결선: 꺾임 31">
-            <a:extLst>
-              <a:ext uri="{FF2B5EF4-FFF2-40B4-BE49-F238E27FC236}">
-                <a16:creationId xmlns:a16="http://schemas.microsoft.com/office/drawing/2014/main" id="{4C43588D-C70C-48FD-8A72-87B540AE9752}"/>
-              </a:ext>
-            </a:extLst>
-          </p:cNvPr>
-          <p:cNvCxnSpPr>
-            <a:cxnSpLocks/>
-            <a:stCxn id="5" idx="2"/>
-            <a:endCxn id="8" idx="1"/>
-          </p:cNvCxnSpPr>
-          <p:nvPr/>
-        </p:nvCxnSpPr>
-        <p:spPr>
-          <a:xfrm rot="16200000" flipH="1">
-            <a:off x="7309313" y="2592768"/>
-            <a:ext cx="938660" cy="555284"/>
-          </a:xfrm>
-          <a:prstGeom prst="bentConnector2">
-            <a:avLst/>
-          </a:prstGeom>
-          <a:ln>
-            <a:tailEnd type="triangle"/>
-          </a:ln>
-        </p:spPr>
-        <p:style>
-          <a:lnRef idx="1">
-            <a:schemeClr val="accent1"/>
-          </a:lnRef>
-          <a:fillRef idx="0">
-            <a:schemeClr val="accent1"/>
-          </a:fillRef>
-          <a:effectRef idx="0">
-            <a:schemeClr val="accent1"/>
-          </a:effectRef>
-          <a:fontRef idx="minor">
-            <a:schemeClr val="tx1"/>
-          </a:fontRef>
-        </p:style>
-      </p:cxnSp>
-      <p:cxnSp>
-        <p:nvCxnSpPr>
-          <p:cNvPr id="36" name="연결선: 꺾임 35">
-            <a:extLst>
-              <a:ext uri="{FF2B5EF4-FFF2-40B4-BE49-F238E27FC236}">
-                <a16:creationId xmlns:a16="http://schemas.microsoft.com/office/drawing/2014/main" id="{6C7AC88D-FA34-4E4D-9DBD-CFFC9509CEB7}"/>
-              </a:ext>
-            </a:extLst>
-          </p:cNvPr>
-          <p:cNvCxnSpPr>
-            <a:stCxn id="2" idx="2"/>
-            <a:endCxn id="21" idx="1"/>
-          </p:cNvCxnSpPr>
-          <p:nvPr/>
-        </p:nvCxnSpPr>
-        <p:spPr>
-          <a:xfrm rot="16200000" flipH="1">
-            <a:off x="1785718" y="2648016"/>
-            <a:ext cx="933992" cy="440126"/>
-          </a:xfrm>
-          <a:prstGeom prst="bentConnector2">
-            <a:avLst/>
-          </a:prstGeom>
-          <a:ln>
-            <a:headEnd type="triangle"/>
-            <a:tailEnd type="triangle"/>
-          </a:ln>
-        </p:spPr>
-        <p:style>
-          <a:lnRef idx="1">
-            <a:schemeClr val="accent1"/>
-          </a:lnRef>
-          <a:fillRef idx="0">
-            <a:schemeClr val="accent1"/>
-          </a:fillRef>
-          <a:effectRef idx="0">
-            <a:schemeClr val="accent1"/>
-          </a:effectRef>
-          <a:fontRef idx="minor">
-            <a:schemeClr val="tx1"/>
-          </a:fontRef>
-        </p:style>
-      </p:cxnSp>
-      <p:cxnSp>
-        <p:nvCxnSpPr>
-          <p:cNvPr id="38" name="연결선: 꺾임 37">
-            <a:extLst>
-              <a:ext uri="{FF2B5EF4-FFF2-40B4-BE49-F238E27FC236}">
-                <a16:creationId xmlns:a16="http://schemas.microsoft.com/office/drawing/2014/main" id="{3A5B9D9E-B24F-487F-8383-19728F487E59}"/>
-              </a:ext>
-            </a:extLst>
-          </p:cNvPr>
-          <p:cNvCxnSpPr>
-            <a:stCxn id="7" idx="2"/>
-            <a:endCxn id="21" idx="3"/>
-          </p:cNvCxnSpPr>
-          <p:nvPr/>
-        </p:nvCxnSpPr>
-        <p:spPr>
-          <a:xfrm rot="5400000">
-            <a:off x="4068508" y="2648014"/>
-            <a:ext cx="933995" cy="440127"/>
-          </a:xfrm>
-          <a:prstGeom prst="bentConnector2">
-            <a:avLst/>
-          </a:prstGeom>
-          <a:ln>
-            <a:headEnd type="triangle"/>
-            <a:tailEnd type="triangle"/>
-          </a:ln>
-        </p:spPr>
-        <p:style>
-          <a:lnRef idx="1">
-            <a:schemeClr val="accent1"/>
-          </a:lnRef>
-          <a:fillRef idx="0">
-            <a:schemeClr val="accent1"/>
-          </a:fillRef>
-          <a:effectRef idx="0">
-            <a:schemeClr val="accent1"/>
-          </a:effectRef>
-          <a:fontRef idx="minor">
-            <a:schemeClr val="tx1"/>
-          </a:fontRef>
-        </p:style>
-      </p:cxnSp>
-      <p:cxnSp>
-        <p:nvCxnSpPr>
-          <p:cNvPr id="41" name="연결선: 꺾임 40">
-            <a:extLst>
-              <a:ext uri="{FF2B5EF4-FFF2-40B4-BE49-F238E27FC236}">
-                <a16:creationId xmlns:a16="http://schemas.microsoft.com/office/drawing/2014/main" id="{CAC6C2AB-7919-46D8-870F-4DCB3BD86FD4}"/>
-              </a:ext>
-            </a:extLst>
-          </p:cNvPr>
-          <p:cNvCxnSpPr>
-            <a:stCxn id="21" idx="2"/>
-            <a:endCxn id="22" idx="3"/>
-          </p:cNvCxnSpPr>
-          <p:nvPr/>
-        </p:nvCxnSpPr>
-        <p:spPr>
-          <a:xfrm rot="5400000">
-            <a:off x="2747172" y="3988200"/>
-            <a:ext cx="853748" cy="440126"/>
-          </a:xfrm>
-          <a:prstGeom prst="bentConnector2">
-            <a:avLst/>
-          </a:prstGeom>
-          <a:ln>
-            <a:headEnd type="triangle"/>
-            <a:tailEnd type="triangle"/>
-          </a:ln>
-        </p:spPr>
-        <p:style>
-          <a:lnRef idx="1">
-            <a:schemeClr val="accent1"/>
-          </a:lnRef>
-          <a:fillRef idx="0">
-            <a:schemeClr val="accent1"/>
-          </a:fillRef>
-          <a:effectRef idx="0">
-            <a:schemeClr val="accent1"/>
-          </a:effectRef>
-          <a:fontRef idx="minor">
-            <a:schemeClr val="tx1"/>
-          </a:fontRef>
-        </p:style>
-      </p:cxnSp>
-      <p:cxnSp>
-        <p:nvCxnSpPr>
-          <p:cNvPr id="43" name="연결선: 꺾임 42">
-            <a:extLst>
-              <a:ext uri="{FF2B5EF4-FFF2-40B4-BE49-F238E27FC236}">
-                <a16:creationId xmlns:a16="http://schemas.microsoft.com/office/drawing/2014/main" id="{7AC486AE-8308-4ECF-99D9-0C942D4F6BAB}"/>
-              </a:ext>
-            </a:extLst>
-          </p:cNvPr>
-          <p:cNvCxnSpPr>
-            <a:stCxn id="21" idx="2"/>
-            <a:endCxn id="15" idx="1"/>
-          </p:cNvCxnSpPr>
-          <p:nvPr/>
-        </p:nvCxnSpPr>
-        <p:spPr>
-          <a:xfrm rot="16200000" flipH="1">
-            <a:off x="3182584" y="3992913"/>
-            <a:ext cx="850485" cy="427435"/>
-          </a:xfrm>
-          <a:prstGeom prst="bentConnector2">
-            <a:avLst/>
-          </a:prstGeom>
-          <a:ln>
-            <a:headEnd type="triangle"/>
-            <a:tailEnd type="triangle"/>
-          </a:ln>
-        </p:spPr>
-        <p:style>
-          <a:lnRef idx="1">
-            <a:schemeClr val="accent1"/>
-          </a:lnRef>
-          <a:fillRef idx="0">
-            <a:schemeClr val="accent1"/>
-          </a:fillRef>
-          <a:effectRef idx="0">
-            <a:schemeClr val="accent1"/>
-          </a:effectRef>
-          <a:fontRef idx="minor">
-            <a:schemeClr val="tx1"/>
-          </a:fontRef>
-        </p:style>
-      </p:cxnSp>
-      <p:cxnSp>
-        <p:nvCxnSpPr>
-          <p:cNvPr id="55" name="직선 화살표 연결선 54">
-            <a:extLst>
-              <a:ext uri="{FF2B5EF4-FFF2-40B4-BE49-F238E27FC236}">
-                <a16:creationId xmlns:a16="http://schemas.microsoft.com/office/drawing/2014/main" id="{28A5192D-048C-430F-BF85-305EEACB794A}"/>
-              </a:ext>
-            </a:extLst>
-          </p:cNvPr>
-          <p:cNvCxnSpPr>
-            <a:cxnSpLocks/>
-            <a:stCxn id="15" idx="2"/>
-          </p:cNvCxnSpPr>
-          <p:nvPr/>
-        </p:nvCxnSpPr>
-        <p:spPr>
-          <a:xfrm>
-            <a:off x="4742876" y="5078188"/>
-            <a:ext cx="0" cy="404170"/>
-          </a:xfrm>
-          <a:prstGeom prst="straightConnector1">
-            <a:avLst/>
-          </a:prstGeom>
-          <a:ln>
-            <a:headEnd type="triangle"/>
-            <a:tailEnd type="triangle"/>
-          </a:ln>
-        </p:spPr>
-        <p:style>
-          <a:lnRef idx="1">
-            <a:schemeClr val="accent1"/>
-          </a:lnRef>
-          <a:fillRef idx="0">
-            <a:schemeClr val="accent1"/>
-          </a:fillRef>
-          <a:effectRef idx="0">
-            <a:schemeClr val="accent1"/>
-          </a:effectRef>
-          <a:fontRef idx="minor">
-            <a:schemeClr val="tx1"/>
-          </a:fontRef>
-        </p:style>
-      </p:cxnSp>
+        </p:spPr>
+      </p:pic>
     </p:spTree>
     <p:extLst>
       <p:ext uri="{BB962C8B-B14F-4D97-AF65-F5344CB8AC3E}">
-        <p14:creationId xmlns:p14="http://schemas.microsoft.com/office/powerpoint/2010/main" val="1950822887"/>
+        <p14:creationId xmlns:p14="http://schemas.microsoft.com/office/powerpoint/2010/main" val="1609722263"/>
       </p:ext>
     </p:extLst>
   </p:cSld>
@@ -10832,8 +10866,8 @@
         </p:nvSpPr>
         <p:spPr>
           <a:xfrm>
-            <a:off x="3931118" y="441176"/>
-            <a:ext cx="4329763" cy="494494"/>
+            <a:off x="3402472" y="360737"/>
+            <a:ext cx="5387053" cy="494494"/>
           </a:xfrm>
           <a:prstGeom prst="rect">
             <a:avLst/>
@@ -10874,7 +10908,7 @@
                 <a:ea typeface="Malgun Gothic Semilight" panose="020B0502040204020203" pitchFamily="50" charset="-127"/>
                 <a:cs typeface="Malgun Gothic Semilight" panose="020B0502040204020203" pitchFamily="50" charset="-127"/>
               </a:rPr>
-              <a:t>Screen Design – “/”, “</a:t>
+              <a:t>View – “/(index)”, “</a:t>
             </a:r>
             <a:r>
               <a:rPr lang="en-US" altLang="ko-KR" sz="2000" spc="-150" dirty="0" err="1">
@@ -11164,7 +11198,7 @@
                 <a:ea typeface="Malgun Gothic Semilight" panose="020B0502040204020203" pitchFamily="50" charset="-127"/>
                 <a:cs typeface="Malgun Gothic Semilight" panose="020B0502040204020203" pitchFamily="50" charset="-127"/>
               </a:rPr>
-              <a:t>Screen Design – “Contact”</a:t>
+              <a:t>View – “Contact”</a:t>
             </a:r>
           </a:p>
         </p:txBody>

--- a/jsp/project_201644008_3.pptx
+++ b/jsp/project_201644008_3.pptx
@@ -21,19 +21,20 @@
     <p:sldId id="282" r:id="rId15"/>
     <p:sldId id="277" r:id="rId16"/>
     <p:sldId id="278" r:id="rId17"/>
-    <p:sldId id="266" r:id="rId18"/>
+    <p:sldId id="285" r:id="rId18"/>
+    <p:sldId id="266" r:id="rId19"/>
   </p:sldIdLst>
   <p:sldSz cx="12192000" cy="6858000"/>
   <p:notesSz cx="6858000" cy="9144000"/>
   <p:embeddedFontLst>
     <p:embeddedFont>
       <p:font typeface="Malgun Gothic Semilight" panose="020B0502040204020203" pitchFamily="50" charset="-127"/>
-      <p:regular r:id="rId19"/>
+      <p:regular r:id="rId20"/>
     </p:embeddedFont>
     <p:embeddedFont>
       <p:font typeface="맑은 고딕" panose="020B0503020000020004" pitchFamily="50" charset="-127"/>
-      <p:regular r:id="rId20"/>
-      <p:bold r:id="rId21"/>
+      <p:regular r:id="rId21"/>
+      <p:bold r:id="rId22"/>
     </p:embeddedFont>
   </p:embeddedFontLst>
   <p:defaultTextStyle>
@@ -279,7 +280,7 @@
           <a:p>
             <a:fld id="{C7026D9F-9FA5-4D1B-B5BB-88A607D242D1}" type="datetimeFigureOut">
               <a:rPr lang="ko-KR" altLang="en-US" smtClean="0"/>
-              <a:t>2019-12-13</a:t>
+              <a:t>2019-12-17</a:t>
             </a:fld>
             <a:endParaRPr lang="ko-KR" altLang="en-US"/>
           </a:p>
@@ -447,7 +448,7 @@
           <a:p>
             <a:fld id="{C7026D9F-9FA5-4D1B-B5BB-88A607D242D1}" type="datetimeFigureOut">
               <a:rPr lang="ko-KR" altLang="en-US" smtClean="0"/>
-              <a:t>2019-12-13</a:t>
+              <a:t>2019-12-17</a:t>
             </a:fld>
             <a:endParaRPr lang="ko-KR" altLang="en-US"/>
           </a:p>
@@ -625,7 +626,7 @@
           <a:p>
             <a:fld id="{C7026D9F-9FA5-4D1B-B5BB-88A607D242D1}" type="datetimeFigureOut">
               <a:rPr lang="ko-KR" altLang="en-US" smtClean="0"/>
-              <a:t>2019-12-13</a:t>
+              <a:t>2019-12-17</a:t>
             </a:fld>
             <a:endParaRPr lang="ko-KR" altLang="en-US"/>
           </a:p>
@@ -793,7 +794,7 @@
           <a:p>
             <a:fld id="{C7026D9F-9FA5-4D1B-B5BB-88A607D242D1}" type="datetimeFigureOut">
               <a:rPr lang="ko-KR" altLang="en-US" smtClean="0"/>
-              <a:t>2019-12-13</a:t>
+              <a:t>2019-12-17</a:t>
             </a:fld>
             <a:endParaRPr lang="ko-KR" altLang="en-US"/>
           </a:p>
@@ -1038,7 +1039,7 @@
           <a:p>
             <a:fld id="{C7026D9F-9FA5-4D1B-B5BB-88A607D242D1}" type="datetimeFigureOut">
               <a:rPr lang="ko-KR" altLang="en-US" smtClean="0"/>
-              <a:t>2019-12-13</a:t>
+              <a:t>2019-12-17</a:t>
             </a:fld>
             <a:endParaRPr lang="ko-KR" altLang="en-US"/>
           </a:p>
@@ -1267,7 +1268,7 @@
           <a:p>
             <a:fld id="{C7026D9F-9FA5-4D1B-B5BB-88A607D242D1}" type="datetimeFigureOut">
               <a:rPr lang="ko-KR" altLang="en-US" smtClean="0"/>
-              <a:t>2019-12-13</a:t>
+              <a:t>2019-12-17</a:t>
             </a:fld>
             <a:endParaRPr lang="ko-KR" altLang="en-US"/>
           </a:p>
@@ -1631,7 +1632,7 @@
           <a:p>
             <a:fld id="{C7026D9F-9FA5-4D1B-B5BB-88A607D242D1}" type="datetimeFigureOut">
               <a:rPr lang="ko-KR" altLang="en-US" smtClean="0"/>
-              <a:t>2019-12-13</a:t>
+              <a:t>2019-12-17</a:t>
             </a:fld>
             <a:endParaRPr lang="ko-KR" altLang="en-US"/>
           </a:p>
@@ -1748,7 +1749,7 @@
           <a:p>
             <a:fld id="{C7026D9F-9FA5-4D1B-B5BB-88A607D242D1}" type="datetimeFigureOut">
               <a:rPr lang="ko-KR" altLang="en-US" smtClean="0"/>
-              <a:t>2019-12-13</a:t>
+              <a:t>2019-12-17</a:t>
             </a:fld>
             <a:endParaRPr lang="ko-KR" altLang="en-US"/>
           </a:p>
@@ -1843,7 +1844,7 @@
           <a:p>
             <a:fld id="{C7026D9F-9FA5-4D1B-B5BB-88A607D242D1}" type="datetimeFigureOut">
               <a:rPr lang="ko-KR" altLang="en-US" smtClean="0"/>
-              <a:t>2019-12-13</a:t>
+              <a:t>2019-12-17</a:t>
             </a:fld>
             <a:endParaRPr lang="ko-KR" altLang="en-US"/>
           </a:p>
@@ -2118,7 +2119,7 @@
           <a:p>
             <a:fld id="{C7026D9F-9FA5-4D1B-B5BB-88A607D242D1}" type="datetimeFigureOut">
               <a:rPr lang="ko-KR" altLang="en-US" smtClean="0"/>
-              <a:t>2019-12-13</a:t>
+              <a:t>2019-12-17</a:t>
             </a:fld>
             <a:endParaRPr lang="ko-KR" altLang="en-US"/>
           </a:p>
@@ -2370,7 +2371,7 @@
           <a:p>
             <a:fld id="{C7026D9F-9FA5-4D1B-B5BB-88A607D242D1}" type="datetimeFigureOut">
               <a:rPr lang="ko-KR" altLang="en-US" smtClean="0"/>
-              <a:t>2019-12-13</a:t>
+              <a:t>2019-12-17</a:t>
             </a:fld>
             <a:endParaRPr lang="ko-KR" altLang="en-US"/>
           </a:p>
@@ -2584,7 +2585,7 @@
           <a:p>
             <a:fld id="{C7026D9F-9FA5-4D1B-B5BB-88A607D242D1}" type="datetimeFigureOut">
               <a:rPr lang="ko-KR" altLang="en-US" smtClean="0"/>
-              <a:t>2019-12-13</a:t>
+              <a:t>2019-12-17</a:t>
             </a:fld>
             <a:endParaRPr lang="ko-KR" altLang="en-US"/>
           </a:p>
@@ -5306,6 +5307,109 @@
         <p:spPr>
           <a:xfrm>
             <a:off x="4424414" y="2367171"/>
+            <a:ext cx="3343170" cy="1107996"/>
+          </a:xfrm>
+          <a:prstGeom prst="rect">
+            <a:avLst/>
+          </a:prstGeom>
+          <a:noFill/>
+        </p:spPr>
+        <p:txBody>
+          <a:bodyPr wrap="square" rtlCol="0">
+            <a:spAutoFit/>
+          </a:bodyPr>
+          <a:lstStyle/>
+          <a:p>
+            <a:pPr algn="dist"/>
+            <a:r>
+              <a:rPr lang="ko-KR" altLang="en-US" sz="6600" dirty="0">
+                <a:gradFill>
+                  <a:gsLst>
+                    <a:gs pos="83000">
+                      <a:schemeClr val="tx1">
+                        <a:lumMod val="75000"/>
+                        <a:lumOff val="25000"/>
+                      </a:schemeClr>
+                    </a:gs>
+                    <a:gs pos="100000">
+                      <a:schemeClr val="tx1">
+                        <a:lumMod val="75000"/>
+                        <a:lumOff val="25000"/>
+                      </a:schemeClr>
+                    </a:gs>
+                  </a:gsLst>
+                  <a:lin ang="5400000" scaled="1"/>
+                </a:gradFill>
+                <a:latin typeface="+mj-lt"/>
+                <a:ea typeface="Malgun Gothic Semilight" panose="020B0502040204020203" pitchFamily="50" charset="-127"/>
+                <a:cs typeface="Malgun Gothic Semilight" panose="020B0502040204020203" pitchFamily="50" charset="-127"/>
+              </a:rPr>
+              <a:t>시 연</a:t>
+            </a:r>
+            <a:endParaRPr lang="en-US" altLang="ko-KR" sz="6600" dirty="0">
+              <a:gradFill>
+                <a:gsLst>
+                  <a:gs pos="83000">
+                    <a:schemeClr val="tx1">
+                      <a:lumMod val="75000"/>
+                      <a:lumOff val="25000"/>
+                    </a:schemeClr>
+                  </a:gs>
+                  <a:gs pos="100000">
+                    <a:schemeClr val="tx1">
+                      <a:lumMod val="75000"/>
+                      <a:lumOff val="25000"/>
+                    </a:schemeClr>
+                  </a:gs>
+                </a:gsLst>
+                <a:lin ang="5400000" scaled="1"/>
+              </a:gradFill>
+              <a:latin typeface="+mj-lt"/>
+              <a:ea typeface="Malgun Gothic Semilight" panose="020B0502040204020203" pitchFamily="50" charset="-127"/>
+              <a:cs typeface="Malgun Gothic Semilight" panose="020B0502040204020203" pitchFamily="50" charset="-127"/>
+            </a:endParaRPr>
+          </a:p>
+        </p:txBody>
+      </p:sp>
+    </p:spTree>
+    <p:extLst>
+      <p:ext uri="{BB962C8B-B14F-4D97-AF65-F5344CB8AC3E}">
+        <p14:creationId xmlns:p14="http://schemas.microsoft.com/office/powerpoint/2010/main" val="4003972110"/>
+      </p:ext>
+    </p:extLst>
+  </p:cSld>
+  <p:clrMapOvr>
+    <a:masterClrMapping/>
+  </p:clrMapOvr>
+</p:sld>
+</file>
+
+<file path=ppt/slides/slide18.xml><?xml version="1.0" encoding="utf-8"?>
+<p:sld xmlns:a="http://schemas.openxmlformats.org/drawingml/2006/main" xmlns:r="http://schemas.openxmlformats.org/officeDocument/2006/relationships" xmlns:p="http://schemas.openxmlformats.org/presentationml/2006/main">
+  <p:cSld>
+    <p:spTree>
+      <p:nvGrpSpPr>
+        <p:cNvPr id="1" name=""/>
+        <p:cNvGrpSpPr/>
+        <p:nvPr/>
+      </p:nvGrpSpPr>
+      <p:grpSpPr>
+        <a:xfrm>
+          <a:off x="0" y="0"/>
+          <a:ext cx="0" cy="0"/>
+          <a:chOff x="0" y="0"/>
+          <a:chExt cx="0" cy="0"/>
+        </a:xfrm>
+      </p:grpSpPr>
+      <p:sp>
+        <p:nvSpPr>
+          <p:cNvPr id="3" name="TextBox 2"/>
+          <p:cNvSpPr txBox="1"/>
+          <p:nvPr/>
+        </p:nvSpPr>
+        <p:spPr>
+          <a:xfrm>
+            <a:off x="4424414" y="2367171"/>
             <a:ext cx="3343170" cy="2123658"/>
           </a:xfrm>
           <a:prstGeom prst="rect">
@@ -5649,7 +5753,7 @@
           <p:nvPr>
             <p:extLst>
               <p:ext uri="{D42A27DB-BD31-4B8C-83A1-F6EECF244321}">
-                <p14:modId xmlns:p14="http://schemas.microsoft.com/office/powerpoint/2010/main" val="2862929817"/>
+                <p14:modId xmlns:p14="http://schemas.microsoft.com/office/powerpoint/2010/main" val="1015897205"/>
               </p:ext>
             </p:extLst>
           </p:nvPr>
@@ -6078,7 +6182,7 @@
                             <a:schemeClr val="tx1"/>
                           </a:solidFill>
                         </a:rPr>
-                        <a:t>Git(https://github.com/Mareef/College</a:t>
+                        <a:t>Git(https://github.com/Mareef/College)</a:t>
                       </a:r>
                       <a:endParaRPr lang="ko-KR" altLang="en-US" b="0" dirty="0">
                         <a:solidFill>
@@ -6357,36 +6461,6 @@
           </a:p>
         </p:txBody>
       </p:sp>
-      <p:pic>
-        <p:nvPicPr>
-          <p:cNvPr id="2" name="그림 1">
-            <a:extLst>
-              <a:ext uri="{FF2B5EF4-FFF2-40B4-BE49-F238E27FC236}">
-                <a16:creationId xmlns:a16="http://schemas.microsoft.com/office/drawing/2014/main" id="{09827627-BE65-4694-810C-5B2810550869}"/>
-              </a:ext>
-            </a:extLst>
-          </p:cNvPr>
-          <p:cNvPicPr>
-            <a:picLocks noChangeAspect="1"/>
-          </p:cNvPicPr>
-          <p:nvPr/>
-        </p:nvPicPr>
-        <p:blipFill>
-          <a:blip r:embed="rId2"/>
-          <a:stretch>
-            <a:fillRect/>
-          </a:stretch>
-        </p:blipFill>
-        <p:spPr>
-          <a:xfrm>
-            <a:off x="2911968" y="1016109"/>
-            <a:ext cx="6368062" cy="3609334"/>
-          </a:xfrm>
-          <a:prstGeom prst="rect">
-            <a:avLst/>
-          </a:prstGeom>
-        </p:spPr>
-      </p:pic>
       <p:sp>
         <p:nvSpPr>
           <p:cNvPr id="5" name="TextBox 4">
@@ -6402,7 +6476,7 @@
         <p:spPr>
           <a:xfrm>
             <a:off x="1951520" y="4537335"/>
-            <a:ext cx="3477924" cy="1879489"/>
+            <a:ext cx="3477924" cy="1891352"/>
           </a:xfrm>
           <a:prstGeom prst="rect">
             <a:avLst/>
@@ -6438,7 +6512,7 @@
               <a:defRPr/>
             </a:pPr>
             <a:r>
-              <a:rPr kumimoji="0" lang="en-US" altLang="ko-KR" sz="2000" b="0" i="0" u="none" strike="noStrike" kern="1200" cap="none" spc="-150" normalizeH="0" baseline="0" noProof="0" dirty="0">
+              <a:rPr kumimoji="0" lang="en-US" altLang="ko-KR" sz="1600" b="0" i="0" u="none" strike="noStrike" kern="1200" cap="none" spc="-150" normalizeH="0" baseline="0" noProof="0" dirty="0">
                 <a:ln>
                   <a:noFill/>
                 </a:ln>
@@ -6469,7 +6543,7 @@
               <a:t>Id = </a:t>
             </a:r>
             <a:r>
-              <a:rPr kumimoji="0" lang="ko-KR" altLang="en-US" sz="2000" b="0" i="0" u="none" strike="noStrike" kern="1200" cap="none" spc="-150" normalizeH="0" baseline="0" noProof="0" dirty="0">
+              <a:rPr kumimoji="0" lang="ko-KR" altLang="en-US" sz="1600" b="0" i="0" u="none" strike="noStrike" kern="1200" cap="none" spc="-150" normalizeH="0" baseline="0" noProof="0" dirty="0">
                 <a:ln>
                   <a:noFill/>
                 </a:ln>
@@ -6498,6 +6572,1146 @@
                 <a:cs typeface="Malgun Gothic Semilight" panose="020B0502040204020203" pitchFamily="50" charset="-127"/>
               </a:rPr>
               <a:t>활동번호</a:t>
+            </a:r>
+            <a:endParaRPr kumimoji="0" lang="en-US" altLang="ko-KR" sz="1600" b="0" i="0" u="none" strike="noStrike" kern="1200" cap="none" spc="-150" normalizeH="0" baseline="0" noProof="0" dirty="0">
+              <a:ln>
+                <a:noFill/>
+              </a:ln>
+              <a:gradFill>
+                <a:gsLst>
+                  <a:gs pos="83000">
+                    <a:prstClr val="black">
+                      <a:lumMod val="75000"/>
+                      <a:lumOff val="25000"/>
+                    </a:prstClr>
+                  </a:gs>
+                  <a:gs pos="100000">
+                    <a:prstClr val="black">
+                      <a:lumMod val="75000"/>
+                      <a:lumOff val="25000"/>
+                    </a:prstClr>
+                  </a:gs>
+                </a:gsLst>
+                <a:lin ang="5400000" scaled="1"/>
+              </a:gradFill>
+              <a:effectLst/>
+              <a:uLnTx/>
+              <a:uFillTx/>
+              <a:latin typeface="Malgun Gothic Semilight" panose="020B0502040204020203" pitchFamily="50" charset="-127"/>
+              <a:ea typeface="Malgun Gothic Semilight" panose="020B0502040204020203" pitchFamily="50" charset="-127"/>
+              <a:cs typeface="Malgun Gothic Semilight" panose="020B0502040204020203" pitchFamily="50" charset="-127"/>
+            </a:endParaRPr>
+          </a:p>
+          <a:p>
+            <a:pPr marL="0" marR="0" lvl="0" indent="0" algn="ctr" defTabSz="914400" rtl="0" eaLnBrk="1" fontAlgn="auto" latinLnBrk="1" hangingPunct="1">
+              <a:lnSpc>
+                <a:spcPct val="150000"/>
+              </a:lnSpc>
+              <a:spcBef>
+                <a:spcPts val="0"/>
+              </a:spcBef>
+              <a:spcAft>
+                <a:spcPts val="0"/>
+              </a:spcAft>
+              <a:buClrTx/>
+              <a:buSzTx/>
+              <a:buFontTx/>
+              <a:buNone/>
+              <a:tabLst/>
+              <a:defRPr/>
+            </a:pPr>
+            <a:r>
+              <a:rPr kumimoji="0" lang="en-US" altLang="ko-KR" sz="1600" b="0" i="0" u="none" strike="noStrike" kern="1200" cap="none" spc="-150" normalizeH="0" baseline="0" noProof="0" dirty="0">
+                <a:ln>
+                  <a:noFill/>
+                </a:ln>
+                <a:gradFill>
+                  <a:gsLst>
+                    <a:gs pos="83000">
+                      <a:prstClr val="black">
+                        <a:lumMod val="75000"/>
+                        <a:lumOff val="25000"/>
+                      </a:prstClr>
+                    </a:gs>
+                    <a:gs pos="100000">
+                      <a:prstClr val="black">
+                        <a:lumMod val="75000"/>
+                        <a:lumOff val="25000"/>
+                      </a:prstClr>
+                    </a:gs>
+                  </a:gsLst>
+                  <a:lin ang="5400000" scaled="1"/>
+                </a:gradFill>
+                <a:effectLst/>
+                <a:uLnTx/>
+                <a:uFillTx/>
+                <a:latin typeface="Malgun Gothic Semilight" panose="020B0502040204020203" pitchFamily="50" charset="-127"/>
+                <a:ea typeface="Malgun Gothic Semilight" panose="020B0502040204020203" pitchFamily="50" charset="-127"/>
+                <a:cs typeface="Malgun Gothic Semilight" panose="020B0502040204020203" pitchFamily="50" charset="-127"/>
+              </a:rPr>
+              <a:t>Date = </a:t>
+            </a:r>
+            <a:r>
+              <a:rPr kumimoji="0" lang="ko-KR" altLang="en-US" sz="1600" b="0" i="0" u="none" strike="noStrike" kern="1200" cap="none" spc="-150" normalizeH="0" baseline="0" noProof="0" dirty="0">
+                <a:ln>
+                  <a:noFill/>
+                </a:ln>
+                <a:gradFill>
+                  <a:gsLst>
+                    <a:gs pos="83000">
+                      <a:prstClr val="black">
+                        <a:lumMod val="75000"/>
+                        <a:lumOff val="25000"/>
+                      </a:prstClr>
+                    </a:gs>
+                    <a:gs pos="100000">
+                      <a:prstClr val="black">
+                        <a:lumMod val="75000"/>
+                        <a:lumOff val="25000"/>
+                      </a:prstClr>
+                    </a:gs>
+                  </a:gsLst>
+                  <a:lin ang="5400000" scaled="1"/>
+                </a:gradFill>
+                <a:effectLst/>
+                <a:uLnTx/>
+                <a:uFillTx/>
+                <a:latin typeface="Malgun Gothic Semilight" panose="020B0502040204020203" pitchFamily="50" charset="-127"/>
+                <a:ea typeface="Malgun Gothic Semilight" panose="020B0502040204020203" pitchFamily="50" charset="-127"/>
+                <a:cs typeface="Malgun Gothic Semilight" panose="020B0502040204020203" pitchFamily="50" charset="-127"/>
+              </a:rPr>
+              <a:t>활동일</a:t>
+            </a:r>
+            <a:endParaRPr kumimoji="0" lang="en-US" altLang="ko-KR" sz="1600" b="0" i="0" u="none" strike="noStrike" kern="1200" cap="none" spc="-150" normalizeH="0" baseline="0" noProof="0" dirty="0">
+              <a:ln>
+                <a:noFill/>
+              </a:ln>
+              <a:gradFill>
+                <a:gsLst>
+                  <a:gs pos="83000">
+                    <a:prstClr val="black">
+                      <a:lumMod val="75000"/>
+                      <a:lumOff val="25000"/>
+                    </a:prstClr>
+                  </a:gs>
+                  <a:gs pos="100000">
+                    <a:prstClr val="black">
+                      <a:lumMod val="75000"/>
+                      <a:lumOff val="25000"/>
+                    </a:prstClr>
+                  </a:gs>
+                </a:gsLst>
+                <a:lin ang="5400000" scaled="1"/>
+              </a:gradFill>
+              <a:effectLst/>
+              <a:uLnTx/>
+              <a:uFillTx/>
+              <a:latin typeface="Malgun Gothic Semilight" panose="020B0502040204020203" pitchFamily="50" charset="-127"/>
+              <a:ea typeface="Malgun Gothic Semilight" panose="020B0502040204020203" pitchFamily="50" charset="-127"/>
+              <a:cs typeface="Malgun Gothic Semilight" panose="020B0502040204020203" pitchFamily="50" charset="-127"/>
+            </a:endParaRPr>
+          </a:p>
+          <a:p>
+            <a:pPr marL="0" marR="0" lvl="0" indent="0" algn="ctr" defTabSz="914400" rtl="0" eaLnBrk="1" fontAlgn="auto" latinLnBrk="1" hangingPunct="1">
+              <a:lnSpc>
+                <a:spcPct val="150000"/>
+              </a:lnSpc>
+              <a:spcBef>
+                <a:spcPts val="0"/>
+              </a:spcBef>
+              <a:spcAft>
+                <a:spcPts val="0"/>
+              </a:spcAft>
+              <a:buClrTx/>
+              <a:buSzTx/>
+              <a:buFontTx/>
+              <a:buNone/>
+              <a:tabLst/>
+              <a:defRPr/>
+            </a:pPr>
+            <a:r>
+              <a:rPr kumimoji="0" lang="en-US" altLang="ko-KR" sz="1600" b="0" i="0" u="none" strike="noStrike" kern="1200" cap="none" spc="-150" normalizeH="0" baseline="0" noProof="0" dirty="0">
+                <a:ln>
+                  <a:noFill/>
+                </a:ln>
+                <a:gradFill>
+                  <a:gsLst>
+                    <a:gs pos="83000">
+                      <a:prstClr val="black">
+                        <a:lumMod val="75000"/>
+                        <a:lumOff val="25000"/>
+                      </a:prstClr>
+                    </a:gs>
+                    <a:gs pos="100000">
+                      <a:prstClr val="black">
+                        <a:lumMod val="75000"/>
+                        <a:lumOff val="25000"/>
+                      </a:prstClr>
+                    </a:gs>
+                  </a:gsLst>
+                  <a:lin ang="5400000" scaled="1"/>
+                </a:gradFill>
+                <a:effectLst/>
+                <a:uLnTx/>
+                <a:uFillTx/>
+                <a:latin typeface="Malgun Gothic Semilight" panose="020B0502040204020203" pitchFamily="50" charset="-127"/>
+                <a:ea typeface="Malgun Gothic Semilight" panose="020B0502040204020203" pitchFamily="50" charset="-127"/>
+                <a:cs typeface="Malgun Gothic Semilight" panose="020B0502040204020203" pitchFamily="50" charset="-127"/>
+              </a:rPr>
+              <a:t>Title = </a:t>
+            </a:r>
+            <a:r>
+              <a:rPr kumimoji="0" lang="ko-KR" altLang="en-US" sz="1600" b="0" i="0" u="none" strike="noStrike" kern="1200" cap="none" spc="-150" normalizeH="0" baseline="0" noProof="0" dirty="0">
+                <a:ln>
+                  <a:noFill/>
+                </a:ln>
+                <a:gradFill>
+                  <a:gsLst>
+                    <a:gs pos="83000">
+                      <a:prstClr val="black">
+                        <a:lumMod val="75000"/>
+                        <a:lumOff val="25000"/>
+                      </a:prstClr>
+                    </a:gs>
+                    <a:gs pos="100000">
+                      <a:prstClr val="black">
+                        <a:lumMod val="75000"/>
+                        <a:lumOff val="25000"/>
+                      </a:prstClr>
+                    </a:gs>
+                  </a:gsLst>
+                  <a:lin ang="5400000" scaled="1"/>
+                </a:gradFill>
+                <a:effectLst/>
+                <a:uLnTx/>
+                <a:uFillTx/>
+                <a:latin typeface="Malgun Gothic Semilight" panose="020B0502040204020203" pitchFamily="50" charset="-127"/>
+                <a:ea typeface="Malgun Gothic Semilight" panose="020B0502040204020203" pitchFamily="50" charset="-127"/>
+                <a:cs typeface="Malgun Gothic Semilight" panose="020B0502040204020203" pitchFamily="50" charset="-127"/>
+              </a:rPr>
+              <a:t>활동</a:t>
+            </a:r>
+            <a:endParaRPr kumimoji="0" lang="en-US" altLang="ko-KR" sz="1600" b="0" i="0" u="none" strike="noStrike" kern="1200" cap="none" spc="-150" normalizeH="0" baseline="0" noProof="0" dirty="0">
+              <a:ln>
+                <a:noFill/>
+              </a:ln>
+              <a:gradFill>
+                <a:gsLst>
+                  <a:gs pos="83000">
+                    <a:prstClr val="black">
+                      <a:lumMod val="75000"/>
+                      <a:lumOff val="25000"/>
+                    </a:prstClr>
+                  </a:gs>
+                  <a:gs pos="100000">
+                    <a:prstClr val="black">
+                      <a:lumMod val="75000"/>
+                      <a:lumOff val="25000"/>
+                    </a:prstClr>
+                  </a:gs>
+                </a:gsLst>
+                <a:lin ang="5400000" scaled="1"/>
+              </a:gradFill>
+              <a:effectLst/>
+              <a:uLnTx/>
+              <a:uFillTx/>
+              <a:latin typeface="Malgun Gothic Semilight" panose="020B0502040204020203" pitchFamily="50" charset="-127"/>
+              <a:ea typeface="Malgun Gothic Semilight" panose="020B0502040204020203" pitchFamily="50" charset="-127"/>
+              <a:cs typeface="Malgun Gothic Semilight" panose="020B0502040204020203" pitchFamily="50" charset="-127"/>
+            </a:endParaRPr>
+          </a:p>
+          <a:p>
+            <a:pPr marL="0" marR="0" lvl="0" indent="0" algn="ctr" defTabSz="914400" rtl="0" eaLnBrk="1" fontAlgn="auto" latinLnBrk="1" hangingPunct="1">
+              <a:lnSpc>
+                <a:spcPct val="150000"/>
+              </a:lnSpc>
+              <a:spcBef>
+                <a:spcPts val="0"/>
+              </a:spcBef>
+              <a:spcAft>
+                <a:spcPts val="0"/>
+              </a:spcAft>
+              <a:buClrTx/>
+              <a:buSzTx/>
+              <a:buFontTx/>
+              <a:buNone/>
+              <a:tabLst/>
+              <a:defRPr/>
+            </a:pPr>
+            <a:r>
+              <a:rPr kumimoji="0" lang="en-US" altLang="ko-KR" sz="1600" b="0" i="0" u="none" strike="noStrike" kern="1200" cap="none" spc="-150" normalizeH="0" baseline="0" noProof="0" dirty="0">
+                <a:ln>
+                  <a:noFill/>
+                </a:ln>
+                <a:gradFill>
+                  <a:gsLst>
+                    <a:gs pos="83000">
+                      <a:prstClr val="black">
+                        <a:lumMod val="75000"/>
+                        <a:lumOff val="25000"/>
+                      </a:prstClr>
+                    </a:gs>
+                    <a:gs pos="100000">
+                      <a:prstClr val="black">
+                        <a:lumMod val="75000"/>
+                        <a:lumOff val="25000"/>
+                      </a:prstClr>
+                    </a:gs>
+                  </a:gsLst>
+                  <a:lin ang="5400000" scaled="1"/>
+                </a:gradFill>
+                <a:effectLst/>
+                <a:uLnTx/>
+                <a:uFillTx/>
+                <a:latin typeface="Malgun Gothic Semilight" panose="020B0502040204020203" pitchFamily="50" charset="-127"/>
+                <a:ea typeface="Malgun Gothic Semilight" panose="020B0502040204020203" pitchFamily="50" charset="-127"/>
+                <a:cs typeface="Malgun Gothic Semilight" panose="020B0502040204020203" pitchFamily="50" charset="-127"/>
+              </a:rPr>
+              <a:t>Description = </a:t>
+            </a:r>
+            <a:r>
+              <a:rPr kumimoji="0" lang="ko-KR" altLang="en-US" sz="1600" b="0" i="0" u="none" strike="noStrike" kern="1200" cap="none" spc="-150" normalizeH="0" baseline="0" noProof="0" dirty="0">
+                <a:ln>
+                  <a:noFill/>
+                </a:ln>
+                <a:gradFill>
+                  <a:gsLst>
+                    <a:gs pos="83000">
+                      <a:prstClr val="black">
+                        <a:lumMod val="75000"/>
+                        <a:lumOff val="25000"/>
+                      </a:prstClr>
+                    </a:gs>
+                    <a:gs pos="100000">
+                      <a:prstClr val="black">
+                        <a:lumMod val="75000"/>
+                        <a:lumOff val="25000"/>
+                      </a:prstClr>
+                    </a:gs>
+                  </a:gsLst>
+                  <a:lin ang="5400000" scaled="1"/>
+                </a:gradFill>
+                <a:effectLst/>
+                <a:uLnTx/>
+                <a:uFillTx/>
+                <a:latin typeface="Malgun Gothic Semilight" panose="020B0502040204020203" pitchFamily="50" charset="-127"/>
+                <a:ea typeface="Malgun Gothic Semilight" panose="020B0502040204020203" pitchFamily="50" charset="-127"/>
+                <a:cs typeface="Malgun Gothic Semilight" panose="020B0502040204020203" pitchFamily="50" charset="-127"/>
+              </a:rPr>
+              <a:t>설명</a:t>
+            </a:r>
+            <a:endParaRPr kumimoji="0" lang="en-US" altLang="ko-KR" sz="1600" b="0" i="0" u="none" strike="noStrike" kern="1200" cap="none" spc="-150" normalizeH="0" baseline="0" noProof="0" dirty="0">
+              <a:ln>
+                <a:noFill/>
+              </a:ln>
+              <a:gradFill>
+                <a:gsLst>
+                  <a:gs pos="83000">
+                    <a:prstClr val="black">
+                      <a:lumMod val="75000"/>
+                      <a:lumOff val="25000"/>
+                    </a:prstClr>
+                  </a:gs>
+                  <a:gs pos="100000">
+                    <a:prstClr val="black">
+                      <a:lumMod val="75000"/>
+                      <a:lumOff val="25000"/>
+                    </a:prstClr>
+                  </a:gs>
+                </a:gsLst>
+                <a:lin ang="5400000" scaled="1"/>
+              </a:gradFill>
+              <a:effectLst/>
+              <a:uLnTx/>
+              <a:uFillTx/>
+              <a:latin typeface="Malgun Gothic Semilight" panose="020B0502040204020203" pitchFamily="50" charset="-127"/>
+              <a:ea typeface="Malgun Gothic Semilight" panose="020B0502040204020203" pitchFamily="50" charset="-127"/>
+              <a:cs typeface="Malgun Gothic Semilight" panose="020B0502040204020203" pitchFamily="50" charset="-127"/>
+            </a:endParaRPr>
+          </a:p>
+          <a:p>
+            <a:pPr marL="0" marR="0" lvl="0" indent="0" algn="ctr" defTabSz="914400" rtl="0" eaLnBrk="1" fontAlgn="auto" latinLnBrk="1" hangingPunct="1">
+              <a:lnSpc>
+                <a:spcPct val="150000"/>
+              </a:lnSpc>
+              <a:spcBef>
+                <a:spcPts val="0"/>
+              </a:spcBef>
+              <a:spcAft>
+                <a:spcPts val="0"/>
+              </a:spcAft>
+              <a:buClrTx/>
+              <a:buSzTx/>
+              <a:buFontTx/>
+              <a:buNone/>
+              <a:tabLst/>
+              <a:defRPr/>
+            </a:pPr>
+            <a:r>
+              <a:rPr kumimoji="0" lang="en-US" altLang="ko-KR" sz="1600" b="0" i="0" u="none" strike="noStrike" kern="1200" cap="none" spc="-150" normalizeH="0" baseline="0" noProof="0" dirty="0">
+                <a:ln>
+                  <a:noFill/>
+                </a:ln>
+                <a:gradFill>
+                  <a:gsLst>
+                    <a:gs pos="83000">
+                      <a:prstClr val="black">
+                        <a:lumMod val="75000"/>
+                        <a:lumOff val="25000"/>
+                      </a:prstClr>
+                    </a:gs>
+                    <a:gs pos="100000">
+                      <a:prstClr val="black">
+                        <a:lumMod val="75000"/>
+                        <a:lumOff val="25000"/>
+                      </a:prstClr>
+                    </a:gs>
+                  </a:gsLst>
+                  <a:lin ang="5400000" scaled="1"/>
+                </a:gradFill>
+                <a:effectLst/>
+                <a:uLnTx/>
+                <a:uFillTx/>
+                <a:latin typeface="Malgun Gothic Semilight" panose="020B0502040204020203" pitchFamily="50" charset="-127"/>
+                <a:ea typeface="Malgun Gothic Semilight" panose="020B0502040204020203" pitchFamily="50" charset="-127"/>
+                <a:cs typeface="Malgun Gothic Semilight" panose="020B0502040204020203" pitchFamily="50" charset="-127"/>
+              </a:rPr>
+              <a:t>Type = </a:t>
+            </a:r>
+            <a:r>
+              <a:rPr lang="ko-KR" altLang="en-US" sz="1600" spc="-150" dirty="0">
+                <a:gradFill>
+                  <a:gsLst>
+                    <a:gs pos="83000">
+                      <a:prstClr val="black">
+                        <a:lumMod val="75000"/>
+                        <a:lumOff val="25000"/>
+                      </a:prstClr>
+                    </a:gs>
+                    <a:gs pos="100000">
+                      <a:prstClr val="black">
+                        <a:lumMod val="75000"/>
+                        <a:lumOff val="25000"/>
+                      </a:prstClr>
+                    </a:gs>
+                  </a:gsLst>
+                  <a:lin ang="5400000" scaled="1"/>
+                </a:gradFill>
+                <a:latin typeface="Malgun Gothic Semilight" panose="020B0502040204020203" pitchFamily="50" charset="-127"/>
+                <a:ea typeface="Malgun Gothic Semilight" panose="020B0502040204020203" pitchFamily="50" charset="-127"/>
+                <a:cs typeface="Malgun Gothic Semilight" panose="020B0502040204020203" pitchFamily="50" charset="-127"/>
+              </a:rPr>
+              <a:t>게시물 타입</a:t>
+            </a:r>
+            <a:endParaRPr kumimoji="0" lang="en-US" altLang="ko-KR" sz="1600" b="0" i="0" u="none" strike="noStrike" kern="1200" cap="none" spc="-150" normalizeH="0" baseline="0" noProof="0" dirty="0">
+              <a:ln>
+                <a:noFill/>
+              </a:ln>
+              <a:gradFill>
+                <a:gsLst>
+                  <a:gs pos="83000">
+                    <a:prstClr val="black">
+                      <a:lumMod val="75000"/>
+                      <a:lumOff val="25000"/>
+                    </a:prstClr>
+                  </a:gs>
+                  <a:gs pos="100000">
+                    <a:prstClr val="black">
+                      <a:lumMod val="75000"/>
+                      <a:lumOff val="25000"/>
+                    </a:prstClr>
+                  </a:gs>
+                </a:gsLst>
+                <a:lin ang="5400000" scaled="1"/>
+              </a:gradFill>
+              <a:effectLst/>
+              <a:uLnTx/>
+              <a:uFillTx/>
+              <a:latin typeface="Malgun Gothic Semilight" panose="020B0502040204020203" pitchFamily="50" charset="-127"/>
+              <a:ea typeface="Malgun Gothic Semilight" panose="020B0502040204020203" pitchFamily="50" charset="-127"/>
+              <a:cs typeface="Malgun Gothic Semilight" panose="020B0502040204020203" pitchFamily="50" charset="-127"/>
+            </a:endParaRPr>
+          </a:p>
+        </p:txBody>
+      </p:sp>
+      <p:sp>
+        <p:nvSpPr>
+          <p:cNvPr id="6" name="TextBox 5">
+            <a:extLst>
+              <a:ext uri="{FF2B5EF4-FFF2-40B4-BE49-F238E27FC236}">
+                <a16:creationId xmlns:a16="http://schemas.microsoft.com/office/drawing/2014/main" id="{F728572D-2C17-40CC-9469-62BEE60BE33C}"/>
+              </a:ext>
+            </a:extLst>
+          </p:cNvPr>
+          <p:cNvSpPr txBox="1"/>
+          <p:nvPr/>
+        </p:nvSpPr>
+        <p:spPr>
+          <a:xfrm>
+            <a:off x="6762558" y="4537334"/>
+            <a:ext cx="3477924" cy="1891352"/>
+          </a:xfrm>
+          <a:prstGeom prst="rect">
+            <a:avLst/>
+          </a:prstGeom>
+          <a:solidFill>
+            <a:schemeClr val="tx2">
+              <a:lumMod val="20000"/>
+              <a:lumOff val="80000"/>
+            </a:schemeClr>
+          </a:solidFill>
+        </p:spPr>
+        <p:txBody>
+          <a:bodyPr wrap="square" rtlCol="0">
+            <a:spAutoFit/>
+          </a:bodyPr>
+          <a:lstStyle/>
+          <a:p>
+            <a:pPr marL="0" marR="0" lvl="0" indent="0" algn="ctr" defTabSz="914400" rtl="0" eaLnBrk="1" fontAlgn="auto" latinLnBrk="1" hangingPunct="1">
+              <a:lnSpc>
+                <a:spcPct val="150000"/>
+              </a:lnSpc>
+              <a:spcBef>
+                <a:spcPts val="0"/>
+              </a:spcBef>
+              <a:spcAft>
+                <a:spcPts val="0"/>
+              </a:spcAft>
+              <a:buClrTx/>
+              <a:buSzTx/>
+              <a:buFontTx/>
+              <a:buNone/>
+              <a:tabLst/>
+              <a:defRPr/>
+            </a:pPr>
+            <a:r>
+              <a:rPr kumimoji="0" lang="en-US" altLang="ko-KR" sz="1600" b="0" i="0" u="none" strike="noStrike" kern="1200" cap="none" spc="-150" normalizeH="0" baseline="0" noProof="0" dirty="0" err="1">
+                <a:ln>
+                  <a:noFill/>
+                </a:ln>
+                <a:gradFill>
+                  <a:gsLst>
+                    <a:gs pos="83000">
+                      <a:prstClr val="black">
+                        <a:lumMod val="75000"/>
+                        <a:lumOff val="25000"/>
+                      </a:prstClr>
+                    </a:gs>
+                    <a:gs pos="100000">
+                      <a:prstClr val="black">
+                        <a:lumMod val="75000"/>
+                        <a:lumOff val="25000"/>
+                      </a:prstClr>
+                    </a:gs>
+                  </a:gsLst>
+                  <a:lin ang="5400000" scaled="1"/>
+                </a:gradFill>
+                <a:effectLst/>
+                <a:uLnTx/>
+                <a:uFillTx/>
+                <a:latin typeface="Malgun Gothic Semilight" panose="020B0502040204020203" pitchFamily="50" charset="-127"/>
+                <a:ea typeface="Malgun Gothic Semilight" panose="020B0502040204020203" pitchFamily="50" charset="-127"/>
+                <a:cs typeface="Malgun Gothic Semilight" panose="020B0502040204020203" pitchFamily="50" charset="-127"/>
+              </a:rPr>
+              <a:t>Fno</a:t>
+            </a:r>
+            <a:r>
+              <a:rPr kumimoji="0" lang="en-US" altLang="ko-KR" sz="1600" b="0" i="0" u="none" strike="noStrike" kern="1200" cap="none" spc="-150" normalizeH="0" baseline="0" noProof="0" dirty="0">
+                <a:ln>
+                  <a:noFill/>
+                </a:ln>
+                <a:gradFill>
+                  <a:gsLst>
+                    <a:gs pos="83000">
+                      <a:prstClr val="black">
+                        <a:lumMod val="75000"/>
+                        <a:lumOff val="25000"/>
+                      </a:prstClr>
+                    </a:gs>
+                    <a:gs pos="100000">
+                      <a:prstClr val="black">
+                        <a:lumMod val="75000"/>
+                        <a:lumOff val="25000"/>
+                      </a:prstClr>
+                    </a:gs>
+                  </a:gsLst>
+                  <a:lin ang="5400000" scaled="1"/>
+                </a:gradFill>
+                <a:effectLst/>
+                <a:uLnTx/>
+                <a:uFillTx/>
+                <a:latin typeface="Malgun Gothic Semilight" panose="020B0502040204020203" pitchFamily="50" charset="-127"/>
+                <a:ea typeface="Malgun Gothic Semilight" panose="020B0502040204020203" pitchFamily="50" charset="-127"/>
+                <a:cs typeface="Malgun Gothic Semilight" panose="020B0502040204020203" pitchFamily="50" charset="-127"/>
+              </a:rPr>
+              <a:t> = </a:t>
+            </a:r>
+            <a:r>
+              <a:rPr kumimoji="0" lang="ko-KR" altLang="en-US" sz="1600" b="0" i="0" u="none" strike="noStrike" kern="1200" cap="none" spc="-150" normalizeH="0" baseline="0" noProof="0" dirty="0">
+                <a:ln>
+                  <a:noFill/>
+                </a:ln>
+                <a:gradFill>
+                  <a:gsLst>
+                    <a:gs pos="83000">
+                      <a:prstClr val="black">
+                        <a:lumMod val="75000"/>
+                        <a:lumOff val="25000"/>
+                      </a:prstClr>
+                    </a:gs>
+                    <a:gs pos="100000">
+                      <a:prstClr val="black">
+                        <a:lumMod val="75000"/>
+                        <a:lumOff val="25000"/>
+                      </a:prstClr>
+                    </a:gs>
+                  </a:gsLst>
+                  <a:lin ang="5400000" scaled="1"/>
+                </a:gradFill>
+                <a:effectLst/>
+                <a:uLnTx/>
+                <a:uFillTx/>
+                <a:latin typeface="Malgun Gothic Semilight" panose="020B0502040204020203" pitchFamily="50" charset="-127"/>
+                <a:ea typeface="Malgun Gothic Semilight" panose="020B0502040204020203" pitchFamily="50" charset="-127"/>
+                <a:cs typeface="Malgun Gothic Semilight" panose="020B0502040204020203" pitchFamily="50" charset="-127"/>
+              </a:rPr>
+              <a:t>파일번호</a:t>
+            </a:r>
+            <a:endParaRPr kumimoji="0" lang="en-US" altLang="ko-KR" sz="1600" b="0" i="0" u="none" strike="noStrike" kern="1200" cap="none" spc="-150" normalizeH="0" baseline="0" noProof="0" dirty="0">
+              <a:ln>
+                <a:noFill/>
+              </a:ln>
+              <a:gradFill>
+                <a:gsLst>
+                  <a:gs pos="83000">
+                    <a:prstClr val="black">
+                      <a:lumMod val="75000"/>
+                      <a:lumOff val="25000"/>
+                    </a:prstClr>
+                  </a:gs>
+                  <a:gs pos="100000">
+                    <a:prstClr val="black">
+                      <a:lumMod val="75000"/>
+                      <a:lumOff val="25000"/>
+                    </a:prstClr>
+                  </a:gs>
+                </a:gsLst>
+                <a:lin ang="5400000" scaled="1"/>
+              </a:gradFill>
+              <a:effectLst/>
+              <a:uLnTx/>
+              <a:uFillTx/>
+              <a:latin typeface="Malgun Gothic Semilight" panose="020B0502040204020203" pitchFamily="50" charset="-127"/>
+              <a:ea typeface="Malgun Gothic Semilight" panose="020B0502040204020203" pitchFamily="50" charset="-127"/>
+              <a:cs typeface="Malgun Gothic Semilight" panose="020B0502040204020203" pitchFamily="50" charset="-127"/>
+            </a:endParaRPr>
+          </a:p>
+          <a:p>
+            <a:pPr marL="0" marR="0" lvl="0" indent="0" algn="ctr" defTabSz="914400" rtl="0" eaLnBrk="1" fontAlgn="auto" latinLnBrk="1" hangingPunct="1">
+              <a:lnSpc>
+                <a:spcPct val="150000"/>
+              </a:lnSpc>
+              <a:spcBef>
+                <a:spcPts val="0"/>
+              </a:spcBef>
+              <a:spcAft>
+                <a:spcPts val="0"/>
+              </a:spcAft>
+              <a:buClrTx/>
+              <a:buSzTx/>
+              <a:buFontTx/>
+              <a:buNone/>
+              <a:tabLst/>
+              <a:defRPr/>
+            </a:pPr>
+            <a:r>
+              <a:rPr lang="en-US" altLang="ko-KR" sz="1600" spc="-150" dirty="0" err="1">
+                <a:gradFill>
+                  <a:gsLst>
+                    <a:gs pos="83000">
+                      <a:prstClr val="black">
+                        <a:lumMod val="75000"/>
+                        <a:lumOff val="25000"/>
+                      </a:prstClr>
+                    </a:gs>
+                    <a:gs pos="100000">
+                      <a:prstClr val="black">
+                        <a:lumMod val="75000"/>
+                        <a:lumOff val="25000"/>
+                      </a:prstClr>
+                    </a:gs>
+                  </a:gsLst>
+                  <a:lin ang="5400000" scaled="1"/>
+                </a:gradFill>
+                <a:latin typeface="Malgun Gothic Semilight" panose="020B0502040204020203" pitchFamily="50" charset="-127"/>
+                <a:ea typeface="Malgun Gothic Semilight" panose="020B0502040204020203" pitchFamily="50" charset="-127"/>
+                <a:cs typeface="Malgun Gothic Semilight" panose="020B0502040204020203" pitchFamily="50" charset="-127"/>
+              </a:rPr>
+              <a:t>Pno</a:t>
+            </a:r>
+            <a:r>
+              <a:rPr kumimoji="0" lang="en-US" altLang="ko-KR" sz="1600" b="0" i="0" u="none" strike="noStrike" kern="1200" cap="none" spc="-150" normalizeH="0" baseline="0" noProof="0" dirty="0">
+                <a:ln>
+                  <a:noFill/>
+                </a:ln>
+                <a:gradFill>
+                  <a:gsLst>
+                    <a:gs pos="83000">
+                      <a:prstClr val="black">
+                        <a:lumMod val="75000"/>
+                        <a:lumOff val="25000"/>
+                      </a:prstClr>
+                    </a:gs>
+                    <a:gs pos="100000">
+                      <a:prstClr val="black">
+                        <a:lumMod val="75000"/>
+                        <a:lumOff val="25000"/>
+                      </a:prstClr>
+                    </a:gs>
+                  </a:gsLst>
+                  <a:lin ang="5400000" scaled="1"/>
+                </a:gradFill>
+                <a:effectLst/>
+                <a:uLnTx/>
+                <a:uFillTx/>
+                <a:latin typeface="Malgun Gothic Semilight" panose="020B0502040204020203" pitchFamily="50" charset="-127"/>
+                <a:ea typeface="Malgun Gothic Semilight" panose="020B0502040204020203" pitchFamily="50" charset="-127"/>
+                <a:cs typeface="Malgun Gothic Semilight" panose="020B0502040204020203" pitchFamily="50" charset="-127"/>
+              </a:rPr>
+              <a:t> = </a:t>
+            </a:r>
+            <a:r>
+              <a:rPr kumimoji="0" lang="ko-KR" altLang="en-US" sz="1600" b="0" i="0" u="none" strike="noStrike" kern="1200" cap="none" spc="-150" normalizeH="0" baseline="0" noProof="0" dirty="0">
+                <a:ln>
+                  <a:noFill/>
+                </a:ln>
+                <a:gradFill>
+                  <a:gsLst>
+                    <a:gs pos="83000">
+                      <a:prstClr val="black">
+                        <a:lumMod val="75000"/>
+                        <a:lumOff val="25000"/>
+                      </a:prstClr>
+                    </a:gs>
+                    <a:gs pos="100000">
+                      <a:prstClr val="black">
+                        <a:lumMod val="75000"/>
+                        <a:lumOff val="25000"/>
+                      </a:prstClr>
+                    </a:gs>
+                  </a:gsLst>
+                  <a:lin ang="5400000" scaled="1"/>
+                </a:gradFill>
+                <a:effectLst/>
+                <a:uLnTx/>
+                <a:uFillTx/>
+                <a:latin typeface="Malgun Gothic Semilight" panose="020B0502040204020203" pitchFamily="50" charset="-127"/>
+                <a:ea typeface="Malgun Gothic Semilight" panose="020B0502040204020203" pitchFamily="50" charset="-127"/>
+                <a:cs typeface="Malgun Gothic Semilight" panose="020B0502040204020203" pitchFamily="50" charset="-127"/>
+              </a:rPr>
+              <a:t>활동번호</a:t>
+            </a:r>
+            <a:endParaRPr kumimoji="0" lang="en-US" altLang="ko-KR" sz="1600" b="0" i="0" u="none" strike="noStrike" kern="1200" cap="none" spc="-150" normalizeH="0" baseline="0" noProof="0" dirty="0">
+              <a:ln>
+                <a:noFill/>
+              </a:ln>
+              <a:gradFill>
+                <a:gsLst>
+                  <a:gs pos="83000">
+                    <a:prstClr val="black">
+                      <a:lumMod val="75000"/>
+                      <a:lumOff val="25000"/>
+                    </a:prstClr>
+                  </a:gs>
+                  <a:gs pos="100000">
+                    <a:prstClr val="black">
+                      <a:lumMod val="75000"/>
+                      <a:lumOff val="25000"/>
+                    </a:prstClr>
+                  </a:gs>
+                </a:gsLst>
+                <a:lin ang="5400000" scaled="1"/>
+              </a:gradFill>
+              <a:effectLst/>
+              <a:uLnTx/>
+              <a:uFillTx/>
+              <a:latin typeface="Malgun Gothic Semilight" panose="020B0502040204020203" pitchFamily="50" charset="-127"/>
+              <a:ea typeface="Malgun Gothic Semilight" panose="020B0502040204020203" pitchFamily="50" charset="-127"/>
+              <a:cs typeface="Malgun Gothic Semilight" panose="020B0502040204020203" pitchFamily="50" charset="-127"/>
+            </a:endParaRPr>
+          </a:p>
+          <a:p>
+            <a:pPr marL="0" marR="0" lvl="0" indent="0" algn="ctr" defTabSz="914400" rtl="0" eaLnBrk="1" fontAlgn="auto" latinLnBrk="1" hangingPunct="1">
+              <a:lnSpc>
+                <a:spcPct val="150000"/>
+              </a:lnSpc>
+              <a:spcBef>
+                <a:spcPts val="0"/>
+              </a:spcBef>
+              <a:spcAft>
+                <a:spcPts val="0"/>
+              </a:spcAft>
+              <a:buClrTx/>
+              <a:buSzTx/>
+              <a:buFontTx/>
+              <a:buNone/>
+              <a:tabLst/>
+              <a:defRPr/>
+            </a:pPr>
+            <a:r>
+              <a:rPr lang="en-US" altLang="ko-KR" sz="1600" spc="-150" dirty="0">
+                <a:gradFill>
+                  <a:gsLst>
+                    <a:gs pos="83000">
+                      <a:prstClr val="black">
+                        <a:lumMod val="75000"/>
+                        <a:lumOff val="25000"/>
+                      </a:prstClr>
+                    </a:gs>
+                    <a:gs pos="100000">
+                      <a:prstClr val="black">
+                        <a:lumMod val="75000"/>
+                        <a:lumOff val="25000"/>
+                      </a:prstClr>
+                    </a:gs>
+                  </a:gsLst>
+                  <a:lin ang="5400000" scaled="1"/>
+                </a:gradFill>
+                <a:latin typeface="Malgun Gothic Semilight" panose="020B0502040204020203" pitchFamily="50" charset="-127"/>
+                <a:ea typeface="Malgun Gothic Semilight" panose="020B0502040204020203" pitchFamily="50" charset="-127"/>
+                <a:cs typeface="Malgun Gothic Semilight" panose="020B0502040204020203" pitchFamily="50" charset="-127"/>
+              </a:rPr>
+              <a:t>File Name</a:t>
+            </a:r>
+            <a:r>
+              <a:rPr kumimoji="0" lang="en-US" altLang="ko-KR" sz="1600" b="0" i="0" u="none" strike="noStrike" kern="1200" cap="none" spc="-150" normalizeH="0" baseline="0" noProof="0" dirty="0">
+                <a:ln>
+                  <a:noFill/>
+                </a:ln>
+                <a:gradFill>
+                  <a:gsLst>
+                    <a:gs pos="83000">
+                      <a:prstClr val="black">
+                        <a:lumMod val="75000"/>
+                        <a:lumOff val="25000"/>
+                      </a:prstClr>
+                    </a:gs>
+                    <a:gs pos="100000">
+                      <a:prstClr val="black">
+                        <a:lumMod val="75000"/>
+                        <a:lumOff val="25000"/>
+                      </a:prstClr>
+                    </a:gs>
+                  </a:gsLst>
+                  <a:lin ang="5400000" scaled="1"/>
+                </a:gradFill>
+                <a:effectLst/>
+                <a:uLnTx/>
+                <a:uFillTx/>
+                <a:latin typeface="Malgun Gothic Semilight" panose="020B0502040204020203" pitchFamily="50" charset="-127"/>
+                <a:ea typeface="Malgun Gothic Semilight" panose="020B0502040204020203" pitchFamily="50" charset="-127"/>
+                <a:cs typeface="Malgun Gothic Semilight" panose="020B0502040204020203" pitchFamily="50" charset="-127"/>
+              </a:rPr>
+              <a:t> = </a:t>
+            </a:r>
+            <a:r>
+              <a:rPr kumimoji="0" lang="ko-KR" altLang="en-US" sz="1600" b="0" i="0" u="none" strike="noStrike" kern="1200" cap="none" spc="-150" normalizeH="0" baseline="0" noProof="0" dirty="0">
+                <a:ln>
+                  <a:noFill/>
+                </a:ln>
+                <a:gradFill>
+                  <a:gsLst>
+                    <a:gs pos="83000">
+                      <a:prstClr val="black">
+                        <a:lumMod val="75000"/>
+                        <a:lumOff val="25000"/>
+                      </a:prstClr>
+                    </a:gs>
+                    <a:gs pos="100000">
+                      <a:prstClr val="black">
+                        <a:lumMod val="75000"/>
+                        <a:lumOff val="25000"/>
+                      </a:prstClr>
+                    </a:gs>
+                  </a:gsLst>
+                  <a:lin ang="5400000" scaled="1"/>
+                </a:gradFill>
+                <a:effectLst/>
+                <a:uLnTx/>
+                <a:uFillTx/>
+                <a:latin typeface="Malgun Gothic Semilight" panose="020B0502040204020203" pitchFamily="50" charset="-127"/>
+                <a:ea typeface="Malgun Gothic Semilight" panose="020B0502040204020203" pitchFamily="50" charset="-127"/>
+                <a:cs typeface="Malgun Gothic Semilight" panose="020B0502040204020203" pitchFamily="50" charset="-127"/>
+              </a:rPr>
+              <a:t>활동일</a:t>
+            </a:r>
+            <a:endParaRPr kumimoji="0" lang="en-US" altLang="ko-KR" sz="1600" b="0" i="0" u="none" strike="noStrike" kern="1200" cap="none" spc="-150" normalizeH="0" baseline="0" noProof="0" dirty="0">
+              <a:ln>
+                <a:noFill/>
+              </a:ln>
+              <a:gradFill>
+                <a:gsLst>
+                  <a:gs pos="83000">
+                    <a:prstClr val="black">
+                      <a:lumMod val="75000"/>
+                      <a:lumOff val="25000"/>
+                    </a:prstClr>
+                  </a:gs>
+                  <a:gs pos="100000">
+                    <a:prstClr val="black">
+                      <a:lumMod val="75000"/>
+                      <a:lumOff val="25000"/>
+                    </a:prstClr>
+                  </a:gs>
+                </a:gsLst>
+                <a:lin ang="5400000" scaled="1"/>
+              </a:gradFill>
+              <a:effectLst/>
+              <a:uLnTx/>
+              <a:uFillTx/>
+              <a:latin typeface="Malgun Gothic Semilight" panose="020B0502040204020203" pitchFamily="50" charset="-127"/>
+              <a:ea typeface="Malgun Gothic Semilight" panose="020B0502040204020203" pitchFamily="50" charset="-127"/>
+              <a:cs typeface="Malgun Gothic Semilight" panose="020B0502040204020203" pitchFamily="50" charset="-127"/>
+            </a:endParaRPr>
+          </a:p>
+          <a:p>
+            <a:pPr marL="0" marR="0" lvl="0" indent="0" algn="ctr" defTabSz="914400" rtl="0" eaLnBrk="1" fontAlgn="auto" latinLnBrk="1" hangingPunct="1">
+              <a:lnSpc>
+                <a:spcPct val="150000"/>
+              </a:lnSpc>
+              <a:spcBef>
+                <a:spcPts val="0"/>
+              </a:spcBef>
+              <a:spcAft>
+                <a:spcPts val="0"/>
+              </a:spcAft>
+              <a:buClrTx/>
+              <a:buSzTx/>
+              <a:buFontTx/>
+              <a:buNone/>
+              <a:tabLst/>
+              <a:defRPr/>
+            </a:pPr>
+            <a:r>
+              <a:rPr lang="en-US" altLang="ko-KR" sz="1600" spc="-150" dirty="0">
+                <a:gradFill>
+                  <a:gsLst>
+                    <a:gs pos="83000">
+                      <a:prstClr val="black">
+                        <a:lumMod val="75000"/>
+                        <a:lumOff val="25000"/>
+                      </a:prstClr>
+                    </a:gs>
+                    <a:gs pos="100000">
+                      <a:prstClr val="black">
+                        <a:lumMod val="75000"/>
+                        <a:lumOff val="25000"/>
+                      </a:prstClr>
+                    </a:gs>
+                  </a:gsLst>
+                  <a:lin ang="5400000" scaled="1"/>
+                </a:gradFill>
+                <a:latin typeface="Malgun Gothic Semilight" panose="020B0502040204020203" pitchFamily="50" charset="-127"/>
+                <a:ea typeface="Malgun Gothic Semilight" panose="020B0502040204020203" pitchFamily="50" charset="-127"/>
+                <a:cs typeface="Malgun Gothic Semilight" panose="020B0502040204020203" pitchFamily="50" charset="-127"/>
+              </a:rPr>
+              <a:t>Origin </a:t>
+            </a:r>
+            <a:r>
+              <a:rPr kumimoji="0" lang="en-US" altLang="ko-KR" sz="1600" b="0" i="0" u="none" strike="noStrike" kern="1200" cap="none" spc="-150" normalizeH="0" baseline="0" noProof="0" dirty="0">
+                <a:ln>
+                  <a:noFill/>
+                </a:ln>
+                <a:gradFill>
+                  <a:gsLst>
+                    <a:gs pos="83000">
+                      <a:prstClr val="black">
+                        <a:lumMod val="75000"/>
+                        <a:lumOff val="25000"/>
+                      </a:prstClr>
+                    </a:gs>
+                    <a:gs pos="100000">
+                      <a:prstClr val="black">
+                        <a:lumMod val="75000"/>
+                        <a:lumOff val="25000"/>
+                      </a:prstClr>
+                    </a:gs>
+                  </a:gsLst>
+                  <a:lin ang="5400000" scaled="1"/>
+                </a:gradFill>
+                <a:effectLst/>
+                <a:uLnTx/>
+                <a:uFillTx/>
+                <a:latin typeface="Malgun Gothic Semilight" panose="020B0502040204020203" pitchFamily="50" charset="-127"/>
+                <a:ea typeface="Malgun Gothic Semilight" panose="020B0502040204020203" pitchFamily="50" charset="-127"/>
+                <a:cs typeface="Malgun Gothic Semilight" panose="020B0502040204020203" pitchFamily="50" charset="-127"/>
+              </a:rPr>
+              <a:t>= </a:t>
+            </a:r>
+            <a:r>
+              <a:rPr kumimoji="0" lang="ko-KR" altLang="en-US" sz="1600" b="0" i="0" u="none" strike="noStrike" kern="1200" cap="none" spc="-150" normalizeH="0" baseline="0" noProof="0" dirty="0">
+                <a:ln>
+                  <a:noFill/>
+                </a:ln>
+                <a:gradFill>
+                  <a:gsLst>
+                    <a:gs pos="83000">
+                      <a:prstClr val="black">
+                        <a:lumMod val="75000"/>
+                        <a:lumOff val="25000"/>
+                      </a:prstClr>
+                    </a:gs>
+                    <a:gs pos="100000">
+                      <a:prstClr val="black">
+                        <a:lumMod val="75000"/>
+                        <a:lumOff val="25000"/>
+                      </a:prstClr>
+                    </a:gs>
+                  </a:gsLst>
+                  <a:lin ang="5400000" scaled="1"/>
+                </a:gradFill>
+                <a:effectLst/>
+                <a:uLnTx/>
+                <a:uFillTx/>
+                <a:latin typeface="Malgun Gothic Semilight" panose="020B0502040204020203" pitchFamily="50" charset="-127"/>
+                <a:ea typeface="Malgun Gothic Semilight" panose="020B0502040204020203" pitchFamily="50" charset="-127"/>
+                <a:cs typeface="Malgun Gothic Semilight" panose="020B0502040204020203" pitchFamily="50" charset="-127"/>
+              </a:rPr>
+              <a:t>활동</a:t>
+            </a:r>
+            <a:endParaRPr kumimoji="0" lang="en-US" altLang="ko-KR" sz="1600" b="0" i="0" u="none" strike="noStrike" kern="1200" cap="none" spc="-150" normalizeH="0" baseline="0" noProof="0" dirty="0">
+              <a:ln>
+                <a:noFill/>
+              </a:ln>
+              <a:gradFill>
+                <a:gsLst>
+                  <a:gs pos="83000">
+                    <a:prstClr val="black">
+                      <a:lumMod val="75000"/>
+                      <a:lumOff val="25000"/>
+                    </a:prstClr>
+                  </a:gs>
+                  <a:gs pos="100000">
+                    <a:prstClr val="black">
+                      <a:lumMod val="75000"/>
+                      <a:lumOff val="25000"/>
+                    </a:prstClr>
+                  </a:gs>
+                </a:gsLst>
+                <a:lin ang="5400000" scaled="1"/>
+              </a:gradFill>
+              <a:effectLst/>
+              <a:uLnTx/>
+              <a:uFillTx/>
+              <a:latin typeface="Malgun Gothic Semilight" panose="020B0502040204020203" pitchFamily="50" charset="-127"/>
+              <a:ea typeface="Malgun Gothic Semilight" panose="020B0502040204020203" pitchFamily="50" charset="-127"/>
+              <a:cs typeface="Malgun Gothic Semilight" panose="020B0502040204020203" pitchFamily="50" charset="-127"/>
+            </a:endParaRPr>
+          </a:p>
+          <a:p>
+            <a:pPr marL="0" marR="0" lvl="0" indent="0" algn="ctr" defTabSz="914400" rtl="0" eaLnBrk="1" fontAlgn="auto" latinLnBrk="1" hangingPunct="1">
+              <a:lnSpc>
+                <a:spcPct val="150000"/>
+              </a:lnSpc>
+              <a:spcBef>
+                <a:spcPts val="0"/>
+              </a:spcBef>
+              <a:spcAft>
+                <a:spcPts val="0"/>
+              </a:spcAft>
+              <a:buClrTx/>
+              <a:buSzTx/>
+              <a:buFontTx/>
+              <a:buNone/>
+              <a:tabLst/>
+              <a:defRPr/>
+            </a:pPr>
+            <a:r>
+              <a:rPr lang="en-US" altLang="ko-KR" sz="1600" spc="-150" dirty="0">
+                <a:gradFill>
+                  <a:gsLst>
+                    <a:gs pos="83000">
+                      <a:prstClr val="black">
+                        <a:lumMod val="75000"/>
+                        <a:lumOff val="25000"/>
+                      </a:prstClr>
+                    </a:gs>
+                    <a:gs pos="100000">
+                      <a:prstClr val="black">
+                        <a:lumMod val="75000"/>
+                        <a:lumOff val="25000"/>
+                      </a:prstClr>
+                    </a:gs>
+                  </a:gsLst>
+                  <a:lin ang="5400000" scaled="1"/>
+                </a:gradFill>
+                <a:latin typeface="Malgun Gothic Semilight" panose="020B0502040204020203" pitchFamily="50" charset="-127"/>
+                <a:ea typeface="Malgun Gothic Semilight" panose="020B0502040204020203" pitchFamily="50" charset="-127"/>
+                <a:cs typeface="Malgun Gothic Semilight" panose="020B0502040204020203" pitchFamily="50" charset="-127"/>
+              </a:rPr>
+              <a:t>File URL </a:t>
+            </a:r>
+            <a:r>
+              <a:rPr kumimoji="0" lang="en-US" altLang="ko-KR" sz="1600" b="0" i="0" u="none" strike="noStrike" kern="1200" cap="none" spc="-150" normalizeH="0" baseline="0" noProof="0" dirty="0">
+                <a:ln>
+                  <a:noFill/>
+                </a:ln>
+                <a:gradFill>
+                  <a:gsLst>
+                    <a:gs pos="83000">
+                      <a:prstClr val="black">
+                        <a:lumMod val="75000"/>
+                        <a:lumOff val="25000"/>
+                      </a:prstClr>
+                    </a:gs>
+                    <a:gs pos="100000">
+                      <a:prstClr val="black">
+                        <a:lumMod val="75000"/>
+                        <a:lumOff val="25000"/>
+                      </a:prstClr>
+                    </a:gs>
+                  </a:gsLst>
+                  <a:lin ang="5400000" scaled="1"/>
+                </a:gradFill>
+                <a:effectLst/>
+                <a:uLnTx/>
+                <a:uFillTx/>
+                <a:latin typeface="Malgun Gothic Semilight" panose="020B0502040204020203" pitchFamily="50" charset="-127"/>
+                <a:ea typeface="Malgun Gothic Semilight" panose="020B0502040204020203" pitchFamily="50" charset="-127"/>
+                <a:cs typeface="Malgun Gothic Semilight" panose="020B0502040204020203" pitchFamily="50" charset="-127"/>
+              </a:rPr>
+              <a:t>= </a:t>
+            </a:r>
+            <a:r>
+              <a:rPr kumimoji="0" lang="ko-KR" altLang="en-US" sz="1600" b="0" i="0" u="none" strike="noStrike" kern="1200" cap="none" spc="-150" normalizeH="0" baseline="0" noProof="0" dirty="0">
+                <a:ln>
+                  <a:noFill/>
+                </a:ln>
+                <a:gradFill>
+                  <a:gsLst>
+                    <a:gs pos="83000">
+                      <a:prstClr val="black">
+                        <a:lumMod val="75000"/>
+                        <a:lumOff val="25000"/>
+                      </a:prstClr>
+                    </a:gs>
+                    <a:gs pos="100000">
+                      <a:prstClr val="black">
+                        <a:lumMod val="75000"/>
+                        <a:lumOff val="25000"/>
+                      </a:prstClr>
+                    </a:gs>
+                  </a:gsLst>
+                  <a:lin ang="5400000" scaled="1"/>
+                </a:gradFill>
+                <a:effectLst/>
+                <a:uLnTx/>
+                <a:uFillTx/>
+                <a:latin typeface="Malgun Gothic Semilight" panose="020B0502040204020203" pitchFamily="50" charset="-127"/>
+                <a:ea typeface="Malgun Gothic Semilight" panose="020B0502040204020203" pitchFamily="50" charset="-127"/>
+                <a:cs typeface="Malgun Gothic Semilight" panose="020B0502040204020203" pitchFamily="50" charset="-127"/>
+              </a:rPr>
+              <a:t>설명</a:t>
             </a:r>
             <a:endParaRPr kumimoji="0" lang="en-US" altLang="ko-KR" sz="2000" b="0" i="0" u="none" strike="noStrike" kern="1200" cap="none" spc="-150" normalizeH="0" baseline="0" noProof="0" dirty="0">
               <a:ln>
@@ -6528,945 +7742,38 @@
               <a:cs typeface="Malgun Gothic Semilight" panose="020B0502040204020203" pitchFamily="50" charset="-127"/>
             </a:endParaRPr>
           </a:p>
-          <a:p>
-            <a:pPr marL="0" marR="0" lvl="0" indent="0" algn="ctr" defTabSz="914400" rtl="0" eaLnBrk="1" fontAlgn="auto" latinLnBrk="1" hangingPunct="1">
-              <a:lnSpc>
-                <a:spcPct val="150000"/>
-              </a:lnSpc>
-              <a:spcBef>
-                <a:spcPts val="0"/>
-              </a:spcBef>
-              <a:spcAft>
-                <a:spcPts val="0"/>
-              </a:spcAft>
-              <a:buClrTx/>
-              <a:buSzTx/>
-              <a:buFontTx/>
-              <a:buNone/>
-              <a:tabLst/>
-              <a:defRPr/>
-            </a:pPr>
-            <a:r>
-              <a:rPr kumimoji="0" lang="en-US" altLang="ko-KR" sz="2000" b="0" i="0" u="none" strike="noStrike" kern="1200" cap="none" spc="-150" normalizeH="0" baseline="0" noProof="0" dirty="0">
-                <a:ln>
-                  <a:noFill/>
-                </a:ln>
-                <a:gradFill>
-                  <a:gsLst>
-                    <a:gs pos="83000">
-                      <a:prstClr val="black">
-                        <a:lumMod val="75000"/>
-                        <a:lumOff val="25000"/>
-                      </a:prstClr>
-                    </a:gs>
-                    <a:gs pos="100000">
-                      <a:prstClr val="black">
-                        <a:lumMod val="75000"/>
-                        <a:lumOff val="25000"/>
-                      </a:prstClr>
-                    </a:gs>
-                  </a:gsLst>
-                  <a:lin ang="5400000" scaled="1"/>
-                </a:gradFill>
-                <a:effectLst/>
-                <a:uLnTx/>
-                <a:uFillTx/>
-                <a:latin typeface="Malgun Gothic Semilight" panose="020B0502040204020203" pitchFamily="50" charset="-127"/>
-                <a:ea typeface="Malgun Gothic Semilight" panose="020B0502040204020203" pitchFamily="50" charset="-127"/>
-                <a:cs typeface="Malgun Gothic Semilight" panose="020B0502040204020203" pitchFamily="50" charset="-127"/>
-              </a:rPr>
-              <a:t>Date = </a:t>
-            </a:r>
-            <a:r>
-              <a:rPr kumimoji="0" lang="ko-KR" altLang="en-US" sz="2000" b="0" i="0" u="none" strike="noStrike" kern="1200" cap="none" spc="-150" normalizeH="0" baseline="0" noProof="0" dirty="0">
-                <a:ln>
-                  <a:noFill/>
-                </a:ln>
-                <a:gradFill>
-                  <a:gsLst>
-                    <a:gs pos="83000">
-                      <a:prstClr val="black">
-                        <a:lumMod val="75000"/>
-                        <a:lumOff val="25000"/>
-                      </a:prstClr>
-                    </a:gs>
-                    <a:gs pos="100000">
-                      <a:prstClr val="black">
-                        <a:lumMod val="75000"/>
-                        <a:lumOff val="25000"/>
-                      </a:prstClr>
-                    </a:gs>
-                  </a:gsLst>
-                  <a:lin ang="5400000" scaled="1"/>
-                </a:gradFill>
-                <a:effectLst/>
-                <a:uLnTx/>
-                <a:uFillTx/>
-                <a:latin typeface="Malgun Gothic Semilight" panose="020B0502040204020203" pitchFamily="50" charset="-127"/>
-                <a:ea typeface="Malgun Gothic Semilight" panose="020B0502040204020203" pitchFamily="50" charset="-127"/>
-                <a:cs typeface="Malgun Gothic Semilight" panose="020B0502040204020203" pitchFamily="50" charset="-127"/>
-              </a:rPr>
-              <a:t>활동일</a:t>
-            </a:r>
-            <a:endParaRPr kumimoji="0" lang="en-US" altLang="ko-KR" sz="2000" b="0" i="0" u="none" strike="noStrike" kern="1200" cap="none" spc="-150" normalizeH="0" baseline="0" noProof="0" dirty="0">
-              <a:ln>
-                <a:noFill/>
-              </a:ln>
-              <a:gradFill>
-                <a:gsLst>
-                  <a:gs pos="83000">
-                    <a:prstClr val="black">
-                      <a:lumMod val="75000"/>
-                      <a:lumOff val="25000"/>
-                    </a:prstClr>
-                  </a:gs>
-                  <a:gs pos="100000">
-                    <a:prstClr val="black">
-                      <a:lumMod val="75000"/>
-                      <a:lumOff val="25000"/>
-                    </a:prstClr>
-                  </a:gs>
-                </a:gsLst>
-                <a:lin ang="5400000" scaled="1"/>
-              </a:gradFill>
-              <a:effectLst/>
-              <a:uLnTx/>
-              <a:uFillTx/>
-              <a:latin typeface="Malgun Gothic Semilight" panose="020B0502040204020203" pitchFamily="50" charset="-127"/>
-              <a:ea typeface="Malgun Gothic Semilight" panose="020B0502040204020203" pitchFamily="50" charset="-127"/>
-              <a:cs typeface="Malgun Gothic Semilight" panose="020B0502040204020203" pitchFamily="50" charset="-127"/>
-            </a:endParaRPr>
-          </a:p>
-          <a:p>
-            <a:pPr marL="0" marR="0" lvl="0" indent="0" algn="ctr" defTabSz="914400" rtl="0" eaLnBrk="1" fontAlgn="auto" latinLnBrk="1" hangingPunct="1">
-              <a:lnSpc>
-                <a:spcPct val="150000"/>
-              </a:lnSpc>
-              <a:spcBef>
-                <a:spcPts val="0"/>
-              </a:spcBef>
-              <a:spcAft>
-                <a:spcPts val="0"/>
-              </a:spcAft>
-              <a:buClrTx/>
-              <a:buSzTx/>
-              <a:buFontTx/>
-              <a:buNone/>
-              <a:tabLst/>
-              <a:defRPr/>
-            </a:pPr>
-            <a:r>
-              <a:rPr kumimoji="0" lang="en-US" altLang="ko-KR" sz="2000" b="0" i="0" u="none" strike="noStrike" kern="1200" cap="none" spc="-150" normalizeH="0" baseline="0" noProof="0" dirty="0">
-                <a:ln>
-                  <a:noFill/>
-                </a:ln>
-                <a:gradFill>
-                  <a:gsLst>
-                    <a:gs pos="83000">
-                      <a:prstClr val="black">
-                        <a:lumMod val="75000"/>
-                        <a:lumOff val="25000"/>
-                      </a:prstClr>
-                    </a:gs>
-                    <a:gs pos="100000">
-                      <a:prstClr val="black">
-                        <a:lumMod val="75000"/>
-                        <a:lumOff val="25000"/>
-                      </a:prstClr>
-                    </a:gs>
-                  </a:gsLst>
-                  <a:lin ang="5400000" scaled="1"/>
-                </a:gradFill>
-                <a:effectLst/>
-                <a:uLnTx/>
-                <a:uFillTx/>
-                <a:latin typeface="Malgun Gothic Semilight" panose="020B0502040204020203" pitchFamily="50" charset="-127"/>
-                <a:ea typeface="Malgun Gothic Semilight" panose="020B0502040204020203" pitchFamily="50" charset="-127"/>
-                <a:cs typeface="Malgun Gothic Semilight" panose="020B0502040204020203" pitchFamily="50" charset="-127"/>
-              </a:rPr>
-              <a:t>Title = </a:t>
-            </a:r>
-            <a:r>
-              <a:rPr kumimoji="0" lang="ko-KR" altLang="en-US" sz="2000" b="0" i="0" u="none" strike="noStrike" kern="1200" cap="none" spc="-150" normalizeH="0" baseline="0" noProof="0" dirty="0">
-                <a:ln>
-                  <a:noFill/>
-                </a:ln>
-                <a:gradFill>
-                  <a:gsLst>
-                    <a:gs pos="83000">
-                      <a:prstClr val="black">
-                        <a:lumMod val="75000"/>
-                        <a:lumOff val="25000"/>
-                      </a:prstClr>
-                    </a:gs>
-                    <a:gs pos="100000">
-                      <a:prstClr val="black">
-                        <a:lumMod val="75000"/>
-                        <a:lumOff val="25000"/>
-                      </a:prstClr>
-                    </a:gs>
-                  </a:gsLst>
-                  <a:lin ang="5400000" scaled="1"/>
-                </a:gradFill>
-                <a:effectLst/>
-                <a:uLnTx/>
-                <a:uFillTx/>
-                <a:latin typeface="Malgun Gothic Semilight" panose="020B0502040204020203" pitchFamily="50" charset="-127"/>
-                <a:ea typeface="Malgun Gothic Semilight" panose="020B0502040204020203" pitchFamily="50" charset="-127"/>
-                <a:cs typeface="Malgun Gothic Semilight" panose="020B0502040204020203" pitchFamily="50" charset="-127"/>
-              </a:rPr>
-              <a:t>활동</a:t>
-            </a:r>
-            <a:endParaRPr kumimoji="0" lang="en-US" altLang="ko-KR" sz="2000" b="0" i="0" u="none" strike="noStrike" kern="1200" cap="none" spc="-150" normalizeH="0" baseline="0" noProof="0" dirty="0">
-              <a:ln>
-                <a:noFill/>
-              </a:ln>
-              <a:gradFill>
-                <a:gsLst>
-                  <a:gs pos="83000">
-                    <a:prstClr val="black">
-                      <a:lumMod val="75000"/>
-                      <a:lumOff val="25000"/>
-                    </a:prstClr>
-                  </a:gs>
-                  <a:gs pos="100000">
-                    <a:prstClr val="black">
-                      <a:lumMod val="75000"/>
-                      <a:lumOff val="25000"/>
-                    </a:prstClr>
-                  </a:gs>
-                </a:gsLst>
-                <a:lin ang="5400000" scaled="1"/>
-              </a:gradFill>
-              <a:effectLst/>
-              <a:uLnTx/>
-              <a:uFillTx/>
-              <a:latin typeface="Malgun Gothic Semilight" panose="020B0502040204020203" pitchFamily="50" charset="-127"/>
-              <a:ea typeface="Malgun Gothic Semilight" panose="020B0502040204020203" pitchFamily="50" charset="-127"/>
-              <a:cs typeface="Malgun Gothic Semilight" panose="020B0502040204020203" pitchFamily="50" charset="-127"/>
-            </a:endParaRPr>
-          </a:p>
-          <a:p>
-            <a:pPr marL="0" marR="0" lvl="0" indent="0" algn="ctr" defTabSz="914400" rtl="0" eaLnBrk="1" fontAlgn="auto" latinLnBrk="1" hangingPunct="1">
-              <a:lnSpc>
-                <a:spcPct val="150000"/>
-              </a:lnSpc>
-              <a:spcBef>
-                <a:spcPts val="0"/>
-              </a:spcBef>
-              <a:spcAft>
-                <a:spcPts val="0"/>
-              </a:spcAft>
-              <a:buClrTx/>
-              <a:buSzTx/>
-              <a:buFontTx/>
-              <a:buNone/>
-              <a:tabLst/>
-              <a:defRPr/>
-            </a:pPr>
-            <a:r>
-              <a:rPr kumimoji="0" lang="en-US" altLang="ko-KR" sz="2000" b="0" i="0" u="none" strike="noStrike" kern="1200" cap="none" spc="-150" normalizeH="0" baseline="0" noProof="0" dirty="0">
-                <a:ln>
-                  <a:noFill/>
-                </a:ln>
-                <a:gradFill>
-                  <a:gsLst>
-                    <a:gs pos="83000">
-                      <a:prstClr val="black">
-                        <a:lumMod val="75000"/>
-                        <a:lumOff val="25000"/>
-                      </a:prstClr>
-                    </a:gs>
-                    <a:gs pos="100000">
-                      <a:prstClr val="black">
-                        <a:lumMod val="75000"/>
-                        <a:lumOff val="25000"/>
-                      </a:prstClr>
-                    </a:gs>
-                  </a:gsLst>
-                  <a:lin ang="5400000" scaled="1"/>
-                </a:gradFill>
-                <a:effectLst/>
-                <a:uLnTx/>
-                <a:uFillTx/>
-                <a:latin typeface="Malgun Gothic Semilight" panose="020B0502040204020203" pitchFamily="50" charset="-127"/>
-                <a:ea typeface="Malgun Gothic Semilight" panose="020B0502040204020203" pitchFamily="50" charset="-127"/>
-                <a:cs typeface="Malgun Gothic Semilight" panose="020B0502040204020203" pitchFamily="50" charset="-127"/>
-              </a:rPr>
-              <a:t>Description = </a:t>
-            </a:r>
-            <a:r>
-              <a:rPr kumimoji="0" lang="ko-KR" altLang="en-US" sz="2000" b="0" i="0" u="none" strike="noStrike" kern="1200" cap="none" spc="-150" normalizeH="0" baseline="0" noProof="0" dirty="0">
-                <a:ln>
-                  <a:noFill/>
-                </a:ln>
-                <a:gradFill>
-                  <a:gsLst>
-                    <a:gs pos="83000">
-                      <a:prstClr val="black">
-                        <a:lumMod val="75000"/>
-                        <a:lumOff val="25000"/>
-                      </a:prstClr>
-                    </a:gs>
-                    <a:gs pos="100000">
-                      <a:prstClr val="black">
-                        <a:lumMod val="75000"/>
-                        <a:lumOff val="25000"/>
-                      </a:prstClr>
-                    </a:gs>
-                  </a:gsLst>
-                  <a:lin ang="5400000" scaled="1"/>
-                </a:gradFill>
-                <a:effectLst/>
-                <a:uLnTx/>
-                <a:uFillTx/>
-                <a:latin typeface="Malgun Gothic Semilight" panose="020B0502040204020203" pitchFamily="50" charset="-127"/>
-                <a:ea typeface="Malgun Gothic Semilight" panose="020B0502040204020203" pitchFamily="50" charset="-127"/>
-                <a:cs typeface="Malgun Gothic Semilight" panose="020B0502040204020203" pitchFamily="50" charset="-127"/>
-              </a:rPr>
-              <a:t>설명</a:t>
-            </a:r>
-            <a:endParaRPr kumimoji="0" lang="en-US" altLang="ko-KR" sz="2000" b="0" i="0" u="none" strike="noStrike" kern="1200" cap="none" spc="-150" normalizeH="0" baseline="0" noProof="0" dirty="0">
-              <a:ln>
-                <a:noFill/>
-              </a:ln>
-              <a:gradFill>
-                <a:gsLst>
-                  <a:gs pos="83000">
-                    <a:prstClr val="black">
-                      <a:lumMod val="75000"/>
-                      <a:lumOff val="25000"/>
-                    </a:prstClr>
-                  </a:gs>
-                  <a:gs pos="100000">
-                    <a:prstClr val="black">
-                      <a:lumMod val="75000"/>
-                      <a:lumOff val="25000"/>
-                    </a:prstClr>
-                  </a:gs>
-                </a:gsLst>
-                <a:lin ang="5400000" scaled="1"/>
-              </a:gradFill>
-              <a:effectLst/>
-              <a:uLnTx/>
-              <a:uFillTx/>
-              <a:latin typeface="Malgun Gothic Semilight" panose="020B0502040204020203" pitchFamily="50" charset="-127"/>
-              <a:ea typeface="Malgun Gothic Semilight" panose="020B0502040204020203" pitchFamily="50" charset="-127"/>
-              <a:cs typeface="Malgun Gothic Semilight" panose="020B0502040204020203" pitchFamily="50" charset="-127"/>
-            </a:endParaRPr>
-          </a:p>
-        </p:txBody>
-      </p:sp>
-      <p:sp>
-        <p:nvSpPr>
-          <p:cNvPr id="6" name="TextBox 5">
+        </p:txBody>
+      </p:sp>
+      <p:pic>
+        <p:nvPicPr>
+          <p:cNvPr id="3" name="그림 2">
             <a:extLst>
               <a:ext uri="{FF2B5EF4-FFF2-40B4-BE49-F238E27FC236}">
-                <a16:creationId xmlns:a16="http://schemas.microsoft.com/office/drawing/2014/main" id="{F728572D-2C17-40CC-9469-62BEE60BE33C}"/>
+                <a16:creationId xmlns:a16="http://schemas.microsoft.com/office/drawing/2014/main" id="{3A745851-1DF0-4C91-ADA1-980A35DEE8F5}"/>
               </a:ext>
             </a:extLst>
           </p:cNvPr>
-          <p:cNvSpPr txBox="1"/>
+          <p:cNvPicPr>
+            <a:picLocks noChangeAspect="1"/>
+          </p:cNvPicPr>
           <p:nvPr/>
-        </p:nvSpPr>
+        </p:nvPicPr>
+        <p:blipFill>
+          <a:blip r:embed="rId2"/>
+          <a:stretch>
+            <a:fillRect/>
+          </a:stretch>
+        </p:blipFill>
         <p:spPr>
           <a:xfrm>
-            <a:off x="6762558" y="4537334"/>
-            <a:ext cx="3477924" cy="1891352"/>
+            <a:off x="1951520" y="1555721"/>
+            <a:ext cx="8016935" cy="2522439"/>
           </a:xfrm>
           <a:prstGeom prst="rect">
             <a:avLst/>
           </a:prstGeom>
-          <a:solidFill>
-            <a:schemeClr val="tx2">
-              <a:lumMod val="20000"/>
-              <a:lumOff val="80000"/>
-            </a:schemeClr>
-          </a:solidFill>
-        </p:spPr>
-        <p:txBody>
-          <a:bodyPr wrap="square" rtlCol="0">
-            <a:spAutoFit/>
-          </a:bodyPr>
-          <a:lstStyle/>
-          <a:p>
-            <a:pPr marL="0" marR="0" lvl="0" indent="0" algn="ctr" defTabSz="914400" rtl="0" eaLnBrk="1" fontAlgn="auto" latinLnBrk="1" hangingPunct="1">
-              <a:lnSpc>
-                <a:spcPct val="150000"/>
-              </a:lnSpc>
-              <a:spcBef>
-                <a:spcPts val="0"/>
-              </a:spcBef>
-              <a:spcAft>
-                <a:spcPts val="0"/>
-              </a:spcAft>
-              <a:buClrTx/>
-              <a:buSzTx/>
-              <a:buFontTx/>
-              <a:buNone/>
-              <a:tabLst/>
-              <a:defRPr/>
-            </a:pPr>
-            <a:r>
-              <a:rPr kumimoji="0" lang="en-US" altLang="ko-KR" sz="1600" b="0" i="0" u="none" strike="noStrike" kern="1200" cap="none" spc="-150" normalizeH="0" baseline="0" noProof="0" dirty="0" err="1">
-                <a:ln>
-                  <a:noFill/>
-                </a:ln>
-                <a:gradFill>
-                  <a:gsLst>
-                    <a:gs pos="83000">
-                      <a:prstClr val="black">
-                        <a:lumMod val="75000"/>
-                        <a:lumOff val="25000"/>
-                      </a:prstClr>
-                    </a:gs>
-                    <a:gs pos="100000">
-                      <a:prstClr val="black">
-                        <a:lumMod val="75000"/>
-                        <a:lumOff val="25000"/>
-                      </a:prstClr>
-                    </a:gs>
-                  </a:gsLst>
-                  <a:lin ang="5400000" scaled="1"/>
-                </a:gradFill>
-                <a:effectLst/>
-                <a:uLnTx/>
-                <a:uFillTx/>
-                <a:latin typeface="Malgun Gothic Semilight" panose="020B0502040204020203" pitchFamily="50" charset="-127"/>
-                <a:ea typeface="Malgun Gothic Semilight" panose="020B0502040204020203" pitchFamily="50" charset="-127"/>
-                <a:cs typeface="Malgun Gothic Semilight" panose="020B0502040204020203" pitchFamily="50" charset="-127"/>
-              </a:rPr>
-              <a:t>Fno</a:t>
-            </a:r>
-            <a:r>
-              <a:rPr kumimoji="0" lang="en-US" altLang="ko-KR" sz="1600" b="0" i="0" u="none" strike="noStrike" kern="1200" cap="none" spc="-150" normalizeH="0" baseline="0" noProof="0" dirty="0">
-                <a:ln>
-                  <a:noFill/>
-                </a:ln>
-                <a:gradFill>
-                  <a:gsLst>
-                    <a:gs pos="83000">
-                      <a:prstClr val="black">
-                        <a:lumMod val="75000"/>
-                        <a:lumOff val="25000"/>
-                      </a:prstClr>
-                    </a:gs>
-                    <a:gs pos="100000">
-                      <a:prstClr val="black">
-                        <a:lumMod val="75000"/>
-                        <a:lumOff val="25000"/>
-                      </a:prstClr>
-                    </a:gs>
-                  </a:gsLst>
-                  <a:lin ang="5400000" scaled="1"/>
-                </a:gradFill>
-                <a:effectLst/>
-                <a:uLnTx/>
-                <a:uFillTx/>
-                <a:latin typeface="Malgun Gothic Semilight" panose="020B0502040204020203" pitchFamily="50" charset="-127"/>
-                <a:ea typeface="Malgun Gothic Semilight" panose="020B0502040204020203" pitchFamily="50" charset="-127"/>
-                <a:cs typeface="Malgun Gothic Semilight" panose="020B0502040204020203" pitchFamily="50" charset="-127"/>
-              </a:rPr>
-              <a:t> = </a:t>
-            </a:r>
-            <a:r>
-              <a:rPr kumimoji="0" lang="ko-KR" altLang="en-US" sz="1600" b="0" i="0" u="none" strike="noStrike" kern="1200" cap="none" spc="-150" normalizeH="0" baseline="0" noProof="0" dirty="0">
-                <a:ln>
-                  <a:noFill/>
-                </a:ln>
-                <a:gradFill>
-                  <a:gsLst>
-                    <a:gs pos="83000">
-                      <a:prstClr val="black">
-                        <a:lumMod val="75000"/>
-                        <a:lumOff val="25000"/>
-                      </a:prstClr>
-                    </a:gs>
-                    <a:gs pos="100000">
-                      <a:prstClr val="black">
-                        <a:lumMod val="75000"/>
-                        <a:lumOff val="25000"/>
-                      </a:prstClr>
-                    </a:gs>
-                  </a:gsLst>
-                  <a:lin ang="5400000" scaled="1"/>
-                </a:gradFill>
-                <a:effectLst/>
-                <a:uLnTx/>
-                <a:uFillTx/>
-                <a:latin typeface="Malgun Gothic Semilight" panose="020B0502040204020203" pitchFamily="50" charset="-127"/>
-                <a:ea typeface="Malgun Gothic Semilight" panose="020B0502040204020203" pitchFamily="50" charset="-127"/>
-                <a:cs typeface="Malgun Gothic Semilight" panose="020B0502040204020203" pitchFamily="50" charset="-127"/>
-              </a:rPr>
-              <a:t>파일번호</a:t>
-            </a:r>
-            <a:endParaRPr kumimoji="0" lang="en-US" altLang="ko-KR" sz="1600" b="0" i="0" u="none" strike="noStrike" kern="1200" cap="none" spc="-150" normalizeH="0" baseline="0" noProof="0" dirty="0">
-              <a:ln>
-                <a:noFill/>
-              </a:ln>
-              <a:gradFill>
-                <a:gsLst>
-                  <a:gs pos="83000">
-                    <a:prstClr val="black">
-                      <a:lumMod val="75000"/>
-                      <a:lumOff val="25000"/>
-                    </a:prstClr>
-                  </a:gs>
-                  <a:gs pos="100000">
-                    <a:prstClr val="black">
-                      <a:lumMod val="75000"/>
-                      <a:lumOff val="25000"/>
-                    </a:prstClr>
-                  </a:gs>
-                </a:gsLst>
-                <a:lin ang="5400000" scaled="1"/>
-              </a:gradFill>
-              <a:effectLst/>
-              <a:uLnTx/>
-              <a:uFillTx/>
-              <a:latin typeface="Malgun Gothic Semilight" panose="020B0502040204020203" pitchFamily="50" charset="-127"/>
-              <a:ea typeface="Malgun Gothic Semilight" panose="020B0502040204020203" pitchFamily="50" charset="-127"/>
-              <a:cs typeface="Malgun Gothic Semilight" panose="020B0502040204020203" pitchFamily="50" charset="-127"/>
-            </a:endParaRPr>
-          </a:p>
-          <a:p>
-            <a:pPr marL="0" marR="0" lvl="0" indent="0" algn="ctr" defTabSz="914400" rtl="0" eaLnBrk="1" fontAlgn="auto" latinLnBrk="1" hangingPunct="1">
-              <a:lnSpc>
-                <a:spcPct val="150000"/>
-              </a:lnSpc>
-              <a:spcBef>
-                <a:spcPts val="0"/>
-              </a:spcBef>
-              <a:spcAft>
-                <a:spcPts val="0"/>
-              </a:spcAft>
-              <a:buClrTx/>
-              <a:buSzTx/>
-              <a:buFontTx/>
-              <a:buNone/>
-              <a:tabLst/>
-              <a:defRPr/>
-            </a:pPr>
-            <a:r>
-              <a:rPr kumimoji="0" lang="en-US" altLang="ko-KR" sz="1600" b="0" i="0" u="none" strike="noStrike" kern="1200" cap="none" spc="-150" normalizeH="0" baseline="0" noProof="0" dirty="0">
-                <a:ln>
-                  <a:noFill/>
-                </a:ln>
-                <a:gradFill>
-                  <a:gsLst>
-                    <a:gs pos="83000">
-                      <a:prstClr val="black">
-                        <a:lumMod val="75000"/>
-                        <a:lumOff val="25000"/>
-                      </a:prstClr>
-                    </a:gs>
-                    <a:gs pos="100000">
-                      <a:prstClr val="black">
-                        <a:lumMod val="75000"/>
-                        <a:lumOff val="25000"/>
-                      </a:prstClr>
-                    </a:gs>
-                  </a:gsLst>
-                  <a:lin ang="5400000" scaled="1"/>
-                </a:gradFill>
-                <a:effectLst/>
-                <a:uLnTx/>
-                <a:uFillTx/>
-                <a:latin typeface="Malgun Gothic Semilight" panose="020B0502040204020203" pitchFamily="50" charset="-127"/>
-                <a:ea typeface="Malgun Gothic Semilight" panose="020B0502040204020203" pitchFamily="50" charset="-127"/>
-                <a:cs typeface="Malgun Gothic Semilight" panose="020B0502040204020203" pitchFamily="50" charset="-127"/>
-              </a:rPr>
-              <a:t>Id = </a:t>
-            </a:r>
-            <a:r>
-              <a:rPr kumimoji="0" lang="ko-KR" altLang="en-US" sz="1600" b="0" i="0" u="none" strike="noStrike" kern="1200" cap="none" spc="-150" normalizeH="0" baseline="0" noProof="0" dirty="0">
-                <a:ln>
-                  <a:noFill/>
-                </a:ln>
-                <a:gradFill>
-                  <a:gsLst>
-                    <a:gs pos="83000">
-                      <a:prstClr val="black">
-                        <a:lumMod val="75000"/>
-                        <a:lumOff val="25000"/>
-                      </a:prstClr>
-                    </a:gs>
-                    <a:gs pos="100000">
-                      <a:prstClr val="black">
-                        <a:lumMod val="75000"/>
-                        <a:lumOff val="25000"/>
-                      </a:prstClr>
-                    </a:gs>
-                  </a:gsLst>
-                  <a:lin ang="5400000" scaled="1"/>
-                </a:gradFill>
-                <a:effectLst/>
-                <a:uLnTx/>
-                <a:uFillTx/>
-                <a:latin typeface="Malgun Gothic Semilight" panose="020B0502040204020203" pitchFamily="50" charset="-127"/>
-                <a:ea typeface="Malgun Gothic Semilight" panose="020B0502040204020203" pitchFamily="50" charset="-127"/>
-                <a:cs typeface="Malgun Gothic Semilight" panose="020B0502040204020203" pitchFamily="50" charset="-127"/>
-              </a:rPr>
-              <a:t>활동번호</a:t>
-            </a:r>
-            <a:endParaRPr kumimoji="0" lang="en-US" altLang="ko-KR" sz="1600" b="0" i="0" u="none" strike="noStrike" kern="1200" cap="none" spc="-150" normalizeH="0" baseline="0" noProof="0" dirty="0">
-              <a:ln>
-                <a:noFill/>
-              </a:ln>
-              <a:gradFill>
-                <a:gsLst>
-                  <a:gs pos="83000">
-                    <a:prstClr val="black">
-                      <a:lumMod val="75000"/>
-                      <a:lumOff val="25000"/>
-                    </a:prstClr>
-                  </a:gs>
-                  <a:gs pos="100000">
-                    <a:prstClr val="black">
-                      <a:lumMod val="75000"/>
-                      <a:lumOff val="25000"/>
-                    </a:prstClr>
-                  </a:gs>
-                </a:gsLst>
-                <a:lin ang="5400000" scaled="1"/>
-              </a:gradFill>
-              <a:effectLst/>
-              <a:uLnTx/>
-              <a:uFillTx/>
-              <a:latin typeface="Malgun Gothic Semilight" panose="020B0502040204020203" pitchFamily="50" charset="-127"/>
-              <a:ea typeface="Malgun Gothic Semilight" panose="020B0502040204020203" pitchFamily="50" charset="-127"/>
-              <a:cs typeface="Malgun Gothic Semilight" panose="020B0502040204020203" pitchFamily="50" charset="-127"/>
-            </a:endParaRPr>
-          </a:p>
-          <a:p>
-            <a:pPr marL="0" marR="0" lvl="0" indent="0" algn="ctr" defTabSz="914400" rtl="0" eaLnBrk="1" fontAlgn="auto" latinLnBrk="1" hangingPunct="1">
-              <a:lnSpc>
-                <a:spcPct val="150000"/>
-              </a:lnSpc>
-              <a:spcBef>
-                <a:spcPts val="0"/>
-              </a:spcBef>
-              <a:spcAft>
-                <a:spcPts val="0"/>
-              </a:spcAft>
-              <a:buClrTx/>
-              <a:buSzTx/>
-              <a:buFontTx/>
-              <a:buNone/>
-              <a:tabLst/>
-              <a:defRPr/>
-            </a:pPr>
-            <a:r>
-              <a:rPr kumimoji="0" lang="en-US" altLang="ko-KR" sz="1600" b="0" i="0" u="none" strike="noStrike" kern="1200" cap="none" spc="-150" normalizeH="0" baseline="0" noProof="0" dirty="0">
-                <a:ln>
-                  <a:noFill/>
-                </a:ln>
-                <a:gradFill>
-                  <a:gsLst>
-                    <a:gs pos="83000">
-                      <a:prstClr val="black">
-                        <a:lumMod val="75000"/>
-                        <a:lumOff val="25000"/>
-                      </a:prstClr>
-                    </a:gs>
-                    <a:gs pos="100000">
-                      <a:prstClr val="black">
-                        <a:lumMod val="75000"/>
-                        <a:lumOff val="25000"/>
-                      </a:prstClr>
-                    </a:gs>
-                  </a:gsLst>
-                  <a:lin ang="5400000" scaled="1"/>
-                </a:gradFill>
-                <a:effectLst/>
-                <a:uLnTx/>
-                <a:uFillTx/>
-                <a:latin typeface="Malgun Gothic Semilight" panose="020B0502040204020203" pitchFamily="50" charset="-127"/>
-                <a:ea typeface="Malgun Gothic Semilight" panose="020B0502040204020203" pitchFamily="50" charset="-127"/>
-                <a:cs typeface="Malgun Gothic Semilight" panose="020B0502040204020203" pitchFamily="50" charset="-127"/>
-              </a:rPr>
-              <a:t>Date = </a:t>
-            </a:r>
-            <a:r>
-              <a:rPr kumimoji="0" lang="ko-KR" altLang="en-US" sz="1600" b="0" i="0" u="none" strike="noStrike" kern="1200" cap="none" spc="-150" normalizeH="0" baseline="0" noProof="0" dirty="0">
-                <a:ln>
-                  <a:noFill/>
-                </a:ln>
-                <a:gradFill>
-                  <a:gsLst>
-                    <a:gs pos="83000">
-                      <a:prstClr val="black">
-                        <a:lumMod val="75000"/>
-                        <a:lumOff val="25000"/>
-                      </a:prstClr>
-                    </a:gs>
-                    <a:gs pos="100000">
-                      <a:prstClr val="black">
-                        <a:lumMod val="75000"/>
-                        <a:lumOff val="25000"/>
-                      </a:prstClr>
-                    </a:gs>
-                  </a:gsLst>
-                  <a:lin ang="5400000" scaled="1"/>
-                </a:gradFill>
-                <a:effectLst/>
-                <a:uLnTx/>
-                <a:uFillTx/>
-                <a:latin typeface="Malgun Gothic Semilight" panose="020B0502040204020203" pitchFamily="50" charset="-127"/>
-                <a:ea typeface="Malgun Gothic Semilight" panose="020B0502040204020203" pitchFamily="50" charset="-127"/>
-                <a:cs typeface="Malgun Gothic Semilight" panose="020B0502040204020203" pitchFamily="50" charset="-127"/>
-              </a:rPr>
-              <a:t>활동일</a:t>
-            </a:r>
-            <a:endParaRPr kumimoji="0" lang="en-US" altLang="ko-KR" sz="1600" b="0" i="0" u="none" strike="noStrike" kern="1200" cap="none" spc="-150" normalizeH="0" baseline="0" noProof="0" dirty="0">
-              <a:ln>
-                <a:noFill/>
-              </a:ln>
-              <a:gradFill>
-                <a:gsLst>
-                  <a:gs pos="83000">
-                    <a:prstClr val="black">
-                      <a:lumMod val="75000"/>
-                      <a:lumOff val="25000"/>
-                    </a:prstClr>
-                  </a:gs>
-                  <a:gs pos="100000">
-                    <a:prstClr val="black">
-                      <a:lumMod val="75000"/>
-                      <a:lumOff val="25000"/>
-                    </a:prstClr>
-                  </a:gs>
-                </a:gsLst>
-                <a:lin ang="5400000" scaled="1"/>
-              </a:gradFill>
-              <a:effectLst/>
-              <a:uLnTx/>
-              <a:uFillTx/>
-              <a:latin typeface="Malgun Gothic Semilight" panose="020B0502040204020203" pitchFamily="50" charset="-127"/>
-              <a:ea typeface="Malgun Gothic Semilight" panose="020B0502040204020203" pitchFamily="50" charset="-127"/>
-              <a:cs typeface="Malgun Gothic Semilight" panose="020B0502040204020203" pitchFamily="50" charset="-127"/>
-            </a:endParaRPr>
-          </a:p>
-          <a:p>
-            <a:pPr marL="0" marR="0" lvl="0" indent="0" algn="ctr" defTabSz="914400" rtl="0" eaLnBrk="1" fontAlgn="auto" latinLnBrk="1" hangingPunct="1">
-              <a:lnSpc>
-                <a:spcPct val="150000"/>
-              </a:lnSpc>
-              <a:spcBef>
-                <a:spcPts val="0"/>
-              </a:spcBef>
-              <a:spcAft>
-                <a:spcPts val="0"/>
-              </a:spcAft>
-              <a:buClrTx/>
-              <a:buSzTx/>
-              <a:buFontTx/>
-              <a:buNone/>
-              <a:tabLst/>
-              <a:defRPr/>
-            </a:pPr>
-            <a:r>
-              <a:rPr kumimoji="0" lang="en-US" altLang="ko-KR" sz="1600" b="0" i="0" u="none" strike="noStrike" kern="1200" cap="none" spc="-150" normalizeH="0" baseline="0" noProof="0" dirty="0">
-                <a:ln>
-                  <a:noFill/>
-                </a:ln>
-                <a:gradFill>
-                  <a:gsLst>
-                    <a:gs pos="83000">
-                      <a:prstClr val="black">
-                        <a:lumMod val="75000"/>
-                        <a:lumOff val="25000"/>
-                      </a:prstClr>
-                    </a:gs>
-                    <a:gs pos="100000">
-                      <a:prstClr val="black">
-                        <a:lumMod val="75000"/>
-                        <a:lumOff val="25000"/>
-                      </a:prstClr>
-                    </a:gs>
-                  </a:gsLst>
-                  <a:lin ang="5400000" scaled="1"/>
-                </a:gradFill>
-                <a:effectLst/>
-                <a:uLnTx/>
-                <a:uFillTx/>
-                <a:latin typeface="Malgun Gothic Semilight" panose="020B0502040204020203" pitchFamily="50" charset="-127"/>
-                <a:ea typeface="Malgun Gothic Semilight" panose="020B0502040204020203" pitchFamily="50" charset="-127"/>
-                <a:cs typeface="Malgun Gothic Semilight" panose="020B0502040204020203" pitchFamily="50" charset="-127"/>
-              </a:rPr>
-              <a:t>Title = </a:t>
-            </a:r>
-            <a:r>
-              <a:rPr kumimoji="0" lang="ko-KR" altLang="en-US" sz="1600" b="0" i="0" u="none" strike="noStrike" kern="1200" cap="none" spc="-150" normalizeH="0" baseline="0" noProof="0" dirty="0">
-                <a:ln>
-                  <a:noFill/>
-                </a:ln>
-                <a:gradFill>
-                  <a:gsLst>
-                    <a:gs pos="83000">
-                      <a:prstClr val="black">
-                        <a:lumMod val="75000"/>
-                        <a:lumOff val="25000"/>
-                      </a:prstClr>
-                    </a:gs>
-                    <a:gs pos="100000">
-                      <a:prstClr val="black">
-                        <a:lumMod val="75000"/>
-                        <a:lumOff val="25000"/>
-                      </a:prstClr>
-                    </a:gs>
-                  </a:gsLst>
-                  <a:lin ang="5400000" scaled="1"/>
-                </a:gradFill>
-                <a:effectLst/>
-                <a:uLnTx/>
-                <a:uFillTx/>
-                <a:latin typeface="Malgun Gothic Semilight" panose="020B0502040204020203" pitchFamily="50" charset="-127"/>
-                <a:ea typeface="Malgun Gothic Semilight" panose="020B0502040204020203" pitchFamily="50" charset="-127"/>
-                <a:cs typeface="Malgun Gothic Semilight" panose="020B0502040204020203" pitchFamily="50" charset="-127"/>
-              </a:rPr>
-              <a:t>활동</a:t>
-            </a:r>
-            <a:endParaRPr kumimoji="0" lang="en-US" altLang="ko-KR" sz="1600" b="0" i="0" u="none" strike="noStrike" kern="1200" cap="none" spc="-150" normalizeH="0" baseline="0" noProof="0" dirty="0">
-              <a:ln>
-                <a:noFill/>
-              </a:ln>
-              <a:gradFill>
-                <a:gsLst>
-                  <a:gs pos="83000">
-                    <a:prstClr val="black">
-                      <a:lumMod val="75000"/>
-                      <a:lumOff val="25000"/>
-                    </a:prstClr>
-                  </a:gs>
-                  <a:gs pos="100000">
-                    <a:prstClr val="black">
-                      <a:lumMod val="75000"/>
-                      <a:lumOff val="25000"/>
-                    </a:prstClr>
-                  </a:gs>
-                </a:gsLst>
-                <a:lin ang="5400000" scaled="1"/>
-              </a:gradFill>
-              <a:effectLst/>
-              <a:uLnTx/>
-              <a:uFillTx/>
-              <a:latin typeface="Malgun Gothic Semilight" panose="020B0502040204020203" pitchFamily="50" charset="-127"/>
-              <a:ea typeface="Malgun Gothic Semilight" panose="020B0502040204020203" pitchFamily="50" charset="-127"/>
-              <a:cs typeface="Malgun Gothic Semilight" panose="020B0502040204020203" pitchFamily="50" charset="-127"/>
-            </a:endParaRPr>
-          </a:p>
-          <a:p>
-            <a:pPr marL="0" marR="0" lvl="0" indent="0" algn="ctr" defTabSz="914400" rtl="0" eaLnBrk="1" fontAlgn="auto" latinLnBrk="1" hangingPunct="1">
-              <a:lnSpc>
-                <a:spcPct val="150000"/>
-              </a:lnSpc>
-              <a:spcBef>
-                <a:spcPts val="0"/>
-              </a:spcBef>
-              <a:spcAft>
-                <a:spcPts val="0"/>
-              </a:spcAft>
-              <a:buClrTx/>
-              <a:buSzTx/>
-              <a:buFontTx/>
-              <a:buNone/>
-              <a:tabLst/>
-              <a:defRPr/>
-            </a:pPr>
-            <a:r>
-              <a:rPr kumimoji="0" lang="en-US" altLang="ko-KR" sz="1600" b="0" i="0" u="none" strike="noStrike" kern="1200" cap="none" spc="-150" normalizeH="0" baseline="0" noProof="0" dirty="0">
-                <a:ln>
-                  <a:noFill/>
-                </a:ln>
-                <a:gradFill>
-                  <a:gsLst>
-                    <a:gs pos="83000">
-                      <a:prstClr val="black">
-                        <a:lumMod val="75000"/>
-                        <a:lumOff val="25000"/>
-                      </a:prstClr>
-                    </a:gs>
-                    <a:gs pos="100000">
-                      <a:prstClr val="black">
-                        <a:lumMod val="75000"/>
-                        <a:lumOff val="25000"/>
-                      </a:prstClr>
-                    </a:gs>
-                  </a:gsLst>
-                  <a:lin ang="5400000" scaled="1"/>
-                </a:gradFill>
-                <a:effectLst/>
-                <a:uLnTx/>
-                <a:uFillTx/>
-                <a:latin typeface="Malgun Gothic Semilight" panose="020B0502040204020203" pitchFamily="50" charset="-127"/>
-                <a:ea typeface="Malgun Gothic Semilight" panose="020B0502040204020203" pitchFamily="50" charset="-127"/>
-                <a:cs typeface="Malgun Gothic Semilight" panose="020B0502040204020203" pitchFamily="50" charset="-127"/>
-              </a:rPr>
-              <a:t>Description = </a:t>
-            </a:r>
-            <a:r>
-              <a:rPr kumimoji="0" lang="ko-KR" altLang="en-US" sz="1600" b="0" i="0" u="none" strike="noStrike" kern="1200" cap="none" spc="-150" normalizeH="0" baseline="0" noProof="0" dirty="0">
-                <a:ln>
-                  <a:noFill/>
-                </a:ln>
-                <a:gradFill>
-                  <a:gsLst>
-                    <a:gs pos="83000">
-                      <a:prstClr val="black">
-                        <a:lumMod val="75000"/>
-                        <a:lumOff val="25000"/>
-                      </a:prstClr>
-                    </a:gs>
-                    <a:gs pos="100000">
-                      <a:prstClr val="black">
-                        <a:lumMod val="75000"/>
-                        <a:lumOff val="25000"/>
-                      </a:prstClr>
-                    </a:gs>
-                  </a:gsLst>
-                  <a:lin ang="5400000" scaled="1"/>
-                </a:gradFill>
-                <a:effectLst/>
-                <a:uLnTx/>
-                <a:uFillTx/>
-                <a:latin typeface="Malgun Gothic Semilight" panose="020B0502040204020203" pitchFamily="50" charset="-127"/>
-                <a:ea typeface="Malgun Gothic Semilight" panose="020B0502040204020203" pitchFamily="50" charset="-127"/>
-                <a:cs typeface="Malgun Gothic Semilight" panose="020B0502040204020203" pitchFamily="50" charset="-127"/>
-              </a:rPr>
-              <a:t>설명</a:t>
-            </a:r>
-            <a:endParaRPr kumimoji="0" lang="en-US" altLang="ko-KR" sz="2000" b="0" i="0" u="none" strike="noStrike" kern="1200" cap="none" spc="-150" normalizeH="0" baseline="0" noProof="0" dirty="0">
-              <a:ln>
-                <a:noFill/>
-              </a:ln>
-              <a:gradFill>
-                <a:gsLst>
-                  <a:gs pos="83000">
-                    <a:prstClr val="black">
-                      <a:lumMod val="75000"/>
-                      <a:lumOff val="25000"/>
-                    </a:prstClr>
-                  </a:gs>
-                  <a:gs pos="100000">
-                    <a:prstClr val="black">
-                      <a:lumMod val="75000"/>
-                      <a:lumOff val="25000"/>
-                    </a:prstClr>
-                  </a:gs>
-                </a:gsLst>
-                <a:lin ang="5400000" scaled="1"/>
-              </a:gradFill>
-              <a:effectLst/>
-              <a:uLnTx/>
-              <a:uFillTx/>
-              <a:latin typeface="Malgun Gothic Semilight" panose="020B0502040204020203" pitchFamily="50" charset="-127"/>
-              <a:ea typeface="Malgun Gothic Semilight" panose="020B0502040204020203" pitchFamily="50" charset="-127"/>
-              <a:cs typeface="Malgun Gothic Semilight" panose="020B0502040204020203" pitchFamily="50" charset="-127"/>
-            </a:endParaRPr>
-          </a:p>
-        </p:txBody>
-      </p:sp>
+        </p:spPr>
+      </p:pic>
     </p:spTree>
     <p:extLst>
       <p:ext uri="{BB962C8B-B14F-4D97-AF65-F5344CB8AC3E}">

--- a/jsp/project_201644008_3.pptx
+++ b/jsp/project_201644008_3.pptx
@@ -6,35 +6,36 @@
   </p:sldMasterIdLst>
   <p:sldIdLst>
     <p:sldId id="265" r:id="rId2"/>
-    <p:sldId id="268" r:id="rId3"/>
-    <p:sldId id="280" r:id="rId4"/>
-    <p:sldId id="281" r:id="rId5"/>
-    <p:sldId id="270" r:id="rId6"/>
-    <p:sldId id="271" r:id="rId7"/>
-    <p:sldId id="284" r:id="rId8"/>
-    <p:sldId id="269" r:id="rId9"/>
-    <p:sldId id="272" r:id="rId10"/>
-    <p:sldId id="274" r:id="rId11"/>
-    <p:sldId id="275" r:id="rId12"/>
-    <p:sldId id="279" r:id="rId13"/>
-    <p:sldId id="276" r:id="rId14"/>
-    <p:sldId id="282" r:id="rId15"/>
-    <p:sldId id="277" r:id="rId16"/>
-    <p:sldId id="278" r:id="rId17"/>
-    <p:sldId id="285" r:id="rId18"/>
-    <p:sldId id="266" r:id="rId19"/>
+    <p:sldId id="267" r:id="rId3"/>
+    <p:sldId id="285" r:id="rId4"/>
+    <p:sldId id="268" r:id="rId5"/>
+    <p:sldId id="280" r:id="rId6"/>
+    <p:sldId id="281" r:id="rId7"/>
+    <p:sldId id="270" r:id="rId8"/>
+    <p:sldId id="271" r:id="rId9"/>
+    <p:sldId id="284" r:id="rId10"/>
+    <p:sldId id="269" r:id="rId11"/>
+    <p:sldId id="272" r:id="rId12"/>
+    <p:sldId id="274" r:id="rId13"/>
+    <p:sldId id="275" r:id="rId14"/>
+    <p:sldId id="279" r:id="rId15"/>
+    <p:sldId id="276" r:id="rId16"/>
+    <p:sldId id="282" r:id="rId17"/>
+    <p:sldId id="277" r:id="rId18"/>
+    <p:sldId id="278" r:id="rId19"/>
+    <p:sldId id="266" r:id="rId20"/>
   </p:sldIdLst>
   <p:sldSz cx="12192000" cy="6858000"/>
   <p:notesSz cx="6858000" cy="9144000"/>
   <p:embeddedFontLst>
     <p:embeddedFont>
       <p:font typeface="Malgun Gothic Semilight" panose="020B0502040204020203" pitchFamily="50" charset="-127"/>
-      <p:regular r:id="rId20"/>
+      <p:regular r:id="rId21"/>
     </p:embeddedFont>
     <p:embeddedFont>
       <p:font typeface="맑은 고딕" panose="020B0503020000020004" pitchFamily="50" charset="-127"/>
-      <p:regular r:id="rId21"/>
-      <p:bold r:id="rId22"/>
+      <p:regular r:id="rId22"/>
+      <p:bold r:id="rId23"/>
     </p:embeddedFont>
   </p:embeddedFontLst>
   <p:defaultTextStyle>
@@ -3441,6 +3442,536 @@
         </p:nvSpPr>
         <p:spPr>
           <a:xfrm>
+            <a:off x="3402472" y="360737"/>
+            <a:ext cx="5387053" cy="494494"/>
+          </a:xfrm>
+          <a:prstGeom prst="rect">
+            <a:avLst/>
+          </a:prstGeom>
+          <a:noFill/>
+        </p:spPr>
+        <p:txBody>
+          <a:bodyPr wrap="square" rtlCol="0">
+            <a:spAutoFit/>
+          </a:bodyPr>
+          <a:lstStyle/>
+          <a:p>
+            <a:pPr algn="ctr">
+              <a:lnSpc>
+                <a:spcPct val="150000"/>
+              </a:lnSpc>
+            </a:pPr>
+            <a:r>
+              <a:rPr lang="en-US" altLang="ko-KR" sz="2000" spc="-150" dirty="0">
+                <a:gradFill>
+                  <a:gsLst>
+                    <a:gs pos="83000">
+                      <a:schemeClr val="tx1">
+                        <a:lumMod val="75000"/>
+                        <a:lumOff val="25000"/>
+                      </a:schemeClr>
+                    </a:gs>
+                    <a:gs pos="100000">
+                      <a:schemeClr val="tx1">
+                        <a:lumMod val="75000"/>
+                        <a:lumOff val="25000"/>
+                      </a:schemeClr>
+                    </a:gs>
+                  </a:gsLst>
+                  <a:lin ang="5400000" scaled="1"/>
+                </a:gradFill>
+                <a:latin typeface="Malgun Gothic Semilight" panose="020B0502040204020203" pitchFamily="50" charset="-127"/>
+                <a:ea typeface="Malgun Gothic Semilight" panose="020B0502040204020203" pitchFamily="50" charset="-127"/>
+                <a:cs typeface="Malgun Gothic Semilight" panose="020B0502040204020203" pitchFamily="50" charset="-127"/>
+              </a:rPr>
+              <a:t>View – “/(index)”, “</a:t>
+            </a:r>
+            <a:r>
+              <a:rPr lang="en-US" altLang="ko-KR" sz="2000" spc="-150" dirty="0" err="1">
+                <a:gradFill>
+                  <a:gsLst>
+                    <a:gs pos="83000">
+                      <a:schemeClr val="tx1">
+                        <a:lumMod val="75000"/>
+                        <a:lumOff val="25000"/>
+                      </a:schemeClr>
+                    </a:gs>
+                    <a:gs pos="100000">
+                      <a:schemeClr val="tx1">
+                        <a:lumMod val="75000"/>
+                        <a:lumOff val="25000"/>
+                      </a:schemeClr>
+                    </a:gs>
+                  </a:gsLst>
+                  <a:lin ang="5400000" scaled="1"/>
+                </a:gradFill>
+                <a:latin typeface="Malgun Gothic Semilight" panose="020B0502040204020203" pitchFamily="50" charset="-127"/>
+                <a:ea typeface="Malgun Gothic Semilight" panose="020B0502040204020203" pitchFamily="50" charset="-127"/>
+                <a:cs typeface="Malgun Gothic Semilight" panose="020B0502040204020203" pitchFamily="50" charset="-127"/>
+              </a:rPr>
+              <a:t>KyuMin</a:t>
+            </a:r>
+            <a:r>
+              <a:rPr lang="en-US" altLang="ko-KR" sz="2000" spc="-150" dirty="0">
+                <a:gradFill>
+                  <a:gsLst>
+                    <a:gs pos="83000">
+                      <a:schemeClr val="tx1">
+                        <a:lumMod val="75000"/>
+                        <a:lumOff val="25000"/>
+                      </a:schemeClr>
+                    </a:gs>
+                    <a:gs pos="100000">
+                      <a:schemeClr val="tx1">
+                        <a:lumMod val="75000"/>
+                        <a:lumOff val="25000"/>
+                      </a:schemeClr>
+                    </a:gs>
+                  </a:gsLst>
+                  <a:lin ang="5400000" scaled="1"/>
+                </a:gradFill>
+                <a:latin typeface="Malgun Gothic Semilight" panose="020B0502040204020203" pitchFamily="50" charset="-127"/>
+                <a:ea typeface="Malgun Gothic Semilight" panose="020B0502040204020203" pitchFamily="50" charset="-127"/>
+                <a:cs typeface="Malgun Gothic Semilight" panose="020B0502040204020203" pitchFamily="50" charset="-127"/>
+              </a:rPr>
+              <a:t>”, “About Me”</a:t>
+            </a:r>
+          </a:p>
+        </p:txBody>
+      </p:sp>
+      <p:pic>
+        <p:nvPicPr>
+          <p:cNvPr id="2" name="그림 1">
+            <a:extLst>
+              <a:ext uri="{FF2B5EF4-FFF2-40B4-BE49-F238E27FC236}">
+                <a16:creationId xmlns:a16="http://schemas.microsoft.com/office/drawing/2014/main" id="{0BFF4CE4-428F-4957-85CA-B031CFC2F059}"/>
+              </a:ext>
+            </a:extLst>
+          </p:cNvPr>
+          <p:cNvPicPr>
+            <a:picLocks noChangeAspect="1"/>
+          </p:cNvPicPr>
+          <p:nvPr/>
+        </p:nvPicPr>
+        <p:blipFill>
+          <a:blip r:embed="rId2"/>
+          <a:stretch>
+            <a:fillRect/>
+          </a:stretch>
+        </p:blipFill>
+        <p:spPr>
+          <a:xfrm>
+            <a:off x="1504572" y="1146737"/>
+            <a:ext cx="9182854" cy="5491451"/>
+          </a:xfrm>
+          <a:prstGeom prst="rect">
+            <a:avLst/>
+          </a:prstGeom>
+        </p:spPr>
+      </p:pic>
+    </p:spTree>
+    <p:extLst>
+      <p:ext uri="{BB962C8B-B14F-4D97-AF65-F5344CB8AC3E}">
+        <p14:creationId xmlns:p14="http://schemas.microsoft.com/office/powerpoint/2010/main" val="2765170497"/>
+      </p:ext>
+    </p:extLst>
+  </p:cSld>
+  <p:clrMapOvr>
+    <a:masterClrMapping/>
+  </p:clrMapOvr>
+</p:sld>
+</file>
+
+<file path=ppt/slides/slide11.xml><?xml version="1.0" encoding="utf-8"?>
+<p:sld xmlns:a="http://schemas.openxmlformats.org/drawingml/2006/main" xmlns:r="http://schemas.openxmlformats.org/officeDocument/2006/relationships" xmlns:p="http://schemas.openxmlformats.org/presentationml/2006/main">
+  <p:cSld>
+    <p:bg>
+      <p:bgPr>
+        <a:solidFill>
+          <a:schemeClr val="bg1"/>
+        </a:solidFill>
+        <a:effectLst/>
+      </p:bgPr>
+    </p:bg>
+    <p:spTree>
+      <p:nvGrpSpPr>
+        <p:cNvPr id="1" name=""/>
+        <p:cNvGrpSpPr/>
+        <p:nvPr/>
+      </p:nvGrpSpPr>
+      <p:grpSpPr>
+        <a:xfrm>
+          <a:off x="0" y="0"/>
+          <a:ext cx="0" cy="0"/>
+          <a:chOff x="0" y="0"/>
+          <a:chExt cx="0" cy="0"/>
+        </a:xfrm>
+      </p:grpSpPr>
+      <p:sp>
+        <p:nvSpPr>
+          <p:cNvPr id="12" name="TextBox 11">
+            <a:extLst>
+              <a:ext uri="{FF2B5EF4-FFF2-40B4-BE49-F238E27FC236}">
+                <a16:creationId xmlns:a16="http://schemas.microsoft.com/office/drawing/2014/main" id="{72C1CBAC-EF92-40FE-A9AB-F06B1C7F436D}"/>
+              </a:ext>
+            </a:extLst>
+          </p:cNvPr>
+          <p:cNvSpPr txBox="1"/>
+          <p:nvPr/>
+        </p:nvSpPr>
+        <p:spPr>
+          <a:xfrm>
+            <a:off x="435427" y="360737"/>
+            <a:ext cx="1842664" cy="655372"/>
+          </a:xfrm>
+          <a:prstGeom prst="rect">
+            <a:avLst/>
+          </a:prstGeom>
+          <a:noFill/>
+        </p:spPr>
+        <p:txBody>
+          <a:bodyPr wrap="square" rtlCol="0">
+            <a:spAutoFit/>
+          </a:bodyPr>
+          <a:lstStyle/>
+          <a:p>
+            <a:pPr algn="ctr">
+              <a:lnSpc>
+                <a:spcPct val="150000"/>
+              </a:lnSpc>
+            </a:pPr>
+            <a:r>
+              <a:rPr lang="en-US" altLang="ko-KR" sz="2800" b="1" spc="-150" dirty="0">
+                <a:gradFill>
+                  <a:gsLst>
+                    <a:gs pos="83000">
+                      <a:schemeClr val="tx1">
+                        <a:lumMod val="75000"/>
+                        <a:lumOff val="25000"/>
+                      </a:schemeClr>
+                    </a:gs>
+                    <a:gs pos="100000">
+                      <a:schemeClr val="tx1">
+                        <a:lumMod val="75000"/>
+                        <a:lumOff val="25000"/>
+                      </a:schemeClr>
+                    </a:gs>
+                  </a:gsLst>
+                  <a:lin ang="5400000" scaled="1"/>
+                </a:gradFill>
+                <a:latin typeface="Malgun Gothic Semilight" panose="020B0502040204020203" pitchFamily="50" charset="-127"/>
+                <a:ea typeface="Malgun Gothic Semilight" panose="020B0502040204020203" pitchFamily="50" charset="-127"/>
+                <a:cs typeface="Malgun Gothic Semilight" panose="020B0502040204020203" pitchFamily="50" charset="-127"/>
+              </a:rPr>
+              <a:t>JSP</a:t>
+            </a:r>
+            <a:r>
+              <a:rPr lang="ko-KR" altLang="en-US" sz="2800" b="1" spc="-150" dirty="0">
+                <a:gradFill>
+                  <a:gsLst>
+                    <a:gs pos="83000">
+                      <a:schemeClr val="tx1">
+                        <a:lumMod val="75000"/>
+                        <a:lumOff val="25000"/>
+                      </a:schemeClr>
+                    </a:gs>
+                    <a:gs pos="100000">
+                      <a:schemeClr val="tx1">
+                        <a:lumMod val="75000"/>
+                        <a:lumOff val="25000"/>
+                      </a:schemeClr>
+                    </a:gs>
+                  </a:gsLst>
+                  <a:lin ang="5400000" scaled="1"/>
+                </a:gradFill>
+                <a:latin typeface="Malgun Gothic Semilight" panose="020B0502040204020203" pitchFamily="50" charset="-127"/>
+                <a:ea typeface="Malgun Gothic Semilight" panose="020B0502040204020203" pitchFamily="50" charset="-127"/>
+                <a:cs typeface="Malgun Gothic Semilight" panose="020B0502040204020203" pitchFamily="50" charset="-127"/>
+              </a:rPr>
+              <a:t> </a:t>
+            </a:r>
+            <a:r>
+              <a:rPr lang="en-US" altLang="ko-KR" sz="2800" b="1" spc="-150" dirty="0">
+                <a:gradFill>
+                  <a:gsLst>
+                    <a:gs pos="83000">
+                      <a:schemeClr val="tx1">
+                        <a:lumMod val="75000"/>
+                        <a:lumOff val="25000"/>
+                      </a:schemeClr>
+                    </a:gs>
+                    <a:gs pos="100000">
+                      <a:schemeClr val="tx1">
+                        <a:lumMod val="75000"/>
+                        <a:lumOff val="25000"/>
+                      </a:schemeClr>
+                    </a:gs>
+                  </a:gsLst>
+                  <a:lin ang="5400000" scaled="1"/>
+                </a:gradFill>
+                <a:latin typeface="Malgun Gothic Semilight" panose="020B0502040204020203" pitchFamily="50" charset="-127"/>
+                <a:ea typeface="Malgun Gothic Semilight" panose="020B0502040204020203" pitchFamily="50" charset="-127"/>
+                <a:cs typeface="Malgun Gothic Semilight" panose="020B0502040204020203" pitchFamily="50" charset="-127"/>
+              </a:rPr>
+              <a:t>Project</a:t>
+            </a:r>
+          </a:p>
+        </p:txBody>
+      </p:sp>
+      <p:sp>
+        <p:nvSpPr>
+          <p:cNvPr id="13" name="TextBox 12">
+            <a:extLst>
+              <a:ext uri="{FF2B5EF4-FFF2-40B4-BE49-F238E27FC236}">
+                <a16:creationId xmlns:a16="http://schemas.microsoft.com/office/drawing/2014/main" id="{4EC86F03-8472-4595-A2F7-14C357D690FD}"/>
+              </a:ext>
+            </a:extLst>
+          </p:cNvPr>
+          <p:cNvSpPr txBox="1"/>
+          <p:nvPr/>
+        </p:nvSpPr>
+        <p:spPr>
+          <a:xfrm>
+            <a:off x="3931118" y="441176"/>
+            <a:ext cx="4329763" cy="494494"/>
+          </a:xfrm>
+          <a:prstGeom prst="rect">
+            <a:avLst/>
+          </a:prstGeom>
+          <a:noFill/>
+        </p:spPr>
+        <p:txBody>
+          <a:bodyPr wrap="square" rtlCol="0">
+            <a:spAutoFit/>
+          </a:bodyPr>
+          <a:lstStyle/>
+          <a:p>
+            <a:pPr algn="ctr">
+              <a:lnSpc>
+                <a:spcPct val="150000"/>
+              </a:lnSpc>
+            </a:pPr>
+            <a:r>
+              <a:rPr lang="en-US" altLang="ko-KR" sz="2000" spc="-150" dirty="0">
+                <a:gradFill>
+                  <a:gsLst>
+                    <a:gs pos="83000">
+                      <a:schemeClr val="tx1">
+                        <a:lumMod val="75000"/>
+                        <a:lumOff val="25000"/>
+                      </a:schemeClr>
+                    </a:gs>
+                    <a:gs pos="100000">
+                      <a:schemeClr val="tx1">
+                        <a:lumMod val="75000"/>
+                        <a:lumOff val="25000"/>
+                      </a:schemeClr>
+                    </a:gs>
+                  </a:gsLst>
+                  <a:lin ang="5400000" scaled="1"/>
+                </a:gradFill>
+                <a:latin typeface="Malgun Gothic Semilight" panose="020B0502040204020203" pitchFamily="50" charset="-127"/>
+                <a:ea typeface="Malgun Gothic Semilight" panose="020B0502040204020203" pitchFamily="50" charset="-127"/>
+                <a:cs typeface="Malgun Gothic Semilight" panose="020B0502040204020203" pitchFamily="50" charset="-127"/>
+              </a:rPr>
+              <a:t>View – “Contact”</a:t>
+            </a:r>
+          </a:p>
+        </p:txBody>
+      </p:sp>
+      <p:pic>
+        <p:nvPicPr>
+          <p:cNvPr id="3" name="그림 2">
+            <a:extLst>
+              <a:ext uri="{FF2B5EF4-FFF2-40B4-BE49-F238E27FC236}">
+                <a16:creationId xmlns:a16="http://schemas.microsoft.com/office/drawing/2014/main" id="{614321BA-F0B5-4405-9FE8-30219FB9B8BE}"/>
+              </a:ext>
+            </a:extLst>
+          </p:cNvPr>
+          <p:cNvPicPr>
+            <a:picLocks noChangeAspect="1"/>
+          </p:cNvPicPr>
+          <p:nvPr/>
+        </p:nvPicPr>
+        <p:blipFill>
+          <a:blip r:embed="rId2"/>
+          <a:stretch>
+            <a:fillRect/>
+          </a:stretch>
+        </p:blipFill>
+        <p:spPr>
+          <a:xfrm>
+            <a:off x="1504572" y="1122726"/>
+            <a:ext cx="9182854" cy="5374537"/>
+          </a:xfrm>
+          <a:prstGeom prst="rect">
+            <a:avLst/>
+          </a:prstGeom>
+        </p:spPr>
+      </p:pic>
+    </p:spTree>
+    <p:extLst>
+      <p:ext uri="{BB962C8B-B14F-4D97-AF65-F5344CB8AC3E}">
+        <p14:creationId xmlns:p14="http://schemas.microsoft.com/office/powerpoint/2010/main" val="393052294"/>
+      </p:ext>
+    </p:extLst>
+  </p:cSld>
+  <p:clrMapOvr>
+    <a:masterClrMapping/>
+  </p:clrMapOvr>
+</p:sld>
+</file>
+
+<file path=ppt/slides/slide12.xml><?xml version="1.0" encoding="utf-8"?>
+<p:sld xmlns:a="http://schemas.openxmlformats.org/drawingml/2006/main" xmlns:r="http://schemas.openxmlformats.org/officeDocument/2006/relationships" xmlns:p="http://schemas.openxmlformats.org/presentationml/2006/main">
+  <p:cSld>
+    <p:bg>
+      <p:bgPr>
+        <a:solidFill>
+          <a:schemeClr val="bg1"/>
+        </a:solidFill>
+        <a:effectLst/>
+      </p:bgPr>
+    </p:bg>
+    <p:spTree>
+      <p:nvGrpSpPr>
+        <p:cNvPr id="1" name=""/>
+        <p:cNvGrpSpPr/>
+        <p:nvPr/>
+      </p:nvGrpSpPr>
+      <p:grpSpPr>
+        <a:xfrm>
+          <a:off x="0" y="0"/>
+          <a:ext cx="0" cy="0"/>
+          <a:chOff x="0" y="0"/>
+          <a:chExt cx="0" cy="0"/>
+        </a:xfrm>
+      </p:grpSpPr>
+      <p:sp>
+        <p:nvSpPr>
+          <p:cNvPr id="12" name="TextBox 11">
+            <a:extLst>
+              <a:ext uri="{FF2B5EF4-FFF2-40B4-BE49-F238E27FC236}">
+                <a16:creationId xmlns:a16="http://schemas.microsoft.com/office/drawing/2014/main" id="{72C1CBAC-EF92-40FE-A9AB-F06B1C7F436D}"/>
+              </a:ext>
+            </a:extLst>
+          </p:cNvPr>
+          <p:cNvSpPr txBox="1"/>
+          <p:nvPr/>
+        </p:nvSpPr>
+        <p:spPr>
+          <a:xfrm>
+            <a:off x="435427" y="360737"/>
+            <a:ext cx="1842664" cy="655372"/>
+          </a:xfrm>
+          <a:prstGeom prst="rect">
+            <a:avLst/>
+          </a:prstGeom>
+          <a:noFill/>
+        </p:spPr>
+        <p:txBody>
+          <a:bodyPr wrap="square" rtlCol="0">
+            <a:spAutoFit/>
+          </a:bodyPr>
+          <a:lstStyle/>
+          <a:p>
+            <a:pPr algn="ctr">
+              <a:lnSpc>
+                <a:spcPct val="150000"/>
+              </a:lnSpc>
+            </a:pPr>
+            <a:r>
+              <a:rPr lang="en-US" altLang="ko-KR" sz="2800" b="1" spc="-150" dirty="0">
+                <a:gradFill>
+                  <a:gsLst>
+                    <a:gs pos="83000">
+                      <a:schemeClr val="tx1">
+                        <a:lumMod val="75000"/>
+                        <a:lumOff val="25000"/>
+                      </a:schemeClr>
+                    </a:gs>
+                    <a:gs pos="100000">
+                      <a:schemeClr val="tx1">
+                        <a:lumMod val="75000"/>
+                        <a:lumOff val="25000"/>
+                      </a:schemeClr>
+                    </a:gs>
+                  </a:gsLst>
+                  <a:lin ang="5400000" scaled="1"/>
+                </a:gradFill>
+                <a:latin typeface="Malgun Gothic Semilight" panose="020B0502040204020203" pitchFamily="50" charset="-127"/>
+                <a:ea typeface="Malgun Gothic Semilight" panose="020B0502040204020203" pitchFamily="50" charset="-127"/>
+                <a:cs typeface="Malgun Gothic Semilight" panose="020B0502040204020203" pitchFamily="50" charset="-127"/>
+              </a:rPr>
+              <a:t>JSP</a:t>
+            </a:r>
+            <a:r>
+              <a:rPr lang="ko-KR" altLang="en-US" sz="2800" b="1" spc="-150" dirty="0">
+                <a:gradFill>
+                  <a:gsLst>
+                    <a:gs pos="83000">
+                      <a:schemeClr val="tx1">
+                        <a:lumMod val="75000"/>
+                        <a:lumOff val="25000"/>
+                      </a:schemeClr>
+                    </a:gs>
+                    <a:gs pos="100000">
+                      <a:schemeClr val="tx1">
+                        <a:lumMod val="75000"/>
+                        <a:lumOff val="25000"/>
+                      </a:schemeClr>
+                    </a:gs>
+                  </a:gsLst>
+                  <a:lin ang="5400000" scaled="1"/>
+                </a:gradFill>
+                <a:latin typeface="Malgun Gothic Semilight" panose="020B0502040204020203" pitchFamily="50" charset="-127"/>
+                <a:ea typeface="Malgun Gothic Semilight" panose="020B0502040204020203" pitchFamily="50" charset="-127"/>
+                <a:cs typeface="Malgun Gothic Semilight" panose="020B0502040204020203" pitchFamily="50" charset="-127"/>
+              </a:rPr>
+              <a:t> </a:t>
+            </a:r>
+            <a:r>
+              <a:rPr lang="en-US" altLang="ko-KR" sz="2800" b="1" spc="-150" dirty="0">
+                <a:gradFill>
+                  <a:gsLst>
+                    <a:gs pos="83000">
+                      <a:schemeClr val="tx1">
+                        <a:lumMod val="75000"/>
+                        <a:lumOff val="25000"/>
+                      </a:schemeClr>
+                    </a:gs>
+                    <a:gs pos="100000">
+                      <a:schemeClr val="tx1">
+                        <a:lumMod val="75000"/>
+                        <a:lumOff val="25000"/>
+                      </a:schemeClr>
+                    </a:gs>
+                  </a:gsLst>
+                  <a:lin ang="5400000" scaled="1"/>
+                </a:gradFill>
+                <a:latin typeface="Malgun Gothic Semilight" panose="020B0502040204020203" pitchFamily="50" charset="-127"/>
+                <a:ea typeface="Malgun Gothic Semilight" panose="020B0502040204020203" pitchFamily="50" charset="-127"/>
+                <a:cs typeface="Malgun Gothic Semilight" panose="020B0502040204020203" pitchFamily="50" charset="-127"/>
+              </a:rPr>
+              <a:t>Project</a:t>
+            </a:r>
+          </a:p>
+        </p:txBody>
+      </p:sp>
+      <p:sp>
+        <p:nvSpPr>
+          <p:cNvPr id="13" name="TextBox 12">
+            <a:extLst>
+              <a:ext uri="{FF2B5EF4-FFF2-40B4-BE49-F238E27FC236}">
+                <a16:creationId xmlns:a16="http://schemas.microsoft.com/office/drawing/2014/main" id="{4EC86F03-8472-4595-A2F7-14C357D690FD}"/>
+              </a:ext>
+            </a:extLst>
+          </p:cNvPr>
+          <p:cNvSpPr txBox="1"/>
+          <p:nvPr/>
+        </p:nvSpPr>
+        <p:spPr>
+          <a:xfrm>
             <a:off x="3931118" y="441176"/>
             <a:ext cx="4329763" cy="494494"/>
           </a:xfrm>
@@ -3561,7 +4092,7 @@
 </p:sld>
 </file>
 
-<file path=ppt/slides/slide11.xml><?xml version="1.0" encoding="utf-8"?>
+<file path=ppt/slides/slide13.xml><?xml version="1.0" encoding="utf-8"?>
 <p:sld xmlns:a="http://schemas.openxmlformats.org/drawingml/2006/main" xmlns:r="http://schemas.openxmlformats.org/officeDocument/2006/relationships" xmlns:p="http://schemas.openxmlformats.org/presentationml/2006/main">
   <p:cSld>
     <p:bg>
@@ -3801,7 +4332,7 @@
 </p:sld>
 </file>
 
-<file path=ppt/slides/slide12.xml><?xml version="1.0" encoding="utf-8"?>
+<file path=ppt/slides/slide14.xml><?xml version="1.0" encoding="utf-8"?>
 <p:sld xmlns:a="http://schemas.openxmlformats.org/drawingml/2006/main" xmlns:r="http://schemas.openxmlformats.org/officeDocument/2006/relationships" xmlns:p="http://schemas.openxmlformats.org/presentationml/2006/main">
   <p:cSld>
     <p:bg>
@@ -4041,7 +4572,7 @@
 </p:sld>
 </file>
 
-<file path=ppt/slides/slide13.xml><?xml version="1.0" encoding="utf-8"?>
+<file path=ppt/slides/slide15.xml><?xml version="1.0" encoding="utf-8"?>
 <p:sld xmlns:a="http://schemas.openxmlformats.org/drawingml/2006/main" xmlns:r="http://schemas.openxmlformats.org/officeDocument/2006/relationships" xmlns:p="http://schemas.openxmlformats.org/presentationml/2006/main">
   <p:cSld>
     <p:bg>
@@ -4361,636 +4892,6 @@
 </p:sld>
 </file>
 
-<file path=ppt/slides/slide14.xml><?xml version="1.0" encoding="utf-8"?>
-<p:sld xmlns:a="http://schemas.openxmlformats.org/drawingml/2006/main" xmlns:r="http://schemas.openxmlformats.org/officeDocument/2006/relationships" xmlns:p="http://schemas.openxmlformats.org/presentationml/2006/main">
-  <p:cSld>
-    <p:bg>
-      <p:bgPr>
-        <a:solidFill>
-          <a:schemeClr val="bg1"/>
-        </a:solidFill>
-        <a:effectLst/>
-      </p:bgPr>
-    </p:bg>
-    <p:spTree>
-      <p:nvGrpSpPr>
-        <p:cNvPr id="1" name=""/>
-        <p:cNvGrpSpPr/>
-        <p:nvPr/>
-      </p:nvGrpSpPr>
-      <p:grpSpPr>
-        <a:xfrm>
-          <a:off x="0" y="0"/>
-          <a:ext cx="0" cy="0"/>
-          <a:chOff x="0" y="0"/>
-          <a:chExt cx="0" cy="0"/>
-        </a:xfrm>
-      </p:grpSpPr>
-      <p:sp>
-        <p:nvSpPr>
-          <p:cNvPr id="12" name="TextBox 11">
-            <a:extLst>
-              <a:ext uri="{FF2B5EF4-FFF2-40B4-BE49-F238E27FC236}">
-                <a16:creationId xmlns:a16="http://schemas.microsoft.com/office/drawing/2014/main" id="{72C1CBAC-EF92-40FE-A9AB-F06B1C7F436D}"/>
-              </a:ext>
-            </a:extLst>
-          </p:cNvPr>
-          <p:cNvSpPr txBox="1"/>
-          <p:nvPr/>
-        </p:nvSpPr>
-        <p:spPr>
-          <a:xfrm>
-            <a:off x="435427" y="360737"/>
-            <a:ext cx="1842664" cy="655372"/>
-          </a:xfrm>
-          <a:prstGeom prst="rect">
-            <a:avLst/>
-          </a:prstGeom>
-          <a:noFill/>
-        </p:spPr>
-        <p:txBody>
-          <a:bodyPr wrap="square" rtlCol="0">
-            <a:spAutoFit/>
-          </a:bodyPr>
-          <a:lstStyle/>
-          <a:p>
-            <a:pPr algn="ctr">
-              <a:lnSpc>
-                <a:spcPct val="150000"/>
-              </a:lnSpc>
-            </a:pPr>
-            <a:r>
-              <a:rPr lang="en-US" altLang="ko-KR" sz="2800" b="1" spc="-150" dirty="0">
-                <a:gradFill>
-                  <a:gsLst>
-                    <a:gs pos="83000">
-                      <a:schemeClr val="tx1">
-                        <a:lumMod val="75000"/>
-                        <a:lumOff val="25000"/>
-                      </a:schemeClr>
-                    </a:gs>
-                    <a:gs pos="100000">
-                      <a:schemeClr val="tx1">
-                        <a:lumMod val="75000"/>
-                        <a:lumOff val="25000"/>
-                      </a:schemeClr>
-                    </a:gs>
-                  </a:gsLst>
-                  <a:lin ang="5400000" scaled="1"/>
-                </a:gradFill>
-                <a:latin typeface="Malgun Gothic Semilight" panose="020B0502040204020203" pitchFamily="50" charset="-127"/>
-                <a:ea typeface="Malgun Gothic Semilight" panose="020B0502040204020203" pitchFamily="50" charset="-127"/>
-                <a:cs typeface="Malgun Gothic Semilight" panose="020B0502040204020203" pitchFamily="50" charset="-127"/>
-              </a:rPr>
-              <a:t>JSP</a:t>
-            </a:r>
-            <a:r>
-              <a:rPr lang="ko-KR" altLang="en-US" sz="2800" b="1" spc="-150" dirty="0">
-                <a:gradFill>
-                  <a:gsLst>
-                    <a:gs pos="83000">
-                      <a:schemeClr val="tx1">
-                        <a:lumMod val="75000"/>
-                        <a:lumOff val="25000"/>
-                      </a:schemeClr>
-                    </a:gs>
-                    <a:gs pos="100000">
-                      <a:schemeClr val="tx1">
-                        <a:lumMod val="75000"/>
-                        <a:lumOff val="25000"/>
-                      </a:schemeClr>
-                    </a:gs>
-                  </a:gsLst>
-                  <a:lin ang="5400000" scaled="1"/>
-                </a:gradFill>
-                <a:latin typeface="Malgun Gothic Semilight" panose="020B0502040204020203" pitchFamily="50" charset="-127"/>
-                <a:ea typeface="Malgun Gothic Semilight" panose="020B0502040204020203" pitchFamily="50" charset="-127"/>
-                <a:cs typeface="Malgun Gothic Semilight" panose="020B0502040204020203" pitchFamily="50" charset="-127"/>
-              </a:rPr>
-              <a:t> </a:t>
-            </a:r>
-            <a:r>
-              <a:rPr lang="en-US" altLang="ko-KR" sz="2800" b="1" spc="-150" dirty="0">
-                <a:gradFill>
-                  <a:gsLst>
-                    <a:gs pos="83000">
-                      <a:schemeClr val="tx1">
-                        <a:lumMod val="75000"/>
-                        <a:lumOff val="25000"/>
-                      </a:schemeClr>
-                    </a:gs>
-                    <a:gs pos="100000">
-                      <a:schemeClr val="tx1">
-                        <a:lumMod val="75000"/>
-                        <a:lumOff val="25000"/>
-                      </a:schemeClr>
-                    </a:gs>
-                  </a:gsLst>
-                  <a:lin ang="5400000" scaled="1"/>
-                </a:gradFill>
-                <a:latin typeface="Malgun Gothic Semilight" panose="020B0502040204020203" pitchFamily="50" charset="-127"/>
-                <a:ea typeface="Malgun Gothic Semilight" panose="020B0502040204020203" pitchFamily="50" charset="-127"/>
-                <a:cs typeface="Malgun Gothic Semilight" panose="020B0502040204020203" pitchFamily="50" charset="-127"/>
-              </a:rPr>
-              <a:t>Project</a:t>
-            </a:r>
-          </a:p>
-        </p:txBody>
-      </p:sp>
-      <p:sp>
-        <p:nvSpPr>
-          <p:cNvPr id="13" name="TextBox 12">
-            <a:extLst>
-              <a:ext uri="{FF2B5EF4-FFF2-40B4-BE49-F238E27FC236}">
-                <a16:creationId xmlns:a16="http://schemas.microsoft.com/office/drawing/2014/main" id="{4EC86F03-8472-4595-A2F7-14C357D690FD}"/>
-              </a:ext>
-            </a:extLst>
-          </p:cNvPr>
-          <p:cNvSpPr txBox="1"/>
-          <p:nvPr/>
-        </p:nvSpPr>
-        <p:spPr>
-          <a:xfrm>
-            <a:off x="3931118" y="441176"/>
-            <a:ext cx="4329763" cy="494494"/>
-          </a:xfrm>
-          <a:prstGeom prst="rect">
-            <a:avLst/>
-          </a:prstGeom>
-          <a:noFill/>
-        </p:spPr>
-        <p:txBody>
-          <a:bodyPr wrap="square" rtlCol="0">
-            <a:spAutoFit/>
-          </a:bodyPr>
-          <a:lstStyle/>
-          <a:p>
-            <a:pPr algn="ctr">
-              <a:lnSpc>
-                <a:spcPct val="150000"/>
-              </a:lnSpc>
-            </a:pPr>
-            <a:r>
-              <a:rPr lang="en-US" altLang="ko-KR" sz="2000" spc="-150" dirty="0">
-                <a:gradFill>
-                  <a:gsLst>
-                    <a:gs pos="83000">
-                      <a:schemeClr val="tx1">
-                        <a:lumMod val="75000"/>
-                        <a:lumOff val="25000"/>
-                      </a:schemeClr>
-                    </a:gs>
-                    <a:gs pos="100000">
-                      <a:schemeClr val="tx1">
-                        <a:lumMod val="75000"/>
-                        <a:lumOff val="25000"/>
-                      </a:schemeClr>
-                    </a:gs>
-                  </a:gsLst>
-                  <a:lin ang="5400000" scaled="1"/>
-                </a:gradFill>
-                <a:latin typeface="Malgun Gothic Semilight" panose="020B0502040204020203" pitchFamily="50" charset="-127"/>
-                <a:ea typeface="Malgun Gothic Semilight" panose="020B0502040204020203" pitchFamily="50" charset="-127"/>
-                <a:cs typeface="Malgun Gothic Semilight" panose="020B0502040204020203" pitchFamily="50" charset="-127"/>
-              </a:rPr>
-              <a:t>View – “</a:t>
-            </a:r>
-            <a:r>
-              <a:rPr lang="en-US" altLang="ko-KR" sz="2000" spc="-150" dirty="0" err="1">
-                <a:gradFill>
-                  <a:gsLst>
-                    <a:gs pos="83000">
-                      <a:schemeClr val="tx1">
-                        <a:lumMod val="75000"/>
-                        <a:lumOff val="25000"/>
-                      </a:schemeClr>
-                    </a:gs>
-                    <a:gs pos="100000">
-                      <a:schemeClr val="tx1">
-                        <a:lumMod val="75000"/>
-                        <a:lumOff val="25000"/>
-                      </a:schemeClr>
-                    </a:gs>
-                  </a:gsLst>
-                  <a:lin ang="5400000" scaled="1"/>
-                </a:gradFill>
-                <a:latin typeface="Malgun Gothic Semilight" panose="020B0502040204020203" pitchFamily="50" charset="-127"/>
-                <a:ea typeface="Malgun Gothic Semilight" panose="020B0502040204020203" pitchFamily="50" charset="-127"/>
-                <a:cs typeface="Malgun Gothic Semilight" panose="020B0502040204020203" pitchFamily="50" charset="-127"/>
-              </a:rPr>
-              <a:t>PortfolioDetail</a:t>
-            </a:r>
-            <a:r>
-              <a:rPr lang="en-US" altLang="ko-KR" sz="2000" spc="-150" dirty="0">
-                <a:gradFill>
-                  <a:gsLst>
-                    <a:gs pos="83000">
-                      <a:schemeClr val="tx1">
-                        <a:lumMod val="75000"/>
-                        <a:lumOff val="25000"/>
-                      </a:schemeClr>
-                    </a:gs>
-                    <a:gs pos="100000">
-                      <a:schemeClr val="tx1">
-                        <a:lumMod val="75000"/>
-                        <a:lumOff val="25000"/>
-                      </a:schemeClr>
-                    </a:gs>
-                  </a:gsLst>
-                  <a:lin ang="5400000" scaled="1"/>
-                </a:gradFill>
-                <a:latin typeface="Malgun Gothic Semilight" panose="020B0502040204020203" pitchFamily="50" charset="-127"/>
-                <a:ea typeface="Malgun Gothic Semilight" panose="020B0502040204020203" pitchFamily="50" charset="-127"/>
-                <a:cs typeface="Malgun Gothic Semilight" panose="020B0502040204020203" pitchFamily="50" charset="-127"/>
-              </a:rPr>
-              <a:t>”</a:t>
-            </a:r>
-          </a:p>
-        </p:txBody>
-      </p:sp>
-      <p:pic>
-        <p:nvPicPr>
-          <p:cNvPr id="2" name="그림 1">
-            <a:extLst>
-              <a:ext uri="{FF2B5EF4-FFF2-40B4-BE49-F238E27FC236}">
-                <a16:creationId xmlns:a16="http://schemas.microsoft.com/office/drawing/2014/main" id="{1F41640F-79D5-43DC-84E0-AB98D69466A2}"/>
-              </a:ext>
-            </a:extLst>
-          </p:cNvPr>
-          <p:cNvPicPr>
-            <a:picLocks noChangeAspect="1"/>
-          </p:cNvPicPr>
-          <p:nvPr/>
-        </p:nvPicPr>
-        <p:blipFill>
-          <a:blip r:embed="rId2"/>
-          <a:stretch>
-            <a:fillRect/>
-          </a:stretch>
-        </p:blipFill>
-        <p:spPr>
-          <a:xfrm>
-            <a:off x="1796668" y="1129984"/>
-            <a:ext cx="8598663" cy="5367279"/>
-          </a:xfrm>
-          <a:prstGeom prst="rect">
-            <a:avLst/>
-          </a:prstGeom>
-        </p:spPr>
-      </p:pic>
-    </p:spTree>
-    <p:extLst>
-      <p:ext uri="{BB962C8B-B14F-4D97-AF65-F5344CB8AC3E}">
-        <p14:creationId xmlns:p14="http://schemas.microsoft.com/office/powerpoint/2010/main" val="2380495118"/>
-      </p:ext>
-    </p:extLst>
-  </p:cSld>
-  <p:clrMapOvr>
-    <a:masterClrMapping/>
-  </p:clrMapOvr>
-</p:sld>
-</file>
-
-<file path=ppt/slides/slide15.xml><?xml version="1.0" encoding="utf-8"?>
-<p:sld xmlns:a="http://schemas.openxmlformats.org/drawingml/2006/main" xmlns:r="http://schemas.openxmlformats.org/officeDocument/2006/relationships" xmlns:p="http://schemas.openxmlformats.org/presentationml/2006/main">
-  <p:cSld>
-    <p:bg>
-      <p:bgPr>
-        <a:solidFill>
-          <a:schemeClr val="bg1"/>
-        </a:solidFill>
-        <a:effectLst/>
-      </p:bgPr>
-    </p:bg>
-    <p:spTree>
-      <p:nvGrpSpPr>
-        <p:cNvPr id="1" name=""/>
-        <p:cNvGrpSpPr/>
-        <p:nvPr/>
-      </p:nvGrpSpPr>
-      <p:grpSpPr>
-        <a:xfrm>
-          <a:off x="0" y="0"/>
-          <a:ext cx="0" cy="0"/>
-          <a:chOff x="0" y="0"/>
-          <a:chExt cx="0" cy="0"/>
-        </a:xfrm>
-      </p:grpSpPr>
-      <p:sp>
-        <p:nvSpPr>
-          <p:cNvPr id="12" name="TextBox 11">
-            <a:extLst>
-              <a:ext uri="{FF2B5EF4-FFF2-40B4-BE49-F238E27FC236}">
-                <a16:creationId xmlns:a16="http://schemas.microsoft.com/office/drawing/2014/main" id="{72C1CBAC-EF92-40FE-A9AB-F06B1C7F436D}"/>
-              </a:ext>
-            </a:extLst>
-          </p:cNvPr>
-          <p:cNvSpPr txBox="1"/>
-          <p:nvPr/>
-        </p:nvSpPr>
-        <p:spPr>
-          <a:xfrm>
-            <a:off x="435427" y="360737"/>
-            <a:ext cx="1842664" cy="655372"/>
-          </a:xfrm>
-          <a:prstGeom prst="rect">
-            <a:avLst/>
-          </a:prstGeom>
-          <a:noFill/>
-        </p:spPr>
-        <p:txBody>
-          <a:bodyPr wrap="square" rtlCol="0">
-            <a:spAutoFit/>
-          </a:bodyPr>
-          <a:lstStyle/>
-          <a:p>
-            <a:pPr algn="ctr">
-              <a:lnSpc>
-                <a:spcPct val="150000"/>
-              </a:lnSpc>
-            </a:pPr>
-            <a:r>
-              <a:rPr lang="en-US" altLang="ko-KR" sz="2800" b="1" spc="-150" dirty="0">
-                <a:gradFill>
-                  <a:gsLst>
-                    <a:gs pos="83000">
-                      <a:schemeClr val="tx1">
-                        <a:lumMod val="75000"/>
-                        <a:lumOff val="25000"/>
-                      </a:schemeClr>
-                    </a:gs>
-                    <a:gs pos="100000">
-                      <a:schemeClr val="tx1">
-                        <a:lumMod val="75000"/>
-                        <a:lumOff val="25000"/>
-                      </a:schemeClr>
-                    </a:gs>
-                  </a:gsLst>
-                  <a:lin ang="5400000" scaled="1"/>
-                </a:gradFill>
-                <a:latin typeface="Malgun Gothic Semilight" panose="020B0502040204020203" pitchFamily="50" charset="-127"/>
-                <a:ea typeface="Malgun Gothic Semilight" panose="020B0502040204020203" pitchFamily="50" charset="-127"/>
-                <a:cs typeface="Malgun Gothic Semilight" panose="020B0502040204020203" pitchFamily="50" charset="-127"/>
-              </a:rPr>
-              <a:t>JSP</a:t>
-            </a:r>
-            <a:r>
-              <a:rPr lang="ko-KR" altLang="en-US" sz="2800" b="1" spc="-150" dirty="0">
-                <a:gradFill>
-                  <a:gsLst>
-                    <a:gs pos="83000">
-                      <a:schemeClr val="tx1">
-                        <a:lumMod val="75000"/>
-                        <a:lumOff val="25000"/>
-                      </a:schemeClr>
-                    </a:gs>
-                    <a:gs pos="100000">
-                      <a:schemeClr val="tx1">
-                        <a:lumMod val="75000"/>
-                        <a:lumOff val="25000"/>
-                      </a:schemeClr>
-                    </a:gs>
-                  </a:gsLst>
-                  <a:lin ang="5400000" scaled="1"/>
-                </a:gradFill>
-                <a:latin typeface="Malgun Gothic Semilight" panose="020B0502040204020203" pitchFamily="50" charset="-127"/>
-                <a:ea typeface="Malgun Gothic Semilight" panose="020B0502040204020203" pitchFamily="50" charset="-127"/>
-                <a:cs typeface="Malgun Gothic Semilight" panose="020B0502040204020203" pitchFamily="50" charset="-127"/>
-              </a:rPr>
-              <a:t> </a:t>
-            </a:r>
-            <a:r>
-              <a:rPr lang="en-US" altLang="ko-KR" sz="2800" b="1" spc="-150" dirty="0">
-                <a:gradFill>
-                  <a:gsLst>
-                    <a:gs pos="83000">
-                      <a:schemeClr val="tx1">
-                        <a:lumMod val="75000"/>
-                        <a:lumOff val="25000"/>
-                      </a:schemeClr>
-                    </a:gs>
-                    <a:gs pos="100000">
-                      <a:schemeClr val="tx1">
-                        <a:lumMod val="75000"/>
-                        <a:lumOff val="25000"/>
-                      </a:schemeClr>
-                    </a:gs>
-                  </a:gsLst>
-                  <a:lin ang="5400000" scaled="1"/>
-                </a:gradFill>
-                <a:latin typeface="Malgun Gothic Semilight" panose="020B0502040204020203" pitchFamily="50" charset="-127"/>
-                <a:ea typeface="Malgun Gothic Semilight" panose="020B0502040204020203" pitchFamily="50" charset="-127"/>
-                <a:cs typeface="Malgun Gothic Semilight" panose="020B0502040204020203" pitchFamily="50" charset="-127"/>
-              </a:rPr>
-              <a:t>Project</a:t>
-            </a:r>
-          </a:p>
-        </p:txBody>
-      </p:sp>
-      <p:sp>
-        <p:nvSpPr>
-          <p:cNvPr id="13" name="TextBox 12">
-            <a:extLst>
-              <a:ext uri="{FF2B5EF4-FFF2-40B4-BE49-F238E27FC236}">
-                <a16:creationId xmlns:a16="http://schemas.microsoft.com/office/drawing/2014/main" id="{4EC86F03-8472-4595-A2F7-14C357D690FD}"/>
-              </a:ext>
-            </a:extLst>
-          </p:cNvPr>
-          <p:cNvSpPr txBox="1"/>
-          <p:nvPr/>
-        </p:nvSpPr>
-        <p:spPr>
-          <a:xfrm>
-            <a:off x="3255988" y="441176"/>
-            <a:ext cx="5680021" cy="494494"/>
-          </a:xfrm>
-          <a:prstGeom prst="rect">
-            <a:avLst/>
-          </a:prstGeom>
-          <a:noFill/>
-        </p:spPr>
-        <p:txBody>
-          <a:bodyPr wrap="square" rtlCol="0">
-            <a:spAutoFit/>
-          </a:bodyPr>
-          <a:lstStyle/>
-          <a:p>
-            <a:pPr algn="ctr">
-              <a:lnSpc>
-                <a:spcPct val="150000"/>
-              </a:lnSpc>
-            </a:pPr>
-            <a:r>
-              <a:rPr lang="en-US" altLang="ko-KR" sz="2000" spc="-150" dirty="0">
-                <a:gradFill>
-                  <a:gsLst>
-                    <a:gs pos="83000">
-                      <a:schemeClr val="tx1">
-                        <a:lumMod val="75000"/>
-                        <a:lumOff val="25000"/>
-                      </a:schemeClr>
-                    </a:gs>
-                    <a:gs pos="100000">
-                      <a:schemeClr val="tx1">
-                        <a:lumMod val="75000"/>
-                        <a:lumOff val="25000"/>
-                      </a:schemeClr>
-                    </a:gs>
-                  </a:gsLst>
-                  <a:lin ang="5400000" scaled="1"/>
-                </a:gradFill>
-                <a:latin typeface="Malgun Gothic Semilight" panose="020B0502040204020203" pitchFamily="50" charset="-127"/>
-                <a:ea typeface="Malgun Gothic Semilight" panose="020B0502040204020203" pitchFamily="50" charset="-127"/>
-                <a:cs typeface="Malgun Gothic Semilight" panose="020B0502040204020203" pitchFamily="50" charset="-127"/>
-              </a:rPr>
-              <a:t>View – “</a:t>
-            </a:r>
-            <a:r>
-              <a:rPr lang="en-US" altLang="ko-KR" sz="2000" spc="-150" dirty="0" err="1">
-                <a:gradFill>
-                  <a:gsLst>
-                    <a:gs pos="83000">
-                      <a:schemeClr val="tx1">
-                        <a:lumMod val="75000"/>
-                        <a:lumOff val="25000"/>
-                      </a:schemeClr>
-                    </a:gs>
-                    <a:gs pos="100000">
-                      <a:schemeClr val="tx1">
-                        <a:lumMod val="75000"/>
-                        <a:lumOff val="25000"/>
-                      </a:schemeClr>
-                    </a:gs>
-                  </a:gsLst>
-                  <a:lin ang="5400000" scaled="1"/>
-                </a:gradFill>
-                <a:latin typeface="Malgun Gothic Semilight" panose="020B0502040204020203" pitchFamily="50" charset="-127"/>
-                <a:ea typeface="Malgun Gothic Semilight" panose="020B0502040204020203" pitchFamily="50" charset="-127"/>
-                <a:cs typeface="Malgun Gothic Semilight" panose="020B0502040204020203" pitchFamily="50" charset="-127"/>
-              </a:rPr>
-              <a:t>JourneyInsert</a:t>
-            </a:r>
-            <a:r>
-              <a:rPr lang="en-US" altLang="ko-KR" sz="2000" spc="-150" dirty="0">
-                <a:gradFill>
-                  <a:gsLst>
-                    <a:gs pos="83000">
-                      <a:schemeClr val="tx1">
-                        <a:lumMod val="75000"/>
-                        <a:lumOff val="25000"/>
-                      </a:schemeClr>
-                    </a:gs>
-                    <a:gs pos="100000">
-                      <a:schemeClr val="tx1">
-                        <a:lumMod val="75000"/>
-                        <a:lumOff val="25000"/>
-                      </a:schemeClr>
-                    </a:gs>
-                  </a:gsLst>
-                  <a:lin ang="5400000" scaled="1"/>
-                </a:gradFill>
-                <a:latin typeface="Malgun Gothic Semilight" panose="020B0502040204020203" pitchFamily="50" charset="-127"/>
-                <a:ea typeface="Malgun Gothic Semilight" panose="020B0502040204020203" pitchFamily="50" charset="-127"/>
-                <a:cs typeface="Malgun Gothic Semilight" panose="020B0502040204020203" pitchFamily="50" charset="-127"/>
-              </a:rPr>
-              <a:t>”, “</a:t>
-            </a:r>
-            <a:r>
-              <a:rPr lang="en-US" altLang="ko-KR" sz="2000" spc="-150" dirty="0" err="1">
-                <a:gradFill>
-                  <a:gsLst>
-                    <a:gs pos="83000">
-                      <a:schemeClr val="tx1">
-                        <a:lumMod val="75000"/>
-                        <a:lumOff val="25000"/>
-                      </a:schemeClr>
-                    </a:gs>
-                    <a:gs pos="100000">
-                      <a:schemeClr val="tx1">
-                        <a:lumMod val="75000"/>
-                        <a:lumOff val="25000"/>
-                      </a:schemeClr>
-                    </a:gs>
-                  </a:gsLst>
-                  <a:lin ang="5400000" scaled="1"/>
-                </a:gradFill>
-                <a:latin typeface="Malgun Gothic Semilight" panose="020B0502040204020203" pitchFamily="50" charset="-127"/>
-                <a:ea typeface="Malgun Gothic Semilight" panose="020B0502040204020203" pitchFamily="50" charset="-127"/>
-                <a:cs typeface="Malgun Gothic Semilight" panose="020B0502040204020203" pitchFamily="50" charset="-127"/>
-              </a:rPr>
-              <a:t>JourneyUpdate</a:t>
-            </a:r>
-            <a:r>
-              <a:rPr lang="en-US" altLang="ko-KR" sz="2000" spc="-150" dirty="0">
-                <a:gradFill>
-                  <a:gsLst>
-                    <a:gs pos="83000">
-                      <a:schemeClr val="tx1">
-                        <a:lumMod val="75000"/>
-                        <a:lumOff val="25000"/>
-                      </a:schemeClr>
-                    </a:gs>
-                    <a:gs pos="100000">
-                      <a:schemeClr val="tx1">
-                        <a:lumMod val="75000"/>
-                        <a:lumOff val="25000"/>
-                      </a:schemeClr>
-                    </a:gs>
-                  </a:gsLst>
-                  <a:lin ang="5400000" scaled="1"/>
-                </a:gradFill>
-                <a:latin typeface="Malgun Gothic Semilight" panose="020B0502040204020203" pitchFamily="50" charset="-127"/>
-                <a:ea typeface="Malgun Gothic Semilight" panose="020B0502040204020203" pitchFamily="50" charset="-127"/>
-                <a:cs typeface="Malgun Gothic Semilight" panose="020B0502040204020203" pitchFamily="50" charset="-127"/>
-              </a:rPr>
-              <a:t>”</a:t>
-            </a:r>
-          </a:p>
-        </p:txBody>
-      </p:sp>
-      <p:pic>
-        <p:nvPicPr>
-          <p:cNvPr id="4" name="그림 3">
-            <a:extLst>
-              <a:ext uri="{FF2B5EF4-FFF2-40B4-BE49-F238E27FC236}">
-                <a16:creationId xmlns:a16="http://schemas.microsoft.com/office/drawing/2014/main" id="{F6731A41-0194-4ECE-867A-91C778A5B2B0}"/>
-              </a:ext>
-            </a:extLst>
-          </p:cNvPr>
-          <p:cNvPicPr>
-            <a:picLocks noChangeAspect="1"/>
-          </p:cNvPicPr>
-          <p:nvPr/>
-        </p:nvPicPr>
-        <p:blipFill>
-          <a:blip r:embed="rId2"/>
-          <a:stretch>
-            <a:fillRect/>
-          </a:stretch>
-        </p:blipFill>
-        <p:spPr>
-          <a:xfrm>
-            <a:off x="1361840" y="1401295"/>
-            <a:ext cx="9468320" cy="4870371"/>
-          </a:xfrm>
-          <a:prstGeom prst="rect">
-            <a:avLst/>
-          </a:prstGeom>
-        </p:spPr>
-      </p:pic>
-    </p:spTree>
-    <p:extLst>
-      <p:ext uri="{BB962C8B-B14F-4D97-AF65-F5344CB8AC3E}">
-        <p14:creationId xmlns:p14="http://schemas.microsoft.com/office/powerpoint/2010/main" val="1545506008"/>
-      </p:ext>
-    </p:extLst>
-  </p:cSld>
-  <p:clrMapOvr>
-    <a:masterClrMapping/>
-  </p:clrMapOvr>
-</p:sld>
-</file>
-
 <file path=ppt/slides/slide16.xml><?xml version="1.0" encoding="utf-8"?>
 <p:sld xmlns:a="http://schemas.openxmlformats.org/drawingml/2006/main" xmlns:r="http://schemas.openxmlformats.org/officeDocument/2006/relationships" xmlns:p="http://schemas.openxmlformats.org/presentationml/2006/main">
   <p:cSld>
@@ -5141,6 +5042,636 @@
         </p:nvSpPr>
         <p:spPr>
           <a:xfrm>
+            <a:off x="3931118" y="441176"/>
+            <a:ext cx="4329763" cy="494494"/>
+          </a:xfrm>
+          <a:prstGeom prst="rect">
+            <a:avLst/>
+          </a:prstGeom>
+          <a:noFill/>
+        </p:spPr>
+        <p:txBody>
+          <a:bodyPr wrap="square" rtlCol="0">
+            <a:spAutoFit/>
+          </a:bodyPr>
+          <a:lstStyle/>
+          <a:p>
+            <a:pPr algn="ctr">
+              <a:lnSpc>
+                <a:spcPct val="150000"/>
+              </a:lnSpc>
+            </a:pPr>
+            <a:r>
+              <a:rPr lang="en-US" altLang="ko-KR" sz="2000" spc="-150" dirty="0">
+                <a:gradFill>
+                  <a:gsLst>
+                    <a:gs pos="83000">
+                      <a:schemeClr val="tx1">
+                        <a:lumMod val="75000"/>
+                        <a:lumOff val="25000"/>
+                      </a:schemeClr>
+                    </a:gs>
+                    <a:gs pos="100000">
+                      <a:schemeClr val="tx1">
+                        <a:lumMod val="75000"/>
+                        <a:lumOff val="25000"/>
+                      </a:schemeClr>
+                    </a:gs>
+                  </a:gsLst>
+                  <a:lin ang="5400000" scaled="1"/>
+                </a:gradFill>
+                <a:latin typeface="Malgun Gothic Semilight" panose="020B0502040204020203" pitchFamily="50" charset="-127"/>
+                <a:ea typeface="Malgun Gothic Semilight" panose="020B0502040204020203" pitchFamily="50" charset="-127"/>
+                <a:cs typeface="Malgun Gothic Semilight" panose="020B0502040204020203" pitchFamily="50" charset="-127"/>
+              </a:rPr>
+              <a:t>View – “</a:t>
+            </a:r>
+            <a:r>
+              <a:rPr lang="en-US" altLang="ko-KR" sz="2000" spc="-150" dirty="0" err="1">
+                <a:gradFill>
+                  <a:gsLst>
+                    <a:gs pos="83000">
+                      <a:schemeClr val="tx1">
+                        <a:lumMod val="75000"/>
+                        <a:lumOff val="25000"/>
+                      </a:schemeClr>
+                    </a:gs>
+                    <a:gs pos="100000">
+                      <a:schemeClr val="tx1">
+                        <a:lumMod val="75000"/>
+                        <a:lumOff val="25000"/>
+                      </a:schemeClr>
+                    </a:gs>
+                  </a:gsLst>
+                  <a:lin ang="5400000" scaled="1"/>
+                </a:gradFill>
+                <a:latin typeface="Malgun Gothic Semilight" panose="020B0502040204020203" pitchFamily="50" charset="-127"/>
+                <a:ea typeface="Malgun Gothic Semilight" panose="020B0502040204020203" pitchFamily="50" charset="-127"/>
+                <a:cs typeface="Malgun Gothic Semilight" panose="020B0502040204020203" pitchFamily="50" charset="-127"/>
+              </a:rPr>
+              <a:t>PortfolioDetail</a:t>
+            </a:r>
+            <a:r>
+              <a:rPr lang="en-US" altLang="ko-KR" sz="2000" spc="-150" dirty="0">
+                <a:gradFill>
+                  <a:gsLst>
+                    <a:gs pos="83000">
+                      <a:schemeClr val="tx1">
+                        <a:lumMod val="75000"/>
+                        <a:lumOff val="25000"/>
+                      </a:schemeClr>
+                    </a:gs>
+                    <a:gs pos="100000">
+                      <a:schemeClr val="tx1">
+                        <a:lumMod val="75000"/>
+                        <a:lumOff val="25000"/>
+                      </a:schemeClr>
+                    </a:gs>
+                  </a:gsLst>
+                  <a:lin ang="5400000" scaled="1"/>
+                </a:gradFill>
+                <a:latin typeface="Malgun Gothic Semilight" panose="020B0502040204020203" pitchFamily="50" charset="-127"/>
+                <a:ea typeface="Malgun Gothic Semilight" panose="020B0502040204020203" pitchFamily="50" charset="-127"/>
+                <a:cs typeface="Malgun Gothic Semilight" panose="020B0502040204020203" pitchFamily="50" charset="-127"/>
+              </a:rPr>
+              <a:t>”</a:t>
+            </a:r>
+          </a:p>
+        </p:txBody>
+      </p:sp>
+      <p:pic>
+        <p:nvPicPr>
+          <p:cNvPr id="2" name="그림 1">
+            <a:extLst>
+              <a:ext uri="{FF2B5EF4-FFF2-40B4-BE49-F238E27FC236}">
+                <a16:creationId xmlns:a16="http://schemas.microsoft.com/office/drawing/2014/main" id="{1F41640F-79D5-43DC-84E0-AB98D69466A2}"/>
+              </a:ext>
+            </a:extLst>
+          </p:cNvPr>
+          <p:cNvPicPr>
+            <a:picLocks noChangeAspect="1"/>
+          </p:cNvPicPr>
+          <p:nvPr/>
+        </p:nvPicPr>
+        <p:blipFill>
+          <a:blip r:embed="rId2"/>
+          <a:stretch>
+            <a:fillRect/>
+          </a:stretch>
+        </p:blipFill>
+        <p:spPr>
+          <a:xfrm>
+            <a:off x="1796668" y="1129984"/>
+            <a:ext cx="8598663" cy="5367279"/>
+          </a:xfrm>
+          <a:prstGeom prst="rect">
+            <a:avLst/>
+          </a:prstGeom>
+        </p:spPr>
+      </p:pic>
+    </p:spTree>
+    <p:extLst>
+      <p:ext uri="{BB962C8B-B14F-4D97-AF65-F5344CB8AC3E}">
+        <p14:creationId xmlns:p14="http://schemas.microsoft.com/office/powerpoint/2010/main" val="2380495118"/>
+      </p:ext>
+    </p:extLst>
+  </p:cSld>
+  <p:clrMapOvr>
+    <a:masterClrMapping/>
+  </p:clrMapOvr>
+</p:sld>
+</file>
+
+<file path=ppt/slides/slide17.xml><?xml version="1.0" encoding="utf-8"?>
+<p:sld xmlns:a="http://schemas.openxmlformats.org/drawingml/2006/main" xmlns:r="http://schemas.openxmlformats.org/officeDocument/2006/relationships" xmlns:p="http://schemas.openxmlformats.org/presentationml/2006/main">
+  <p:cSld>
+    <p:bg>
+      <p:bgPr>
+        <a:solidFill>
+          <a:schemeClr val="bg1"/>
+        </a:solidFill>
+        <a:effectLst/>
+      </p:bgPr>
+    </p:bg>
+    <p:spTree>
+      <p:nvGrpSpPr>
+        <p:cNvPr id="1" name=""/>
+        <p:cNvGrpSpPr/>
+        <p:nvPr/>
+      </p:nvGrpSpPr>
+      <p:grpSpPr>
+        <a:xfrm>
+          <a:off x="0" y="0"/>
+          <a:ext cx="0" cy="0"/>
+          <a:chOff x="0" y="0"/>
+          <a:chExt cx="0" cy="0"/>
+        </a:xfrm>
+      </p:grpSpPr>
+      <p:sp>
+        <p:nvSpPr>
+          <p:cNvPr id="12" name="TextBox 11">
+            <a:extLst>
+              <a:ext uri="{FF2B5EF4-FFF2-40B4-BE49-F238E27FC236}">
+                <a16:creationId xmlns:a16="http://schemas.microsoft.com/office/drawing/2014/main" id="{72C1CBAC-EF92-40FE-A9AB-F06B1C7F436D}"/>
+              </a:ext>
+            </a:extLst>
+          </p:cNvPr>
+          <p:cNvSpPr txBox="1"/>
+          <p:nvPr/>
+        </p:nvSpPr>
+        <p:spPr>
+          <a:xfrm>
+            <a:off x="435427" y="360737"/>
+            <a:ext cx="1842664" cy="655372"/>
+          </a:xfrm>
+          <a:prstGeom prst="rect">
+            <a:avLst/>
+          </a:prstGeom>
+          <a:noFill/>
+        </p:spPr>
+        <p:txBody>
+          <a:bodyPr wrap="square" rtlCol="0">
+            <a:spAutoFit/>
+          </a:bodyPr>
+          <a:lstStyle/>
+          <a:p>
+            <a:pPr algn="ctr">
+              <a:lnSpc>
+                <a:spcPct val="150000"/>
+              </a:lnSpc>
+            </a:pPr>
+            <a:r>
+              <a:rPr lang="en-US" altLang="ko-KR" sz="2800" b="1" spc="-150" dirty="0">
+                <a:gradFill>
+                  <a:gsLst>
+                    <a:gs pos="83000">
+                      <a:schemeClr val="tx1">
+                        <a:lumMod val="75000"/>
+                        <a:lumOff val="25000"/>
+                      </a:schemeClr>
+                    </a:gs>
+                    <a:gs pos="100000">
+                      <a:schemeClr val="tx1">
+                        <a:lumMod val="75000"/>
+                        <a:lumOff val="25000"/>
+                      </a:schemeClr>
+                    </a:gs>
+                  </a:gsLst>
+                  <a:lin ang="5400000" scaled="1"/>
+                </a:gradFill>
+                <a:latin typeface="Malgun Gothic Semilight" panose="020B0502040204020203" pitchFamily="50" charset="-127"/>
+                <a:ea typeface="Malgun Gothic Semilight" panose="020B0502040204020203" pitchFamily="50" charset="-127"/>
+                <a:cs typeface="Malgun Gothic Semilight" panose="020B0502040204020203" pitchFamily="50" charset="-127"/>
+              </a:rPr>
+              <a:t>JSP</a:t>
+            </a:r>
+            <a:r>
+              <a:rPr lang="ko-KR" altLang="en-US" sz="2800" b="1" spc="-150" dirty="0">
+                <a:gradFill>
+                  <a:gsLst>
+                    <a:gs pos="83000">
+                      <a:schemeClr val="tx1">
+                        <a:lumMod val="75000"/>
+                        <a:lumOff val="25000"/>
+                      </a:schemeClr>
+                    </a:gs>
+                    <a:gs pos="100000">
+                      <a:schemeClr val="tx1">
+                        <a:lumMod val="75000"/>
+                        <a:lumOff val="25000"/>
+                      </a:schemeClr>
+                    </a:gs>
+                  </a:gsLst>
+                  <a:lin ang="5400000" scaled="1"/>
+                </a:gradFill>
+                <a:latin typeface="Malgun Gothic Semilight" panose="020B0502040204020203" pitchFamily="50" charset="-127"/>
+                <a:ea typeface="Malgun Gothic Semilight" panose="020B0502040204020203" pitchFamily="50" charset="-127"/>
+                <a:cs typeface="Malgun Gothic Semilight" panose="020B0502040204020203" pitchFamily="50" charset="-127"/>
+              </a:rPr>
+              <a:t> </a:t>
+            </a:r>
+            <a:r>
+              <a:rPr lang="en-US" altLang="ko-KR" sz="2800" b="1" spc="-150" dirty="0">
+                <a:gradFill>
+                  <a:gsLst>
+                    <a:gs pos="83000">
+                      <a:schemeClr val="tx1">
+                        <a:lumMod val="75000"/>
+                        <a:lumOff val="25000"/>
+                      </a:schemeClr>
+                    </a:gs>
+                    <a:gs pos="100000">
+                      <a:schemeClr val="tx1">
+                        <a:lumMod val="75000"/>
+                        <a:lumOff val="25000"/>
+                      </a:schemeClr>
+                    </a:gs>
+                  </a:gsLst>
+                  <a:lin ang="5400000" scaled="1"/>
+                </a:gradFill>
+                <a:latin typeface="Malgun Gothic Semilight" panose="020B0502040204020203" pitchFamily="50" charset="-127"/>
+                <a:ea typeface="Malgun Gothic Semilight" panose="020B0502040204020203" pitchFamily="50" charset="-127"/>
+                <a:cs typeface="Malgun Gothic Semilight" panose="020B0502040204020203" pitchFamily="50" charset="-127"/>
+              </a:rPr>
+              <a:t>Project</a:t>
+            </a:r>
+          </a:p>
+        </p:txBody>
+      </p:sp>
+      <p:sp>
+        <p:nvSpPr>
+          <p:cNvPr id="13" name="TextBox 12">
+            <a:extLst>
+              <a:ext uri="{FF2B5EF4-FFF2-40B4-BE49-F238E27FC236}">
+                <a16:creationId xmlns:a16="http://schemas.microsoft.com/office/drawing/2014/main" id="{4EC86F03-8472-4595-A2F7-14C357D690FD}"/>
+              </a:ext>
+            </a:extLst>
+          </p:cNvPr>
+          <p:cNvSpPr txBox="1"/>
+          <p:nvPr/>
+        </p:nvSpPr>
+        <p:spPr>
+          <a:xfrm>
+            <a:off x="3255988" y="441176"/>
+            <a:ext cx="5680021" cy="494494"/>
+          </a:xfrm>
+          <a:prstGeom prst="rect">
+            <a:avLst/>
+          </a:prstGeom>
+          <a:noFill/>
+        </p:spPr>
+        <p:txBody>
+          <a:bodyPr wrap="square" rtlCol="0">
+            <a:spAutoFit/>
+          </a:bodyPr>
+          <a:lstStyle/>
+          <a:p>
+            <a:pPr algn="ctr">
+              <a:lnSpc>
+                <a:spcPct val="150000"/>
+              </a:lnSpc>
+            </a:pPr>
+            <a:r>
+              <a:rPr lang="en-US" altLang="ko-KR" sz="2000" spc="-150" dirty="0">
+                <a:gradFill>
+                  <a:gsLst>
+                    <a:gs pos="83000">
+                      <a:schemeClr val="tx1">
+                        <a:lumMod val="75000"/>
+                        <a:lumOff val="25000"/>
+                      </a:schemeClr>
+                    </a:gs>
+                    <a:gs pos="100000">
+                      <a:schemeClr val="tx1">
+                        <a:lumMod val="75000"/>
+                        <a:lumOff val="25000"/>
+                      </a:schemeClr>
+                    </a:gs>
+                  </a:gsLst>
+                  <a:lin ang="5400000" scaled="1"/>
+                </a:gradFill>
+                <a:latin typeface="Malgun Gothic Semilight" panose="020B0502040204020203" pitchFamily="50" charset="-127"/>
+                <a:ea typeface="Malgun Gothic Semilight" panose="020B0502040204020203" pitchFamily="50" charset="-127"/>
+                <a:cs typeface="Malgun Gothic Semilight" panose="020B0502040204020203" pitchFamily="50" charset="-127"/>
+              </a:rPr>
+              <a:t>View – “</a:t>
+            </a:r>
+            <a:r>
+              <a:rPr lang="en-US" altLang="ko-KR" sz="2000" spc="-150" dirty="0" err="1">
+                <a:gradFill>
+                  <a:gsLst>
+                    <a:gs pos="83000">
+                      <a:schemeClr val="tx1">
+                        <a:lumMod val="75000"/>
+                        <a:lumOff val="25000"/>
+                      </a:schemeClr>
+                    </a:gs>
+                    <a:gs pos="100000">
+                      <a:schemeClr val="tx1">
+                        <a:lumMod val="75000"/>
+                        <a:lumOff val="25000"/>
+                      </a:schemeClr>
+                    </a:gs>
+                  </a:gsLst>
+                  <a:lin ang="5400000" scaled="1"/>
+                </a:gradFill>
+                <a:latin typeface="Malgun Gothic Semilight" panose="020B0502040204020203" pitchFamily="50" charset="-127"/>
+                <a:ea typeface="Malgun Gothic Semilight" panose="020B0502040204020203" pitchFamily="50" charset="-127"/>
+                <a:cs typeface="Malgun Gothic Semilight" panose="020B0502040204020203" pitchFamily="50" charset="-127"/>
+              </a:rPr>
+              <a:t>JourneyInsert</a:t>
+            </a:r>
+            <a:r>
+              <a:rPr lang="en-US" altLang="ko-KR" sz="2000" spc="-150" dirty="0">
+                <a:gradFill>
+                  <a:gsLst>
+                    <a:gs pos="83000">
+                      <a:schemeClr val="tx1">
+                        <a:lumMod val="75000"/>
+                        <a:lumOff val="25000"/>
+                      </a:schemeClr>
+                    </a:gs>
+                    <a:gs pos="100000">
+                      <a:schemeClr val="tx1">
+                        <a:lumMod val="75000"/>
+                        <a:lumOff val="25000"/>
+                      </a:schemeClr>
+                    </a:gs>
+                  </a:gsLst>
+                  <a:lin ang="5400000" scaled="1"/>
+                </a:gradFill>
+                <a:latin typeface="Malgun Gothic Semilight" panose="020B0502040204020203" pitchFamily="50" charset="-127"/>
+                <a:ea typeface="Malgun Gothic Semilight" panose="020B0502040204020203" pitchFamily="50" charset="-127"/>
+                <a:cs typeface="Malgun Gothic Semilight" panose="020B0502040204020203" pitchFamily="50" charset="-127"/>
+              </a:rPr>
+              <a:t>”, “</a:t>
+            </a:r>
+            <a:r>
+              <a:rPr lang="en-US" altLang="ko-KR" sz="2000" spc="-150" dirty="0" err="1">
+                <a:gradFill>
+                  <a:gsLst>
+                    <a:gs pos="83000">
+                      <a:schemeClr val="tx1">
+                        <a:lumMod val="75000"/>
+                        <a:lumOff val="25000"/>
+                      </a:schemeClr>
+                    </a:gs>
+                    <a:gs pos="100000">
+                      <a:schemeClr val="tx1">
+                        <a:lumMod val="75000"/>
+                        <a:lumOff val="25000"/>
+                      </a:schemeClr>
+                    </a:gs>
+                  </a:gsLst>
+                  <a:lin ang="5400000" scaled="1"/>
+                </a:gradFill>
+                <a:latin typeface="Malgun Gothic Semilight" panose="020B0502040204020203" pitchFamily="50" charset="-127"/>
+                <a:ea typeface="Malgun Gothic Semilight" panose="020B0502040204020203" pitchFamily="50" charset="-127"/>
+                <a:cs typeface="Malgun Gothic Semilight" panose="020B0502040204020203" pitchFamily="50" charset="-127"/>
+              </a:rPr>
+              <a:t>JourneyUpdate</a:t>
+            </a:r>
+            <a:r>
+              <a:rPr lang="en-US" altLang="ko-KR" sz="2000" spc="-150" dirty="0">
+                <a:gradFill>
+                  <a:gsLst>
+                    <a:gs pos="83000">
+                      <a:schemeClr val="tx1">
+                        <a:lumMod val="75000"/>
+                        <a:lumOff val="25000"/>
+                      </a:schemeClr>
+                    </a:gs>
+                    <a:gs pos="100000">
+                      <a:schemeClr val="tx1">
+                        <a:lumMod val="75000"/>
+                        <a:lumOff val="25000"/>
+                      </a:schemeClr>
+                    </a:gs>
+                  </a:gsLst>
+                  <a:lin ang="5400000" scaled="1"/>
+                </a:gradFill>
+                <a:latin typeface="Malgun Gothic Semilight" panose="020B0502040204020203" pitchFamily="50" charset="-127"/>
+                <a:ea typeface="Malgun Gothic Semilight" panose="020B0502040204020203" pitchFamily="50" charset="-127"/>
+                <a:cs typeface="Malgun Gothic Semilight" panose="020B0502040204020203" pitchFamily="50" charset="-127"/>
+              </a:rPr>
+              <a:t>”</a:t>
+            </a:r>
+          </a:p>
+        </p:txBody>
+      </p:sp>
+      <p:pic>
+        <p:nvPicPr>
+          <p:cNvPr id="4" name="그림 3">
+            <a:extLst>
+              <a:ext uri="{FF2B5EF4-FFF2-40B4-BE49-F238E27FC236}">
+                <a16:creationId xmlns:a16="http://schemas.microsoft.com/office/drawing/2014/main" id="{F6731A41-0194-4ECE-867A-91C778A5B2B0}"/>
+              </a:ext>
+            </a:extLst>
+          </p:cNvPr>
+          <p:cNvPicPr>
+            <a:picLocks noChangeAspect="1"/>
+          </p:cNvPicPr>
+          <p:nvPr/>
+        </p:nvPicPr>
+        <p:blipFill>
+          <a:blip r:embed="rId2"/>
+          <a:stretch>
+            <a:fillRect/>
+          </a:stretch>
+        </p:blipFill>
+        <p:spPr>
+          <a:xfrm>
+            <a:off x="1361840" y="1401295"/>
+            <a:ext cx="9468320" cy="4870371"/>
+          </a:xfrm>
+          <a:prstGeom prst="rect">
+            <a:avLst/>
+          </a:prstGeom>
+        </p:spPr>
+      </p:pic>
+    </p:spTree>
+    <p:extLst>
+      <p:ext uri="{BB962C8B-B14F-4D97-AF65-F5344CB8AC3E}">
+        <p14:creationId xmlns:p14="http://schemas.microsoft.com/office/powerpoint/2010/main" val="1545506008"/>
+      </p:ext>
+    </p:extLst>
+  </p:cSld>
+  <p:clrMapOvr>
+    <a:masterClrMapping/>
+  </p:clrMapOvr>
+</p:sld>
+</file>
+
+<file path=ppt/slides/slide18.xml><?xml version="1.0" encoding="utf-8"?>
+<p:sld xmlns:a="http://schemas.openxmlformats.org/drawingml/2006/main" xmlns:r="http://schemas.openxmlformats.org/officeDocument/2006/relationships" xmlns:p="http://schemas.openxmlformats.org/presentationml/2006/main">
+  <p:cSld>
+    <p:bg>
+      <p:bgPr>
+        <a:solidFill>
+          <a:schemeClr val="bg1"/>
+        </a:solidFill>
+        <a:effectLst/>
+      </p:bgPr>
+    </p:bg>
+    <p:spTree>
+      <p:nvGrpSpPr>
+        <p:cNvPr id="1" name=""/>
+        <p:cNvGrpSpPr/>
+        <p:nvPr/>
+      </p:nvGrpSpPr>
+      <p:grpSpPr>
+        <a:xfrm>
+          <a:off x="0" y="0"/>
+          <a:ext cx="0" cy="0"/>
+          <a:chOff x="0" y="0"/>
+          <a:chExt cx="0" cy="0"/>
+        </a:xfrm>
+      </p:grpSpPr>
+      <p:sp>
+        <p:nvSpPr>
+          <p:cNvPr id="12" name="TextBox 11">
+            <a:extLst>
+              <a:ext uri="{FF2B5EF4-FFF2-40B4-BE49-F238E27FC236}">
+                <a16:creationId xmlns:a16="http://schemas.microsoft.com/office/drawing/2014/main" id="{72C1CBAC-EF92-40FE-A9AB-F06B1C7F436D}"/>
+              </a:ext>
+            </a:extLst>
+          </p:cNvPr>
+          <p:cNvSpPr txBox="1"/>
+          <p:nvPr/>
+        </p:nvSpPr>
+        <p:spPr>
+          <a:xfrm>
+            <a:off x="435427" y="360737"/>
+            <a:ext cx="1842664" cy="655372"/>
+          </a:xfrm>
+          <a:prstGeom prst="rect">
+            <a:avLst/>
+          </a:prstGeom>
+          <a:noFill/>
+        </p:spPr>
+        <p:txBody>
+          <a:bodyPr wrap="square" rtlCol="0">
+            <a:spAutoFit/>
+          </a:bodyPr>
+          <a:lstStyle/>
+          <a:p>
+            <a:pPr algn="ctr">
+              <a:lnSpc>
+                <a:spcPct val="150000"/>
+              </a:lnSpc>
+            </a:pPr>
+            <a:r>
+              <a:rPr lang="en-US" altLang="ko-KR" sz="2800" b="1" spc="-150" dirty="0">
+                <a:gradFill>
+                  <a:gsLst>
+                    <a:gs pos="83000">
+                      <a:schemeClr val="tx1">
+                        <a:lumMod val="75000"/>
+                        <a:lumOff val="25000"/>
+                      </a:schemeClr>
+                    </a:gs>
+                    <a:gs pos="100000">
+                      <a:schemeClr val="tx1">
+                        <a:lumMod val="75000"/>
+                        <a:lumOff val="25000"/>
+                      </a:schemeClr>
+                    </a:gs>
+                  </a:gsLst>
+                  <a:lin ang="5400000" scaled="1"/>
+                </a:gradFill>
+                <a:latin typeface="Malgun Gothic Semilight" panose="020B0502040204020203" pitchFamily="50" charset="-127"/>
+                <a:ea typeface="Malgun Gothic Semilight" panose="020B0502040204020203" pitchFamily="50" charset="-127"/>
+                <a:cs typeface="Malgun Gothic Semilight" panose="020B0502040204020203" pitchFamily="50" charset="-127"/>
+              </a:rPr>
+              <a:t>JSP</a:t>
+            </a:r>
+            <a:r>
+              <a:rPr lang="ko-KR" altLang="en-US" sz="2800" b="1" spc="-150" dirty="0">
+                <a:gradFill>
+                  <a:gsLst>
+                    <a:gs pos="83000">
+                      <a:schemeClr val="tx1">
+                        <a:lumMod val="75000"/>
+                        <a:lumOff val="25000"/>
+                      </a:schemeClr>
+                    </a:gs>
+                    <a:gs pos="100000">
+                      <a:schemeClr val="tx1">
+                        <a:lumMod val="75000"/>
+                        <a:lumOff val="25000"/>
+                      </a:schemeClr>
+                    </a:gs>
+                  </a:gsLst>
+                  <a:lin ang="5400000" scaled="1"/>
+                </a:gradFill>
+                <a:latin typeface="Malgun Gothic Semilight" panose="020B0502040204020203" pitchFamily="50" charset="-127"/>
+                <a:ea typeface="Malgun Gothic Semilight" panose="020B0502040204020203" pitchFamily="50" charset="-127"/>
+                <a:cs typeface="Malgun Gothic Semilight" panose="020B0502040204020203" pitchFamily="50" charset="-127"/>
+              </a:rPr>
+              <a:t> </a:t>
+            </a:r>
+            <a:r>
+              <a:rPr lang="en-US" altLang="ko-KR" sz="2800" b="1" spc="-150" dirty="0">
+                <a:gradFill>
+                  <a:gsLst>
+                    <a:gs pos="83000">
+                      <a:schemeClr val="tx1">
+                        <a:lumMod val="75000"/>
+                        <a:lumOff val="25000"/>
+                      </a:schemeClr>
+                    </a:gs>
+                    <a:gs pos="100000">
+                      <a:schemeClr val="tx1">
+                        <a:lumMod val="75000"/>
+                        <a:lumOff val="25000"/>
+                      </a:schemeClr>
+                    </a:gs>
+                  </a:gsLst>
+                  <a:lin ang="5400000" scaled="1"/>
+                </a:gradFill>
+                <a:latin typeface="Malgun Gothic Semilight" panose="020B0502040204020203" pitchFamily="50" charset="-127"/>
+                <a:ea typeface="Malgun Gothic Semilight" panose="020B0502040204020203" pitchFamily="50" charset="-127"/>
+                <a:cs typeface="Malgun Gothic Semilight" panose="020B0502040204020203" pitchFamily="50" charset="-127"/>
+              </a:rPr>
+              <a:t>Project</a:t>
+            </a:r>
+          </a:p>
+        </p:txBody>
+      </p:sp>
+      <p:sp>
+        <p:nvSpPr>
+          <p:cNvPr id="13" name="TextBox 12">
+            <a:extLst>
+              <a:ext uri="{FF2B5EF4-FFF2-40B4-BE49-F238E27FC236}">
+                <a16:creationId xmlns:a16="http://schemas.microsoft.com/office/drawing/2014/main" id="{4EC86F03-8472-4595-A2F7-14C357D690FD}"/>
+              </a:ext>
+            </a:extLst>
+          </p:cNvPr>
+          <p:cNvSpPr txBox="1"/>
+          <p:nvPr/>
+        </p:nvSpPr>
+        <p:spPr>
+          <a:xfrm>
             <a:off x="3255988" y="452062"/>
             <a:ext cx="5680021" cy="494494"/>
           </a:xfrm>
@@ -5281,110 +5812,7 @@
 </p:sld>
 </file>
 
-<file path=ppt/slides/slide17.xml><?xml version="1.0" encoding="utf-8"?>
-<p:sld xmlns:a="http://schemas.openxmlformats.org/drawingml/2006/main" xmlns:r="http://schemas.openxmlformats.org/officeDocument/2006/relationships" xmlns:p="http://schemas.openxmlformats.org/presentationml/2006/main">
-  <p:cSld>
-    <p:spTree>
-      <p:nvGrpSpPr>
-        <p:cNvPr id="1" name=""/>
-        <p:cNvGrpSpPr/>
-        <p:nvPr/>
-      </p:nvGrpSpPr>
-      <p:grpSpPr>
-        <a:xfrm>
-          <a:off x="0" y="0"/>
-          <a:ext cx="0" cy="0"/>
-          <a:chOff x="0" y="0"/>
-          <a:chExt cx="0" cy="0"/>
-        </a:xfrm>
-      </p:grpSpPr>
-      <p:sp>
-        <p:nvSpPr>
-          <p:cNvPr id="3" name="TextBox 2"/>
-          <p:cNvSpPr txBox="1"/>
-          <p:nvPr/>
-        </p:nvSpPr>
-        <p:spPr>
-          <a:xfrm>
-            <a:off x="4424414" y="2367171"/>
-            <a:ext cx="3343170" cy="1107996"/>
-          </a:xfrm>
-          <a:prstGeom prst="rect">
-            <a:avLst/>
-          </a:prstGeom>
-          <a:noFill/>
-        </p:spPr>
-        <p:txBody>
-          <a:bodyPr wrap="square" rtlCol="0">
-            <a:spAutoFit/>
-          </a:bodyPr>
-          <a:lstStyle/>
-          <a:p>
-            <a:pPr algn="dist"/>
-            <a:r>
-              <a:rPr lang="ko-KR" altLang="en-US" sz="6600" dirty="0">
-                <a:gradFill>
-                  <a:gsLst>
-                    <a:gs pos="83000">
-                      <a:schemeClr val="tx1">
-                        <a:lumMod val="75000"/>
-                        <a:lumOff val="25000"/>
-                      </a:schemeClr>
-                    </a:gs>
-                    <a:gs pos="100000">
-                      <a:schemeClr val="tx1">
-                        <a:lumMod val="75000"/>
-                        <a:lumOff val="25000"/>
-                      </a:schemeClr>
-                    </a:gs>
-                  </a:gsLst>
-                  <a:lin ang="5400000" scaled="1"/>
-                </a:gradFill>
-                <a:latin typeface="+mj-lt"/>
-                <a:ea typeface="Malgun Gothic Semilight" panose="020B0502040204020203" pitchFamily="50" charset="-127"/>
-                <a:cs typeface="Malgun Gothic Semilight" panose="020B0502040204020203" pitchFamily="50" charset="-127"/>
-              </a:rPr>
-              <a:t>시 연</a:t>
-            </a:r>
-            <a:endParaRPr lang="en-US" altLang="ko-KR" sz="6600" dirty="0">
-              <a:gradFill>
-                <a:gsLst>
-                  <a:gs pos="83000">
-                    <a:schemeClr val="tx1">
-                      <a:lumMod val="75000"/>
-                      <a:lumOff val="25000"/>
-                    </a:schemeClr>
-                  </a:gs>
-                  <a:gs pos="100000">
-                    <a:schemeClr val="tx1">
-                      <a:lumMod val="75000"/>
-                      <a:lumOff val="25000"/>
-                    </a:schemeClr>
-                  </a:gs>
-                </a:gsLst>
-                <a:lin ang="5400000" scaled="1"/>
-              </a:gradFill>
-              <a:latin typeface="+mj-lt"/>
-              <a:ea typeface="Malgun Gothic Semilight" panose="020B0502040204020203" pitchFamily="50" charset="-127"/>
-              <a:cs typeface="Malgun Gothic Semilight" panose="020B0502040204020203" pitchFamily="50" charset="-127"/>
-            </a:endParaRPr>
-          </a:p>
-        </p:txBody>
-      </p:sp>
-    </p:spTree>
-    <p:extLst>
-      <p:ext uri="{BB962C8B-B14F-4D97-AF65-F5344CB8AC3E}">
-        <p14:creationId xmlns:p14="http://schemas.microsoft.com/office/powerpoint/2010/main" val="4003972110"/>
-      </p:ext>
-    </p:extLst>
-  </p:cSld>
-  <p:clrMapOvr>
-    <a:masterClrMapping/>
-  </p:clrMapOvr>
-</p:sld>
-</file>
-
-<file path=ppt/slides/slide18.xml><?xml version="1.0" encoding="utf-8"?>
+<file path=ppt/slides/slide19.xml><?xml version="1.0" encoding="utf-8"?>
 <p:sld xmlns:a="http://schemas.openxmlformats.org/drawingml/2006/main" xmlns:r="http://schemas.openxmlformats.org/officeDocument/2006/relationships" xmlns:p="http://schemas.openxmlformats.org/presentationml/2006/main">
   <p:cSld>
     <p:spTree>
@@ -5466,6 +5894,927 @@
 </file>
 
 <file path=ppt/slides/slide2.xml><?xml version="1.0" encoding="utf-8"?>
+<p:sld xmlns:a="http://schemas.openxmlformats.org/drawingml/2006/main" xmlns:r="http://schemas.openxmlformats.org/officeDocument/2006/relationships" xmlns:p="http://schemas.openxmlformats.org/presentationml/2006/main">
+  <p:cSld>
+    <p:bg>
+      <p:bgPr>
+        <a:solidFill>
+          <a:schemeClr val="bg1"/>
+        </a:solidFill>
+        <a:effectLst/>
+      </p:bgPr>
+    </p:bg>
+    <p:spTree>
+      <p:nvGrpSpPr>
+        <p:cNvPr id="1" name=""/>
+        <p:cNvGrpSpPr/>
+        <p:nvPr/>
+      </p:nvGrpSpPr>
+      <p:grpSpPr>
+        <a:xfrm>
+          <a:off x="0" y="0"/>
+          <a:ext cx="0" cy="0"/>
+          <a:chOff x="0" y="0"/>
+          <a:chExt cx="0" cy="0"/>
+        </a:xfrm>
+      </p:grpSpPr>
+      <p:sp>
+        <p:nvSpPr>
+          <p:cNvPr id="12" name="TextBox 11">
+            <a:extLst>
+              <a:ext uri="{FF2B5EF4-FFF2-40B4-BE49-F238E27FC236}">
+                <a16:creationId xmlns:a16="http://schemas.microsoft.com/office/drawing/2014/main" id="{72C1CBAC-EF92-40FE-A9AB-F06B1C7F436D}"/>
+              </a:ext>
+            </a:extLst>
+          </p:cNvPr>
+          <p:cNvSpPr txBox="1"/>
+          <p:nvPr/>
+        </p:nvSpPr>
+        <p:spPr>
+          <a:xfrm>
+            <a:off x="435427" y="360737"/>
+            <a:ext cx="1842664" cy="655372"/>
+          </a:xfrm>
+          <a:prstGeom prst="rect">
+            <a:avLst/>
+          </a:prstGeom>
+          <a:noFill/>
+        </p:spPr>
+        <p:txBody>
+          <a:bodyPr wrap="square" rtlCol="0">
+            <a:spAutoFit/>
+          </a:bodyPr>
+          <a:lstStyle/>
+          <a:p>
+            <a:pPr marL="0" marR="0" lvl="0" indent="0" algn="ctr" defTabSz="914400" rtl="0" eaLnBrk="1" fontAlgn="auto" latinLnBrk="1" hangingPunct="1">
+              <a:lnSpc>
+                <a:spcPct val="150000"/>
+              </a:lnSpc>
+              <a:spcBef>
+                <a:spcPts val="0"/>
+              </a:spcBef>
+              <a:spcAft>
+                <a:spcPts val="0"/>
+              </a:spcAft>
+              <a:buClrTx/>
+              <a:buSzTx/>
+              <a:buFontTx/>
+              <a:buNone/>
+              <a:tabLst/>
+              <a:defRPr/>
+            </a:pPr>
+            <a:r>
+              <a:rPr kumimoji="0" lang="en-US" altLang="ko-KR" sz="2800" b="1" i="0" u="none" strike="noStrike" kern="1200" cap="none" spc="-150" normalizeH="0" baseline="0" noProof="0" dirty="0">
+                <a:ln>
+                  <a:noFill/>
+                </a:ln>
+                <a:gradFill>
+                  <a:gsLst>
+                    <a:gs pos="83000">
+                      <a:prstClr val="black">
+                        <a:lumMod val="75000"/>
+                        <a:lumOff val="25000"/>
+                      </a:prstClr>
+                    </a:gs>
+                    <a:gs pos="100000">
+                      <a:prstClr val="black">
+                        <a:lumMod val="75000"/>
+                        <a:lumOff val="25000"/>
+                      </a:prstClr>
+                    </a:gs>
+                  </a:gsLst>
+                  <a:lin ang="5400000" scaled="1"/>
+                </a:gradFill>
+                <a:effectLst/>
+                <a:uLnTx/>
+                <a:uFillTx/>
+                <a:latin typeface="Malgun Gothic Semilight" panose="020B0502040204020203" pitchFamily="50" charset="-127"/>
+                <a:ea typeface="Malgun Gothic Semilight" panose="020B0502040204020203" pitchFamily="50" charset="-127"/>
+                <a:cs typeface="Malgun Gothic Semilight" panose="020B0502040204020203" pitchFamily="50" charset="-127"/>
+              </a:rPr>
+              <a:t>JSP</a:t>
+            </a:r>
+            <a:r>
+              <a:rPr kumimoji="0" lang="ko-KR" altLang="en-US" sz="2800" b="1" i="0" u="none" strike="noStrike" kern="1200" cap="none" spc="-150" normalizeH="0" baseline="0" noProof="0" dirty="0">
+                <a:ln>
+                  <a:noFill/>
+                </a:ln>
+                <a:gradFill>
+                  <a:gsLst>
+                    <a:gs pos="83000">
+                      <a:prstClr val="black">
+                        <a:lumMod val="75000"/>
+                        <a:lumOff val="25000"/>
+                      </a:prstClr>
+                    </a:gs>
+                    <a:gs pos="100000">
+                      <a:prstClr val="black">
+                        <a:lumMod val="75000"/>
+                        <a:lumOff val="25000"/>
+                      </a:prstClr>
+                    </a:gs>
+                  </a:gsLst>
+                  <a:lin ang="5400000" scaled="1"/>
+                </a:gradFill>
+                <a:effectLst/>
+                <a:uLnTx/>
+                <a:uFillTx/>
+                <a:latin typeface="Malgun Gothic Semilight" panose="020B0502040204020203" pitchFamily="50" charset="-127"/>
+                <a:ea typeface="Malgun Gothic Semilight" panose="020B0502040204020203" pitchFamily="50" charset="-127"/>
+                <a:cs typeface="Malgun Gothic Semilight" panose="020B0502040204020203" pitchFamily="50" charset="-127"/>
+              </a:rPr>
+              <a:t> </a:t>
+            </a:r>
+            <a:r>
+              <a:rPr kumimoji="0" lang="en-US" altLang="ko-KR" sz="2800" b="1" i="0" u="none" strike="noStrike" kern="1200" cap="none" spc="-150" normalizeH="0" baseline="0" noProof="0" dirty="0">
+                <a:ln>
+                  <a:noFill/>
+                </a:ln>
+                <a:gradFill>
+                  <a:gsLst>
+                    <a:gs pos="83000">
+                      <a:prstClr val="black">
+                        <a:lumMod val="75000"/>
+                        <a:lumOff val="25000"/>
+                      </a:prstClr>
+                    </a:gs>
+                    <a:gs pos="100000">
+                      <a:prstClr val="black">
+                        <a:lumMod val="75000"/>
+                        <a:lumOff val="25000"/>
+                      </a:prstClr>
+                    </a:gs>
+                  </a:gsLst>
+                  <a:lin ang="5400000" scaled="1"/>
+                </a:gradFill>
+                <a:effectLst/>
+                <a:uLnTx/>
+                <a:uFillTx/>
+                <a:latin typeface="Malgun Gothic Semilight" panose="020B0502040204020203" pitchFamily="50" charset="-127"/>
+                <a:ea typeface="Malgun Gothic Semilight" panose="020B0502040204020203" pitchFamily="50" charset="-127"/>
+                <a:cs typeface="Malgun Gothic Semilight" panose="020B0502040204020203" pitchFamily="50" charset="-127"/>
+              </a:rPr>
+              <a:t>Project</a:t>
+            </a:r>
+          </a:p>
+        </p:txBody>
+      </p:sp>
+      <p:sp>
+        <p:nvSpPr>
+          <p:cNvPr id="13" name="TextBox 12">
+            <a:extLst>
+              <a:ext uri="{FF2B5EF4-FFF2-40B4-BE49-F238E27FC236}">
+                <a16:creationId xmlns:a16="http://schemas.microsoft.com/office/drawing/2014/main" id="{4EC86F03-8472-4595-A2F7-14C357D690FD}"/>
+              </a:ext>
+            </a:extLst>
+          </p:cNvPr>
+          <p:cNvSpPr txBox="1"/>
+          <p:nvPr/>
+        </p:nvSpPr>
+        <p:spPr>
+          <a:xfrm>
+            <a:off x="4357037" y="1549511"/>
+            <a:ext cx="3477924" cy="494494"/>
+          </a:xfrm>
+          <a:prstGeom prst="rect">
+            <a:avLst/>
+          </a:prstGeom>
+          <a:noFill/>
+        </p:spPr>
+        <p:txBody>
+          <a:bodyPr wrap="square" rtlCol="0">
+            <a:spAutoFit/>
+          </a:bodyPr>
+          <a:lstStyle/>
+          <a:p>
+            <a:pPr marL="0" marR="0" lvl="0" indent="0" algn="ctr" defTabSz="914400" rtl="0" eaLnBrk="1" fontAlgn="auto" latinLnBrk="1" hangingPunct="1">
+              <a:lnSpc>
+                <a:spcPct val="150000"/>
+              </a:lnSpc>
+              <a:spcBef>
+                <a:spcPts val="0"/>
+              </a:spcBef>
+              <a:spcAft>
+                <a:spcPts val="0"/>
+              </a:spcAft>
+              <a:buClrTx/>
+              <a:buSzTx/>
+              <a:buFontTx/>
+              <a:buNone/>
+              <a:tabLst/>
+              <a:defRPr/>
+            </a:pPr>
+            <a:r>
+              <a:rPr kumimoji="0" lang="ko-KR" altLang="en-US" sz="2000" b="0" i="0" u="none" strike="noStrike" kern="1200" cap="none" spc="-150" normalizeH="0" baseline="0" noProof="0" dirty="0">
+                <a:ln>
+                  <a:noFill/>
+                </a:ln>
+                <a:gradFill>
+                  <a:gsLst>
+                    <a:gs pos="83000">
+                      <a:prstClr val="black">
+                        <a:lumMod val="75000"/>
+                        <a:lumOff val="25000"/>
+                      </a:prstClr>
+                    </a:gs>
+                    <a:gs pos="100000">
+                      <a:prstClr val="black">
+                        <a:lumMod val="75000"/>
+                        <a:lumOff val="25000"/>
+                      </a:prstClr>
+                    </a:gs>
+                  </a:gsLst>
+                  <a:lin ang="5400000" scaled="1"/>
+                </a:gradFill>
+                <a:effectLst/>
+                <a:uLnTx/>
+                <a:uFillTx/>
+                <a:latin typeface="Malgun Gothic Semilight" panose="020B0502040204020203" pitchFamily="50" charset="-127"/>
+                <a:ea typeface="Malgun Gothic Semilight" panose="020B0502040204020203" pitchFamily="50" charset="-127"/>
+                <a:cs typeface="Malgun Gothic Semilight" panose="020B0502040204020203" pitchFamily="50" charset="-127"/>
+              </a:rPr>
+              <a:t>선정 이유</a:t>
+            </a:r>
+            <a:endParaRPr kumimoji="0" lang="en-US" altLang="ko-KR" sz="2000" b="0" i="0" u="none" strike="noStrike" kern="1200" cap="none" spc="-150" normalizeH="0" baseline="0" noProof="0" dirty="0">
+              <a:ln>
+                <a:noFill/>
+              </a:ln>
+              <a:gradFill>
+                <a:gsLst>
+                  <a:gs pos="83000">
+                    <a:prstClr val="black">
+                      <a:lumMod val="75000"/>
+                      <a:lumOff val="25000"/>
+                    </a:prstClr>
+                  </a:gs>
+                  <a:gs pos="100000">
+                    <a:prstClr val="black">
+                      <a:lumMod val="75000"/>
+                      <a:lumOff val="25000"/>
+                    </a:prstClr>
+                  </a:gs>
+                </a:gsLst>
+                <a:lin ang="5400000" scaled="1"/>
+              </a:gradFill>
+              <a:effectLst/>
+              <a:uLnTx/>
+              <a:uFillTx/>
+              <a:latin typeface="Malgun Gothic Semilight" panose="020B0502040204020203" pitchFamily="50" charset="-127"/>
+              <a:ea typeface="Malgun Gothic Semilight" panose="020B0502040204020203" pitchFamily="50" charset="-127"/>
+              <a:cs typeface="Malgun Gothic Semilight" panose="020B0502040204020203" pitchFamily="50" charset="-127"/>
+            </a:endParaRPr>
+          </a:p>
+        </p:txBody>
+      </p:sp>
+      <p:sp>
+        <p:nvSpPr>
+          <p:cNvPr id="14" name="TextBox 13">
+            <a:extLst>
+              <a:ext uri="{FF2B5EF4-FFF2-40B4-BE49-F238E27FC236}">
+                <a16:creationId xmlns:a16="http://schemas.microsoft.com/office/drawing/2014/main" id="{21B9D5D6-849F-4195-B8D6-2932DE5477F7}"/>
+              </a:ext>
+            </a:extLst>
+          </p:cNvPr>
+          <p:cNvSpPr txBox="1"/>
+          <p:nvPr/>
+        </p:nvSpPr>
+        <p:spPr>
+          <a:xfrm>
+            <a:off x="1492030" y="3429000"/>
+            <a:ext cx="9207939" cy="1879489"/>
+          </a:xfrm>
+          <a:prstGeom prst="rect">
+            <a:avLst/>
+          </a:prstGeom>
+          <a:noFill/>
+        </p:spPr>
+        <p:txBody>
+          <a:bodyPr wrap="square" rtlCol="0">
+            <a:spAutoFit/>
+          </a:bodyPr>
+          <a:lstStyle/>
+          <a:p>
+            <a:pPr marL="0" marR="0" lvl="0" indent="0" algn="ctr" defTabSz="914400" rtl="0" eaLnBrk="1" fontAlgn="auto" latinLnBrk="1" hangingPunct="1">
+              <a:lnSpc>
+                <a:spcPct val="150000"/>
+              </a:lnSpc>
+              <a:spcBef>
+                <a:spcPts val="0"/>
+              </a:spcBef>
+              <a:spcAft>
+                <a:spcPts val="0"/>
+              </a:spcAft>
+              <a:buClrTx/>
+              <a:buSzTx/>
+              <a:buFontTx/>
+              <a:buNone/>
+              <a:tabLst/>
+              <a:defRPr/>
+            </a:pPr>
+            <a:r>
+              <a:rPr kumimoji="0" lang="ko-KR" altLang="en-US" sz="2000" b="0" i="0" u="none" strike="noStrike" kern="1200" cap="none" spc="-150" normalizeH="0" baseline="0" noProof="0" dirty="0">
+                <a:ln>
+                  <a:noFill/>
+                </a:ln>
+                <a:gradFill>
+                  <a:gsLst>
+                    <a:gs pos="83000">
+                      <a:prstClr val="black">
+                        <a:lumMod val="75000"/>
+                        <a:lumOff val="25000"/>
+                      </a:prstClr>
+                    </a:gs>
+                    <a:gs pos="100000">
+                      <a:prstClr val="black">
+                        <a:lumMod val="75000"/>
+                        <a:lumOff val="25000"/>
+                      </a:prstClr>
+                    </a:gs>
+                  </a:gsLst>
+                  <a:lin ang="5400000" scaled="1"/>
+                </a:gradFill>
+                <a:effectLst/>
+                <a:uLnTx/>
+                <a:uFillTx/>
+                <a:latin typeface="Malgun Gothic Semilight" panose="020B0502040204020203" pitchFamily="50" charset="-127"/>
+                <a:ea typeface="Malgun Gothic Semilight" panose="020B0502040204020203" pitchFamily="50" charset="-127"/>
+                <a:cs typeface="Malgun Gothic Semilight" panose="020B0502040204020203" pitchFamily="50" charset="-127"/>
+              </a:rPr>
+              <a:t>근로 장학생 신청을 하게 되면서</a:t>
+            </a:r>
+            <a:endParaRPr kumimoji="0" lang="en-US" altLang="ko-KR" sz="2000" b="0" i="0" u="none" strike="noStrike" kern="1200" cap="none" spc="-150" normalizeH="0" baseline="0" noProof="0" dirty="0">
+              <a:ln>
+                <a:noFill/>
+              </a:ln>
+              <a:gradFill>
+                <a:gsLst>
+                  <a:gs pos="83000">
+                    <a:prstClr val="black">
+                      <a:lumMod val="75000"/>
+                      <a:lumOff val="25000"/>
+                    </a:prstClr>
+                  </a:gs>
+                  <a:gs pos="100000">
+                    <a:prstClr val="black">
+                      <a:lumMod val="75000"/>
+                      <a:lumOff val="25000"/>
+                    </a:prstClr>
+                  </a:gs>
+                </a:gsLst>
+                <a:lin ang="5400000" scaled="1"/>
+              </a:gradFill>
+              <a:effectLst/>
+              <a:uLnTx/>
+              <a:uFillTx/>
+              <a:latin typeface="Malgun Gothic Semilight" panose="020B0502040204020203" pitchFamily="50" charset="-127"/>
+              <a:ea typeface="Malgun Gothic Semilight" panose="020B0502040204020203" pitchFamily="50" charset="-127"/>
+              <a:cs typeface="Malgun Gothic Semilight" panose="020B0502040204020203" pitchFamily="50" charset="-127"/>
+            </a:endParaRPr>
+          </a:p>
+          <a:p>
+            <a:pPr marL="0" marR="0" lvl="0" indent="0" algn="ctr" defTabSz="914400" rtl="0" eaLnBrk="1" fontAlgn="auto" latinLnBrk="1" hangingPunct="1">
+              <a:lnSpc>
+                <a:spcPct val="150000"/>
+              </a:lnSpc>
+              <a:spcBef>
+                <a:spcPts val="0"/>
+              </a:spcBef>
+              <a:spcAft>
+                <a:spcPts val="0"/>
+              </a:spcAft>
+              <a:buClrTx/>
+              <a:buSzTx/>
+              <a:buFontTx/>
+              <a:buNone/>
+              <a:tabLst/>
+              <a:defRPr/>
+            </a:pPr>
+            <a:r>
+              <a:rPr kumimoji="0" lang="ko-KR" altLang="en-US" sz="2000" b="0" i="0" u="none" strike="noStrike" kern="1200" cap="none" spc="-150" normalizeH="0" baseline="0" noProof="0" dirty="0">
+                <a:ln>
+                  <a:noFill/>
+                </a:ln>
+                <a:gradFill>
+                  <a:gsLst>
+                    <a:gs pos="83000">
+                      <a:prstClr val="black">
+                        <a:lumMod val="75000"/>
+                        <a:lumOff val="25000"/>
+                      </a:prstClr>
+                    </a:gs>
+                    <a:gs pos="100000">
+                      <a:prstClr val="black">
+                        <a:lumMod val="75000"/>
+                        <a:lumOff val="25000"/>
+                      </a:prstClr>
+                    </a:gs>
+                  </a:gsLst>
+                  <a:lin ang="5400000" scaled="1"/>
+                </a:gradFill>
+                <a:effectLst/>
+                <a:uLnTx/>
+                <a:uFillTx/>
+                <a:latin typeface="Malgun Gothic Semilight" panose="020B0502040204020203" pitchFamily="50" charset="-127"/>
+                <a:ea typeface="Malgun Gothic Semilight" panose="020B0502040204020203" pitchFamily="50" charset="-127"/>
+                <a:cs typeface="Malgun Gothic Semilight" panose="020B0502040204020203" pitchFamily="50" charset="-127"/>
+              </a:rPr>
+              <a:t>이력서를 작성 때에 힘들었던 기억이 있습니다</a:t>
+            </a:r>
+            <a:r>
+              <a:rPr kumimoji="0" lang="en-US" altLang="ko-KR" sz="2000" b="0" i="0" u="none" strike="noStrike" kern="1200" cap="none" spc="-150" normalizeH="0" baseline="0" noProof="0" dirty="0">
+                <a:ln>
+                  <a:noFill/>
+                </a:ln>
+                <a:gradFill>
+                  <a:gsLst>
+                    <a:gs pos="83000">
+                      <a:prstClr val="black">
+                        <a:lumMod val="75000"/>
+                        <a:lumOff val="25000"/>
+                      </a:prstClr>
+                    </a:gs>
+                    <a:gs pos="100000">
+                      <a:prstClr val="black">
+                        <a:lumMod val="75000"/>
+                        <a:lumOff val="25000"/>
+                      </a:prstClr>
+                    </a:gs>
+                  </a:gsLst>
+                  <a:lin ang="5400000" scaled="1"/>
+                </a:gradFill>
+                <a:effectLst/>
+                <a:uLnTx/>
+                <a:uFillTx/>
+                <a:latin typeface="Malgun Gothic Semilight" panose="020B0502040204020203" pitchFamily="50" charset="-127"/>
+                <a:ea typeface="Malgun Gothic Semilight" panose="020B0502040204020203" pitchFamily="50" charset="-127"/>
+                <a:cs typeface="Malgun Gothic Semilight" panose="020B0502040204020203" pitchFamily="50" charset="-127"/>
+              </a:rPr>
+              <a:t>.</a:t>
+            </a:r>
+          </a:p>
+          <a:p>
+            <a:pPr marL="0" marR="0" lvl="0" indent="0" algn="ctr" defTabSz="914400" rtl="0" eaLnBrk="1" fontAlgn="auto" latinLnBrk="1" hangingPunct="1">
+              <a:lnSpc>
+                <a:spcPct val="150000"/>
+              </a:lnSpc>
+              <a:spcBef>
+                <a:spcPts val="0"/>
+              </a:spcBef>
+              <a:spcAft>
+                <a:spcPts val="0"/>
+              </a:spcAft>
+              <a:buClrTx/>
+              <a:buSzTx/>
+              <a:buFontTx/>
+              <a:buNone/>
+              <a:tabLst/>
+              <a:defRPr/>
+            </a:pPr>
+            <a:r>
+              <a:rPr kumimoji="0" lang="ko-KR" altLang="en-US" sz="2000" b="0" i="0" u="none" strike="noStrike" kern="1200" cap="none" spc="-150" normalizeH="0" baseline="0" noProof="0" dirty="0">
+                <a:ln>
+                  <a:noFill/>
+                </a:ln>
+                <a:gradFill>
+                  <a:gsLst>
+                    <a:gs pos="83000">
+                      <a:prstClr val="black">
+                        <a:lumMod val="75000"/>
+                        <a:lumOff val="25000"/>
+                      </a:prstClr>
+                    </a:gs>
+                    <a:gs pos="100000">
+                      <a:prstClr val="black">
+                        <a:lumMod val="75000"/>
+                        <a:lumOff val="25000"/>
+                      </a:prstClr>
+                    </a:gs>
+                  </a:gsLst>
+                  <a:lin ang="5400000" scaled="1"/>
+                </a:gradFill>
+                <a:effectLst/>
+                <a:uLnTx/>
+                <a:uFillTx/>
+                <a:latin typeface="Malgun Gothic Semilight" panose="020B0502040204020203" pitchFamily="50" charset="-127"/>
+                <a:ea typeface="Malgun Gothic Semilight" panose="020B0502040204020203" pitchFamily="50" charset="-127"/>
+                <a:cs typeface="Malgun Gothic Semilight" panose="020B0502040204020203" pitchFamily="50" charset="-127"/>
+              </a:rPr>
+              <a:t>이제 저만의 포트폴리오를 만들어</a:t>
+            </a:r>
+            <a:endParaRPr kumimoji="0" lang="en-US" altLang="ko-KR" sz="2000" b="0" i="0" u="none" strike="noStrike" kern="1200" cap="none" spc="-150" normalizeH="0" baseline="0" noProof="0" dirty="0">
+              <a:ln>
+                <a:noFill/>
+              </a:ln>
+              <a:gradFill>
+                <a:gsLst>
+                  <a:gs pos="83000">
+                    <a:prstClr val="black">
+                      <a:lumMod val="75000"/>
+                      <a:lumOff val="25000"/>
+                    </a:prstClr>
+                  </a:gs>
+                  <a:gs pos="100000">
+                    <a:prstClr val="black">
+                      <a:lumMod val="75000"/>
+                      <a:lumOff val="25000"/>
+                    </a:prstClr>
+                  </a:gs>
+                </a:gsLst>
+                <a:lin ang="5400000" scaled="1"/>
+              </a:gradFill>
+              <a:effectLst/>
+              <a:uLnTx/>
+              <a:uFillTx/>
+              <a:latin typeface="Malgun Gothic Semilight" panose="020B0502040204020203" pitchFamily="50" charset="-127"/>
+              <a:ea typeface="Malgun Gothic Semilight" panose="020B0502040204020203" pitchFamily="50" charset="-127"/>
+              <a:cs typeface="Malgun Gothic Semilight" panose="020B0502040204020203" pitchFamily="50" charset="-127"/>
+            </a:endParaRPr>
+          </a:p>
+          <a:p>
+            <a:pPr marL="0" marR="0" lvl="0" indent="0" algn="ctr" defTabSz="914400" rtl="0" eaLnBrk="1" fontAlgn="auto" latinLnBrk="1" hangingPunct="1">
+              <a:lnSpc>
+                <a:spcPct val="150000"/>
+              </a:lnSpc>
+              <a:spcBef>
+                <a:spcPts val="0"/>
+              </a:spcBef>
+              <a:spcAft>
+                <a:spcPts val="0"/>
+              </a:spcAft>
+              <a:buClrTx/>
+              <a:buSzTx/>
+              <a:buFontTx/>
+              <a:buNone/>
+              <a:tabLst/>
+              <a:defRPr/>
+            </a:pPr>
+            <a:r>
+              <a:rPr kumimoji="0" lang="ko-KR" altLang="en-US" sz="2000" b="0" i="0" u="none" strike="noStrike" kern="1200" cap="none" spc="-150" normalizeH="0" baseline="0" noProof="0" dirty="0">
+                <a:ln>
+                  <a:noFill/>
+                </a:ln>
+                <a:gradFill>
+                  <a:gsLst>
+                    <a:gs pos="83000">
+                      <a:prstClr val="black">
+                        <a:lumMod val="75000"/>
+                        <a:lumOff val="25000"/>
+                      </a:prstClr>
+                    </a:gs>
+                    <a:gs pos="100000">
+                      <a:prstClr val="black">
+                        <a:lumMod val="75000"/>
+                        <a:lumOff val="25000"/>
+                      </a:prstClr>
+                    </a:gs>
+                  </a:gsLst>
+                  <a:lin ang="5400000" scaled="1"/>
+                </a:gradFill>
+                <a:effectLst/>
+                <a:uLnTx/>
+                <a:uFillTx/>
+                <a:latin typeface="Malgun Gothic Semilight" panose="020B0502040204020203" pitchFamily="50" charset="-127"/>
+                <a:ea typeface="Malgun Gothic Semilight" panose="020B0502040204020203" pitchFamily="50" charset="-127"/>
+                <a:cs typeface="Malgun Gothic Semilight" panose="020B0502040204020203" pitchFamily="50" charset="-127"/>
+              </a:rPr>
+              <a:t>다음에 쓸 이력서를 위해 하나하나 채워갈 수 있는 페이지를 제작해보고 싶었습니다</a:t>
+            </a:r>
+            <a:r>
+              <a:rPr kumimoji="0" lang="en-US" altLang="ko-KR" sz="2000" b="0" i="0" u="none" strike="noStrike" kern="1200" cap="none" spc="-150" normalizeH="0" baseline="0" noProof="0" dirty="0">
+                <a:ln>
+                  <a:noFill/>
+                </a:ln>
+                <a:gradFill>
+                  <a:gsLst>
+                    <a:gs pos="83000">
+                      <a:prstClr val="black">
+                        <a:lumMod val="75000"/>
+                        <a:lumOff val="25000"/>
+                      </a:prstClr>
+                    </a:gs>
+                    <a:gs pos="100000">
+                      <a:prstClr val="black">
+                        <a:lumMod val="75000"/>
+                        <a:lumOff val="25000"/>
+                      </a:prstClr>
+                    </a:gs>
+                  </a:gsLst>
+                  <a:lin ang="5400000" scaled="1"/>
+                </a:gradFill>
+                <a:effectLst/>
+                <a:uLnTx/>
+                <a:uFillTx/>
+                <a:latin typeface="Malgun Gothic Semilight" panose="020B0502040204020203" pitchFamily="50" charset="-127"/>
+                <a:ea typeface="Malgun Gothic Semilight" panose="020B0502040204020203" pitchFamily="50" charset="-127"/>
+                <a:cs typeface="Malgun Gothic Semilight" panose="020B0502040204020203" pitchFamily="50" charset="-127"/>
+              </a:rPr>
+              <a:t>.</a:t>
+            </a:r>
+          </a:p>
+        </p:txBody>
+      </p:sp>
+    </p:spTree>
+    <p:extLst>
+      <p:ext uri="{BB962C8B-B14F-4D97-AF65-F5344CB8AC3E}">
+        <p14:creationId xmlns:p14="http://schemas.microsoft.com/office/powerpoint/2010/main" val="2509610217"/>
+      </p:ext>
+    </p:extLst>
+  </p:cSld>
+  <p:clrMapOvr>
+    <a:masterClrMapping/>
+  </p:clrMapOvr>
+</p:sld>
+</file>
+
+<file path=ppt/slides/slide3.xml><?xml version="1.0" encoding="utf-8"?>
+<p:sld xmlns:a="http://schemas.openxmlformats.org/drawingml/2006/main" xmlns:r="http://schemas.openxmlformats.org/officeDocument/2006/relationships" xmlns:p="http://schemas.openxmlformats.org/presentationml/2006/main">
+  <p:cSld>
+    <p:bg>
+      <p:bgPr>
+        <a:solidFill>
+          <a:schemeClr val="bg1"/>
+        </a:solidFill>
+        <a:effectLst/>
+      </p:bgPr>
+    </p:bg>
+    <p:spTree>
+      <p:nvGrpSpPr>
+        <p:cNvPr id="1" name=""/>
+        <p:cNvGrpSpPr/>
+        <p:nvPr/>
+      </p:nvGrpSpPr>
+      <p:grpSpPr>
+        <a:xfrm>
+          <a:off x="0" y="0"/>
+          <a:ext cx="0" cy="0"/>
+          <a:chOff x="0" y="0"/>
+          <a:chExt cx="0" cy="0"/>
+        </a:xfrm>
+      </p:grpSpPr>
+      <p:sp>
+        <p:nvSpPr>
+          <p:cNvPr id="12" name="TextBox 11">
+            <a:extLst>
+              <a:ext uri="{FF2B5EF4-FFF2-40B4-BE49-F238E27FC236}">
+                <a16:creationId xmlns:a16="http://schemas.microsoft.com/office/drawing/2014/main" id="{72C1CBAC-EF92-40FE-A9AB-F06B1C7F436D}"/>
+              </a:ext>
+            </a:extLst>
+          </p:cNvPr>
+          <p:cNvSpPr txBox="1"/>
+          <p:nvPr/>
+        </p:nvSpPr>
+        <p:spPr>
+          <a:xfrm>
+            <a:off x="435427" y="360737"/>
+            <a:ext cx="1842664" cy="655372"/>
+          </a:xfrm>
+          <a:prstGeom prst="rect">
+            <a:avLst/>
+          </a:prstGeom>
+          <a:noFill/>
+        </p:spPr>
+        <p:txBody>
+          <a:bodyPr wrap="square" rtlCol="0">
+            <a:spAutoFit/>
+          </a:bodyPr>
+          <a:lstStyle/>
+          <a:p>
+            <a:pPr marL="0" marR="0" lvl="0" indent="0" algn="ctr" defTabSz="914400" rtl="0" eaLnBrk="1" fontAlgn="auto" latinLnBrk="1" hangingPunct="1">
+              <a:lnSpc>
+                <a:spcPct val="150000"/>
+              </a:lnSpc>
+              <a:spcBef>
+                <a:spcPts val="0"/>
+              </a:spcBef>
+              <a:spcAft>
+                <a:spcPts val="0"/>
+              </a:spcAft>
+              <a:buClrTx/>
+              <a:buSzTx/>
+              <a:buFontTx/>
+              <a:buNone/>
+              <a:tabLst/>
+              <a:defRPr/>
+            </a:pPr>
+            <a:r>
+              <a:rPr kumimoji="0" lang="en-US" altLang="ko-KR" sz="2800" b="1" i="0" u="none" strike="noStrike" kern="1200" cap="none" spc="-150" normalizeH="0" baseline="0" noProof="0" dirty="0">
+                <a:ln>
+                  <a:noFill/>
+                </a:ln>
+                <a:gradFill>
+                  <a:gsLst>
+                    <a:gs pos="83000">
+                      <a:prstClr val="black">
+                        <a:lumMod val="75000"/>
+                        <a:lumOff val="25000"/>
+                      </a:prstClr>
+                    </a:gs>
+                    <a:gs pos="100000">
+                      <a:prstClr val="black">
+                        <a:lumMod val="75000"/>
+                        <a:lumOff val="25000"/>
+                      </a:prstClr>
+                    </a:gs>
+                  </a:gsLst>
+                  <a:lin ang="5400000" scaled="1"/>
+                </a:gradFill>
+                <a:effectLst/>
+                <a:uLnTx/>
+                <a:uFillTx/>
+                <a:latin typeface="Malgun Gothic Semilight" panose="020B0502040204020203" pitchFamily="50" charset="-127"/>
+                <a:ea typeface="Malgun Gothic Semilight" panose="020B0502040204020203" pitchFamily="50" charset="-127"/>
+                <a:cs typeface="Malgun Gothic Semilight" panose="020B0502040204020203" pitchFamily="50" charset="-127"/>
+              </a:rPr>
+              <a:t>JSP</a:t>
+            </a:r>
+            <a:r>
+              <a:rPr kumimoji="0" lang="ko-KR" altLang="en-US" sz="2800" b="1" i="0" u="none" strike="noStrike" kern="1200" cap="none" spc="-150" normalizeH="0" baseline="0" noProof="0" dirty="0">
+                <a:ln>
+                  <a:noFill/>
+                </a:ln>
+                <a:gradFill>
+                  <a:gsLst>
+                    <a:gs pos="83000">
+                      <a:prstClr val="black">
+                        <a:lumMod val="75000"/>
+                        <a:lumOff val="25000"/>
+                      </a:prstClr>
+                    </a:gs>
+                    <a:gs pos="100000">
+                      <a:prstClr val="black">
+                        <a:lumMod val="75000"/>
+                        <a:lumOff val="25000"/>
+                      </a:prstClr>
+                    </a:gs>
+                  </a:gsLst>
+                  <a:lin ang="5400000" scaled="1"/>
+                </a:gradFill>
+                <a:effectLst/>
+                <a:uLnTx/>
+                <a:uFillTx/>
+                <a:latin typeface="Malgun Gothic Semilight" panose="020B0502040204020203" pitchFamily="50" charset="-127"/>
+                <a:ea typeface="Malgun Gothic Semilight" panose="020B0502040204020203" pitchFamily="50" charset="-127"/>
+                <a:cs typeface="Malgun Gothic Semilight" panose="020B0502040204020203" pitchFamily="50" charset="-127"/>
+              </a:rPr>
+              <a:t> </a:t>
+            </a:r>
+            <a:r>
+              <a:rPr kumimoji="0" lang="en-US" altLang="ko-KR" sz="2800" b="1" i="0" u="none" strike="noStrike" kern="1200" cap="none" spc="-150" normalizeH="0" baseline="0" noProof="0" dirty="0">
+                <a:ln>
+                  <a:noFill/>
+                </a:ln>
+                <a:gradFill>
+                  <a:gsLst>
+                    <a:gs pos="83000">
+                      <a:prstClr val="black">
+                        <a:lumMod val="75000"/>
+                        <a:lumOff val="25000"/>
+                      </a:prstClr>
+                    </a:gs>
+                    <a:gs pos="100000">
+                      <a:prstClr val="black">
+                        <a:lumMod val="75000"/>
+                        <a:lumOff val="25000"/>
+                      </a:prstClr>
+                    </a:gs>
+                  </a:gsLst>
+                  <a:lin ang="5400000" scaled="1"/>
+                </a:gradFill>
+                <a:effectLst/>
+                <a:uLnTx/>
+                <a:uFillTx/>
+                <a:latin typeface="Malgun Gothic Semilight" panose="020B0502040204020203" pitchFamily="50" charset="-127"/>
+                <a:ea typeface="Malgun Gothic Semilight" panose="020B0502040204020203" pitchFamily="50" charset="-127"/>
+                <a:cs typeface="Malgun Gothic Semilight" panose="020B0502040204020203" pitchFamily="50" charset="-127"/>
+              </a:rPr>
+              <a:t>Project</a:t>
+            </a:r>
+          </a:p>
+        </p:txBody>
+      </p:sp>
+      <p:sp>
+        <p:nvSpPr>
+          <p:cNvPr id="13" name="TextBox 12">
+            <a:extLst>
+              <a:ext uri="{FF2B5EF4-FFF2-40B4-BE49-F238E27FC236}">
+                <a16:creationId xmlns:a16="http://schemas.microsoft.com/office/drawing/2014/main" id="{4EC86F03-8472-4595-A2F7-14C357D690FD}"/>
+              </a:ext>
+            </a:extLst>
+          </p:cNvPr>
+          <p:cNvSpPr txBox="1"/>
+          <p:nvPr/>
+        </p:nvSpPr>
+        <p:spPr>
+          <a:xfrm>
+            <a:off x="4357037" y="441176"/>
+            <a:ext cx="3477924" cy="494494"/>
+          </a:xfrm>
+          <a:prstGeom prst="rect">
+            <a:avLst/>
+          </a:prstGeom>
+          <a:noFill/>
+        </p:spPr>
+        <p:txBody>
+          <a:bodyPr wrap="square" rtlCol="0">
+            <a:spAutoFit/>
+          </a:bodyPr>
+          <a:lstStyle/>
+          <a:p>
+            <a:pPr marL="0" marR="0" lvl="0" indent="0" algn="ctr" defTabSz="914400" rtl="0" eaLnBrk="1" fontAlgn="auto" latinLnBrk="1" hangingPunct="1">
+              <a:lnSpc>
+                <a:spcPct val="150000"/>
+              </a:lnSpc>
+              <a:spcBef>
+                <a:spcPts val="0"/>
+              </a:spcBef>
+              <a:spcAft>
+                <a:spcPts val="0"/>
+              </a:spcAft>
+              <a:buClrTx/>
+              <a:buSzTx/>
+              <a:buFontTx/>
+              <a:buNone/>
+              <a:tabLst/>
+              <a:defRPr/>
+            </a:pPr>
+            <a:r>
+              <a:rPr kumimoji="0" lang="en-US" altLang="ko-KR" sz="2000" b="0" i="0" u="none" strike="noStrike" kern="1200" cap="none" spc="-150" normalizeH="0" baseline="0" noProof="0" dirty="0">
+                <a:ln>
+                  <a:noFill/>
+                </a:ln>
+                <a:gradFill>
+                  <a:gsLst>
+                    <a:gs pos="83000">
+                      <a:prstClr val="black">
+                        <a:lumMod val="75000"/>
+                        <a:lumOff val="25000"/>
+                      </a:prstClr>
+                    </a:gs>
+                    <a:gs pos="100000">
+                      <a:prstClr val="black">
+                        <a:lumMod val="75000"/>
+                        <a:lumOff val="25000"/>
+                      </a:prstClr>
+                    </a:gs>
+                  </a:gsLst>
+                  <a:lin ang="5400000" scaled="1"/>
+                </a:gradFill>
+                <a:effectLst/>
+                <a:uLnTx/>
+                <a:uFillTx/>
+                <a:latin typeface="Malgun Gothic Semilight" panose="020B0502040204020203" pitchFamily="50" charset="-127"/>
+                <a:ea typeface="Malgun Gothic Semilight" panose="020B0502040204020203" pitchFamily="50" charset="-127"/>
+                <a:cs typeface="Malgun Gothic Semilight" panose="020B0502040204020203" pitchFamily="50" charset="-127"/>
+              </a:rPr>
+              <a:t>Benchmarking – suiux.com</a:t>
+            </a:r>
+          </a:p>
+        </p:txBody>
+      </p:sp>
+      <p:pic>
+        <p:nvPicPr>
+          <p:cNvPr id="2" name="그림 1">
+            <a:extLst>
+              <a:ext uri="{FF2B5EF4-FFF2-40B4-BE49-F238E27FC236}">
+                <a16:creationId xmlns:a16="http://schemas.microsoft.com/office/drawing/2014/main" id="{98E5F52B-714F-4387-BC31-3C5C16B47CF1}"/>
+              </a:ext>
+            </a:extLst>
+          </p:cNvPr>
+          <p:cNvPicPr>
+            <a:picLocks noChangeAspect="1"/>
+          </p:cNvPicPr>
+          <p:nvPr/>
+        </p:nvPicPr>
+        <p:blipFill>
+          <a:blip r:embed="rId2"/>
+          <a:stretch>
+            <a:fillRect/>
+          </a:stretch>
+        </p:blipFill>
+        <p:spPr>
+          <a:xfrm>
+            <a:off x="1491236" y="1095176"/>
+            <a:ext cx="9209526" cy="5655886"/>
+          </a:xfrm>
+          <a:prstGeom prst="rect">
+            <a:avLst/>
+          </a:prstGeom>
+        </p:spPr>
+      </p:pic>
+    </p:spTree>
+    <p:extLst>
+      <p:ext uri="{BB962C8B-B14F-4D97-AF65-F5344CB8AC3E}">
+        <p14:creationId xmlns:p14="http://schemas.microsoft.com/office/powerpoint/2010/main" val="22043065"/>
+      </p:ext>
+    </p:extLst>
+  </p:cSld>
+  <p:clrMapOvr>
+    <a:masterClrMapping/>
+  </p:clrMapOvr>
+</p:sld>
+</file>
+
+<file path=ppt/slides/slide4.xml><?xml version="1.0" encoding="utf-8"?>
 <p:sld xmlns:a="http://schemas.openxmlformats.org/drawingml/2006/main" xmlns:r="http://schemas.openxmlformats.org/officeDocument/2006/relationships" xmlns:p="http://schemas.openxmlformats.org/presentationml/2006/main">
   <p:cSld>
     <p:bg>
@@ -6216,7 +7565,7 @@
 </p:sld>
 </file>
 
-<file path=ppt/slides/slide3.xml><?xml version="1.0" encoding="utf-8"?>
+<file path=ppt/slides/slide5.xml><?xml version="1.0" encoding="utf-8"?>
 <p:sld xmlns:a="http://schemas.openxmlformats.org/drawingml/2006/main" xmlns:r="http://schemas.openxmlformats.org/officeDocument/2006/relationships" xmlns:p="http://schemas.openxmlformats.org/presentationml/2006/main">
   <p:cSld>
     <p:bg>
@@ -7787,7 +9136,7 @@
 </p:sld>
 </file>
 
-<file path=ppt/slides/slide4.xml><?xml version="1.0" encoding="utf-8"?>
+<file path=ppt/slides/slide6.xml><?xml version="1.0" encoding="utf-8"?>
 <p:sld xmlns:a="http://schemas.openxmlformats.org/drawingml/2006/main" xmlns:r="http://schemas.openxmlformats.org/officeDocument/2006/relationships" xmlns:p="http://schemas.openxmlformats.org/presentationml/2006/main">
   <p:cSld>
     <p:bg>
@@ -8103,7 +9452,7 @@
 </p:sld>
 </file>
 
-<file path=ppt/slides/slide5.xml><?xml version="1.0" encoding="utf-8"?>
+<file path=ppt/slides/slide7.xml><?xml version="1.0" encoding="utf-8"?>
 <p:sld xmlns:a="http://schemas.openxmlformats.org/drawingml/2006/main" xmlns:r="http://schemas.openxmlformats.org/officeDocument/2006/relationships" xmlns:p="http://schemas.openxmlformats.org/presentationml/2006/main">
   <p:cSld>
     <p:bg>
@@ -9251,7 +10600,7 @@
 </p:sld>
 </file>
 
-<file path=ppt/slides/slide6.xml><?xml version="1.0" encoding="utf-8"?>
+<file path=ppt/slides/slide8.xml><?xml version="1.0" encoding="utf-8"?>
 <p:sld xmlns:a="http://schemas.openxmlformats.org/drawingml/2006/main" xmlns:r="http://schemas.openxmlformats.org/officeDocument/2006/relationships" xmlns:p="http://schemas.openxmlformats.org/presentationml/2006/main">
   <p:cSld>
     <p:bg>
@@ -10644,7 +11993,7 @@
 </p:sld>
 </file>
 
-<file path=ppt/slides/slide7.xml><?xml version="1.0" encoding="utf-8"?>
+<file path=ppt/slides/slide9.xml><?xml version="1.0" encoding="utf-8"?>
 <p:sld xmlns:a="http://schemas.openxmlformats.org/drawingml/2006/main" xmlns:r="http://schemas.openxmlformats.org/officeDocument/2006/relationships" xmlns:p="http://schemas.openxmlformats.org/presentationml/2006/main">
   <p:cSld>
     <p:bg>
@@ -11014,536 +12363,6 @@
     <p:extLst>
       <p:ext uri="{BB962C8B-B14F-4D97-AF65-F5344CB8AC3E}">
         <p14:creationId xmlns:p14="http://schemas.microsoft.com/office/powerpoint/2010/main" val="1609722263"/>
-      </p:ext>
-    </p:extLst>
-  </p:cSld>
-  <p:clrMapOvr>
-    <a:masterClrMapping/>
-  </p:clrMapOvr>
-</p:sld>
-</file>
-
-<file path=ppt/slides/slide8.xml><?xml version="1.0" encoding="utf-8"?>
-<p:sld xmlns:a="http://schemas.openxmlformats.org/drawingml/2006/main" xmlns:r="http://schemas.openxmlformats.org/officeDocument/2006/relationships" xmlns:p="http://schemas.openxmlformats.org/presentationml/2006/main">
-  <p:cSld>
-    <p:bg>
-      <p:bgPr>
-        <a:solidFill>
-          <a:schemeClr val="bg1"/>
-        </a:solidFill>
-        <a:effectLst/>
-      </p:bgPr>
-    </p:bg>
-    <p:spTree>
-      <p:nvGrpSpPr>
-        <p:cNvPr id="1" name=""/>
-        <p:cNvGrpSpPr/>
-        <p:nvPr/>
-      </p:nvGrpSpPr>
-      <p:grpSpPr>
-        <a:xfrm>
-          <a:off x="0" y="0"/>
-          <a:ext cx="0" cy="0"/>
-          <a:chOff x="0" y="0"/>
-          <a:chExt cx="0" cy="0"/>
-        </a:xfrm>
-      </p:grpSpPr>
-      <p:sp>
-        <p:nvSpPr>
-          <p:cNvPr id="12" name="TextBox 11">
-            <a:extLst>
-              <a:ext uri="{FF2B5EF4-FFF2-40B4-BE49-F238E27FC236}">
-                <a16:creationId xmlns:a16="http://schemas.microsoft.com/office/drawing/2014/main" id="{72C1CBAC-EF92-40FE-A9AB-F06B1C7F436D}"/>
-              </a:ext>
-            </a:extLst>
-          </p:cNvPr>
-          <p:cNvSpPr txBox="1"/>
-          <p:nvPr/>
-        </p:nvSpPr>
-        <p:spPr>
-          <a:xfrm>
-            <a:off x="435427" y="360737"/>
-            <a:ext cx="1842664" cy="655372"/>
-          </a:xfrm>
-          <a:prstGeom prst="rect">
-            <a:avLst/>
-          </a:prstGeom>
-          <a:noFill/>
-        </p:spPr>
-        <p:txBody>
-          <a:bodyPr wrap="square" rtlCol="0">
-            <a:spAutoFit/>
-          </a:bodyPr>
-          <a:lstStyle/>
-          <a:p>
-            <a:pPr algn="ctr">
-              <a:lnSpc>
-                <a:spcPct val="150000"/>
-              </a:lnSpc>
-            </a:pPr>
-            <a:r>
-              <a:rPr lang="en-US" altLang="ko-KR" sz="2800" b="1" spc="-150" dirty="0">
-                <a:gradFill>
-                  <a:gsLst>
-                    <a:gs pos="83000">
-                      <a:schemeClr val="tx1">
-                        <a:lumMod val="75000"/>
-                        <a:lumOff val="25000"/>
-                      </a:schemeClr>
-                    </a:gs>
-                    <a:gs pos="100000">
-                      <a:schemeClr val="tx1">
-                        <a:lumMod val="75000"/>
-                        <a:lumOff val="25000"/>
-                      </a:schemeClr>
-                    </a:gs>
-                  </a:gsLst>
-                  <a:lin ang="5400000" scaled="1"/>
-                </a:gradFill>
-                <a:latin typeface="Malgun Gothic Semilight" panose="020B0502040204020203" pitchFamily="50" charset="-127"/>
-                <a:ea typeface="Malgun Gothic Semilight" panose="020B0502040204020203" pitchFamily="50" charset="-127"/>
-                <a:cs typeface="Malgun Gothic Semilight" panose="020B0502040204020203" pitchFamily="50" charset="-127"/>
-              </a:rPr>
-              <a:t>JSP</a:t>
-            </a:r>
-            <a:r>
-              <a:rPr lang="ko-KR" altLang="en-US" sz="2800" b="1" spc="-150" dirty="0">
-                <a:gradFill>
-                  <a:gsLst>
-                    <a:gs pos="83000">
-                      <a:schemeClr val="tx1">
-                        <a:lumMod val="75000"/>
-                        <a:lumOff val="25000"/>
-                      </a:schemeClr>
-                    </a:gs>
-                    <a:gs pos="100000">
-                      <a:schemeClr val="tx1">
-                        <a:lumMod val="75000"/>
-                        <a:lumOff val="25000"/>
-                      </a:schemeClr>
-                    </a:gs>
-                  </a:gsLst>
-                  <a:lin ang="5400000" scaled="1"/>
-                </a:gradFill>
-                <a:latin typeface="Malgun Gothic Semilight" panose="020B0502040204020203" pitchFamily="50" charset="-127"/>
-                <a:ea typeface="Malgun Gothic Semilight" panose="020B0502040204020203" pitchFamily="50" charset="-127"/>
-                <a:cs typeface="Malgun Gothic Semilight" panose="020B0502040204020203" pitchFamily="50" charset="-127"/>
-              </a:rPr>
-              <a:t> </a:t>
-            </a:r>
-            <a:r>
-              <a:rPr lang="en-US" altLang="ko-KR" sz="2800" b="1" spc="-150" dirty="0">
-                <a:gradFill>
-                  <a:gsLst>
-                    <a:gs pos="83000">
-                      <a:schemeClr val="tx1">
-                        <a:lumMod val="75000"/>
-                        <a:lumOff val="25000"/>
-                      </a:schemeClr>
-                    </a:gs>
-                    <a:gs pos="100000">
-                      <a:schemeClr val="tx1">
-                        <a:lumMod val="75000"/>
-                        <a:lumOff val="25000"/>
-                      </a:schemeClr>
-                    </a:gs>
-                  </a:gsLst>
-                  <a:lin ang="5400000" scaled="1"/>
-                </a:gradFill>
-                <a:latin typeface="Malgun Gothic Semilight" panose="020B0502040204020203" pitchFamily="50" charset="-127"/>
-                <a:ea typeface="Malgun Gothic Semilight" panose="020B0502040204020203" pitchFamily="50" charset="-127"/>
-                <a:cs typeface="Malgun Gothic Semilight" panose="020B0502040204020203" pitchFamily="50" charset="-127"/>
-              </a:rPr>
-              <a:t>Project</a:t>
-            </a:r>
-          </a:p>
-        </p:txBody>
-      </p:sp>
-      <p:sp>
-        <p:nvSpPr>
-          <p:cNvPr id="13" name="TextBox 12">
-            <a:extLst>
-              <a:ext uri="{FF2B5EF4-FFF2-40B4-BE49-F238E27FC236}">
-                <a16:creationId xmlns:a16="http://schemas.microsoft.com/office/drawing/2014/main" id="{4EC86F03-8472-4595-A2F7-14C357D690FD}"/>
-              </a:ext>
-            </a:extLst>
-          </p:cNvPr>
-          <p:cNvSpPr txBox="1"/>
-          <p:nvPr/>
-        </p:nvSpPr>
-        <p:spPr>
-          <a:xfrm>
-            <a:off x="3402472" y="360737"/>
-            <a:ext cx="5387053" cy="494494"/>
-          </a:xfrm>
-          <a:prstGeom prst="rect">
-            <a:avLst/>
-          </a:prstGeom>
-          <a:noFill/>
-        </p:spPr>
-        <p:txBody>
-          <a:bodyPr wrap="square" rtlCol="0">
-            <a:spAutoFit/>
-          </a:bodyPr>
-          <a:lstStyle/>
-          <a:p>
-            <a:pPr algn="ctr">
-              <a:lnSpc>
-                <a:spcPct val="150000"/>
-              </a:lnSpc>
-            </a:pPr>
-            <a:r>
-              <a:rPr lang="en-US" altLang="ko-KR" sz="2000" spc="-150" dirty="0">
-                <a:gradFill>
-                  <a:gsLst>
-                    <a:gs pos="83000">
-                      <a:schemeClr val="tx1">
-                        <a:lumMod val="75000"/>
-                        <a:lumOff val="25000"/>
-                      </a:schemeClr>
-                    </a:gs>
-                    <a:gs pos="100000">
-                      <a:schemeClr val="tx1">
-                        <a:lumMod val="75000"/>
-                        <a:lumOff val="25000"/>
-                      </a:schemeClr>
-                    </a:gs>
-                  </a:gsLst>
-                  <a:lin ang="5400000" scaled="1"/>
-                </a:gradFill>
-                <a:latin typeface="Malgun Gothic Semilight" panose="020B0502040204020203" pitchFamily="50" charset="-127"/>
-                <a:ea typeface="Malgun Gothic Semilight" panose="020B0502040204020203" pitchFamily="50" charset="-127"/>
-                <a:cs typeface="Malgun Gothic Semilight" panose="020B0502040204020203" pitchFamily="50" charset="-127"/>
-              </a:rPr>
-              <a:t>View – “/(index)”, “</a:t>
-            </a:r>
-            <a:r>
-              <a:rPr lang="en-US" altLang="ko-KR" sz="2000" spc="-150" dirty="0" err="1">
-                <a:gradFill>
-                  <a:gsLst>
-                    <a:gs pos="83000">
-                      <a:schemeClr val="tx1">
-                        <a:lumMod val="75000"/>
-                        <a:lumOff val="25000"/>
-                      </a:schemeClr>
-                    </a:gs>
-                    <a:gs pos="100000">
-                      <a:schemeClr val="tx1">
-                        <a:lumMod val="75000"/>
-                        <a:lumOff val="25000"/>
-                      </a:schemeClr>
-                    </a:gs>
-                  </a:gsLst>
-                  <a:lin ang="5400000" scaled="1"/>
-                </a:gradFill>
-                <a:latin typeface="Malgun Gothic Semilight" panose="020B0502040204020203" pitchFamily="50" charset="-127"/>
-                <a:ea typeface="Malgun Gothic Semilight" panose="020B0502040204020203" pitchFamily="50" charset="-127"/>
-                <a:cs typeface="Malgun Gothic Semilight" panose="020B0502040204020203" pitchFamily="50" charset="-127"/>
-              </a:rPr>
-              <a:t>KyuMin</a:t>
-            </a:r>
-            <a:r>
-              <a:rPr lang="en-US" altLang="ko-KR" sz="2000" spc="-150" dirty="0">
-                <a:gradFill>
-                  <a:gsLst>
-                    <a:gs pos="83000">
-                      <a:schemeClr val="tx1">
-                        <a:lumMod val="75000"/>
-                        <a:lumOff val="25000"/>
-                      </a:schemeClr>
-                    </a:gs>
-                    <a:gs pos="100000">
-                      <a:schemeClr val="tx1">
-                        <a:lumMod val="75000"/>
-                        <a:lumOff val="25000"/>
-                      </a:schemeClr>
-                    </a:gs>
-                  </a:gsLst>
-                  <a:lin ang="5400000" scaled="1"/>
-                </a:gradFill>
-                <a:latin typeface="Malgun Gothic Semilight" panose="020B0502040204020203" pitchFamily="50" charset="-127"/>
-                <a:ea typeface="Malgun Gothic Semilight" panose="020B0502040204020203" pitchFamily="50" charset="-127"/>
-                <a:cs typeface="Malgun Gothic Semilight" panose="020B0502040204020203" pitchFamily="50" charset="-127"/>
-              </a:rPr>
-              <a:t>”, “About Me”</a:t>
-            </a:r>
-          </a:p>
-        </p:txBody>
-      </p:sp>
-      <p:pic>
-        <p:nvPicPr>
-          <p:cNvPr id="2" name="그림 1">
-            <a:extLst>
-              <a:ext uri="{FF2B5EF4-FFF2-40B4-BE49-F238E27FC236}">
-                <a16:creationId xmlns:a16="http://schemas.microsoft.com/office/drawing/2014/main" id="{0BFF4CE4-428F-4957-85CA-B031CFC2F059}"/>
-              </a:ext>
-            </a:extLst>
-          </p:cNvPr>
-          <p:cNvPicPr>
-            <a:picLocks noChangeAspect="1"/>
-          </p:cNvPicPr>
-          <p:nvPr/>
-        </p:nvPicPr>
-        <p:blipFill>
-          <a:blip r:embed="rId2"/>
-          <a:stretch>
-            <a:fillRect/>
-          </a:stretch>
-        </p:blipFill>
-        <p:spPr>
-          <a:xfrm>
-            <a:off x="1504572" y="1146737"/>
-            <a:ext cx="9182854" cy="5491451"/>
-          </a:xfrm>
-          <a:prstGeom prst="rect">
-            <a:avLst/>
-          </a:prstGeom>
-        </p:spPr>
-      </p:pic>
-    </p:spTree>
-    <p:extLst>
-      <p:ext uri="{BB962C8B-B14F-4D97-AF65-F5344CB8AC3E}">
-        <p14:creationId xmlns:p14="http://schemas.microsoft.com/office/powerpoint/2010/main" val="2765170497"/>
-      </p:ext>
-    </p:extLst>
-  </p:cSld>
-  <p:clrMapOvr>
-    <a:masterClrMapping/>
-  </p:clrMapOvr>
-</p:sld>
-</file>
-
-<file path=ppt/slides/slide9.xml><?xml version="1.0" encoding="utf-8"?>
-<p:sld xmlns:a="http://schemas.openxmlformats.org/drawingml/2006/main" xmlns:r="http://schemas.openxmlformats.org/officeDocument/2006/relationships" xmlns:p="http://schemas.openxmlformats.org/presentationml/2006/main">
-  <p:cSld>
-    <p:bg>
-      <p:bgPr>
-        <a:solidFill>
-          <a:schemeClr val="bg1"/>
-        </a:solidFill>
-        <a:effectLst/>
-      </p:bgPr>
-    </p:bg>
-    <p:spTree>
-      <p:nvGrpSpPr>
-        <p:cNvPr id="1" name=""/>
-        <p:cNvGrpSpPr/>
-        <p:nvPr/>
-      </p:nvGrpSpPr>
-      <p:grpSpPr>
-        <a:xfrm>
-          <a:off x="0" y="0"/>
-          <a:ext cx="0" cy="0"/>
-          <a:chOff x="0" y="0"/>
-          <a:chExt cx="0" cy="0"/>
-        </a:xfrm>
-      </p:grpSpPr>
-      <p:sp>
-        <p:nvSpPr>
-          <p:cNvPr id="12" name="TextBox 11">
-            <a:extLst>
-              <a:ext uri="{FF2B5EF4-FFF2-40B4-BE49-F238E27FC236}">
-                <a16:creationId xmlns:a16="http://schemas.microsoft.com/office/drawing/2014/main" id="{72C1CBAC-EF92-40FE-A9AB-F06B1C7F436D}"/>
-              </a:ext>
-            </a:extLst>
-          </p:cNvPr>
-          <p:cNvSpPr txBox="1"/>
-          <p:nvPr/>
-        </p:nvSpPr>
-        <p:spPr>
-          <a:xfrm>
-            <a:off x="435427" y="360737"/>
-            <a:ext cx="1842664" cy="655372"/>
-          </a:xfrm>
-          <a:prstGeom prst="rect">
-            <a:avLst/>
-          </a:prstGeom>
-          <a:noFill/>
-        </p:spPr>
-        <p:txBody>
-          <a:bodyPr wrap="square" rtlCol="0">
-            <a:spAutoFit/>
-          </a:bodyPr>
-          <a:lstStyle/>
-          <a:p>
-            <a:pPr algn="ctr">
-              <a:lnSpc>
-                <a:spcPct val="150000"/>
-              </a:lnSpc>
-            </a:pPr>
-            <a:r>
-              <a:rPr lang="en-US" altLang="ko-KR" sz="2800" b="1" spc="-150" dirty="0">
-                <a:gradFill>
-                  <a:gsLst>
-                    <a:gs pos="83000">
-                      <a:schemeClr val="tx1">
-                        <a:lumMod val="75000"/>
-                        <a:lumOff val="25000"/>
-                      </a:schemeClr>
-                    </a:gs>
-                    <a:gs pos="100000">
-                      <a:schemeClr val="tx1">
-                        <a:lumMod val="75000"/>
-                        <a:lumOff val="25000"/>
-                      </a:schemeClr>
-                    </a:gs>
-                  </a:gsLst>
-                  <a:lin ang="5400000" scaled="1"/>
-                </a:gradFill>
-                <a:latin typeface="Malgun Gothic Semilight" panose="020B0502040204020203" pitchFamily="50" charset="-127"/>
-                <a:ea typeface="Malgun Gothic Semilight" panose="020B0502040204020203" pitchFamily="50" charset="-127"/>
-                <a:cs typeface="Malgun Gothic Semilight" panose="020B0502040204020203" pitchFamily="50" charset="-127"/>
-              </a:rPr>
-              <a:t>JSP</a:t>
-            </a:r>
-            <a:r>
-              <a:rPr lang="ko-KR" altLang="en-US" sz="2800" b="1" spc="-150" dirty="0">
-                <a:gradFill>
-                  <a:gsLst>
-                    <a:gs pos="83000">
-                      <a:schemeClr val="tx1">
-                        <a:lumMod val="75000"/>
-                        <a:lumOff val="25000"/>
-                      </a:schemeClr>
-                    </a:gs>
-                    <a:gs pos="100000">
-                      <a:schemeClr val="tx1">
-                        <a:lumMod val="75000"/>
-                        <a:lumOff val="25000"/>
-                      </a:schemeClr>
-                    </a:gs>
-                  </a:gsLst>
-                  <a:lin ang="5400000" scaled="1"/>
-                </a:gradFill>
-                <a:latin typeface="Malgun Gothic Semilight" panose="020B0502040204020203" pitchFamily="50" charset="-127"/>
-                <a:ea typeface="Malgun Gothic Semilight" panose="020B0502040204020203" pitchFamily="50" charset="-127"/>
-                <a:cs typeface="Malgun Gothic Semilight" panose="020B0502040204020203" pitchFamily="50" charset="-127"/>
-              </a:rPr>
-              <a:t> </a:t>
-            </a:r>
-            <a:r>
-              <a:rPr lang="en-US" altLang="ko-KR" sz="2800" b="1" spc="-150" dirty="0">
-                <a:gradFill>
-                  <a:gsLst>
-                    <a:gs pos="83000">
-                      <a:schemeClr val="tx1">
-                        <a:lumMod val="75000"/>
-                        <a:lumOff val="25000"/>
-                      </a:schemeClr>
-                    </a:gs>
-                    <a:gs pos="100000">
-                      <a:schemeClr val="tx1">
-                        <a:lumMod val="75000"/>
-                        <a:lumOff val="25000"/>
-                      </a:schemeClr>
-                    </a:gs>
-                  </a:gsLst>
-                  <a:lin ang="5400000" scaled="1"/>
-                </a:gradFill>
-                <a:latin typeface="Malgun Gothic Semilight" panose="020B0502040204020203" pitchFamily="50" charset="-127"/>
-                <a:ea typeface="Malgun Gothic Semilight" panose="020B0502040204020203" pitchFamily="50" charset="-127"/>
-                <a:cs typeface="Malgun Gothic Semilight" panose="020B0502040204020203" pitchFamily="50" charset="-127"/>
-              </a:rPr>
-              <a:t>Project</a:t>
-            </a:r>
-          </a:p>
-        </p:txBody>
-      </p:sp>
-      <p:sp>
-        <p:nvSpPr>
-          <p:cNvPr id="13" name="TextBox 12">
-            <a:extLst>
-              <a:ext uri="{FF2B5EF4-FFF2-40B4-BE49-F238E27FC236}">
-                <a16:creationId xmlns:a16="http://schemas.microsoft.com/office/drawing/2014/main" id="{4EC86F03-8472-4595-A2F7-14C357D690FD}"/>
-              </a:ext>
-            </a:extLst>
-          </p:cNvPr>
-          <p:cNvSpPr txBox="1"/>
-          <p:nvPr/>
-        </p:nvSpPr>
-        <p:spPr>
-          <a:xfrm>
-            <a:off x="3931118" y="441176"/>
-            <a:ext cx="4329763" cy="494494"/>
-          </a:xfrm>
-          <a:prstGeom prst="rect">
-            <a:avLst/>
-          </a:prstGeom>
-          <a:noFill/>
-        </p:spPr>
-        <p:txBody>
-          <a:bodyPr wrap="square" rtlCol="0">
-            <a:spAutoFit/>
-          </a:bodyPr>
-          <a:lstStyle/>
-          <a:p>
-            <a:pPr algn="ctr">
-              <a:lnSpc>
-                <a:spcPct val="150000"/>
-              </a:lnSpc>
-            </a:pPr>
-            <a:r>
-              <a:rPr lang="en-US" altLang="ko-KR" sz="2000" spc="-150" dirty="0">
-                <a:gradFill>
-                  <a:gsLst>
-                    <a:gs pos="83000">
-                      <a:schemeClr val="tx1">
-                        <a:lumMod val="75000"/>
-                        <a:lumOff val="25000"/>
-                      </a:schemeClr>
-                    </a:gs>
-                    <a:gs pos="100000">
-                      <a:schemeClr val="tx1">
-                        <a:lumMod val="75000"/>
-                        <a:lumOff val="25000"/>
-                      </a:schemeClr>
-                    </a:gs>
-                  </a:gsLst>
-                  <a:lin ang="5400000" scaled="1"/>
-                </a:gradFill>
-                <a:latin typeface="Malgun Gothic Semilight" panose="020B0502040204020203" pitchFamily="50" charset="-127"/>
-                <a:ea typeface="Malgun Gothic Semilight" panose="020B0502040204020203" pitchFamily="50" charset="-127"/>
-                <a:cs typeface="Malgun Gothic Semilight" panose="020B0502040204020203" pitchFamily="50" charset="-127"/>
-              </a:rPr>
-              <a:t>View – “Contact”</a:t>
-            </a:r>
-          </a:p>
-        </p:txBody>
-      </p:sp>
-      <p:pic>
-        <p:nvPicPr>
-          <p:cNvPr id="3" name="그림 2">
-            <a:extLst>
-              <a:ext uri="{FF2B5EF4-FFF2-40B4-BE49-F238E27FC236}">
-                <a16:creationId xmlns:a16="http://schemas.microsoft.com/office/drawing/2014/main" id="{614321BA-F0B5-4405-9FE8-30219FB9B8BE}"/>
-              </a:ext>
-            </a:extLst>
-          </p:cNvPr>
-          <p:cNvPicPr>
-            <a:picLocks noChangeAspect="1"/>
-          </p:cNvPicPr>
-          <p:nvPr/>
-        </p:nvPicPr>
-        <p:blipFill>
-          <a:blip r:embed="rId2"/>
-          <a:stretch>
-            <a:fillRect/>
-          </a:stretch>
-        </p:blipFill>
-        <p:spPr>
-          <a:xfrm>
-            <a:off x="1504572" y="1122726"/>
-            <a:ext cx="9182854" cy="5374537"/>
-          </a:xfrm>
-          <a:prstGeom prst="rect">
-            <a:avLst/>
-          </a:prstGeom>
-        </p:spPr>
-      </p:pic>
-    </p:spTree>
-    <p:extLst>
-      <p:ext uri="{BB962C8B-B14F-4D97-AF65-F5344CB8AC3E}">
-        <p14:creationId xmlns:p14="http://schemas.microsoft.com/office/powerpoint/2010/main" val="393052294"/>
       </p:ext>
     </p:extLst>
   </p:cSld>
